--- a/v1_Software project presentation.pptx
+++ b/v1_Software project presentation.pptx
@@ -5,7 +5,7 @@
     <p:sldMasterId id="2147483683" r:id="rId1"/>
   </p:sldMasterIdLst>
   <p:notesMasterIdLst>
-    <p:notesMasterId r:id="rId37"/>
+    <p:notesMasterId r:id="rId23"/>
   </p:notesMasterIdLst>
   <p:sldIdLst>
     <p:sldId id="256" r:id="rId2"/>
@@ -13,36 +13,22 @@
     <p:sldId id="258" r:id="rId4"/>
     <p:sldId id="265" r:id="rId5"/>
     <p:sldId id="264" r:id="rId6"/>
-    <p:sldId id="313" r:id="rId7"/>
-    <p:sldId id="307" r:id="rId8"/>
-    <p:sldId id="271" r:id="rId9"/>
-    <p:sldId id="270" r:id="rId10"/>
-    <p:sldId id="266" r:id="rId11"/>
-    <p:sldId id="279" r:id="rId12"/>
-    <p:sldId id="280" r:id="rId13"/>
-    <p:sldId id="269" r:id="rId14"/>
-    <p:sldId id="314" r:id="rId15"/>
-    <p:sldId id="315" r:id="rId16"/>
-    <p:sldId id="316" r:id="rId17"/>
-    <p:sldId id="317" r:id="rId18"/>
-    <p:sldId id="318" r:id="rId19"/>
-    <p:sldId id="328" r:id="rId20"/>
-    <p:sldId id="329" r:id="rId21"/>
-    <p:sldId id="330" r:id="rId22"/>
-    <p:sldId id="331" r:id="rId23"/>
-    <p:sldId id="332" r:id="rId24"/>
-    <p:sldId id="333" r:id="rId25"/>
-    <p:sldId id="334" r:id="rId26"/>
-    <p:sldId id="335" r:id="rId27"/>
-    <p:sldId id="336" r:id="rId28"/>
-    <p:sldId id="325" r:id="rId29"/>
-    <p:sldId id="338" r:id="rId30"/>
-    <p:sldId id="340" r:id="rId31"/>
-    <p:sldId id="345" r:id="rId32"/>
-    <p:sldId id="349" r:id="rId33"/>
-    <p:sldId id="350" r:id="rId34"/>
-    <p:sldId id="351" r:id="rId35"/>
-    <p:sldId id="353" r:id="rId36"/>
+    <p:sldId id="269" r:id="rId7"/>
+    <p:sldId id="315" r:id="rId8"/>
+    <p:sldId id="340" r:id="rId9"/>
+    <p:sldId id="316" r:id="rId10"/>
+    <p:sldId id="317" r:id="rId11"/>
+    <p:sldId id="318" r:id="rId12"/>
+    <p:sldId id="339" r:id="rId13"/>
+    <p:sldId id="338" r:id="rId14"/>
+    <p:sldId id="335" r:id="rId15"/>
+    <p:sldId id="329" r:id="rId16"/>
+    <p:sldId id="330" r:id="rId17"/>
+    <p:sldId id="331" r:id="rId18"/>
+    <p:sldId id="337" r:id="rId19"/>
+    <p:sldId id="332" r:id="rId20"/>
+    <p:sldId id="334" r:id="rId21"/>
+    <p:sldId id="336" r:id="rId22"/>
   </p:sldIdLst>
   <p:sldSz cx="9144000" cy="6858000" type="screen4x3"/>
   <p:notesSz cx="6858000" cy="9144000"/>
@@ -171,6 +157,22 @@
       </a:defRPr>
     </a:lvl9pPr>
   </p:defaultTextStyle>
+  <p:extLst>
+    <p:ext uri="{EFAFB233-063F-42B5-8137-9DF3F51BA10A}">
+      <p15:sldGuideLst xmlns:p15="http://schemas.microsoft.com/office/powerpoint/2012/main">
+        <p15:guide id="1" orient="horz" pos="2160">
+          <p15:clr>
+            <a:srgbClr val="A4A3A4"/>
+          </p15:clr>
+        </p15:guide>
+        <p15:guide id="2" pos="2880">
+          <p15:clr>
+            <a:srgbClr val="A4A3A4"/>
+          </p15:clr>
+        </p15:guide>
+      </p15:sldGuideLst>
+    </p:ext>
+  </p:extLst>
 </p:presentation>
 </file>
 
@@ -1668,753 +1670,6 @@
 </dgm:colorsDef>
 </file>
 
-<file path=ppt/diagrams/colors3.xml><?xml version="1.0" encoding="utf-8"?>
-<dgm:colorsDef xmlns:dgm="http://schemas.openxmlformats.org/drawingml/2006/diagram" xmlns:a="http://schemas.openxmlformats.org/drawingml/2006/main" uniqueId="urn:microsoft.com/office/officeart/2005/8/colors/accent1_2">
-  <dgm:title val=""/>
-  <dgm:desc val=""/>
-  <dgm:catLst>
-    <dgm:cat type="accent1" pri="11200"/>
-  </dgm:catLst>
-  <dgm:styleLbl name="node0">
-    <dgm:fillClrLst meth="repeat">
-      <a:schemeClr val="accent1"/>
-    </dgm:fillClrLst>
-    <dgm:linClrLst meth="repeat">
-      <a:schemeClr val="lt1"/>
-    </dgm:linClrLst>
-    <dgm:effectClrLst/>
-    <dgm:txLinClrLst/>
-    <dgm:txFillClrLst/>
-    <dgm:txEffectClrLst/>
-  </dgm:styleLbl>
-  <dgm:styleLbl name="alignNode1">
-    <dgm:fillClrLst meth="repeat">
-      <a:schemeClr val="accent1"/>
-    </dgm:fillClrLst>
-    <dgm:linClrLst meth="repeat">
-      <a:schemeClr val="accent1"/>
-    </dgm:linClrLst>
-    <dgm:effectClrLst/>
-    <dgm:txLinClrLst/>
-    <dgm:txFillClrLst/>
-    <dgm:txEffectClrLst/>
-  </dgm:styleLbl>
-  <dgm:styleLbl name="node1">
-    <dgm:fillClrLst meth="repeat">
-      <a:schemeClr val="accent1"/>
-    </dgm:fillClrLst>
-    <dgm:linClrLst meth="repeat">
-      <a:schemeClr val="lt1"/>
-    </dgm:linClrLst>
-    <dgm:effectClrLst/>
-    <dgm:txLinClrLst/>
-    <dgm:txFillClrLst/>
-    <dgm:txEffectClrLst/>
-  </dgm:styleLbl>
-  <dgm:styleLbl name="lnNode1">
-    <dgm:fillClrLst meth="repeat">
-      <a:schemeClr val="accent1"/>
-    </dgm:fillClrLst>
-    <dgm:linClrLst meth="repeat">
-      <a:schemeClr val="lt1"/>
-    </dgm:linClrLst>
-    <dgm:effectClrLst/>
-    <dgm:txLinClrLst/>
-    <dgm:txFillClrLst/>
-    <dgm:txEffectClrLst/>
-  </dgm:styleLbl>
-  <dgm:styleLbl name="vennNode1">
-    <dgm:fillClrLst meth="repeat">
-      <a:schemeClr val="accent1">
-        <a:alpha val="50000"/>
-      </a:schemeClr>
-    </dgm:fillClrLst>
-    <dgm:linClrLst meth="repeat">
-      <a:schemeClr val="lt1"/>
-    </dgm:linClrLst>
-    <dgm:effectClrLst/>
-    <dgm:txLinClrLst/>
-    <dgm:txFillClrLst/>
-    <dgm:txEffectClrLst/>
-  </dgm:styleLbl>
-  <dgm:styleLbl name="node2">
-    <dgm:fillClrLst meth="repeat">
-      <a:schemeClr val="accent1"/>
-    </dgm:fillClrLst>
-    <dgm:linClrLst meth="repeat">
-      <a:schemeClr val="lt1"/>
-    </dgm:linClrLst>
-    <dgm:effectClrLst/>
-    <dgm:txLinClrLst/>
-    <dgm:txFillClrLst/>
-    <dgm:txEffectClrLst/>
-  </dgm:styleLbl>
-  <dgm:styleLbl name="node3">
-    <dgm:fillClrLst meth="repeat">
-      <a:schemeClr val="accent1"/>
-    </dgm:fillClrLst>
-    <dgm:linClrLst meth="repeat">
-      <a:schemeClr val="lt1"/>
-    </dgm:linClrLst>
-    <dgm:effectClrLst/>
-    <dgm:txLinClrLst/>
-    <dgm:txFillClrLst/>
-    <dgm:txEffectClrLst/>
-  </dgm:styleLbl>
-  <dgm:styleLbl name="node4">
-    <dgm:fillClrLst meth="repeat">
-      <a:schemeClr val="accent1"/>
-    </dgm:fillClrLst>
-    <dgm:linClrLst meth="repeat">
-      <a:schemeClr val="lt1"/>
-    </dgm:linClrLst>
-    <dgm:effectClrLst/>
-    <dgm:txLinClrLst/>
-    <dgm:txFillClrLst/>
-    <dgm:txEffectClrLst/>
-  </dgm:styleLbl>
-  <dgm:styleLbl name="fgImgPlace1">
-    <dgm:fillClrLst meth="repeat">
-      <a:schemeClr val="accent1">
-        <a:tint val="50000"/>
-      </a:schemeClr>
-    </dgm:fillClrLst>
-    <dgm:linClrLst meth="repeat">
-      <a:schemeClr val="lt1"/>
-    </dgm:linClrLst>
-    <dgm:effectClrLst/>
-    <dgm:txLinClrLst/>
-    <dgm:txFillClrLst meth="repeat">
-      <a:schemeClr val="lt1"/>
-    </dgm:txFillClrLst>
-    <dgm:txEffectClrLst/>
-  </dgm:styleLbl>
-  <dgm:styleLbl name="alignImgPlace1">
-    <dgm:fillClrLst meth="repeat">
-      <a:schemeClr val="accent1">
-        <a:tint val="50000"/>
-      </a:schemeClr>
-    </dgm:fillClrLst>
-    <dgm:linClrLst meth="repeat">
-      <a:schemeClr val="lt1"/>
-    </dgm:linClrLst>
-    <dgm:effectClrLst/>
-    <dgm:txLinClrLst/>
-    <dgm:txFillClrLst meth="repeat">
-      <a:schemeClr val="lt1"/>
-    </dgm:txFillClrLst>
-    <dgm:txEffectClrLst/>
-  </dgm:styleLbl>
-  <dgm:styleLbl name="bgImgPlace1">
-    <dgm:fillClrLst meth="repeat">
-      <a:schemeClr val="accent1">
-        <a:tint val="50000"/>
-      </a:schemeClr>
-    </dgm:fillClrLst>
-    <dgm:linClrLst meth="repeat">
-      <a:schemeClr val="lt1"/>
-    </dgm:linClrLst>
-    <dgm:effectClrLst/>
-    <dgm:txLinClrLst/>
-    <dgm:txFillClrLst meth="repeat">
-      <a:schemeClr val="lt1"/>
-    </dgm:txFillClrLst>
-    <dgm:txEffectClrLst/>
-  </dgm:styleLbl>
-  <dgm:styleLbl name="sibTrans2D1">
-    <dgm:fillClrLst meth="repeat">
-      <a:schemeClr val="accent1">
-        <a:tint val="60000"/>
-      </a:schemeClr>
-    </dgm:fillClrLst>
-    <dgm:linClrLst meth="repeat">
-      <a:schemeClr val="accent1">
-        <a:tint val="60000"/>
-      </a:schemeClr>
-    </dgm:linClrLst>
-    <dgm:effectClrLst/>
-    <dgm:txLinClrLst/>
-    <dgm:txFillClrLst/>
-    <dgm:txEffectClrLst/>
-  </dgm:styleLbl>
-  <dgm:styleLbl name="fgSibTrans2D1">
-    <dgm:fillClrLst meth="repeat">
-      <a:schemeClr val="accent1">
-        <a:tint val="60000"/>
-      </a:schemeClr>
-    </dgm:fillClrLst>
-    <dgm:linClrLst meth="repeat">
-      <a:schemeClr val="accent1">
-        <a:tint val="60000"/>
-      </a:schemeClr>
-    </dgm:linClrLst>
-    <dgm:effectClrLst/>
-    <dgm:txLinClrLst/>
-    <dgm:txFillClrLst/>
-    <dgm:txEffectClrLst/>
-  </dgm:styleLbl>
-  <dgm:styleLbl name="bgSibTrans2D1">
-    <dgm:fillClrLst meth="repeat">
-      <a:schemeClr val="accent1">
-        <a:tint val="60000"/>
-      </a:schemeClr>
-    </dgm:fillClrLst>
-    <dgm:linClrLst meth="repeat">
-      <a:schemeClr val="accent1">
-        <a:tint val="60000"/>
-      </a:schemeClr>
-    </dgm:linClrLst>
-    <dgm:effectClrLst/>
-    <dgm:txLinClrLst/>
-    <dgm:txFillClrLst/>
-    <dgm:txEffectClrLst/>
-  </dgm:styleLbl>
-  <dgm:styleLbl name="sibTrans1D1">
-    <dgm:fillClrLst meth="repeat">
-      <a:schemeClr val="accent1"/>
-    </dgm:fillClrLst>
-    <dgm:linClrLst meth="repeat">
-      <a:schemeClr val="accent1"/>
-    </dgm:linClrLst>
-    <dgm:effectClrLst/>
-    <dgm:txLinClrLst/>
-    <dgm:txFillClrLst meth="repeat">
-      <a:schemeClr val="tx1"/>
-    </dgm:txFillClrLst>
-    <dgm:txEffectClrLst/>
-  </dgm:styleLbl>
-  <dgm:styleLbl name="callout">
-    <dgm:fillClrLst meth="repeat">
-      <a:schemeClr val="accent1"/>
-    </dgm:fillClrLst>
-    <dgm:linClrLst meth="repeat">
-      <a:schemeClr val="accent1">
-        <a:tint val="50000"/>
-      </a:schemeClr>
-    </dgm:linClrLst>
-    <dgm:effectClrLst/>
-    <dgm:txLinClrLst/>
-    <dgm:txFillClrLst meth="repeat">
-      <a:schemeClr val="tx1"/>
-    </dgm:txFillClrLst>
-    <dgm:txEffectClrLst/>
-  </dgm:styleLbl>
-  <dgm:styleLbl name="asst0">
-    <dgm:fillClrLst meth="repeat">
-      <a:schemeClr val="accent1"/>
-    </dgm:fillClrLst>
-    <dgm:linClrLst meth="repeat">
-      <a:schemeClr val="lt1"/>
-    </dgm:linClrLst>
-    <dgm:effectClrLst/>
-    <dgm:txLinClrLst/>
-    <dgm:txFillClrLst/>
-    <dgm:txEffectClrLst/>
-  </dgm:styleLbl>
-  <dgm:styleLbl name="asst1">
-    <dgm:fillClrLst meth="repeat">
-      <a:schemeClr val="accent1"/>
-    </dgm:fillClrLst>
-    <dgm:linClrLst meth="repeat">
-      <a:schemeClr val="lt1"/>
-    </dgm:linClrLst>
-    <dgm:effectClrLst/>
-    <dgm:txLinClrLst/>
-    <dgm:txFillClrLst/>
-    <dgm:txEffectClrLst/>
-  </dgm:styleLbl>
-  <dgm:styleLbl name="asst2">
-    <dgm:fillClrLst meth="repeat">
-      <a:schemeClr val="accent1"/>
-    </dgm:fillClrLst>
-    <dgm:linClrLst meth="repeat">
-      <a:schemeClr val="lt1"/>
-    </dgm:linClrLst>
-    <dgm:effectClrLst/>
-    <dgm:txLinClrLst/>
-    <dgm:txFillClrLst/>
-    <dgm:txEffectClrLst/>
-  </dgm:styleLbl>
-  <dgm:styleLbl name="asst3">
-    <dgm:fillClrLst meth="repeat">
-      <a:schemeClr val="accent1"/>
-    </dgm:fillClrLst>
-    <dgm:linClrLst meth="repeat">
-      <a:schemeClr val="lt1"/>
-    </dgm:linClrLst>
-    <dgm:effectClrLst/>
-    <dgm:txLinClrLst/>
-    <dgm:txFillClrLst/>
-    <dgm:txEffectClrLst/>
-  </dgm:styleLbl>
-  <dgm:styleLbl name="asst4">
-    <dgm:fillClrLst meth="repeat">
-      <a:schemeClr val="accent1"/>
-    </dgm:fillClrLst>
-    <dgm:linClrLst meth="repeat">
-      <a:schemeClr val="lt1"/>
-    </dgm:linClrLst>
-    <dgm:effectClrLst/>
-    <dgm:txLinClrLst/>
-    <dgm:txFillClrLst/>
-    <dgm:txEffectClrLst/>
-  </dgm:styleLbl>
-  <dgm:styleLbl name="parChTrans2D1">
-    <dgm:fillClrLst meth="repeat">
-      <a:schemeClr val="accent1">
-        <a:tint val="60000"/>
-      </a:schemeClr>
-    </dgm:fillClrLst>
-    <dgm:linClrLst meth="repeat">
-      <a:schemeClr val="accent1">
-        <a:tint val="60000"/>
-      </a:schemeClr>
-    </dgm:linClrLst>
-    <dgm:effectClrLst/>
-    <dgm:txLinClrLst/>
-    <dgm:txFillClrLst meth="repeat">
-      <a:schemeClr val="lt1"/>
-    </dgm:txFillClrLst>
-    <dgm:txEffectClrLst/>
-  </dgm:styleLbl>
-  <dgm:styleLbl name="parChTrans2D2">
-    <dgm:fillClrLst meth="repeat">
-      <a:schemeClr val="accent1"/>
-    </dgm:fillClrLst>
-    <dgm:linClrLst meth="repeat">
-      <a:schemeClr val="accent1"/>
-    </dgm:linClrLst>
-    <dgm:effectClrLst/>
-    <dgm:txLinClrLst/>
-    <dgm:txFillClrLst meth="repeat">
-      <a:schemeClr val="lt1"/>
-    </dgm:txFillClrLst>
-    <dgm:txEffectClrLst/>
-  </dgm:styleLbl>
-  <dgm:styleLbl name="parChTrans2D3">
-    <dgm:fillClrLst meth="repeat">
-      <a:schemeClr val="accent1"/>
-    </dgm:fillClrLst>
-    <dgm:linClrLst meth="repeat">
-      <a:schemeClr val="accent1"/>
-    </dgm:linClrLst>
-    <dgm:effectClrLst/>
-    <dgm:txLinClrLst/>
-    <dgm:txFillClrLst meth="repeat">
-      <a:schemeClr val="lt1"/>
-    </dgm:txFillClrLst>
-    <dgm:txEffectClrLst/>
-  </dgm:styleLbl>
-  <dgm:styleLbl name="parChTrans2D4">
-    <dgm:fillClrLst meth="repeat">
-      <a:schemeClr val="accent1"/>
-    </dgm:fillClrLst>
-    <dgm:linClrLst meth="repeat">
-      <a:schemeClr val="accent1"/>
-    </dgm:linClrLst>
-    <dgm:effectClrLst/>
-    <dgm:txLinClrLst/>
-    <dgm:txFillClrLst meth="repeat">
-      <a:schemeClr val="lt1"/>
-    </dgm:txFillClrLst>
-    <dgm:txEffectClrLst/>
-  </dgm:styleLbl>
-  <dgm:styleLbl name="parChTrans1D1">
-    <dgm:fillClrLst meth="repeat">
-      <a:schemeClr val="accent1"/>
-    </dgm:fillClrLst>
-    <dgm:linClrLst meth="repeat">
-      <a:schemeClr val="accent1">
-        <a:shade val="60000"/>
-      </a:schemeClr>
-    </dgm:linClrLst>
-    <dgm:effectClrLst/>
-    <dgm:txLinClrLst/>
-    <dgm:txFillClrLst meth="repeat">
-      <a:schemeClr val="tx1"/>
-    </dgm:txFillClrLst>
-    <dgm:txEffectClrLst/>
-  </dgm:styleLbl>
-  <dgm:styleLbl name="parChTrans1D2">
-    <dgm:fillClrLst meth="repeat">
-      <a:schemeClr val="accent1"/>
-    </dgm:fillClrLst>
-    <dgm:linClrLst meth="repeat">
-      <a:schemeClr val="accent1">
-        <a:shade val="60000"/>
-      </a:schemeClr>
-    </dgm:linClrLst>
-    <dgm:effectClrLst/>
-    <dgm:txLinClrLst/>
-    <dgm:txFillClrLst meth="repeat">
-      <a:schemeClr val="tx1"/>
-    </dgm:txFillClrLst>
-    <dgm:txEffectClrLst/>
-  </dgm:styleLbl>
-  <dgm:styleLbl name="parChTrans1D3">
-    <dgm:fillClrLst meth="repeat">
-      <a:schemeClr val="accent1"/>
-    </dgm:fillClrLst>
-    <dgm:linClrLst meth="repeat">
-      <a:schemeClr val="accent1">
-        <a:shade val="80000"/>
-      </a:schemeClr>
-    </dgm:linClrLst>
-    <dgm:effectClrLst/>
-    <dgm:txLinClrLst/>
-    <dgm:txFillClrLst meth="repeat">
-      <a:schemeClr val="tx1"/>
-    </dgm:txFillClrLst>
-    <dgm:txEffectClrLst/>
-  </dgm:styleLbl>
-  <dgm:styleLbl name="parChTrans1D4">
-    <dgm:fillClrLst meth="repeat">
-      <a:schemeClr val="accent1"/>
-    </dgm:fillClrLst>
-    <dgm:linClrLst meth="repeat">
-      <a:schemeClr val="accent1">
-        <a:shade val="80000"/>
-      </a:schemeClr>
-    </dgm:linClrLst>
-    <dgm:effectClrLst/>
-    <dgm:txLinClrLst/>
-    <dgm:txFillClrLst meth="repeat">
-      <a:schemeClr val="tx1"/>
-    </dgm:txFillClrLst>
-    <dgm:txEffectClrLst/>
-  </dgm:styleLbl>
-  <dgm:styleLbl name="fgAcc1">
-    <dgm:fillClrLst meth="repeat">
-      <a:schemeClr val="lt1">
-        <a:alpha val="90000"/>
-      </a:schemeClr>
-    </dgm:fillClrLst>
-    <dgm:linClrLst meth="repeat">
-      <a:schemeClr val="accent1"/>
-    </dgm:linClrLst>
-    <dgm:effectClrLst/>
-    <dgm:txLinClrLst/>
-    <dgm:txFillClrLst meth="repeat">
-      <a:schemeClr val="dk1"/>
-    </dgm:txFillClrLst>
-    <dgm:txEffectClrLst/>
-  </dgm:styleLbl>
-  <dgm:styleLbl name="conFgAcc1">
-    <dgm:fillClrLst meth="repeat">
-      <a:schemeClr val="lt1">
-        <a:alpha val="90000"/>
-      </a:schemeClr>
-    </dgm:fillClrLst>
-    <dgm:linClrLst meth="repeat">
-      <a:schemeClr val="accent1"/>
-    </dgm:linClrLst>
-    <dgm:effectClrLst/>
-    <dgm:txLinClrLst/>
-    <dgm:txFillClrLst meth="repeat">
-      <a:schemeClr val="dk1"/>
-    </dgm:txFillClrLst>
-    <dgm:txEffectClrLst/>
-  </dgm:styleLbl>
-  <dgm:styleLbl name="alignAcc1">
-    <dgm:fillClrLst meth="repeat">
-      <a:schemeClr val="lt1">
-        <a:alpha val="90000"/>
-      </a:schemeClr>
-    </dgm:fillClrLst>
-    <dgm:linClrLst meth="repeat">
-      <a:schemeClr val="accent1"/>
-    </dgm:linClrLst>
-    <dgm:effectClrLst/>
-    <dgm:txLinClrLst/>
-    <dgm:txFillClrLst meth="repeat">
-      <a:schemeClr val="dk1"/>
-    </dgm:txFillClrLst>
-    <dgm:txEffectClrLst/>
-  </dgm:styleLbl>
-  <dgm:styleLbl name="trAlignAcc1">
-    <dgm:fillClrLst meth="repeat">
-      <a:schemeClr val="lt1">
-        <a:alpha val="40000"/>
-      </a:schemeClr>
-    </dgm:fillClrLst>
-    <dgm:linClrLst meth="repeat">
-      <a:schemeClr val="accent1"/>
-    </dgm:linClrLst>
-    <dgm:effectClrLst/>
-    <dgm:txLinClrLst/>
-    <dgm:txFillClrLst meth="repeat">
-      <a:schemeClr val="dk1"/>
-    </dgm:txFillClrLst>
-    <dgm:txEffectClrLst/>
-  </dgm:styleLbl>
-  <dgm:styleLbl name="bgAcc1">
-    <dgm:fillClrLst meth="repeat">
-      <a:schemeClr val="lt1">
-        <a:alpha val="90000"/>
-      </a:schemeClr>
-    </dgm:fillClrLst>
-    <dgm:linClrLst meth="repeat">
-      <a:schemeClr val="accent1"/>
-    </dgm:linClrLst>
-    <dgm:effectClrLst/>
-    <dgm:txLinClrLst/>
-    <dgm:txFillClrLst meth="repeat">
-      <a:schemeClr val="dk1"/>
-    </dgm:txFillClrLst>
-    <dgm:txEffectClrLst/>
-  </dgm:styleLbl>
-  <dgm:styleLbl name="solidFgAcc1">
-    <dgm:fillClrLst meth="repeat">
-      <a:schemeClr val="lt1"/>
-    </dgm:fillClrLst>
-    <dgm:linClrLst meth="repeat">
-      <a:schemeClr val="accent1"/>
-    </dgm:linClrLst>
-    <dgm:effectClrLst/>
-    <dgm:txLinClrLst/>
-    <dgm:txFillClrLst meth="repeat">
-      <a:schemeClr val="dk1"/>
-    </dgm:txFillClrLst>
-    <dgm:txEffectClrLst/>
-  </dgm:styleLbl>
-  <dgm:styleLbl name="solidAlignAcc1">
-    <dgm:fillClrLst meth="repeat">
-      <a:schemeClr val="lt1"/>
-    </dgm:fillClrLst>
-    <dgm:linClrLst meth="repeat">
-      <a:schemeClr val="accent1"/>
-    </dgm:linClrLst>
-    <dgm:effectClrLst/>
-    <dgm:txLinClrLst/>
-    <dgm:txFillClrLst meth="repeat">
-      <a:schemeClr val="dk1"/>
-    </dgm:txFillClrLst>
-    <dgm:txEffectClrLst/>
-  </dgm:styleLbl>
-  <dgm:styleLbl name="solidBgAcc1">
-    <dgm:fillClrLst meth="repeat">
-      <a:schemeClr val="lt1"/>
-    </dgm:fillClrLst>
-    <dgm:linClrLst meth="repeat">
-      <a:schemeClr val="accent1"/>
-    </dgm:linClrLst>
-    <dgm:effectClrLst/>
-    <dgm:txLinClrLst/>
-    <dgm:txFillClrLst meth="repeat">
-      <a:schemeClr val="dk1"/>
-    </dgm:txFillClrLst>
-    <dgm:txEffectClrLst/>
-  </dgm:styleLbl>
-  <dgm:styleLbl name="fgAccFollowNode1">
-    <dgm:fillClrLst meth="repeat">
-      <a:schemeClr val="accent1">
-        <a:alpha val="90000"/>
-        <a:tint val="40000"/>
-      </a:schemeClr>
-    </dgm:fillClrLst>
-    <dgm:linClrLst meth="repeat">
-      <a:schemeClr val="accent1">
-        <a:alpha val="90000"/>
-        <a:tint val="40000"/>
-      </a:schemeClr>
-    </dgm:linClrLst>
-    <dgm:effectClrLst/>
-    <dgm:txLinClrLst/>
-    <dgm:txFillClrLst meth="repeat">
-      <a:schemeClr val="dk1"/>
-    </dgm:txFillClrLst>
-    <dgm:txEffectClrLst/>
-  </dgm:styleLbl>
-  <dgm:styleLbl name="alignAccFollowNode1">
-    <dgm:fillClrLst meth="repeat">
-      <a:schemeClr val="accent1">
-        <a:alpha val="90000"/>
-        <a:tint val="40000"/>
-      </a:schemeClr>
-    </dgm:fillClrLst>
-    <dgm:linClrLst meth="repeat">
-      <a:schemeClr val="accent1">
-        <a:alpha val="90000"/>
-        <a:tint val="40000"/>
-      </a:schemeClr>
-    </dgm:linClrLst>
-    <dgm:effectClrLst/>
-    <dgm:txLinClrLst/>
-    <dgm:txFillClrLst meth="repeat">
-      <a:schemeClr val="dk1"/>
-    </dgm:txFillClrLst>
-    <dgm:txEffectClrLst/>
-  </dgm:styleLbl>
-  <dgm:styleLbl name="bgAccFollowNode1">
-    <dgm:fillClrLst meth="repeat">
-      <a:schemeClr val="accent1">
-        <a:alpha val="90000"/>
-        <a:tint val="40000"/>
-      </a:schemeClr>
-    </dgm:fillClrLst>
-    <dgm:linClrLst meth="repeat">
-      <a:schemeClr val="accent1">
-        <a:alpha val="90000"/>
-        <a:tint val="40000"/>
-      </a:schemeClr>
-    </dgm:linClrLst>
-    <dgm:effectClrLst/>
-    <dgm:txLinClrLst/>
-    <dgm:txFillClrLst meth="repeat">
-      <a:schemeClr val="dk1"/>
-    </dgm:txFillClrLst>
-    <dgm:txEffectClrLst/>
-  </dgm:styleLbl>
-  <dgm:styleLbl name="fgAcc0">
-    <dgm:fillClrLst meth="repeat">
-      <a:schemeClr val="lt1">
-        <a:alpha val="90000"/>
-      </a:schemeClr>
-    </dgm:fillClrLst>
-    <dgm:linClrLst meth="repeat">
-      <a:schemeClr val="accent1"/>
-    </dgm:linClrLst>
-    <dgm:effectClrLst/>
-    <dgm:txLinClrLst/>
-    <dgm:txFillClrLst meth="repeat">
-      <a:schemeClr val="dk1"/>
-    </dgm:txFillClrLst>
-    <dgm:txEffectClrLst/>
-  </dgm:styleLbl>
-  <dgm:styleLbl name="fgAcc2">
-    <dgm:fillClrLst meth="repeat">
-      <a:schemeClr val="lt1">
-        <a:alpha val="90000"/>
-      </a:schemeClr>
-    </dgm:fillClrLst>
-    <dgm:linClrLst meth="repeat">
-      <a:schemeClr val="accent1"/>
-    </dgm:linClrLst>
-    <dgm:effectClrLst/>
-    <dgm:txLinClrLst/>
-    <dgm:txFillClrLst meth="repeat">
-      <a:schemeClr val="dk1"/>
-    </dgm:txFillClrLst>
-    <dgm:txEffectClrLst/>
-  </dgm:styleLbl>
-  <dgm:styleLbl name="fgAcc3">
-    <dgm:fillClrLst meth="repeat">
-      <a:schemeClr val="lt1">
-        <a:alpha val="90000"/>
-      </a:schemeClr>
-    </dgm:fillClrLst>
-    <dgm:linClrLst meth="repeat">
-      <a:schemeClr val="accent1"/>
-    </dgm:linClrLst>
-    <dgm:effectClrLst/>
-    <dgm:txLinClrLst/>
-    <dgm:txFillClrLst meth="repeat">
-      <a:schemeClr val="dk1"/>
-    </dgm:txFillClrLst>
-    <dgm:txEffectClrLst/>
-  </dgm:styleLbl>
-  <dgm:styleLbl name="fgAcc4">
-    <dgm:fillClrLst meth="repeat">
-      <a:schemeClr val="lt1">
-        <a:alpha val="90000"/>
-      </a:schemeClr>
-    </dgm:fillClrLst>
-    <dgm:linClrLst meth="repeat">
-      <a:schemeClr val="accent1"/>
-    </dgm:linClrLst>
-    <dgm:effectClrLst/>
-    <dgm:txLinClrLst/>
-    <dgm:txFillClrLst meth="repeat">
-      <a:schemeClr val="dk1"/>
-    </dgm:txFillClrLst>
-    <dgm:txEffectClrLst/>
-  </dgm:styleLbl>
-  <dgm:styleLbl name="bgShp">
-    <dgm:fillClrLst meth="repeat">
-      <a:schemeClr val="accent1">
-        <a:tint val="40000"/>
-      </a:schemeClr>
-    </dgm:fillClrLst>
-    <dgm:linClrLst meth="repeat">
-      <a:schemeClr val="accent1"/>
-    </dgm:linClrLst>
-    <dgm:effectClrLst/>
-    <dgm:txLinClrLst/>
-    <dgm:txFillClrLst meth="repeat">
-      <a:schemeClr val="dk1"/>
-    </dgm:txFillClrLst>
-    <dgm:txEffectClrLst/>
-  </dgm:styleLbl>
-  <dgm:styleLbl name="dkBgShp">
-    <dgm:fillClrLst meth="repeat">
-      <a:schemeClr val="accent1">
-        <a:shade val="80000"/>
-      </a:schemeClr>
-    </dgm:fillClrLst>
-    <dgm:linClrLst meth="repeat">
-      <a:schemeClr val="accent1"/>
-    </dgm:linClrLst>
-    <dgm:effectClrLst/>
-    <dgm:txLinClrLst/>
-    <dgm:txFillClrLst meth="repeat">
-      <a:schemeClr val="lt1"/>
-    </dgm:txFillClrLst>
-    <dgm:txEffectClrLst/>
-  </dgm:styleLbl>
-  <dgm:styleLbl name="trBgShp">
-    <dgm:fillClrLst meth="repeat">
-      <a:schemeClr val="accent1">
-        <a:tint val="50000"/>
-        <a:alpha val="40000"/>
-      </a:schemeClr>
-    </dgm:fillClrLst>
-    <dgm:linClrLst meth="repeat">
-      <a:schemeClr val="accent1"/>
-    </dgm:linClrLst>
-    <dgm:effectClrLst/>
-    <dgm:txLinClrLst/>
-    <dgm:txFillClrLst meth="repeat">
-      <a:schemeClr val="lt1"/>
-    </dgm:txFillClrLst>
-    <dgm:txEffectClrLst/>
-  </dgm:styleLbl>
-  <dgm:styleLbl name="fgShp">
-    <dgm:fillClrLst meth="repeat">
-      <a:schemeClr val="accent1">
-        <a:tint val="60000"/>
-      </a:schemeClr>
-    </dgm:fillClrLst>
-    <dgm:linClrLst meth="repeat">
-      <a:schemeClr val="lt1"/>
-    </dgm:linClrLst>
-    <dgm:effectClrLst/>
-    <dgm:txLinClrLst/>
-    <dgm:txFillClrLst meth="repeat">
-      <a:schemeClr val="dk1"/>
-    </dgm:txFillClrLst>
-    <dgm:txEffectClrLst/>
-  </dgm:styleLbl>
-  <dgm:styleLbl name="revTx">
-    <dgm:fillClrLst meth="repeat">
-      <a:schemeClr val="lt1">
-        <a:alpha val="0"/>
-      </a:schemeClr>
-    </dgm:fillClrLst>
-    <dgm:linClrLst meth="repeat">
-      <a:schemeClr val="dk1">
-        <a:alpha val="0"/>
-      </a:schemeClr>
-    </dgm:linClrLst>
-    <dgm:effectClrLst/>
-    <dgm:txLinClrLst/>
-    <dgm:txFillClrLst meth="repeat">
-      <a:schemeClr val="tx1"/>
-    </dgm:txFillClrLst>
-    <dgm:txEffectClrLst/>
-  </dgm:styleLbl>
-</dgm:colorsDef>
-</file>
-
 <file path=ppt/diagrams/data1.xml><?xml version="1.0" encoding="utf-8"?>
 <dgm:dataModel xmlns:dgm="http://schemas.openxmlformats.org/drawingml/2006/diagram" xmlns:a="http://schemas.openxmlformats.org/drawingml/2006/main">
   <dgm:ptLst>
@@ -2548,6 +1803,13 @@
         </dgm:presLayoutVars>
       </dgm:prSet>
       <dgm:spPr/>
+      <dgm:t>
+        <a:bodyPr/>
+        <a:lstStyle/>
+        <a:p>
+          <a:endParaRPr lang="en-US"/>
+        </a:p>
+      </dgm:t>
     </dgm:pt>
     <dgm:pt modelId="{EF2F9333-022F-4543-9108-4A8104F6BD47}" type="pres">
       <dgm:prSet presAssocID="{52289503-B9B2-466F-9763-D47B2C16BAF4}" presName="node" presStyleLbl="node1" presStyleIdx="0" presStyleCnt="3" custScaleX="62938" custScaleY="62623" custLinFactNeighborX="2525" custLinFactNeighborY="-20657">
@@ -2556,14 +1818,35 @@
         </dgm:presLayoutVars>
       </dgm:prSet>
       <dgm:spPr/>
+      <dgm:t>
+        <a:bodyPr/>
+        <a:lstStyle/>
+        <a:p>
+          <a:endParaRPr lang="en-US"/>
+        </a:p>
+      </dgm:t>
     </dgm:pt>
     <dgm:pt modelId="{51749ACF-FFBA-4CA8-AEE6-2166B1620A83}" type="pres">
       <dgm:prSet presAssocID="{7A189598-83E9-40F2-B0F7-91E21A91B9EE}" presName="sibTrans" presStyleLbl="sibTrans2D1" presStyleIdx="0" presStyleCnt="2" custScaleX="59746" custScaleY="36825" custLinFactNeighborX="-2162"/>
       <dgm:spPr/>
+      <dgm:t>
+        <a:bodyPr/>
+        <a:lstStyle/>
+        <a:p>
+          <a:endParaRPr lang="en-US"/>
+        </a:p>
+      </dgm:t>
     </dgm:pt>
     <dgm:pt modelId="{1D2C7A57-4C48-46C8-BA97-51A929F61C0E}" type="pres">
       <dgm:prSet presAssocID="{7A189598-83E9-40F2-B0F7-91E21A91B9EE}" presName="connectorText" presStyleLbl="sibTrans2D1" presStyleIdx="0" presStyleCnt="2"/>
       <dgm:spPr/>
+      <dgm:t>
+        <a:bodyPr/>
+        <a:lstStyle/>
+        <a:p>
+          <a:endParaRPr lang="en-US"/>
+        </a:p>
+      </dgm:t>
     </dgm:pt>
     <dgm:pt modelId="{9254DCDA-E4C8-4B5F-AB8F-C2D6F13EB790}" type="pres">
       <dgm:prSet presAssocID="{32ABF20E-56A9-4870-8866-888B24C00DA9}" presName="node" presStyleLbl="node1" presStyleIdx="1" presStyleCnt="3" custScaleX="75153" custScaleY="62623" custLinFactNeighborX="-8120" custLinFactNeighborY="-20657">
@@ -2572,14 +1855,35 @@
         </dgm:presLayoutVars>
       </dgm:prSet>
       <dgm:spPr/>
+      <dgm:t>
+        <a:bodyPr/>
+        <a:lstStyle/>
+        <a:p>
+          <a:endParaRPr lang="en-US"/>
+        </a:p>
+      </dgm:t>
     </dgm:pt>
     <dgm:pt modelId="{66062924-0225-46CF-A1F2-A3B87C14D9CB}" type="pres">
       <dgm:prSet presAssocID="{D08AED38-F747-4178-8F30-A944E6AAFB37}" presName="sibTrans" presStyleLbl="sibTrans2D1" presStyleIdx="1" presStyleCnt="2" custScaleX="59746" custScaleY="36825" custLinFactNeighborX="-10918"/>
       <dgm:spPr/>
+      <dgm:t>
+        <a:bodyPr/>
+        <a:lstStyle/>
+        <a:p>
+          <a:endParaRPr lang="en-US"/>
+        </a:p>
+      </dgm:t>
     </dgm:pt>
     <dgm:pt modelId="{A32FE428-C180-4AA4-ACA4-8424F4764793}" type="pres">
       <dgm:prSet presAssocID="{D08AED38-F747-4178-8F30-A944E6AAFB37}" presName="connectorText" presStyleLbl="sibTrans2D1" presStyleIdx="1" presStyleCnt="2"/>
       <dgm:spPr/>
+      <dgm:t>
+        <a:bodyPr/>
+        <a:lstStyle/>
+        <a:p>
+          <a:endParaRPr lang="en-US"/>
+        </a:p>
+      </dgm:t>
     </dgm:pt>
     <dgm:pt modelId="{9676207E-64BA-4650-82FA-0E3E33FD30B7}" type="pres">
       <dgm:prSet presAssocID="{CECE2D45-0EBC-4BF8-8BBB-586BB3CFD26B}" presName="node" presStyleLbl="node1" presStyleIdx="2" presStyleCnt="3" custScaleX="48341" custScaleY="62623" custLinFactNeighborX="-10353" custLinFactNeighborY="-20657">
@@ -2598,16 +1902,16 @@
     </dgm:pt>
   </dgm:ptLst>
   <dgm:cxnLst>
+    <dgm:cxn modelId="{4012BE42-A6F1-4F4E-A64B-37FBE4326723}" type="presOf" srcId="{52289503-B9B2-466F-9763-D47B2C16BAF4}" destId="{EF2F9333-022F-4543-9108-4A8104F6BD47}" srcOrd="0" destOrd="0" presId="urn:microsoft.com/office/officeart/2005/8/layout/process5"/>
+    <dgm:cxn modelId="{44447104-7A4A-43D7-BF58-73090740DF1C}" type="presOf" srcId="{CECE2D45-0EBC-4BF8-8BBB-586BB3CFD26B}" destId="{9676207E-64BA-4650-82FA-0E3E33FD30B7}" srcOrd="0" destOrd="0" presId="urn:microsoft.com/office/officeart/2005/8/layout/process5"/>
+    <dgm:cxn modelId="{6ABBE16A-1B53-4061-8C92-27E55B11BD49}" srcId="{3C575EA1-C74A-4459-8536-8BEEC9DE2F0E}" destId="{52289503-B9B2-466F-9763-D47B2C16BAF4}" srcOrd="0" destOrd="0" parTransId="{562065ED-5CDE-4C5B-92BC-BCB92E6AABA7}" sibTransId="{7A189598-83E9-40F2-B0F7-91E21A91B9EE}"/>
+    <dgm:cxn modelId="{FBBA7B41-A72A-4E6A-8699-F7A683B5072D}" type="presOf" srcId="{3C575EA1-C74A-4459-8536-8BEEC9DE2F0E}" destId="{2A6C335F-5FDE-47A8-AF8A-070CCC89D75D}" srcOrd="0" destOrd="0" presId="urn:microsoft.com/office/officeart/2005/8/layout/process5"/>
+    <dgm:cxn modelId="{7E9AD4F4-102F-4734-8637-96BE5D6F1044}" type="presOf" srcId="{32ABF20E-56A9-4870-8866-888B24C00DA9}" destId="{9254DCDA-E4C8-4B5F-AB8F-C2D6F13EB790}" srcOrd="0" destOrd="0" presId="urn:microsoft.com/office/officeart/2005/8/layout/process5"/>
+    <dgm:cxn modelId="{19CF7608-F86D-449D-95B7-2707CA3F05FA}" type="presOf" srcId="{7A189598-83E9-40F2-B0F7-91E21A91B9EE}" destId="{51749ACF-FFBA-4CA8-AEE6-2166B1620A83}" srcOrd="0" destOrd="0" presId="urn:microsoft.com/office/officeart/2005/8/layout/process5"/>
     <dgm:cxn modelId="{F53D5076-FAD5-4308-ADB5-C62587A17FF1}" type="presOf" srcId="{7A189598-83E9-40F2-B0F7-91E21A91B9EE}" destId="{1D2C7A57-4C48-46C8-BA97-51A929F61C0E}" srcOrd="1" destOrd="0" presId="urn:microsoft.com/office/officeart/2005/8/layout/process5"/>
-    <dgm:cxn modelId="{19CF7608-F86D-449D-95B7-2707CA3F05FA}" type="presOf" srcId="{7A189598-83E9-40F2-B0F7-91E21A91B9EE}" destId="{51749ACF-FFBA-4CA8-AEE6-2166B1620A83}" srcOrd="0" destOrd="0" presId="urn:microsoft.com/office/officeart/2005/8/layout/process5"/>
+    <dgm:cxn modelId="{2EA1B3EF-B67D-4AF1-A868-0374E8811BEC}" type="presOf" srcId="{D08AED38-F747-4178-8F30-A944E6AAFB37}" destId="{66062924-0225-46CF-A1F2-A3B87C14D9CB}" srcOrd="0" destOrd="0" presId="urn:microsoft.com/office/officeart/2005/8/layout/process5"/>
     <dgm:cxn modelId="{0487D979-DFAA-4115-80B0-C7A1D75E8FC7}" type="presOf" srcId="{D08AED38-F747-4178-8F30-A944E6AAFB37}" destId="{A32FE428-C180-4AA4-ACA4-8424F4764793}" srcOrd="1" destOrd="0" presId="urn:microsoft.com/office/officeart/2005/8/layout/process5"/>
-    <dgm:cxn modelId="{FBBA7B41-A72A-4E6A-8699-F7A683B5072D}" type="presOf" srcId="{3C575EA1-C74A-4459-8536-8BEEC9DE2F0E}" destId="{2A6C335F-5FDE-47A8-AF8A-070CCC89D75D}" srcOrd="0" destOrd="0" presId="urn:microsoft.com/office/officeart/2005/8/layout/process5"/>
-    <dgm:cxn modelId="{44447104-7A4A-43D7-BF58-73090740DF1C}" type="presOf" srcId="{CECE2D45-0EBC-4BF8-8BBB-586BB3CFD26B}" destId="{9676207E-64BA-4650-82FA-0E3E33FD30B7}" srcOrd="0" destOrd="0" presId="urn:microsoft.com/office/officeart/2005/8/layout/process5"/>
-    <dgm:cxn modelId="{7E9AD4F4-102F-4734-8637-96BE5D6F1044}" type="presOf" srcId="{32ABF20E-56A9-4870-8866-888B24C00DA9}" destId="{9254DCDA-E4C8-4B5F-AB8F-C2D6F13EB790}" srcOrd="0" destOrd="0" presId="urn:microsoft.com/office/officeart/2005/8/layout/process5"/>
     <dgm:cxn modelId="{EEDD951B-6566-42B0-AE0C-DD3348FF093F}" srcId="{3C575EA1-C74A-4459-8536-8BEEC9DE2F0E}" destId="{CECE2D45-0EBC-4BF8-8BBB-586BB3CFD26B}" srcOrd="2" destOrd="0" parTransId="{09F7F6FA-DE62-40E3-9E3E-D6CA4A91CC37}" sibTransId="{79D05494-7F8D-4CCE-929B-92746F2CE54B}"/>
-    <dgm:cxn modelId="{6ABBE16A-1B53-4061-8C92-27E55B11BD49}" srcId="{3C575EA1-C74A-4459-8536-8BEEC9DE2F0E}" destId="{52289503-B9B2-466F-9763-D47B2C16BAF4}" srcOrd="0" destOrd="0" parTransId="{562065ED-5CDE-4C5B-92BC-BCB92E6AABA7}" sibTransId="{7A189598-83E9-40F2-B0F7-91E21A91B9EE}"/>
-    <dgm:cxn modelId="{2EA1B3EF-B67D-4AF1-A868-0374E8811BEC}" type="presOf" srcId="{D08AED38-F747-4178-8F30-A944E6AAFB37}" destId="{66062924-0225-46CF-A1F2-A3B87C14D9CB}" srcOrd="0" destOrd="0" presId="urn:microsoft.com/office/officeart/2005/8/layout/process5"/>
-    <dgm:cxn modelId="{4012BE42-A6F1-4F4E-A64B-37FBE4326723}" type="presOf" srcId="{52289503-B9B2-466F-9763-D47B2C16BAF4}" destId="{EF2F9333-022F-4543-9108-4A8104F6BD47}" srcOrd="0" destOrd="0" presId="urn:microsoft.com/office/officeart/2005/8/layout/process5"/>
     <dgm:cxn modelId="{1B613000-922A-4FEC-B1B9-D67B2664BCA1}" srcId="{3C575EA1-C74A-4459-8536-8BEEC9DE2F0E}" destId="{32ABF20E-56A9-4870-8866-888B24C00DA9}" srcOrd="1" destOrd="0" parTransId="{3A069BE0-6641-4A48-996E-961951086827}" sibTransId="{D08AED38-F747-4178-8F30-A944E6AAFB37}"/>
     <dgm:cxn modelId="{E9A81A5A-50A8-4D35-B1A1-96CFD6DE3E5D}" type="presParOf" srcId="{2A6C335F-5FDE-47A8-AF8A-070CCC89D75D}" destId="{EF2F9333-022F-4543-9108-4A8104F6BD47}" srcOrd="0" destOrd="0" presId="urn:microsoft.com/office/officeart/2005/8/layout/process5"/>
     <dgm:cxn modelId="{1A97E5FE-79B7-4DF6-971A-D9355C8A05F8}" type="presParOf" srcId="{2A6C335F-5FDE-47A8-AF8A-070CCC89D75D}" destId="{51749ACF-FFBA-4CA8-AEE6-2166B1620A83}" srcOrd="1" destOrd="0" presId="urn:microsoft.com/office/officeart/2005/8/layout/process5"/>
@@ -2650,7 +1954,7 @@
         <a:p>
           <a:r>
             <a:rPr lang="en-US" sz="2400" dirty="0" smtClean="0"/>
-            <a:t>Assign</a:t>
+            <a:t>Notification to request0r and driver</a:t>
           </a:r>
           <a:endParaRPr lang="en-US" sz="2400" dirty="0"/>
         </a:p>
@@ -2687,7 +1991,7 @@
         <a:p>
           <a:r>
             <a:rPr lang="en-US" sz="2400" dirty="0" smtClean="0"/>
-            <a:t>Notification to requester and driver</a:t>
+            <a:t>Assign</a:t>
           </a:r>
           <a:endParaRPr lang="en-US" sz="2400" dirty="0"/>
         </a:p>
@@ -2715,23 +2019,13 @@
         </a:p>
       </dgm:t>
     </dgm:pt>
-    <dgm:pt modelId="{CECE2D45-0EBC-4BF8-8BBB-586BB3CFD26B}">
-      <dgm:prSet phldrT="[Text]" custT="1"/>
-      <dgm:spPr/>
-      <dgm:t>
-        <a:bodyPr/>
-        <a:lstStyle/>
-        <a:p>
-          <a:r>
-            <a:rPr lang="en-US" sz="2400" dirty="0" smtClean="0"/>
-            <a:t>Feedback from requester</a:t>
-          </a:r>
-          <a:endParaRPr lang="en-US" sz="2400" dirty="0"/>
-        </a:p>
-      </dgm:t>
-    </dgm:pt>
-    <dgm:pt modelId="{09F7F6FA-DE62-40E3-9E3E-D6CA4A91CC37}" type="parTrans" cxnId="{EEDD951B-6566-42B0-AE0C-DD3348FF093F}">
-      <dgm:prSet/>
+    <dgm:pt modelId="{2A6C335F-5FDE-47A8-AF8A-070CCC89D75D}" type="pres">
+      <dgm:prSet presAssocID="{3C575EA1-C74A-4459-8536-8BEEC9DE2F0E}" presName="diagram" presStyleCnt="0">
+        <dgm:presLayoutVars>
+          <dgm:dir/>
+          <dgm:resizeHandles val="exact"/>
+        </dgm:presLayoutVars>
+      </dgm:prSet>
       <dgm:spPr/>
       <dgm:t>
         <a:bodyPr/>
@@ -2741,44 +2035,8 @@
         </a:p>
       </dgm:t>
     </dgm:pt>
-    <dgm:pt modelId="{79D05494-7F8D-4CCE-929B-92746F2CE54B}" type="sibTrans" cxnId="{EEDD951B-6566-42B0-AE0C-DD3348FF093F}">
-      <dgm:prSet/>
-      <dgm:spPr/>
-      <dgm:t>
-        <a:bodyPr/>
-        <a:lstStyle/>
-        <a:p>
-          <a:endParaRPr lang="en-US"/>
-        </a:p>
-      </dgm:t>
-    </dgm:pt>
-    <dgm:pt modelId="{2A6C335F-5FDE-47A8-AF8A-070CCC89D75D}" type="pres">
-      <dgm:prSet presAssocID="{3C575EA1-C74A-4459-8536-8BEEC9DE2F0E}" presName="diagram" presStyleCnt="0">
-        <dgm:presLayoutVars>
-          <dgm:dir/>
-          <dgm:resizeHandles val="exact"/>
-        </dgm:presLayoutVars>
-      </dgm:prSet>
-      <dgm:spPr/>
-    </dgm:pt>
     <dgm:pt modelId="{EF2F9333-022F-4543-9108-4A8104F6BD47}" type="pres">
-      <dgm:prSet presAssocID="{52289503-B9B2-466F-9763-D47B2C16BAF4}" presName="node" presStyleLbl="node1" presStyleIdx="0" presStyleCnt="3" custScaleX="48341" custScaleY="47707" custLinFactNeighborX="2525" custLinFactNeighborY="-20657">
-        <dgm:presLayoutVars>
-          <dgm:bulletEnabled val="1"/>
-        </dgm:presLayoutVars>
-      </dgm:prSet>
-      <dgm:spPr/>
-    </dgm:pt>
-    <dgm:pt modelId="{51749ACF-FFBA-4CA8-AEE6-2166B1620A83}" type="pres">
-      <dgm:prSet presAssocID="{7A189598-83E9-40F2-B0F7-91E21A91B9EE}" presName="sibTrans" presStyleLbl="sibTrans2D1" presStyleIdx="0" presStyleCnt="2" custScaleX="59746" custScaleY="36825" custLinFactNeighborX="-2162"/>
-      <dgm:spPr/>
-    </dgm:pt>
-    <dgm:pt modelId="{1D2C7A57-4C48-46C8-BA97-51A929F61C0E}" type="pres">
-      <dgm:prSet presAssocID="{7A189598-83E9-40F2-B0F7-91E21A91B9EE}" presName="connectorText" presStyleLbl="sibTrans2D1" presStyleIdx="0" presStyleCnt="2"/>
-      <dgm:spPr/>
-    </dgm:pt>
-    <dgm:pt modelId="{9254DCDA-E4C8-4B5F-AB8F-C2D6F13EB790}" type="pres">
-      <dgm:prSet presAssocID="{32ABF20E-56A9-4870-8866-888B24C00DA9}" presName="node" presStyleLbl="node1" presStyleIdx="1" presStyleCnt="3" custScaleX="116634" custScaleY="47707" custLinFactNeighborX="-8120" custLinFactNeighborY="-20657">
+      <dgm:prSet presAssocID="{52289503-B9B2-466F-9763-D47B2C16BAF4}" presName="node" presStyleLbl="node1" presStyleIdx="0" presStyleCnt="2" custScaleX="116634" custScaleY="47707" custLinFactNeighborX="-8120" custLinFactNeighborY="-20657">
         <dgm:presLayoutVars>
           <dgm:bulletEnabled val="1"/>
         </dgm:presLayoutVars>
@@ -2792,16 +2050,30 @@
         </a:p>
       </dgm:t>
     </dgm:pt>
-    <dgm:pt modelId="{66062924-0225-46CF-A1F2-A3B87C14D9CB}" type="pres">
-      <dgm:prSet presAssocID="{D08AED38-F747-4178-8F30-A944E6AAFB37}" presName="sibTrans" presStyleLbl="sibTrans2D1" presStyleIdx="1" presStyleCnt="2" custScaleX="59746" custScaleY="36825" custLinFactNeighborX="-10918"/>
+    <dgm:pt modelId="{51749ACF-FFBA-4CA8-AEE6-2166B1620A83}" type="pres">
+      <dgm:prSet presAssocID="{7A189598-83E9-40F2-B0F7-91E21A91B9EE}" presName="sibTrans" presStyleLbl="sibTrans2D1" presStyleIdx="0" presStyleCnt="1" custFlipVert="1" custFlipHor="1" custScaleX="153349" custScaleY="40875" custLinFactNeighborX="-2162"/>
       <dgm:spPr/>
+      <dgm:t>
+        <a:bodyPr/>
+        <a:lstStyle/>
+        <a:p>
+          <a:endParaRPr lang="en-US"/>
+        </a:p>
+      </dgm:t>
     </dgm:pt>
-    <dgm:pt modelId="{A32FE428-C180-4AA4-ACA4-8424F4764793}" type="pres">
-      <dgm:prSet presAssocID="{D08AED38-F747-4178-8F30-A944E6AAFB37}" presName="connectorText" presStyleLbl="sibTrans2D1" presStyleIdx="1" presStyleCnt="2"/>
+    <dgm:pt modelId="{1D2C7A57-4C48-46C8-BA97-51A929F61C0E}" type="pres">
+      <dgm:prSet presAssocID="{7A189598-83E9-40F2-B0F7-91E21A91B9EE}" presName="connectorText" presStyleLbl="sibTrans2D1" presStyleIdx="0" presStyleCnt="1"/>
       <dgm:spPr/>
+      <dgm:t>
+        <a:bodyPr/>
+        <a:lstStyle/>
+        <a:p>
+          <a:endParaRPr lang="en-US"/>
+        </a:p>
+      </dgm:t>
     </dgm:pt>
-    <dgm:pt modelId="{9676207E-64BA-4650-82FA-0E3E33FD30B7}" type="pres">
-      <dgm:prSet presAssocID="{CECE2D45-0EBC-4BF8-8BBB-586BB3CFD26B}" presName="node" presStyleLbl="node1" presStyleIdx="2" presStyleCnt="3" custScaleX="85783" custScaleY="47707" custLinFactNeighborX="-10353" custLinFactNeighborY="-20657">
+    <dgm:pt modelId="{9254DCDA-E4C8-4B5F-AB8F-C2D6F13EB790}" type="pres">
+      <dgm:prSet presAssocID="{32ABF20E-56A9-4870-8866-888B24C00DA9}" presName="node" presStyleLbl="node1" presStyleIdx="1" presStyleCnt="2" custScaleX="74705" custScaleY="47707" custLinFactNeighborX="-8120" custLinFactNeighborY="-20657">
         <dgm:presLayoutVars>
           <dgm:bulletEnabled val="1"/>
         </dgm:presLayoutVars>
@@ -2817,256 +2089,23 @@
     </dgm:pt>
   </dgm:ptLst>
   <dgm:cxnLst>
+    <dgm:cxn modelId="{29026CE6-BABA-4732-BFD5-77AE09990AC6}" type="presOf" srcId="{7A189598-83E9-40F2-B0F7-91E21A91B9EE}" destId="{51749ACF-FFBA-4CA8-AEE6-2166B1620A83}" srcOrd="0" destOrd="0" presId="urn:microsoft.com/office/officeart/2005/8/layout/process5"/>
+    <dgm:cxn modelId="{C59AE331-A97F-48D5-96CE-2340E0C5BF16}" type="presOf" srcId="{52289503-B9B2-466F-9763-D47B2C16BAF4}" destId="{EF2F9333-022F-4543-9108-4A8104F6BD47}" srcOrd="0" destOrd="0" presId="urn:microsoft.com/office/officeart/2005/8/layout/process5"/>
+    <dgm:cxn modelId="{EF1F5737-A0D6-4100-A3E3-8F7684F0FA59}" type="presOf" srcId="{3C575EA1-C74A-4459-8536-8BEEC9DE2F0E}" destId="{2A6C335F-5FDE-47A8-AF8A-070CCC89D75D}" srcOrd="0" destOrd="0" presId="urn:microsoft.com/office/officeart/2005/8/layout/process5"/>
     <dgm:cxn modelId="{6ABBE16A-1B53-4061-8C92-27E55B11BD49}" srcId="{3C575EA1-C74A-4459-8536-8BEEC9DE2F0E}" destId="{52289503-B9B2-466F-9763-D47B2C16BAF4}" srcOrd="0" destOrd="0" parTransId="{562065ED-5CDE-4C5B-92BC-BCB92E6AABA7}" sibTransId="{7A189598-83E9-40F2-B0F7-91E21A91B9EE}"/>
-    <dgm:cxn modelId="{C59AE331-A97F-48D5-96CE-2340E0C5BF16}" type="presOf" srcId="{52289503-B9B2-466F-9763-D47B2C16BAF4}" destId="{EF2F9333-022F-4543-9108-4A8104F6BD47}" srcOrd="0" destOrd="0" presId="urn:microsoft.com/office/officeart/2005/8/layout/process5"/>
-    <dgm:cxn modelId="{29026CE6-BABA-4732-BFD5-77AE09990AC6}" type="presOf" srcId="{7A189598-83E9-40F2-B0F7-91E21A91B9EE}" destId="{51749ACF-FFBA-4CA8-AEE6-2166B1620A83}" srcOrd="0" destOrd="0" presId="urn:microsoft.com/office/officeart/2005/8/layout/process5"/>
-    <dgm:cxn modelId="{1A1DDA56-4417-48B8-88FE-F08C5433CA98}" type="presOf" srcId="{D08AED38-F747-4178-8F30-A944E6AAFB37}" destId="{A32FE428-C180-4AA4-ACA4-8424F4764793}" srcOrd="1" destOrd="0" presId="urn:microsoft.com/office/officeart/2005/8/layout/process5"/>
     <dgm:cxn modelId="{CEEEC03F-561C-463A-8AD3-C073FB8C09B5}" type="presOf" srcId="{32ABF20E-56A9-4870-8866-888B24C00DA9}" destId="{9254DCDA-E4C8-4B5F-AB8F-C2D6F13EB790}" srcOrd="0" destOrd="0" presId="urn:microsoft.com/office/officeart/2005/8/layout/process5"/>
-    <dgm:cxn modelId="{B7ABDEAF-41D3-4738-A8EB-00D01E8945BA}" type="presOf" srcId="{CECE2D45-0EBC-4BF8-8BBB-586BB3CFD26B}" destId="{9676207E-64BA-4650-82FA-0E3E33FD30B7}" srcOrd="0" destOrd="0" presId="urn:microsoft.com/office/officeart/2005/8/layout/process5"/>
-    <dgm:cxn modelId="{87B45B51-B9B7-4FC9-82CE-215EAF5C8F44}" type="presOf" srcId="{D08AED38-F747-4178-8F30-A944E6AAFB37}" destId="{66062924-0225-46CF-A1F2-A3B87C14D9CB}" srcOrd="0" destOrd="0" presId="urn:microsoft.com/office/officeart/2005/8/layout/process5"/>
-    <dgm:cxn modelId="{EF1F5737-A0D6-4100-A3E3-8F7684F0FA59}" type="presOf" srcId="{3C575EA1-C74A-4459-8536-8BEEC9DE2F0E}" destId="{2A6C335F-5FDE-47A8-AF8A-070CCC89D75D}" srcOrd="0" destOrd="0" presId="urn:microsoft.com/office/officeart/2005/8/layout/process5"/>
     <dgm:cxn modelId="{8552D4E4-928A-4642-A20F-5FA527807E81}" type="presOf" srcId="{7A189598-83E9-40F2-B0F7-91E21A91B9EE}" destId="{1D2C7A57-4C48-46C8-BA97-51A929F61C0E}" srcOrd="1" destOrd="0" presId="urn:microsoft.com/office/officeart/2005/8/layout/process5"/>
-    <dgm:cxn modelId="{EEDD951B-6566-42B0-AE0C-DD3348FF093F}" srcId="{3C575EA1-C74A-4459-8536-8BEEC9DE2F0E}" destId="{CECE2D45-0EBC-4BF8-8BBB-586BB3CFD26B}" srcOrd="2" destOrd="0" parTransId="{09F7F6FA-DE62-40E3-9E3E-D6CA4A91CC37}" sibTransId="{79D05494-7F8D-4CCE-929B-92746F2CE54B}"/>
     <dgm:cxn modelId="{1B613000-922A-4FEC-B1B9-D67B2664BCA1}" srcId="{3C575EA1-C74A-4459-8536-8BEEC9DE2F0E}" destId="{32ABF20E-56A9-4870-8866-888B24C00DA9}" srcOrd="1" destOrd="0" parTransId="{3A069BE0-6641-4A48-996E-961951086827}" sibTransId="{D08AED38-F747-4178-8F30-A944E6AAFB37}"/>
     <dgm:cxn modelId="{C5C4BE1C-83FB-4746-96B8-281F908F3081}" type="presParOf" srcId="{2A6C335F-5FDE-47A8-AF8A-070CCC89D75D}" destId="{EF2F9333-022F-4543-9108-4A8104F6BD47}" srcOrd="0" destOrd="0" presId="urn:microsoft.com/office/officeart/2005/8/layout/process5"/>
     <dgm:cxn modelId="{B1F255E1-3931-4E35-BF3F-7919FC68E705}" type="presParOf" srcId="{2A6C335F-5FDE-47A8-AF8A-070CCC89D75D}" destId="{51749ACF-FFBA-4CA8-AEE6-2166B1620A83}" srcOrd="1" destOrd="0" presId="urn:microsoft.com/office/officeart/2005/8/layout/process5"/>
     <dgm:cxn modelId="{A5C40259-977D-4158-96F2-7DF44A1B91DF}" type="presParOf" srcId="{51749ACF-FFBA-4CA8-AEE6-2166B1620A83}" destId="{1D2C7A57-4C48-46C8-BA97-51A929F61C0E}" srcOrd="0" destOrd="0" presId="urn:microsoft.com/office/officeart/2005/8/layout/process5"/>
     <dgm:cxn modelId="{CB1ADCBE-BB18-4284-8C76-637DBB0E691B}" type="presParOf" srcId="{2A6C335F-5FDE-47A8-AF8A-070CCC89D75D}" destId="{9254DCDA-E4C8-4B5F-AB8F-C2D6F13EB790}" srcOrd="2" destOrd="0" presId="urn:microsoft.com/office/officeart/2005/8/layout/process5"/>
-    <dgm:cxn modelId="{8E3F575B-2A17-4C05-A959-966E2C9544C4}" type="presParOf" srcId="{2A6C335F-5FDE-47A8-AF8A-070CCC89D75D}" destId="{66062924-0225-46CF-A1F2-A3B87C14D9CB}" srcOrd="3" destOrd="0" presId="urn:microsoft.com/office/officeart/2005/8/layout/process5"/>
-    <dgm:cxn modelId="{B337515B-1DFA-4F5A-9B58-9648BDDE3B26}" type="presParOf" srcId="{66062924-0225-46CF-A1F2-A3B87C14D9CB}" destId="{A32FE428-C180-4AA4-ACA4-8424F4764793}" srcOrd="0" destOrd="0" presId="urn:microsoft.com/office/officeart/2005/8/layout/process5"/>
-    <dgm:cxn modelId="{57B2E863-3598-48AF-8A28-1391A4E3FC81}" type="presParOf" srcId="{2A6C335F-5FDE-47A8-AF8A-070CCC89D75D}" destId="{9676207E-64BA-4650-82FA-0E3E33FD30B7}" srcOrd="4" destOrd="0" presId="urn:microsoft.com/office/officeart/2005/8/layout/process5"/>
   </dgm:cxnLst>
   <dgm:bg/>
   <dgm:whole/>
   <dgm:extLst>
     <a:ext uri="http://schemas.microsoft.com/office/drawing/2008/diagram">
       <dsp:dataModelExt xmlns:dsp="http://schemas.microsoft.com/office/drawing/2008/diagram" relId="rId11" minVer="http://schemas.openxmlformats.org/drawingml/2006/diagram"/>
-    </a:ext>
-  </dgm:extLst>
-</dgm:dataModel>
-</file>
-
-<file path=ppt/diagrams/data3.xml><?xml version="1.0" encoding="utf-8"?>
-<dgm:dataModel xmlns:dgm="http://schemas.openxmlformats.org/drawingml/2006/diagram" xmlns:a="http://schemas.openxmlformats.org/drawingml/2006/main">
-  <dgm:ptLst>
-    <dgm:pt modelId="{3C575EA1-C74A-4459-8536-8BEEC9DE2F0E}" type="doc">
-      <dgm:prSet loTypeId="urn:microsoft.com/office/officeart/2005/8/layout/process5" loCatId="process" qsTypeId="urn:microsoft.com/office/officeart/2005/8/quickstyle/simple1" qsCatId="simple" csTypeId="urn:microsoft.com/office/officeart/2005/8/colors/accent1_2" csCatId="accent1" phldr="1"/>
-      <dgm:spPr/>
-      <dgm:t>
-        <a:bodyPr/>
-        <a:lstStyle/>
-        <a:p>
-          <a:endParaRPr lang="en-US"/>
-        </a:p>
-      </dgm:t>
-    </dgm:pt>
-    <dgm:pt modelId="{52289503-B9B2-466F-9763-D47B2C16BAF4}">
-      <dgm:prSet phldrT="[Text]" custT="1"/>
-      <dgm:spPr/>
-      <dgm:t>
-        <a:bodyPr/>
-        <a:lstStyle/>
-        <a:p>
-          <a:r>
-            <a:rPr lang="en-US" sz="2400" dirty="0" smtClean="0"/>
-            <a:t>Refuse</a:t>
-          </a:r>
-          <a:endParaRPr lang="en-US" sz="2400" dirty="0"/>
-        </a:p>
-      </dgm:t>
-    </dgm:pt>
-    <dgm:pt modelId="{562065ED-5CDE-4C5B-92BC-BCB92E6AABA7}" type="parTrans" cxnId="{6ABBE16A-1B53-4061-8C92-27E55B11BD49}">
-      <dgm:prSet/>
-      <dgm:spPr/>
-      <dgm:t>
-        <a:bodyPr/>
-        <a:lstStyle/>
-        <a:p>
-          <a:endParaRPr lang="en-US"/>
-        </a:p>
-      </dgm:t>
-    </dgm:pt>
-    <dgm:pt modelId="{7A189598-83E9-40F2-B0F7-91E21A91B9EE}" type="sibTrans" cxnId="{6ABBE16A-1B53-4061-8C92-27E55B11BD49}">
-      <dgm:prSet/>
-      <dgm:spPr/>
-      <dgm:t>
-        <a:bodyPr/>
-        <a:lstStyle/>
-        <a:p>
-          <a:endParaRPr lang="en-US"/>
-        </a:p>
-      </dgm:t>
-    </dgm:pt>
-    <dgm:pt modelId="{32ABF20E-56A9-4870-8866-888B24C00DA9}">
-      <dgm:prSet phldrT="[Text]" custT="1"/>
-      <dgm:spPr/>
-      <dgm:t>
-        <a:bodyPr/>
-        <a:lstStyle/>
-        <a:p>
-          <a:r>
-            <a:rPr lang="en-US" sz="2400" dirty="0" smtClean="0"/>
-            <a:t>Notification to requester</a:t>
-          </a:r>
-          <a:endParaRPr lang="en-US" sz="2400" dirty="0"/>
-        </a:p>
-      </dgm:t>
-    </dgm:pt>
-    <dgm:pt modelId="{3A069BE0-6641-4A48-996E-961951086827}" type="parTrans" cxnId="{1B613000-922A-4FEC-B1B9-D67B2664BCA1}">
-      <dgm:prSet/>
-      <dgm:spPr/>
-      <dgm:t>
-        <a:bodyPr/>
-        <a:lstStyle/>
-        <a:p>
-          <a:endParaRPr lang="en-US"/>
-        </a:p>
-      </dgm:t>
-    </dgm:pt>
-    <dgm:pt modelId="{D08AED38-F747-4178-8F30-A944E6AAFB37}" type="sibTrans" cxnId="{1B613000-922A-4FEC-B1B9-D67B2664BCA1}">
-      <dgm:prSet/>
-      <dgm:spPr/>
-      <dgm:t>
-        <a:bodyPr/>
-        <a:lstStyle/>
-        <a:p>
-          <a:endParaRPr lang="en-US"/>
-        </a:p>
-      </dgm:t>
-    </dgm:pt>
-    <dgm:pt modelId="{CECE2D45-0EBC-4BF8-8BBB-586BB3CFD26B}">
-      <dgm:prSet phldrT="[Text]" custT="1"/>
-      <dgm:spPr/>
-      <dgm:t>
-        <a:bodyPr/>
-        <a:lstStyle/>
-        <a:p>
-          <a:r>
-            <a:rPr lang="en-US" sz="2400" dirty="0" smtClean="0"/>
-            <a:t>Feedback from requester</a:t>
-          </a:r>
-          <a:endParaRPr lang="en-US" sz="2400" dirty="0"/>
-        </a:p>
-      </dgm:t>
-    </dgm:pt>
-    <dgm:pt modelId="{09F7F6FA-DE62-40E3-9E3E-D6CA4A91CC37}" type="parTrans" cxnId="{EEDD951B-6566-42B0-AE0C-DD3348FF093F}">
-      <dgm:prSet/>
-      <dgm:spPr/>
-      <dgm:t>
-        <a:bodyPr/>
-        <a:lstStyle/>
-        <a:p>
-          <a:endParaRPr lang="en-US"/>
-        </a:p>
-      </dgm:t>
-    </dgm:pt>
-    <dgm:pt modelId="{79D05494-7F8D-4CCE-929B-92746F2CE54B}" type="sibTrans" cxnId="{EEDD951B-6566-42B0-AE0C-DD3348FF093F}">
-      <dgm:prSet/>
-      <dgm:spPr/>
-      <dgm:t>
-        <a:bodyPr/>
-        <a:lstStyle/>
-        <a:p>
-          <a:endParaRPr lang="en-US"/>
-        </a:p>
-      </dgm:t>
-    </dgm:pt>
-    <dgm:pt modelId="{2A6C335F-5FDE-47A8-AF8A-070CCC89D75D}" type="pres">
-      <dgm:prSet presAssocID="{3C575EA1-C74A-4459-8536-8BEEC9DE2F0E}" presName="diagram" presStyleCnt="0">
-        <dgm:presLayoutVars>
-          <dgm:dir/>
-          <dgm:resizeHandles val="exact"/>
-        </dgm:presLayoutVars>
-      </dgm:prSet>
-      <dgm:spPr/>
-    </dgm:pt>
-    <dgm:pt modelId="{EF2F9333-022F-4543-9108-4A8104F6BD47}" type="pres">
-      <dgm:prSet presAssocID="{52289503-B9B2-466F-9763-D47B2C16BAF4}" presName="node" presStyleLbl="node1" presStyleIdx="0" presStyleCnt="3" custScaleX="48341" custScaleY="47707" custLinFactNeighborX="2525" custLinFactNeighborY="-20657">
-        <dgm:presLayoutVars>
-          <dgm:bulletEnabled val="1"/>
-        </dgm:presLayoutVars>
-      </dgm:prSet>
-      <dgm:spPr/>
-      <dgm:t>
-        <a:bodyPr/>
-        <a:lstStyle/>
-        <a:p>
-          <a:endParaRPr lang="en-US"/>
-        </a:p>
-      </dgm:t>
-    </dgm:pt>
-    <dgm:pt modelId="{51749ACF-FFBA-4CA8-AEE6-2166B1620A83}" type="pres">
-      <dgm:prSet presAssocID="{7A189598-83E9-40F2-B0F7-91E21A91B9EE}" presName="sibTrans" presStyleLbl="sibTrans2D1" presStyleIdx="0" presStyleCnt="2" custScaleX="59746" custScaleY="36825" custLinFactNeighborX="-2162"/>
-      <dgm:spPr/>
-    </dgm:pt>
-    <dgm:pt modelId="{1D2C7A57-4C48-46C8-BA97-51A929F61C0E}" type="pres">
-      <dgm:prSet presAssocID="{7A189598-83E9-40F2-B0F7-91E21A91B9EE}" presName="connectorText" presStyleLbl="sibTrans2D1" presStyleIdx="0" presStyleCnt="2"/>
-      <dgm:spPr/>
-    </dgm:pt>
-    <dgm:pt modelId="{9254DCDA-E4C8-4B5F-AB8F-C2D6F13EB790}" type="pres">
-      <dgm:prSet presAssocID="{32ABF20E-56A9-4870-8866-888B24C00DA9}" presName="node" presStyleLbl="node1" presStyleIdx="1" presStyleCnt="3" custScaleX="116634" custScaleY="47707" custLinFactNeighborX="-8120" custLinFactNeighborY="-20657">
-        <dgm:presLayoutVars>
-          <dgm:bulletEnabled val="1"/>
-        </dgm:presLayoutVars>
-      </dgm:prSet>
-      <dgm:spPr/>
-      <dgm:t>
-        <a:bodyPr/>
-        <a:lstStyle/>
-        <a:p>
-          <a:endParaRPr lang="en-US"/>
-        </a:p>
-      </dgm:t>
-    </dgm:pt>
-    <dgm:pt modelId="{66062924-0225-46CF-A1F2-A3B87C14D9CB}" type="pres">
-      <dgm:prSet presAssocID="{D08AED38-F747-4178-8F30-A944E6AAFB37}" presName="sibTrans" presStyleLbl="sibTrans2D1" presStyleIdx="1" presStyleCnt="2" custScaleX="59746" custScaleY="36825" custLinFactNeighborX="-10918"/>
-      <dgm:spPr/>
-    </dgm:pt>
-    <dgm:pt modelId="{A32FE428-C180-4AA4-ACA4-8424F4764793}" type="pres">
-      <dgm:prSet presAssocID="{D08AED38-F747-4178-8F30-A944E6AAFB37}" presName="connectorText" presStyleLbl="sibTrans2D1" presStyleIdx="1" presStyleCnt="2"/>
-      <dgm:spPr/>
-    </dgm:pt>
-    <dgm:pt modelId="{9676207E-64BA-4650-82FA-0E3E33FD30B7}" type="pres">
-      <dgm:prSet presAssocID="{CECE2D45-0EBC-4BF8-8BBB-586BB3CFD26B}" presName="node" presStyleLbl="node1" presStyleIdx="2" presStyleCnt="3" custScaleX="85783" custScaleY="47707" custLinFactNeighborX="-10353" custLinFactNeighborY="-20657">
-        <dgm:presLayoutVars>
-          <dgm:bulletEnabled val="1"/>
-        </dgm:presLayoutVars>
-      </dgm:prSet>
-      <dgm:spPr/>
-      <dgm:t>
-        <a:bodyPr/>
-        <a:lstStyle/>
-        <a:p>
-          <a:endParaRPr lang="en-US"/>
-        </a:p>
-      </dgm:t>
-    </dgm:pt>
-  </dgm:ptLst>
-  <dgm:cxnLst>
-    <dgm:cxn modelId="{6B4015D5-8E2B-4C3E-BF10-4A11FA20A08F}" type="presOf" srcId="{7A189598-83E9-40F2-B0F7-91E21A91B9EE}" destId="{51749ACF-FFBA-4CA8-AEE6-2166B1620A83}" srcOrd="0" destOrd="0" presId="urn:microsoft.com/office/officeart/2005/8/layout/process5"/>
-    <dgm:cxn modelId="{F221AD58-A3E8-436F-A167-150AA97F9DE8}" type="presOf" srcId="{3C575EA1-C74A-4459-8536-8BEEC9DE2F0E}" destId="{2A6C335F-5FDE-47A8-AF8A-070CCC89D75D}" srcOrd="0" destOrd="0" presId="urn:microsoft.com/office/officeart/2005/8/layout/process5"/>
-    <dgm:cxn modelId="{184CCF5A-BA6E-4B38-92C5-215B5D531E85}" type="presOf" srcId="{D08AED38-F747-4178-8F30-A944E6AAFB37}" destId="{A32FE428-C180-4AA4-ACA4-8424F4764793}" srcOrd="1" destOrd="0" presId="urn:microsoft.com/office/officeart/2005/8/layout/process5"/>
-    <dgm:cxn modelId="{A94B9345-EE57-42A7-96AD-20BB073FDEF5}" type="presOf" srcId="{32ABF20E-56A9-4870-8866-888B24C00DA9}" destId="{9254DCDA-E4C8-4B5F-AB8F-C2D6F13EB790}" srcOrd="0" destOrd="0" presId="urn:microsoft.com/office/officeart/2005/8/layout/process5"/>
-    <dgm:cxn modelId="{FBFC3D1A-BEFD-43F2-B1AB-CB52C6F7E1A2}" type="presOf" srcId="{7A189598-83E9-40F2-B0F7-91E21A91B9EE}" destId="{1D2C7A57-4C48-46C8-BA97-51A929F61C0E}" srcOrd="1" destOrd="0" presId="urn:microsoft.com/office/officeart/2005/8/layout/process5"/>
-    <dgm:cxn modelId="{5A24F0B0-031D-4339-81A7-36809A4F03B0}" type="presOf" srcId="{CECE2D45-0EBC-4BF8-8BBB-586BB3CFD26B}" destId="{9676207E-64BA-4650-82FA-0E3E33FD30B7}" srcOrd="0" destOrd="0" presId="urn:microsoft.com/office/officeart/2005/8/layout/process5"/>
-    <dgm:cxn modelId="{6ABBE16A-1B53-4061-8C92-27E55B11BD49}" srcId="{3C575EA1-C74A-4459-8536-8BEEC9DE2F0E}" destId="{52289503-B9B2-466F-9763-D47B2C16BAF4}" srcOrd="0" destOrd="0" parTransId="{562065ED-5CDE-4C5B-92BC-BCB92E6AABA7}" sibTransId="{7A189598-83E9-40F2-B0F7-91E21A91B9EE}"/>
-    <dgm:cxn modelId="{1B613000-922A-4FEC-B1B9-D67B2664BCA1}" srcId="{3C575EA1-C74A-4459-8536-8BEEC9DE2F0E}" destId="{32ABF20E-56A9-4870-8866-888B24C00DA9}" srcOrd="1" destOrd="0" parTransId="{3A069BE0-6641-4A48-996E-961951086827}" sibTransId="{D08AED38-F747-4178-8F30-A944E6AAFB37}"/>
-    <dgm:cxn modelId="{ADD4C3E7-348E-4717-A06B-1A30C7E33469}" type="presOf" srcId="{52289503-B9B2-466F-9763-D47B2C16BAF4}" destId="{EF2F9333-022F-4543-9108-4A8104F6BD47}" srcOrd="0" destOrd="0" presId="urn:microsoft.com/office/officeart/2005/8/layout/process5"/>
-    <dgm:cxn modelId="{8DAC2C86-D3CB-444C-B83C-55BF3D477A92}" type="presOf" srcId="{D08AED38-F747-4178-8F30-A944E6AAFB37}" destId="{66062924-0225-46CF-A1F2-A3B87C14D9CB}" srcOrd="0" destOrd="0" presId="urn:microsoft.com/office/officeart/2005/8/layout/process5"/>
-    <dgm:cxn modelId="{EEDD951B-6566-42B0-AE0C-DD3348FF093F}" srcId="{3C575EA1-C74A-4459-8536-8BEEC9DE2F0E}" destId="{CECE2D45-0EBC-4BF8-8BBB-586BB3CFD26B}" srcOrd="2" destOrd="0" parTransId="{09F7F6FA-DE62-40E3-9E3E-D6CA4A91CC37}" sibTransId="{79D05494-7F8D-4CCE-929B-92746F2CE54B}"/>
-    <dgm:cxn modelId="{074B9168-135B-4EFE-83AA-7B8FA16D6A08}" type="presParOf" srcId="{2A6C335F-5FDE-47A8-AF8A-070CCC89D75D}" destId="{EF2F9333-022F-4543-9108-4A8104F6BD47}" srcOrd="0" destOrd="0" presId="urn:microsoft.com/office/officeart/2005/8/layout/process5"/>
-    <dgm:cxn modelId="{94B80FDD-27EA-4E21-AFC5-D594A4680721}" type="presParOf" srcId="{2A6C335F-5FDE-47A8-AF8A-070CCC89D75D}" destId="{51749ACF-FFBA-4CA8-AEE6-2166B1620A83}" srcOrd="1" destOrd="0" presId="urn:microsoft.com/office/officeart/2005/8/layout/process5"/>
-    <dgm:cxn modelId="{85D0D246-5C4D-4D56-B6E6-EDE81F7AB70E}" type="presParOf" srcId="{51749ACF-FFBA-4CA8-AEE6-2166B1620A83}" destId="{1D2C7A57-4C48-46C8-BA97-51A929F61C0E}" srcOrd="0" destOrd="0" presId="urn:microsoft.com/office/officeart/2005/8/layout/process5"/>
-    <dgm:cxn modelId="{71D2FAC5-2786-4D9D-8C48-B82D3A084CD2}" type="presParOf" srcId="{2A6C335F-5FDE-47A8-AF8A-070CCC89D75D}" destId="{9254DCDA-E4C8-4B5F-AB8F-C2D6F13EB790}" srcOrd="2" destOrd="0" presId="urn:microsoft.com/office/officeart/2005/8/layout/process5"/>
-    <dgm:cxn modelId="{EBADBB5C-C5BE-4FC1-A818-28863E58B16C}" type="presParOf" srcId="{2A6C335F-5FDE-47A8-AF8A-070CCC89D75D}" destId="{66062924-0225-46CF-A1F2-A3B87C14D9CB}" srcOrd="3" destOrd="0" presId="urn:microsoft.com/office/officeart/2005/8/layout/process5"/>
-    <dgm:cxn modelId="{78C919AD-E0D1-414C-9573-E0B0C67B73BA}" type="presParOf" srcId="{66062924-0225-46CF-A1F2-A3B87C14D9CB}" destId="{A32FE428-C180-4AA4-ACA4-8424F4764793}" srcOrd="0" destOrd="0" presId="urn:microsoft.com/office/officeart/2005/8/layout/process5"/>
-    <dgm:cxn modelId="{A9AB1AFC-7F6C-47B3-833F-9FA0DF565152}" type="presParOf" srcId="{2A6C335F-5FDE-47A8-AF8A-070CCC89D75D}" destId="{9676207E-64BA-4650-82FA-0E3E33FD30B7}" srcOrd="4" destOrd="0" presId="urn:microsoft.com/office/officeart/2005/8/layout/process5"/>
-  </dgm:cxnLst>
-  <dgm:bg/>
-  <dgm:whole/>
-  <dgm:extLst>
-    <a:ext uri="http://schemas.microsoft.com/office/drawing/2008/diagram">
-      <dsp:dataModelExt xmlns:dsp="http://schemas.microsoft.com/office/drawing/2008/diagram" relId="rId16" minVer="http://schemas.openxmlformats.org/drawingml/2006/diagram"/>
     </a:ext>
   </dgm:extLst>
 </dgm:dataModel>
@@ -3474,8 +2513,156 @@
       </dsp:nvSpPr>
       <dsp:spPr>
         <a:xfrm>
-          <a:off x="68177" y="0"/>
-          <a:ext cx="1280351" cy="758135"/>
+          <a:off x="465947" y="0"/>
+          <a:ext cx="3725116" cy="914214"/>
+        </a:xfrm>
+        <a:prstGeom prst="roundRect">
+          <a:avLst>
+            <a:gd name="adj" fmla="val 10000"/>
+          </a:avLst>
+        </a:prstGeom>
+        <a:solidFill>
+          <a:schemeClr val="accent1">
+            <a:hueOff val="0"/>
+            <a:satOff val="0"/>
+            <a:lumOff val="0"/>
+            <a:alphaOff val="0"/>
+          </a:schemeClr>
+        </a:solidFill>
+        <a:ln w="15875" cap="flat" cmpd="sng" algn="ctr">
+          <a:solidFill>
+            <a:schemeClr val="lt1">
+              <a:hueOff val="0"/>
+              <a:satOff val="0"/>
+              <a:lumOff val="0"/>
+              <a:alphaOff val="0"/>
+            </a:schemeClr>
+          </a:solidFill>
+          <a:prstDash val="solid"/>
+        </a:ln>
+        <a:effectLst/>
+      </dsp:spPr>
+      <dsp:style>
+        <a:lnRef idx="2">
+          <a:scrgbClr r="0" g="0" b="0"/>
+        </a:lnRef>
+        <a:fillRef idx="1">
+          <a:scrgbClr r="0" g="0" b="0"/>
+        </a:fillRef>
+        <a:effectRef idx="0">
+          <a:scrgbClr r="0" g="0" b="0"/>
+        </a:effectRef>
+        <a:fontRef idx="minor">
+          <a:schemeClr val="lt1"/>
+        </a:fontRef>
+      </dsp:style>
+      <dsp:txBody>
+        <a:bodyPr spcFirstLastPara="0" vert="horz" wrap="square" lIns="91440" tIns="91440" rIns="91440" bIns="91440" numCol="1" spcCol="1270" anchor="ctr" anchorCtr="0">
+          <a:noAutofit/>
+        </a:bodyPr>
+        <a:lstStyle/>
+        <a:p>
+          <a:pPr lvl="0" algn="ctr" defTabSz="1066800">
+            <a:lnSpc>
+              <a:spcPct val="90000"/>
+            </a:lnSpc>
+            <a:spcBef>
+              <a:spcPct val="0"/>
+            </a:spcBef>
+            <a:spcAft>
+              <a:spcPct val="35000"/>
+            </a:spcAft>
+          </a:pPr>
+          <a:r>
+            <a:rPr lang="en-US" sz="2400" kern="1200" dirty="0" smtClean="0"/>
+            <a:t>Notification to request0r and driver</a:t>
+          </a:r>
+          <a:endParaRPr lang="en-US" sz="2400" kern="1200" dirty="0"/>
+        </a:p>
+      </dsp:txBody>
+      <dsp:txXfrm>
+        <a:off x="492723" y="26776"/>
+        <a:ext cx="3671564" cy="860662"/>
+      </dsp:txXfrm>
+    </dsp:sp>
+    <dsp:sp modelId="{51749ACF-FFBA-4CA8-AEE6-2166B1620A83}">
+      <dsp:nvSpPr>
+        <dsp:cNvPr id="0" name=""/>
+        <dsp:cNvSpPr/>
+      </dsp:nvSpPr>
+      <dsp:spPr>
+        <a:xfrm flipH="1" flipV="1">
+          <a:off x="4276871" y="295226"/>
+          <a:ext cx="1038320" cy="323760"/>
+        </a:xfrm>
+        <a:prstGeom prst="rightArrow">
+          <a:avLst>
+            <a:gd name="adj1" fmla="val 60000"/>
+            <a:gd name="adj2" fmla="val 50000"/>
+          </a:avLst>
+        </a:prstGeom>
+        <a:solidFill>
+          <a:schemeClr val="accent1">
+            <a:tint val="60000"/>
+            <a:hueOff val="0"/>
+            <a:satOff val="0"/>
+            <a:lumOff val="0"/>
+            <a:alphaOff val="0"/>
+          </a:schemeClr>
+        </a:solidFill>
+        <a:ln>
+          <a:noFill/>
+        </a:ln>
+        <a:effectLst/>
+      </dsp:spPr>
+      <dsp:style>
+        <a:lnRef idx="0">
+          <a:scrgbClr r="0" g="0" b="0"/>
+        </a:lnRef>
+        <a:fillRef idx="1">
+          <a:scrgbClr r="0" g="0" b="0"/>
+        </a:fillRef>
+        <a:effectRef idx="0">
+          <a:scrgbClr r="0" g="0" b="0"/>
+        </a:effectRef>
+        <a:fontRef idx="minor">
+          <a:schemeClr val="lt1"/>
+        </a:fontRef>
+      </dsp:style>
+      <dsp:txBody>
+        <a:bodyPr spcFirstLastPara="0" vert="horz" wrap="square" lIns="0" tIns="0" rIns="0" bIns="0" numCol="1" spcCol="1270" anchor="ctr" anchorCtr="0">
+          <a:noAutofit/>
+        </a:bodyPr>
+        <a:lstStyle/>
+        <a:p>
+          <a:pPr lvl="0" algn="ctr" defTabSz="577850">
+            <a:lnSpc>
+              <a:spcPct val="90000"/>
+            </a:lnSpc>
+            <a:spcBef>
+              <a:spcPct val="0"/>
+            </a:spcBef>
+            <a:spcAft>
+              <a:spcPct val="35000"/>
+            </a:spcAft>
+          </a:pPr>
+          <a:endParaRPr lang="en-US" sz="1300" kern="1200"/>
+        </a:p>
+      </dsp:txBody>
+      <dsp:txXfrm rot="10800000">
+        <a:off x="4373999" y="359978"/>
+        <a:ext cx="941192" cy="194256"/>
+      </dsp:txXfrm>
+    </dsp:sp>
+    <dsp:sp modelId="{9254DCDA-E4C8-4B5F-AB8F-C2D6F13EB790}">
+      <dsp:nvSpPr>
+        <dsp:cNvPr id="0" name=""/>
+        <dsp:cNvSpPr/>
+      </dsp:nvSpPr>
+      <dsp:spPr>
+        <a:xfrm>
+          <a:off x="5468604" y="0"/>
+          <a:ext cx="2385966" cy="914214"/>
         </a:xfrm>
         <a:prstGeom prst="roundRect">
           <a:avLst>
@@ -3542,691 +2729,8 @@
         </a:p>
       </dsp:txBody>
       <dsp:txXfrm>
-        <a:off x="90382" y="22205"/>
-        <a:ext cx="1235941" cy="713725"/>
-      </dsp:txXfrm>
-    </dsp:sp>
-    <dsp:sp modelId="{51749ACF-FFBA-4CA8-AEE6-2166B1620A83}">
-      <dsp:nvSpPr>
-        <dsp:cNvPr id="0" name=""/>
-        <dsp:cNvSpPr/>
-      </dsp:nvSpPr>
-      <dsp:spPr>
-        <a:xfrm>
-          <a:off x="1593605" y="258125"/>
-          <a:ext cx="246195" cy="241884"/>
-        </a:xfrm>
-        <a:prstGeom prst="rightArrow">
-          <a:avLst>
-            <a:gd name="adj1" fmla="val 60000"/>
-            <a:gd name="adj2" fmla="val 50000"/>
-          </a:avLst>
-        </a:prstGeom>
-        <a:solidFill>
-          <a:schemeClr val="accent1">
-            <a:tint val="60000"/>
-            <a:hueOff val="0"/>
-            <a:satOff val="0"/>
-            <a:lumOff val="0"/>
-            <a:alphaOff val="0"/>
-          </a:schemeClr>
-        </a:solidFill>
-        <a:ln>
-          <a:noFill/>
-        </a:ln>
-        <a:effectLst/>
-      </dsp:spPr>
-      <dsp:style>
-        <a:lnRef idx="0">
-          <a:scrgbClr r="0" g="0" b="0"/>
-        </a:lnRef>
-        <a:fillRef idx="1">
-          <a:scrgbClr r="0" g="0" b="0"/>
-        </a:fillRef>
-        <a:effectRef idx="0">
-          <a:scrgbClr r="0" g="0" b="0"/>
-        </a:effectRef>
-        <a:fontRef idx="minor">
-          <a:schemeClr val="lt1"/>
-        </a:fontRef>
-      </dsp:style>
-      <dsp:txBody>
-        <a:bodyPr spcFirstLastPara="0" vert="horz" wrap="square" lIns="0" tIns="0" rIns="0" bIns="0" numCol="1" spcCol="1270" anchor="ctr" anchorCtr="0">
-          <a:noAutofit/>
-        </a:bodyPr>
-        <a:lstStyle/>
-        <a:p>
-          <a:pPr lvl="0" algn="ctr" defTabSz="444500">
-            <a:lnSpc>
-              <a:spcPct val="90000"/>
-            </a:lnSpc>
-            <a:spcBef>
-              <a:spcPct val="0"/>
-            </a:spcBef>
-            <a:spcAft>
-              <a:spcPct val="35000"/>
-            </a:spcAft>
-          </a:pPr>
-          <a:endParaRPr lang="en-US" sz="1000" kern="1200"/>
-        </a:p>
-      </dsp:txBody>
-      <dsp:txXfrm>
-        <a:off x="1593605" y="306502"/>
-        <a:ext cx="173630" cy="145130"/>
-      </dsp:txXfrm>
-    </dsp:sp>
-    <dsp:sp modelId="{9254DCDA-E4C8-4B5F-AB8F-C2D6F13EB790}">
-      <dsp:nvSpPr>
-        <dsp:cNvPr id="0" name=""/>
-        <dsp:cNvSpPr/>
-      </dsp:nvSpPr>
-      <dsp:spPr>
-        <a:xfrm>
-          <a:off x="2126020" y="0"/>
-          <a:ext cx="3089147" cy="758135"/>
-        </a:xfrm>
-        <a:prstGeom prst="roundRect">
-          <a:avLst>
-            <a:gd name="adj" fmla="val 10000"/>
-          </a:avLst>
-        </a:prstGeom>
-        <a:solidFill>
-          <a:schemeClr val="accent1">
-            <a:hueOff val="0"/>
-            <a:satOff val="0"/>
-            <a:lumOff val="0"/>
-            <a:alphaOff val="0"/>
-          </a:schemeClr>
-        </a:solidFill>
-        <a:ln w="15875" cap="flat" cmpd="sng" algn="ctr">
-          <a:solidFill>
-            <a:schemeClr val="lt1">
-              <a:hueOff val="0"/>
-              <a:satOff val="0"/>
-              <a:lumOff val="0"/>
-              <a:alphaOff val="0"/>
-            </a:schemeClr>
-          </a:solidFill>
-          <a:prstDash val="solid"/>
-        </a:ln>
-        <a:effectLst/>
-      </dsp:spPr>
-      <dsp:style>
-        <a:lnRef idx="2">
-          <a:scrgbClr r="0" g="0" b="0"/>
-        </a:lnRef>
-        <a:fillRef idx="1">
-          <a:scrgbClr r="0" g="0" b="0"/>
-        </a:fillRef>
-        <a:effectRef idx="0">
-          <a:scrgbClr r="0" g="0" b="0"/>
-        </a:effectRef>
-        <a:fontRef idx="minor">
-          <a:schemeClr val="lt1"/>
-        </a:fontRef>
-      </dsp:style>
-      <dsp:txBody>
-        <a:bodyPr spcFirstLastPara="0" vert="horz" wrap="square" lIns="91440" tIns="91440" rIns="91440" bIns="91440" numCol="1" spcCol="1270" anchor="ctr" anchorCtr="0">
-          <a:noAutofit/>
-        </a:bodyPr>
-        <a:lstStyle/>
-        <a:p>
-          <a:pPr lvl="0" algn="ctr" defTabSz="1066800">
-            <a:lnSpc>
-              <a:spcPct val="90000"/>
-            </a:lnSpc>
-            <a:spcBef>
-              <a:spcPct val="0"/>
-            </a:spcBef>
-            <a:spcAft>
-              <a:spcPct val="35000"/>
-            </a:spcAft>
-          </a:pPr>
-          <a:r>
-            <a:rPr lang="en-US" sz="2400" kern="1200" dirty="0" smtClean="0"/>
-            <a:t>Notification to requester and driver</a:t>
-          </a:r>
-          <a:endParaRPr lang="en-US" sz="2400" kern="1200" dirty="0"/>
-        </a:p>
-      </dsp:txBody>
-      <dsp:txXfrm>
-        <a:off x="2148225" y="22205"/>
-        <a:ext cx="3044737" cy="713725"/>
-      </dsp:txXfrm>
-    </dsp:sp>
-    <dsp:sp modelId="{66062924-0225-46CF-A1F2-A3B87C14D9CB}">
-      <dsp:nvSpPr>
-        <dsp:cNvPr id="0" name=""/>
-        <dsp:cNvSpPr/>
-      </dsp:nvSpPr>
-      <dsp:spPr>
-        <a:xfrm>
-          <a:off x="5484053" y="258125"/>
-          <a:ext cx="316745" cy="241884"/>
-        </a:xfrm>
-        <a:prstGeom prst="rightArrow">
-          <a:avLst>
-            <a:gd name="adj1" fmla="val 60000"/>
-            <a:gd name="adj2" fmla="val 50000"/>
-          </a:avLst>
-        </a:prstGeom>
-        <a:solidFill>
-          <a:schemeClr val="accent1">
-            <a:tint val="60000"/>
-            <a:hueOff val="0"/>
-            <a:satOff val="0"/>
-            <a:lumOff val="0"/>
-            <a:alphaOff val="0"/>
-          </a:schemeClr>
-        </a:solidFill>
-        <a:ln>
-          <a:noFill/>
-        </a:ln>
-        <a:effectLst/>
-      </dsp:spPr>
-      <dsp:style>
-        <a:lnRef idx="0">
-          <a:scrgbClr r="0" g="0" b="0"/>
-        </a:lnRef>
-        <a:fillRef idx="1">
-          <a:scrgbClr r="0" g="0" b="0"/>
-        </a:fillRef>
-        <a:effectRef idx="0">
-          <a:scrgbClr r="0" g="0" b="0"/>
-        </a:effectRef>
-        <a:fontRef idx="minor">
-          <a:schemeClr val="lt1"/>
-        </a:fontRef>
-      </dsp:style>
-      <dsp:txBody>
-        <a:bodyPr spcFirstLastPara="0" vert="horz" wrap="square" lIns="0" tIns="0" rIns="0" bIns="0" numCol="1" spcCol="1270" anchor="ctr" anchorCtr="0">
-          <a:noAutofit/>
-        </a:bodyPr>
-        <a:lstStyle/>
-        <a:p>
-          <a:pPr lvl="0" algn="ctr" defTabSz="444500">
-            <a:lnSpc>
-              <a:spcPct val="90000"/>
-            </a:lnSpc>
-            <a:spcBef>
-              <a:spcPct val="0"/>
-            </a:spcBef>
-            <a:spcAft>
-              <a:spcPct val="35000"/>
-            </a:spcAft>
-          </a:pPr>
-          <a:endParaRPr lang="en-US" sz="1000" kern="1200"/>
-        </a:p>
-      </dsp:txBody>
-      <dsp:txXfrm>
-        <a:off x="5484053" y="306502"/>
-        <a:ext cx="244180" cy="145130"/>
-      </dsp:txXfrm>
-    </dsp:sp>
-    <dsp:sp modelId="{9676207E-64BA-4650-82FA-0E3E33FD30B7}">
-      <dsp:nvSpPr>
-        <dsp:cNvPr id="0" name=""/>
-        <dsp:cNvSpPr/>
-      </dsp:nvSpPr>
-      <dsp:spPr>
-        <a:xfrm>
-          <a:off x="6215457" y="0"/>
-          <a:ext cx="2272033" cy="758135"/>
-        </a:xfrm>
-        <a:prstGeom prst="roundRect">
-          <a:avLst>
-            <a:gd name="adj" fmla="val 10000"/>
-          </a:avLst>
-        </a:prstGeom>
-        <a:solidFill>
-          <a:schemeClr val="accent1">
-            <a:hueOff val="0"/>
-            <a:satOff val="0"/>
-            <a:lumOff val="0"/>
-            <a:alphaOff val="0"/>
-          </a:schemeClr>
-        </a:solidFill>
-        <a:ln w="15875" cap="flat" cmpd="sng" algn="ctr">
-          <a:solidFill>
-            <a:schemeClr val="lt1">
-              <a:hueOff val="0"/>
-              <a:satOff val="0"/>
-              <a:lumOff val="0"/>
-              <a:alphaOff val="0"/>
-            </a:schemeClr>
-          </a:solidFill>
-          <a:prstDash val="solid"/>
-        </a:ln>
-        <a:effectLst/>
-      </dsp:spPr>
-      <dsp:style>
-        <a:lnRef idx="2">
-          <a:scrgbClr r="0" g="0" b="0"/>
-        </a:lnRef>
-        <a:fillRef idx="1">
-          <a:scrgbClr r="0" g="0" b="0"/>
-        </a:fillRef>
-        <a:effectRef idx="0">
-          <a:scrgbClr r="0" g="0" b="0"/>
-        </a:effectRef>
-        <a:fontRef idx="minor">
-          <a:schemeClr val="lt1"/>
-        </a:fontRef>
-      </dsp:style>
-      <dsp:txBody>
-        <a:bodyPr spcFirstLastPara="0" vert="horz" wrap="square" lIns="91440" tIns="91440" rIns="91440" bIns="91440" numCol="1" spcCol="1270" anchor="ctr" anchorCtr="0">
-          <a:noAutofit/>
-        </a:bodyPr>
-        <a:lstStyle/>
-        <a:p>
-          <a:pPr lvl="0" algn="ctr" defTabSz="1066800">
-            <a:lnSpc>
-              <a:spcPct val="90000"/>
-            </a:lnSpc>
-            <a:spcBef>
-              <a:spcPct val="0"/>
-            </a:spcBef>
-            <a:spcAft>
-              <a:spcPct val="35000"/>
-            </a:spcAft>
-          </a:pPr>
-          <a:r>
-            <a:rPr lang="en-US" sz="2400" kern="1200" dirty="0" smtClean="0"/>
-            <a:t>Feedback from requester</a:t>
-          </a:r>
-          <a:endParaRPr lang="en-US" sz="2400" kern="1200" dirty="0"/>
-        </a:p>
-      </dsp:txBody>
-      <dsp:txXfrm>
-        <a:off x="6237662" y="22205"/>
-        <a:ext cx="2227623" cy="713725"/>
-      </dsp:txXfrm>
-    </dsp:sp>
-  </dsp:spTree>
-</dsp:drawing>
-</file>
-
-<file path=ppt/diagrams/drawing3.xml><?xml version="1.0" encoding="utf-8"?>
-<dsp:drawing xmlns:dgm="http://schemas.openxmlformats.org/drawingml/2006/diagram" xmlns:dsp="http://schemas.microsoft.com/office/drawing/2008/diagram" xmlns:a="http://schemas.openxmlformats.org/drawingml/2006/main">
-  <dsp:spTree>
-    <dsp:nvGrpSpPr>
-      <dsp:cNvPr id="0" name=""/>
-      <dsp:cNvGrpSpPr/>
-    </dsp:nvGrpSpPr>
-    <dsp:grpSpPr/>
-    <dsp:sp modelId="{EF2F9333-022F-4543-9108-4A8104F6BD47}">
-      <dsp:nvSpPr>
-        <dsp:cNvPr id="0" name=""/>
-        <dsp:cNvSpPr/>
-      </dsp:nvSpPr>
-      <dsp:spPr>
-        <a:xfrm>
-          <a:off x="68177" y="0"/>
-          <a:ext cx="1280351" cy="758135"/>
-        </a:xfrm>
-        <a:prstGeom prst="roundRect">
-          <a:avLst>
-            <a:gd name="adj" fmla="val 10000"/>
-          </a:avLst>
-        </a:prstGeom>
-        <a:solidFill>
-          <a:schemeClr val="accent1">
-            <a:hueOff val="0"/>
-            <a:satOff val="0"/>
-            <a:lumOff val="0"/>
-            <a:alphaOff val="0"/>
-          </a:schemeClr>
-        </a:solidFill>
-        <a:ln w="15875" cap="flat" cmpd="sng" algn="ctr">
-          <a:solidFill>
-            <a:schemeClr val="lt1">
-              <a:hueOff val="0"/>
-              <a:satOff val="0"/>
-              <a:lumOff val="0"/>
-              <a:alphaOff val="0"/>
-            </a:schemeClr>
-          </a:solidFill>
-          <a:prstDash val="solid"/>
-        </a:ln>
-        <a:effectLst/>
-      </dsp:spPr>
-      <dsp:style>
-        <a:lnRef idx="2">
-          <a:scrgbClr r="0" g="0" b="0"/>
-        </a:lnRef>
-        <a:fillRef idx="1">
-          <a:scrgbClr r="0" g="0" b="0"/>
-        </a:fillRef>
-        <a:effectRef idx="0">
-          <a:scrgbClr r="0" g="0" b="0"/>
-        </a:effectRef>
-        <a:fontRef idx="minor">
-          <a:schemeClr val="lt1"/>
-        </a:fontRef>
-      </dsp:style>
-      <dsp:txBody>
-        <a:bodyPr spcFirstLastPara="0" vert="horz" wrap="square" lIns="91440" tIns="91440" rIns="91440" bIns="91440" numCol="1" spcCol="1270" anchor="ctr" anchorCtr="0">
-          <a:noAutofit/>
-        </a:bodyPr>
-        <a:lstStyle/>
-        <a:p>
-          <a:pPr lvl="0" algn="ctr" defTabSz="1066800">
-            <a:lnSpc>
-              <a:spcPct val="90000"/>
-            </a:lnSpc>
-            <a:spcBef>
-              <a:spcPct val="0"/>
-            </a:spcBef>
-            <a:spcAft>
-              <a:spcPct val="35000"/>
-            </a:spcAft>
-          </a:pPr>
-          <a:r>
-            <a:rPr lang="en-US" sz="2400" kern="1200" dirty="0" smtClean="0"/>
-            <a:t>Refuse</a:t>
-          </a:r>
-          <a:endParaRPr lang="en-US" sz="2400" kern="1200" dirty="0"/>
-        </a:p>
-      </dsp:txBody>
-      <dsp:txXfrm>
-        <a:off x="90382" y="22205"/>
-        <a:ext cx="1235941" cy="713725"/>
-      </dsp:txXfrm>
-    </dsp:sp>
-    <dsp:sp modelId="{51749ACF-FFBA-4CA8-AEE6-2166B1620A83}">
-      <dsp:nvSpPr>
-        <dsp:cNvPr id="0" name=""/>
-        <dsp:cNvSpPr/>
-      </dsp:nvSpPr>
-      <dsp:spPr>
-        <a:xfrm>
-          <a:off x="1593605" y="258125"/>
-          <a:ext cx="246195" cy="241884"/>
-        </a:xfrm>
-        <a:prstGeom prst="rightArrow">
-          <a:avLst>
-            <a:gd name="adj1" fmla="val 60000"/>
-            <a:gd name="adj2" fmla="val 50000"/>
-          </a:avLst>
-        </a:prstGeom>
-        <a:solidFill>
-          <a:schemeClr val="accent1">
-            <a:tint val="60000"/>
-            <a:hueOff val="0"/>
-            <a:satOff val="0"/>
-            <a:lumOff val="0"/>
-            <a:alphaOff val="0"/>
-          </a:schemeClr>
-        </a:solidFill>
-        <a:ln>
-          <a:noFill/>
-        </a:ln>
-        <a:effectLst/>
-      </dsp:spPr>
-      <dsp:style>
-        <a:lnRef idx="0">
-          <a:scrgbClr r="0" g="0" b="0"/>
-        </a:lnRef>
-        <a:fillRef idx="1">
-          <a:scrgbClr r="0" g="0" b="0"/>
-        </a:fillRef>
-        <a:effectRef idx="0">
-          <a:scrgbClr r="0" g="0" b="0"/>
-        </a:effectRef>
-        <a:fontRef idx="minor">
-          <a:schemeClr val="lt1"/>
-        </a:fontRef>
-      </dsp:style>
-      <dsp:txBody>
-        <a:bodyPr spcFirstLastPara="0" vert="horz" wrap="square" lIns="0" tIns="0" rIns="0" bIns="0" numCol="1" spcCol="1270" anchor="ctr" anchorCtr="0">
-          <a:noAutofit/>
-        </a:bodyPr>
-        <a:lstStyle/>
-        <a:p>
-          <a:pPr lvl="0" algn="ctr" defTabSz="444500">
-            <a:lnSpc>
-              <a:spcPct val="90000"/>
-            </a:lnSpc>
-            <a:spcBef>
-              <a:spcPct val="0"/>
-            </a:spcBef>
-            <a:spcAft>
-              <a:spcPct val="35000"/>
-            </a:spcAft>
-          </a:pPr>
-          <a:endParaRPr lang="en-US" sz="1000" kern="1200"/>
-        </a:p>
-      </dsp:txBody>
-      <dsp:txXfrm>
-        <a:off x="1593605" y="306502"/>
-        <a:ext cx="173630" cy="145130"/>
-      </dsp:txXfrm>
-    </dsp:sp>
-    <dsp:sp modelId="{9254DCDA-E4C8-4B5F-AB8F-C2D6F13EB790}">
-      <dsp:nvSpPr>
-        <dsp:cNvPr id="0" name=""/>
-        <dsp:cNvSpPr/>
-      </dsp:nvSpPr>
-      <dsp:spPr>
-        <a:xfrm>
-          <a:off x="2126020" y="0"/>
-          <a:ext cx="3089147" cy="758135"/>
-        </a:xfrm>
-        <a:prstGeom prst="roundRect">
-          <a:avLst>
-            <a:gd name="adj" fmla="val 10000"/>
-          </a:avLst>
-        </a:prstGeom>
-        <a:solidFill>
-          <a:schemeClr val="accent1">
-            <a:hueOff val="0"/>
-            <a:satOff val="0"/>
-            <a:lumOff val="0"/>
-            <a:alphaOff val="0"/>
-          </a:schemeClr>
-        </a:solidFill>
-        <a:ln w="15875" cap="flat" cmpd="sng" algn="ctr">
-          <a:solidFill>
-            <a:schemeClr val="lt1">
-              <a:hueOff val="0"/>
-              <a:satOff val="0"/>
-              <a:lumOff val="0"/>
-              <a:alphaOff val="0"/>
-            </a:schemeClr>
-          </a:solidFill>
-          <a:prstDash val="solid"/>
-        </a:ln>
-        <a:effectLst/>
-      </dsp:spPr>
-      <dsp:style>
-        <a:lnRef idx="2">
-          <a:scrgbClr r="0" g="0" b="0"/>
-        </a:lnRef>
-        <a:fillRef idx="1">
-          <a:scrgbClr r="0" g="0" b="0"/>
-        </a:fillRef>
-        <a:effectRef idx="0">
-          <a:scrgbClr r="0" g="0" b="0"/>
-        </a:effectRef>
-        <a:fontRef idx="minor">
-          <a:schemeClr val="lt1"/>
-        </a:fontRef>
-      </dsp:style>
-      <dsp:txBody>
-        <a:bodyPr spcFirstLastPara="0" vert="horz" wrap="square" lIns="91440" tIns="91440" rIns="91440" bIns="91440" numCol="1" spcCol="1270" anchor="ctr" anchorCtr="0">
-          <a:noAutofit/>
-        </a:bodyPr>
-        <a:lstStyle/>
-        <a:p>
-          <a:pPr lvl="0" algn="ctr" defTabSz="1066800">
-            <a:lnSpc>
-              <a:spcPct val="90000"/>
-            </a:lnSpc>
-            <a:spcBef>
-              <a:spcPct val="0"/>
-            </a:spcBef>
-            <a:spcAft>
-              <a:spcPct val="35000"/>
-            </a:spcAft>
-          </a:pPr>
-          <a:r>
-            <a:rPr lang="en-US" sz="2400" kern="1200" dirty="0" smtClean="0"/>
-            <a:t>Notification to requester</a:t>
-          </a:r>
-          <a:endParaRPr lang="en-US" sz="2400" kern="1200" dirty="0"/>
-        </a:p>
-      </dsp:txBody>
-      <dsp:txXfrm>
-        <a:off x="2148225" y="22205"/>
-        <a:ext cx="3044737" cy="713725"/>
-      </dsp:txXfrm>
-    </dsp:sp>
-    <dsp:sp modelId="{66062924-0225-46CF-A1F2-A3B87C14D9CB}">
-      <dsp:nvSpPr>
-        <dsp:cNvPr id="0" name=""/>
-        <dsp:cNvSpPr/>
-      </dsp:nvSpPr>
-      <dsp:spPr>
-        <a:xfrm>
-          <a:off x="5484053" y="258125"/>
-          <a:ext cx="316745" cy="241884"/>
-        </a:xfrm>
-        <a:prstGeom prst="rightArrow">
-          <a:avLst>
-            <a:gd name="adj1" fmla="val 60000"/>
-            <a:gd name="adj2" fmla="val 50000"/>
-          </a:avLst>
-        </a:prstGeom>
-        <a:solidFill>
-          <a:schemeClr val="accent1">
-            <a:tint val="60000"/>
-            <a:hueOff val="0"/>
-            <a:satOff val="0"/>
-            <a:lumOff val="0"/>
-            <a:alphaOff val="0"/>
-          </a:schemeClr>
-        </a:solidFill>
-        <a:ln>
-          <a:noFill/>
-        </a:ln>
-        <a:effectLst/>
-      </dsp:spPr>
-      <dsp:style>
-        <a:lnRef idx="0">
-          <a:scrgbClr r="0" g="0" b="0"/>
-        </a:lnRef>
-        <a:fillRef idx="1">
-          <a:scrgbClr r="0" g="0" b="0"/>
-        </a:fillRef>
-        <a:effectRef idx="0">
-          <a:scrgbClr r="0" g="0" b="0"/>
-        </a:effectRef>
-        <a:fontRef idx="minor">
-          <a:schemeClr val="lt1"/>
-        </a:fontRef>
-      </dsp:style>
-      <dsp:txBody>
-        <a:bodyPr spcFirstLastPara="0" vert="horz" wrap="square" lIns="0" tIns="0" rIns="0" bIns="0" numCol="1" spcCol="1270" anchor="ctr" anchorCtr="0">
-          <a:noAutofit/>
-        </a:bodyPr>
-        <a:lstStyle/>
-        <a:p>
-          <a:pPr lvl="0" algn="ctr" defTabSz="444500">
-            <a:lnSpc>
-              <a:spcPct val="90000"/>
-            </a:lnSpc>
-            <a:spcBef>
-              <a:spcPct val="0"/>
-            </a:spcBef>
-            <a:spcAft>
-              <a:spcPct val="35000"/>
-            </a:spcAft>
-          </a:pPr>
-          <a:endParaRPr lang="en-US" sz="1000" kern="1200"/>
-        </a:p>
-      </dsp:txBody>
-      <dsp:txXfrm>
-        <a:off x="5484053" y="306502"/>
-        <a:ext cx="244180" cy="145130"/>
-      </dsp:txXfrm>
-    </dsp:sp>
-    <dsp:sp modelId="{9676207E-64BA-4650-82FA-0E3E33FD30B7}">
-      <dsp:nvSpPr>
-        <dsp:cNvPr id="0" name=""/>
-        <dsp:cNvSpPr/>
-      </dsp:nvSpPr>
-      <dsp:spPr>
-        <a:xfrm>
-          <a:off x="6215457" y="0"/>
-          <a:ext cx="2272033" cy="758135"/>
-        </a:xfrm>
-        <a:prstGeom prst="roundRect">
-          <a:avLst>
-            <a:gd name="adj" fmla="val 10000"/>
-          </a:avLst>
-        </a:prstGeom>
-        <a:solidFill>
-          <a:schemeClr val="accent1">
-            <a:hueOff val="0"/>
-            <a:satOff val="0"/>
-            <a:lumOff val="0"/>
-            <a:alphaOff val="0"/>
-          </a:schemeClr>
-        </a:solidFill>
-        <a:ln w="15875" cap="flat" cmpd="sng" algn="ctr">
-          <a:solidFill>
-            <a:schemeClr val="lt1">
-              <a:hueOff val="0"/>
-              <a:satOff val="0"/>
-              <a:lumOff val="0"/>
-              <a:alphaOff val="0"/>
-            </a:schemeClr>
-          </a:solidFill>
-          <a:prstDash val="solid"/>
-        </a:ln>
-        <a:effectLst/>
-      </dsp:spPr>
-      <dsp:style>
-        <a:lnRef idx="2">
-          <a:scrgbClr r="0" g="0" b="0"/>
-        </a:lnRef>
-        <a:fillRef idx="1">
-          <a:scrgbClr r="0" g="0" b="0"/>
-        </a:fillRef>
-        <a:effectRef idx="0">
-          <a:scrgbClr r="0" g="0" b="0"/>
-        </a:effectRef>
-        <a:fontRef idx="minor">
-          <a:schemeClr val="lt1"/>
-        </a:fontRef>
-      </dsp:style>
-      <dsp:txBody>
-        <a:bodyPr spcFirstLastPara="0" vert="horz" wrap="square" lIns="91440" tIns="91440" rIns="91440" bIns="91440" numCol="1" spcCol="1270" anchor="ctr" anchorCtr="0">
-          <a:noAutofit/>
-        </a:bodyPr>
-        <a:lstStyle/>
-        <a:p>
-          <a:pPr lvl="0" algn="ctr" defTabSz="1066800">
-            <a:lnSpc>
-              <a:spcPct val="90000"/>
-            </a:lnSpc>
-            <a:spcBef>
-              <a:spcPct val="0"/>
-            </a:spcBef>
-            <a:spcAft>
-              <a:spcPct val="35000"/>
-            </a:spcAft>
-          </a:pPr>
-          <a:r>
-            <a:rPr lang="en-US" sz="2400" kern="1200" dirty="0" smtClean="0"/>
-            <a:t>Feedback from requester</a:t>
-          </a:r>
-          <a:endParaRPr lang="en-US" sz="2400" kern="1200" dirty="0"/>
-        </a:p>
-      </dsp:txBody>
-      <dsp:txXfrm>
-        <a:off x="6237662" y="22205"/>
-        <a:ext cx="2227623" cy="713725"/>
+        <a:off x="5495380" y="26776"/>
+        <a:ext cx="2332414" cy="860662"/>
       </dsp:txXfrm>
     </dsp:sp>
   </dsp:spTree>
@@ -4575,177 +3079,6 @@
 </dgm:layoutDef>
 </file>
 
-<file path=ppt/diagrams/layout3.xml><?xml version="1.0" encoding="utf-8"?>
-<dgm:layoutDef xmlns:dgm="http://schemas.openxmlformats.org/drawingml/2006/diagram" xmlns:a="http://schemas.openxmlformats.org/drawingml/2006/main" uniqueId="urn:microsoft.com/office/officeart/2005/8/layout/process5">
-  <dgm:title val=""/>
-  <dgm:desc val=""/>
-  <dgm:catLst>
-    <dgm:cat type="process" pri="17000"/>
-  </dgm:catLst>
-  <dgm:sampData>
-    <dgm:dataModel>
-      <dgm:ptLst>
-        <dgm:pt modelId="0" type="doc"/>
-        <dgm:pt modelId="1">
-          <dgm:prSet phldr="1"/>
-        </dgm:pt>
-        <dgm:pt modelId="2">
-          <dgm:prSet phldr="1"/>
-        </dgm:pt>
-        <dgm:pt modelId="3">
-          <dgm:prSet phldr="1"/>
-        </dgm:pt>
-        <dgm:pt modelId="4">
-          <dgm:prSet phldr="1"/>
-        </dgm:pt>
-        <dgm:pt modelId="5">
-          <dgm:prSet phldr="1"/>
-        </dgm:pt>
-      </dgm:ptLst>
-      <dgm:cxnLst>
-        <dgm:cxn modelId="7" srcId="0" destId="1" srcOrd="0" destOrd="0"/>
-        <dgm:cxn modelId="8" srcId="0" destId="2" srcOrd="1" destOrd="0"/>
-        <dgm:cxn modelId="9" srcId="0" destId="3" srcOrd="2" destOrd="0"/>
-        <dgm:cxn modelId="10" srcId="0" destId="4" srcOrd="3" destOrd="0"/>
-        <dgm:cxn modelId="11" srcId="0" destId="5" srcOrd="4" destOrd="0"/>
-      </dgm:cxnLst>
-      <dgm:bg/>
-      <dgm:whole/>
-    </dgm:dataModel>
-  </dgm:sampData>
-  <dgm:styleData>
-    <dgm:dataModel>
-      <dgm:ptLst>
-        <dgm:pt modelId="0" type="doc"/>
-        <dgm:pt modelId="1"/>
-        <dgm:pt modelId="2"/>
-      </dgm:ptLst>
-      <dgm:cxnLst>
-        <dgm:cxn modelId="3" srcId="0" destId="1" srcOrd="0" destOrd="0"/>
-        <dgm:cxn modelId="4" srcId="0" destId="2" srcOrd="1" destOrd="0"/>
-      </dgm:cxnLst>
-      <dgm:bg/>
-      <dgm:whole/>
-    </dgm:dataModel>
-  </dgm:styleData>
-  <dgm:clrData>
-    <dgm:dataModel>
-      <dgm:ptLst>
-        <dgm:pt modelId="0" type="doc"/>
-        <dgm:pt modelId="1"/>
-        <dgm:pt modelId="2"/>
-        <dgm:pt modelId="3"/>
-        <dgm:pt modelId="4"/>
-      </dgm:ptLst>
-      <dgm:cxnLst>
-        <dgm:cxn modelId="5" srcId="0" destId="1" srcOrd="0" destOrd="0"/>
-        <dgm:cxn modelId="6" srcId="0" destId="2" srcOrd="1" destOrd="0"/>
-        <dgm:cxn modelId="7" srcId="0" destId="3" srcOrd="2" destOrd="0"/>
-        <dgm:cxn modelId="8" srcId="0" destId="4" srcOrd="3" destOrd="0"/>
-      </dgm:cxnLst>
-      <dgm:bg/>
-      <dgm:whole/>
-    </dgm:dataModel>
-  </dgm:clrData>
-  <dgm:layoutNode name="diagram">
-    <dgm:varLst>
-      <dgm:dir/>
-      <dgm:resizeHandles val="exact"/>
-    </dgm:varLst>
-    <dgm:choose name="Name0">
-      <dgm:if name="Name1" axis="self" func="var" arg="dir" op="equ" val="norm">
-        <dgm:alg type="snake">
-          <dgm:param type="grDir" val="tL"/>
-          <dgm:param type="flowDir" val="row"/>
-          <dgm:param type="contDir" val="revDir"/>
-          <dgm:param type="bkpt" val="endCnv"/>
-        </dgm:alg>
-      </dgm:if>
-      <dgm:else name="Name2">
-        <dgm:alg type="snake">
-          <dgm:param type="grDir" val="tR"/>
-          <dgm:param type="flowDir" val="row"/>
-          <dgm:param type="contDir" val="revDir"/>
-          <dgm:param type="bkpt" val="endCnv"/>
-        </dgm:alg>
-      </dgm:else>
-    </dgm:choose>
-    <dgm:shape xmlns:r="http://schemas.openxmlformats.org/officeDocument/2006/relationships" r:blip="">
-      <dgm:adjLst/>
-    </dgm:shape>
-    <dgm:presOf/>
-    <dgm:constrLst>
-      <dgm:constr type="w" for="ch" ptType="node" refType="w"/>
-      <dgm:constr type="w" for="ch" forName="sibTrans" refType="w" refFor="ch" refPtType="node" op="equ" fact="0.4"/>
-      <dgm:constr type="sp" refType="w" refFor="ch" refForName="sibTrans" op="equ"/>
-      <dgm:constr type="primFontSz" for="ch" ptType="node" op="equ" val="65"/>
-      <dgm:constr type="primFontSz" for="des" forName="connectorText" op="equ" val="55"/>
-      <dgm:constr type="primFontSz" for="des" forName="connectorText" refType="primFontSz" refFor="ch" refPtType="node" op="lte" fact="0.8"/>
-    </dgm:constrLst>
-    <dgm:ruleLst/>
-    <dgm:forEach name="nodesForEach" axis="ch" ptType="node">
-      <dgm:layoutNode name="node">
-        <dgm:varLst>
-          <dgm:bulletEnabled val="1"/>
-        </dgm:varLst>
-        <dgm:alg type="tx"/>
-        <dgm:shape xmlns:r="http://schemas.openxmlformats.org/officeDocument/2006/relationships" type="roundRect" r:blip="">
-          <dgm:adjLst>
-            <dgm:adj idx="1" val="0.1"/>
-          </dgm:adjLst>
-        </dgm:shape>
-        <dgm:presOf axis="desOrSelf" ptType="node"/>
-        <dgm:constrLst>
-          <dgm:constr type="h" refType="w" fact="0.6"/>
-          <dgm:constr type="tMarg" refType="primFontSz" fact="0.3"/>
-          <dgm:constr type="bMarg" refType="primFontSz" fact="0.3"/>
-          <dgm:constr type="lMarg" refType="primFontSz" fact="0.3"/>
-          <dgm:constr type="rMarg" refType="primFontSz" fact="0.3"/>
-        </dgm:constrLst>
-        <dgm:ruleLst>
-          <dgm:rule type="primFontSz" val="5" fact="NaN" max="NaN"/>
-        </dgm:ruleLst>
-      </dgm:layoutNode>
-      <dgm:forEach name="sibTransForEach" axis="followSib" ptType="sibTrans" cnt="1">
-        <dgm:layoutNode name="sibTrans">
-          <dgm:alg type="conn">
-            <dgm:param type="begPts" val="auto"/>
-            <dgm:param type="endPts" val="auto"/>
-          </dgm:alg>
-          <dgm:shape xmlns:r="http://schemas.openxmlformats.org/officeDocument/2006/relationships" type="conn" r:blip="">
-            <dgm:adjLst/>
-          </dgm:shape>
-          <dgm:presOf axis="self"/>
-          <dgm:constrLst>
-            <dgm:constr type="h" refType="w" fact="0.62"/>
-            <dgm:constr type="connDist"/>
-          </dgm:constrLst>
-          <dgm:ruleLst/>
-          <dgm:layoutNode name="connectorText">
-            <dgm:alg type="tx">
-              <dgm:param type="autoTxRot" val="upr"/>
-            </dgm:alg>
-            <dgm:shape xmlns:r="http://schemas.openxmlformats.org/officeDocument/2006/relationships" type="conn" r:blip="" hideGeom="1">
-              <dgm:adjLst/>
-            </dgm:shape>
-            <dgm:presOf axis="self"/>
-            <dgm:constrLst>
-              <dgm:constr type="lMarg"/>
-              <dgm:constr type="rMarg"/>
-              <dgm:constr type="tMarg"/>
-              <dgm:constr type="bMarg"/>
-            </dgm:constrLst>
-            <dgm:ruleLst>
-              <dgm:rule type="primFontSz" val="5" fact="NaN" max="NaN"/>
-            </dgm:ruleLst>
-          </dgm:layoutNode>
-        </dgm:layoutNode>
-      </dgm:forEach>
-    </dgm:forEach>
-  </dgm:layoutNode>
-</dgm:layoutDef>
-</file>
-
 <file path=ppt/diagrams/quickStyle1.xml><?xml version="1.0" encoding="utf-8"?>
 <dgm:styleDef xmlns:dgm="http://schemas.openxmlformats.org/drawingml/2006/diagram" xmlns:a="http://schemas.openxmlformats.org/drawingml/2006/main" uniqueId="urn:microsoft.com/office/officeart/2005/8/quickstyle/simple1">
   <dgm:title val=""/>
@@ -5781,1040 +4114,6 @@
 </file>
 
 <file path=ppt/diagrams/quickStyle2.xml><?xml version="1.0" encoding="utf-8"?>
-<dgm:styleDef xmlns:dgm="http://schemas.openxmlformats.org/drawingml/2006/diagram" xmlns:a="http://schemas.openxmlformats.org/drawingml/2006/main" uniqueId="urn:microsoft.com/office/officeart/2005/8/quickstyle/simple1">
-  <dgm:title val=""/>
-  <dgm:desc val=""/>
-  <dgm:catLst>
-    <dgm:cat type="simple" pri="10100"/>
-  </dgm:catLst>
-  <dgm:scene3d>
-    <a:camera prst="orthographicFront"/>
-    <a:lightRig rig="threePt" dir="t"/>
-  </dgm:scene3d>
-  <dgm:styleLbl name="node0">
-    <dgm:scene3d>
-      <a:camera prst="orthographicFront"/>
-      <a:lightRig rig="threePt" dir="t"/>
-    </dgm:scene3d>
-    <dgm:sp3d/>
-    <dgm:txPr/>
-    <dgm:style>
-      <a:lnRef idx="2">
-        <a:scrgbClr r="0" g="0" b="0"/>
-      </a:lnRef>
-      <a:fillRef idx="1">
-        <a:scrgbClr r="0" g="0" b="0"/>
-      </a:fillRef>
-      <a:effectRef idx="0">
-        <a:scrgbClr r="0" g="0" b="0"/>
-      </a:effectRef>
-      <a:fontRef idx="minor">
-        <a:schemeClr val="lt1"/>
-      </a:fontRef>
-    </dgm:style>
-  </dgm:styleLbl>
-  <dgm:styleLbl name="lnNode1">
-    <dgm:scene3d>
-      <a:camera prst="orthographicFront"/>
-      <a:lightRig rig="threePt" dir="t"/>
-    </dgm:scene3d>
-    <dgm:sp3d/>
-    <dgm:txPr/>
-    <dgm:style>
-      <a:lnRef idx="2">
-        <a:scrgbClr r="0" g="0" b="0"/>
-      </a:lnRef>
-      <a:fillRef idx="1">
-        <a:scrgbClr r="0" g="0" b="0"/>
-      </a:fillRef>
-      <a:effectRef idx="0">
-        <a:scrgbClr r="0" g="0" b="0"/>
-      </a:effectRef>
-      <a:fontRef idx="minor">
-        <a:schemeClr val="lt1"/>
-      </a:fontRef>
-    </dgm:style>
-  </dgm:styleLbl>
-  <dgm:styleLbl name="vennNode1">
-    <dgm:scene3d>
-      <a:camera prst="orthographicFront"/>
-      <a:lightRig rig="threePt" dir="t"/>
-    </dgm:scene3d>
-    <dgm:sp3d/>
-    <dgm:txPr/>
-    <dgm:style>
-      <a:lnRef idx="2">
-        <a:scrgbClr r="0" g="0" b="0"/>
-      </a:lnRef>
-      <a:fillRef idx="1">
-        <a:scrgbClr r="0" g="0" b="0"/>
-      </a:fillRef>
-      <a:effectRef idx="0">
-        <a:scrgbClr r="0" g="0" b="0"/>
-      </a:effectRef>
-      <a:fontRef idx="minor">
-        <a:schemeClr val="tx1"/>
-      </a:fontRef>
-    </dgm:style>
-  </dgm:styleLbl>
-  <dgm:styleLbl name="alignNode1">
-    <dgm:scene3d>
-      <a:camera prst="orthographicFront"/>
-      <a:lightRig rig="threePt" dir="t"/>
-    </dgm:scene3d>
-    <dgm:sp3d/>
-    <dgm:txPr/>
-    <dgm:style>
-      <a:lnRef idx="2">
-        <a:scrgbClr r="0" g="0" b="0"/>
-      </a:lnRef>
-      <a:fillRef idx="1">
-        <a:scrgbClr r="0" g="0" b="0"/>
-      </a:fillRef>
-      <a:effectRef idx="0">
-        <a:scrgbClr r="0" g="0" b="0"/>
-      </a:effectRef>
-      <a:fontRef idx="minor">
-        <a:schemeClr val="lt1"/>
-      </a:fontRef>
-    </dgm:style>
-  </dgm:styleLbl>
-  <dgm:styleLbl name="node1">
-    <dgm:scene3d>
-      <a:camera prst="orthographicFront"/>
-      <a:lightRig rig="threePt" dir="t"/>
-    </dgm:scene3d>
-    <dgm:sp3d/>
-    <dgm:txPr/>
-    <dgm:style>
-      <a:lnRef idx="2">
-        <a:scrgbClr r="0" g="0" b="0"/>
-      </a:lnRef>
-      <a:fillRef idx="1">
-        <a:scrgbClr r="0" g="0" b="0"/>
-      </a:fillRef>
-      <a:effectRef idx="0">
-        <a:scrgbClr r="0" g="0" b="0"/>
-      </a:effectRef>
-      <a:fontRef idx="minor">
-        <a:schemeClr val="lt1"/>
-      </a:fontRef>
-    </dgm:style>
-  </dgm:styleLbl>
-  <dgm:styleLbl name="node2">
-    <dgm:scene3d>
-      <a:camera prst="orthographicFront"/>
-      <a:lightRig rig="threePt" dir="t"/>
-    </dgm:scene3d>
-    <dgm:sp3d/>
-    <dgm:txPr/>
-    <dgm:style>
-      <a:lnRef idx="2">
-        <a:scrgbClr r="0" g="0" b="0"/>
-      </a:lnRef>
-      <a:fillRef idx="1">
-        <a:scrgbClr r="0" g="0" b="0"/>
-      </a:fillRef>
-      <a:effectRef idx="0">
-        <a:scrgbClr r="0" g="0" b="0"/>
-      </a:effectRef>
-      <a:fontRef idx="minor">
-        <a:schemeClr val="lt1"/>
-      </a:fontRef>
-    </dgm:style>
-  </dgm:styleLbl>
-  <dgm:styleLbl name="node3">
-    <dgm:scene3d>
-      <a:camera prst="orthographicFront"/>
-      <a:lightRig rig="threePt" dir="t"/>
-    </dgm:scene3d>
-    <dgm:sp3d/>
-    <dgm:txPr/>
-    <dgm:style>
-      <a:lnRef idx="2">
-        <a:scrgbClr r="0" g="0" b="0"/>
-      </a:lnRef>
-      <a:fillRef idx="1">
-        <a:scrgbClr r="0" g="0" b="0"/>
-      </a:fillRef>
-      <a:effectRef idx="0">
-        <a:scrgbClr r="0" g="0" b="0"/>
-      </a:effectRef>
-      <a:fontRef idx="minor">
-        <a:schemeClr val="lt1"/>
-      </a:fontRef>
-    </dgm:style>
-  </dgm:styleLbl>
-  <dgm:styleLbl name="node4">
-    <dgm:scene3d>
-      <a:camera prst="orthographicFront"/>
-      <a:lightRig rig="threePt" dir="t"/>
-    </dgm:scene3d>
-    <dgm:sp3d/>
-    <dgm:txPr/>
-    <dgm:style>
-      <a:lnRef idx="2">
-        <a:scrgbClr r="0" g="0" b="0"/>
-      </a:lnRef>
-      <a:fillRef idx="1">
-        <a:scrgbClr r="0" g="0" b="0"/>
-      </a:fillRef>
-      <a:effectRef idx="0">
-        <a:scrgbClr r="0" g="0" b="0"/>
-      </a:effectRef>
-      <a:fontRef idx="minor">
-        <a:schemeClr val="lt1"/>
-      </a:fontRef>
-    </dgm:style>
-  </dgm:styleLbl>
-  <dgm:styleLbl name="fgImgPlace1">
-    <dgm:scene3d>
-      <a:camera prst="orthographicFront"/>
-      <a:lightRig rig="threePt" dir="t"/>
-    </dgm:scene3d>
-    <dgm:sp3d/>
-    <dgm:txPr/>
-    <dgm:style>
-      <a:lnRef idx="2">
-        <a:scrgbClr r="0" g="0" b="0"/>
-      </a:lnRef>
-      <a:fillRef idx="1">
-        <a:scrgbClr r="0" g="0" b="0"/>
-      </a:fillRef>
-      <a:effectRef idx="0">
-        <a:scrgbClr r="0" g="0" b="0"/>
-      </a:effectRef>
-      <a:fontRef idx="minor"/>
-    </dgm:style>
-  </dgm:styleLbl>
-  <dgm:styleLbl name="alignImgPlace1">
-    <dgm:scene3d>
-      <a:camera prst="orthographicFront"/>
-      <a:lightRig rig="threePt" dir="t"/>
-    </dgm:scene3d>
-    <dgm:sp3d/>
-    <dgm:txPr/>
-    <dgm:style>
-      <a:lnRef idx="2">
-        <a:scrgbClr r="0" g="0" b="0"/>
-      </a:lnRef>
-      <a:fillRef idx="1">
-        <a:scrgbClr r="0" g="0" b="0"/>
-      </a:fillRef>
-      <a:effectRef idx="0">
-        <a:scrgbClr r="0" g="0" b="0"/>
-      </a:effectRef>
-      <a:fontRef idx="minor"/>
-    </dgm:style>
-  </dgm:styleLbl>
-  <dgm:styleLbl name="bgImgPlace1">
-    <dgm:scene3d>
-      <a:camera prst="orthographicFront"/>
-      <a:lightRig rig="threePt" dir="t"/>
-    </dgm:scene3d>
-    <dgm:sp3d/>
-    <dgm:txPr/>
-    <dgm:style>
-      <a:lnRef idx="2">
-        <a:scrgbClr r="0" g="0" b="0"/>
-      </a:lnRef>
-      <a:fillRef idx="1">
-        <a:scrgbClr r="0" g="0" b="0"/>
-      </a:fillRef>
-      <a:effectRef idx="0">
-        <a:scrgbClr r="0" g="0" b="0"/>
-      </a:effectRef>
-      <a:fontRef idx="minor"/>
-    </dgm:style>
-  </dgm:styleLbl>
-  <dgm:styleLbl name="sibTrans2D1">
-    <dgm:scene3d>
-      <a:camera prst="orthographicFront"/>
-      <a:lightRig rig="threePt" dir="t"/>
-    </dgm:scene3d>
-    <dgm:sp3d/>
-    <dgm:txPr/>
-    <dgm:style>
-      <a:lnRef idx="0">
-        <a:scrgbClr r="0" g="0" b="0"/>
-      </a:lnRef>
-      <a:fillRef idx="1">
-        <a:scrgbClr r="0" g="0" b="0"/>
-      </a:fillRef>
-      <a:effectRef idx="0">
-        <a:scrgbClr r="0" g="0" b="0"/>
-      </a:effectRef>
-      <a:fontRef idx="minor">
-        <a:schemeClr val="lt1"/>
-      </a:fontRef>
-    </dgm:style>
-  </dgm:styleLbl>
-  <dgm:styleLbl name="fgSibTrans2D1">
-    <dgm:scene3d>
-      <a:camera prst="orthographicFront"/>
-      <a:lightRig rig="threePt" dir="t"/>
-    </dgm:scene3d>
-    <dgm:sp3d/>
-    <dgm:txPr/>
-    <dgm:style>
-      <a:lnRef idx="0">
-        <a:scrgbClr r="0" g="0" b="0"/>
-      </a:lnRef>
-      <a:fillRef idx="1">
-        <a:scrgbClr r="0" g="0" b="0"/>
-      </a:fillRef>
-      <a:effectRef idx="0">
-        <a:scrgbClr r="0" g="0" b="0"/>
-      </a:effectRef>
-      <a:fontRef idx="minor">
-        <a:schemeClr val="lt1"/>
-      </a:fontRef>
-    </dgm:style>
-  </dgm:styleLbl>
-  <dgm:styleLbl name="bgSibTrans2D1">
-    <dgm:scene3d>
-      <a:camera prst="orthographicFront"/>
-      <a:lightRig rig="threePt" dir="t"/>
-    </dgm:scene3d>
-    <dgm:sp3d/>
-    <dgm:txPr/>
-    <dgm:style>
-      <a:lnRef idx="0">
-        <a:scrgbClr r="0" g="0" b="0"/>
-      </a:lnRef>
-      <a:fillRef idx="1">
-        <a:scrgbClr r="0" g="0" b="0"/>
-      </a:fillRef>
-      <a:effectRef idx="0">
-        <a:scrgbClr r="0" g="0" b="0"/>
-      </a:effectRef>
-      <a:fontRef idx="minor">
-        <a:schemeClr val="lt1"/>
-      </a:fontRef>
-    </dgm:style>
-  </dgm:styleLbl>
-  <dgm:styleLbl name="sibTrans1D1">
-    <dgm:scene3d>
-      <a:camera prst="orthographicFront"/>
-      <a:lightRig rig="threePt" dir="t"/>
-    </dgm:scene3d>
-    <dgm:sp3d/>
-    <dgm:txPr/>
-    <dgm:style>
-      <a:lnRef idx="1">
-        <a:scrgbClr r="0" g="0" b="0"/>
-      </a:lnRef>
-      <a:fillRef idx="0">
-        <a:scrgbClr r="0" g="0" b="0"/>
-      </a:fillRef>
-      <a:effectRef idx="0">
-        <a:scrgbClr r="0" g="0" b="0"/>
-      </a:effectRef>
-      <a:fontRef idx="minor"/>
-    </dgm:style>
-  </dgm:styleLbl>
-  <dgm:styleLbl name="callout">
-    <dgm:scene3d>
-      <a:camera prst="orthographicFront"/>
-      <a:lightRig rig="threePt" dir="t"/>
-    </dgm:scene3d>
-    <dgm:sp3d/>
-    <dgm:txPr/>
-    <dgm:style>
-      <a:lnRef idx="2">
-        <a:scrgbClr r="0" g="0" b="0"/>
-      </a:lnRef>
-      <a:fillRef idx="1">
-        <a:scrgbClr r="0" g="0" b="0"/>
-      </a:fillRef>
-      <a:effectRef idx="0">
-        <a:scrgbClr r="0" g="0" b="0"/>
-      </a:effectRef>
-      <a:fontRef idx="minor"/>
-    </dgm:style>
-  </dgm:styleLbl>
-  <dgm:styleLbl name="asst0">
-    <dgm:scene3d>
-      <a:camera prst="orthographicFront"/>
-      <a:lightRig rig="threePt" dir="t"/>
-    </dgm:scene3d>
-    <dgm:sp3d/>
-    <dgm:txPr/>
-    <dgm:style>
-      <a:lnRef idx="2">
-        <a:scrgbClr r="0" g="0" b="0"/>
-      </a:lnRef>
-      <a:fillRef idx="1">
-        <a:scrgbClr r="0" g="0" b="0"/>
-      </a:fillRef>
-      <a:effectRef idx="0">
-        <a:scrgbClr r="0" g="0" b="0"/>
-      </a:effectRef>
-      <a:fontRef idx="minor">
-        <a:schemeClr val="lt1"/>
-      </a:fontRef>
-    </dgm:style>
-  </dgm:styleLbl>
-  <dgm:styleLbl name="asst1">
-    <dgm:scene3d>
-      <a:camera prst="orthographicFront"/>
-      <a:lightRig rig="threePt" dir="t"/>
-    </dgm:scene3d>
-    <dgm:sp3d/>
-    <dgm:txPr/>
-    <dgm:style>
-      <a:lnRef idx="2">
-        <a:scrgbClr r="0" g="0" b="0"/>
-      </a:lnRef>
-      <a:fillRef idx="1">
-        <a:scrgbClr r="0" g="0" b="0"/>
-      </a:fillRef>
-      <a:effectRef idx="0">
-        <a:scrgbClr r="0" g="0" b="0"/>
-      </a:effectRef>
-      <a:fontRef idx="minor">
-        <a:schemeClr val="lt1"/>
-      </a:fontRef>
-    </dgm:style>
-  </dgm:styleLbl>
-  <dgm:styleLbl name="asst2">
-    <dgm:scene3d>
-      <a:camera prst="orthographicFront"/>
-      <a:lightRig rig="threePt" dir="t"/>
-    </dgm:scene3d>
-    <dgm:sp3d/>
-    <dgm:txPr/>
-    <dgm:style>
-      <a:lnRef idx="2">
-        <a:scrgbClr r="0" g="0" b="0"/>
-      </a:lnRef>
-      <a:fillRef idx="1">
-        <a:scrgbClr r="0" g="0" b="0"/>
-      </a:fillRef>
-      <a:effectRef idx="0">
-        <a:scrgbClr r="0" g="0" b="0"/>
-      </a:effectRef>
-      <a:fontRef idx="minor">
-        <a:schemeClr val="lt1"/>
-      </a:fontRef>
-    </dgm:style>
-  </dgm:styleLbl>
-  <dgm:styleLbl name="asst3">
-    <dgm:scene3d>
-      <a:camera prst="orthographicFront"/>
-      <a:lightRig rig="threePt" dir="t"/>
-    </dgm:scene3d>
-    <dgm:sp3d/>
-    <dgm:txPr/>
-    <dgm:style>
-      <a:lnRef idx="2">
-        <a:scrgbClr r="0" g="0" b="0"/>
-      </a:lnRef>
-      <a:fillRef idx="1">
-        <a:scrgbClr r="0" g="0" b="0"/>
-      </a:fillRef>
-      <a:effectRef idx="0">
-        <a:scrgbClr r="0" g="0" b="0"/>
-      </a:effectRef>
-      <a:fontRef idx="minor">
-        <a:schemeClr val="lt1"/>
-      </a:fontRef>
-    </dgm:style>
-  </dgm:styleLbl>
-  <dgm:styleLbl name="asst4">
-    <dgm:scene3d>
-      <a:camera prst="orthographicFront"/>
-      <a:lightRig rig="threePt" dir="t"/>
-    </dgm:scene3d>
-    <dgm:sp3d/>
-    <dgm:txPr/>
-    <dgm:style>
-      <a:lnRef idx="2">
-        <a:scrgbClr r="0" g="0" b="0"/>
-      </a:lnRef>
-      <a:fillRef idx="1">
-        <a:scrgbClr r="0" g="0" b="0"/>
-      </a:fillRef>
-      <a:effectRef idx="0">
-        <a:scrgbClr r="0" g="0" b="0"/>
-      </a:effectRef>
-      <a:fontRef idx="minor">
-        <a:schemeClr val="lt1"/>
-      </a:fontRef>
-    </dgm:style>
-  </dgm:styleLbl>
-  <dgm:styleLbl name="parChTrans2D1">
-    <dgm:scene3d>
-      <a:camera prst="orthographicFront"/>
-      <a:lightRig rig="threePt" dir="t"/>
-    </dgm:scene3d>
-    <dgm:sp3d/>
-    <dgm:txPr/>
-    <dgm:style>
-      <a:lnRef idx="2">
-        <a:scrgbClr r="0" g="0" b="0"/>
-      </a:lnRef>
-      <a:fillRef idx="1">
-        <a:scrgbClr r="0" g="0" b="0"/>
-      </a:fillRef>
-      <a:effectRef idx="0">
-        <a:scrgbClr r="0" g="0" b="0"/>
-      </a:effectRef>
-      <a:fontRef idx="minor">
-        <a:schemeClr val="lt1"/>
-      </a:fontRef>
-    </dgm:style>
-  </dgm:styleLbl>
-  <dgm:styleLbl name="parChTrans2D2">
-    <dgm:scene3d>
-      <a:camera prst="orthographicFront"/>
-      <a:lightRig rig="threePt" dir="t"/>
-    </dgm:scene3d>
-    <dgm:sp3d/>
-    <dgm:txPr/>
-    <dgm:style>
-      <a:lnRef idx="2">
-        <a:scrgbClr r="0" g="0" b="0"/>
-      </a:lnRef>
-      <a:fillRef idx="1">
-        <a:scrgbClr r="0" g="0" b="0"/>
-      </a:fillRef>
-      <a:effectRef idx="0">
-        <a:scrgbClr r="0" g="0" b="0"/>
-      </a:effectRef>
-      <a:fontRef idx="minor">
-        <a:schemeClr val="lt1"/>
-      </a:fontRef>
-    </dgm:style>
-  </dgm:styleLbl>
-  <dgm:styleLbl name="parChTrans2D3">
-    <dgm:scene3d>
-      <a:camera prst="orthographicFront"/>
-      <a:lightRig rig="threePt" dir="t"/>
-    </dgm:scene3d>
-    <dgm:sp3d/>
-    <dgm:txPr/>
-    <dgm:style>
-      <a:lnRef idx="2">
-        <a:scrgbClr r="0" g="0" b="0"/>
-      </a:lnRef>
-      <a:fillRef idx="1">
-        <a:scrgbClr r="0" g="0" b="0"/>
-      </a:fillRef>
-      <a:effectRef idx="0">
-        <a:scrgbClr r="0" g="0" b="0"/>
-      </a:effectRef>
-      <a:fontRef idx="minor">
-        <a:schemeClr val="lt1"/>
-      </a:fontRef>
-    </dgm:style>
-  </dgm:styleLbl>
-  <dgm:styleLbl name="parChTrans2D4">
-    <dgm:scene3d>
-      <a:camera prst="orthographicFront"/>
-      <a:lightRig rig="threePt" dir="t"/>
-    </dgm:scene3d>
-    <dgm:sp3d/>
-    <dgm:txPr/>
-    <dgm:style>
-      <a:lnRef idx="2">
-        <a:scrgbClr r="0" g="0" b="0"/>
-      </a:lnRef>
-      <a:fillRef idx="1">
-        <a:scrgbClr r="0" g="0" b="0"/>
-      </a:fillRef>
-      <a:effectRef idx="0">
-        <a:scrgbClr r="0" g="0" b="0"/>
-      </a:effectRef>
-      <a:fontRef idx="minor">
-        <a:schemeClr val="lt1"/>
-      </a:fontRef>
-    </dgm:style>
-  </dgm:styleLbl>
-  <dgm:styleLbl name="parChTrans1D1">
-    <dgm:scene3d>
-      <a:camera prst="orthographicFront"/>
-      <a:lightRig rig="threePt" dir="t"/>
-    </dgm:scene3d>
-    <dgm:sp3d/>
-    <dgm:txPr/>
-    <dgm:style>
-      <a:lnRef idx="2">
-        <a:scrgbClr r="0" g="0" b="0"/>
-      </a:lnRef>
-      <a:fillRef idx="0">
-        <a:scrgbClr r="0" g="0" b="0"/>
-      </a:fillRef>
-      <a:effectRef idx="0">
-        <a:scrgbClr r="0" g="0" b="0"/>
-      </a:effectRef>
-      <a:fontRef idx="minor"/>
-    </dgm:style>
-  </dgm:styleLbl>
-  <dgm:styleLbl name="parChTrans1D2">
-    <dgm:scene3d>
-      <a:camera prst="orthographicFront"/>
-      <a:lightRig rig="threePt" dir="t"/>
-    </dgm:scene3d>
-    <dgm:sp3d/>
-    <dgm:txPr/>
-    <dgm:style>
-      <a:lnRef idx="2">
-        <a:scrgbClr r="0" g="0" b="0"/>
-      </a:lnRef>
-      <a:fillRef idx="0">
-        <a:scrgbClr r="0" g="0" b="0"/>
-      </a:fillRef>
-      <a:effectRef idx="0">
-        <a:scrgbClr r="0" g="0" b="0"/>
-      </a:effectRef>
-      <a:fontRef idx="minor"/>
-    </dgm:style>
-  </dgm:styleLbl>
-  <dgm:styleLbl name="parChTrans1D3">
-    <dgm:scene3d>
-      <a:camera prst="orthographicFront"/>
-      <a:lightRig rig="threePt" dir="t"/>
-    </dgm:scene3d>
-    <dgm:sp3d/>
-    <dgm:txPr/>
-    <dgm:style>
-      <a:lnRef idx="2">
-        <a:scrgbClr r="0" g="0" b="0"/>
-      </a:lnRef>
-      <a:fillRef idx="0">
-        <a:scrgbClr r="0" g="0" b="0"/>
-      </a:fillRef>
-      <a:effectRef idx="0">
-        <a:scrgbClr r="0" g="0" b="0"/>
-      </a:effectRef>
-      <a:fontRef idx="minor"/>
-    </dgm:style>
-  </dgm:styleLbl>
-  <dgm:styleLbl name="parChTrans1D4">
-    <dgm:scene3d>
-      <a:camera prst="orthographicFront"/>
-      <a:lightRig rig="threePt" dir="t"/>
-    </dgm:scene3d>
-    <dgm:sp3d/>
-    <dgm:txPr/>
-    <dgm:style>
-      <a:lnRef idx="2">
-        <a:scrgbClr r="0" g="0" b="0"/>
-      </a:lnRef>
-      <a:fillRef idx="0">
-        <a:scrgbClr r="0" g="0" b="0"/>
-      </a:fillRef>
-      <a:effectRef idx="0">
-        <a:scrgbClr r="0" g="0" b="0"/>
-      </a:effectRef>
-      <a:fontRef idx="minor"/>
-    </dgm:style>
-  </dgm:styleLbl>
-  <dgm:styleLbl name="fgAcc1">
-    <dgm:scene3d>
-      <a:camera prst="orthographicFront"/>
-      <a:lightRig rig="threePt" dir="t"/>
-    </dgm:scene3d>
-    <dgm:sp3d/>
-    <dgm:txPr/>
-    <dgm:style>
-      <a:lnRef idx="2">
-        <a:scrgbClr r="0" g="0" b="0"/>
-      </a:lnRef>
-      <a:fillRef idx="1">
-        <a:scrgbClr r="0" g="0" b="0"/>
-      </a:fillRef>
-      <a:effectRef idx="0">
-        <a:scrgbClr r="0" g="0" b="0"/>
-      </a:effectRef>
-      <a:fontRef idx="minor"/>
-    </dgm:style>
-  </dgm:styleLbl>
-  <dgm:styleLbl name="conFgAcc1">
-    <dgm:scene3d>
-      <a:camera prst="orthographicFront"/>
-      <a:lightRig rig="threePt" dir="t"/>
-    </dgm:scene3d>
-    <dgm:sp3d/>
-    <dgm:txPr/>
-    <dgm:style>
-      <a:lnRef idx="2">
-        <a:scrgbClr r="0" g="0" b="0"/>
-      </a:lnRef>
-      <a:fillRef idx="1">
-        <a:scrgbClr r="0" g="0" b="0"/>
-      </a:fillRef>
-      <a:effectRef idx="0">
-        <a:scrgbClr r="0" g="0" b="0"/>
-      </a:effectRef>
-      <a:fontRef idx="minor"/>
-    </dgm:style>
-  </dgm:styleLbl>
-  <dgm:styleLbl name="alignAcc1">
-    <dgm:scene3d>
-      <a:camera prst="orthographicFront"/>
-      <a:lightRig rig="threePt" dir="t"/>
-    </dgm:scene3d>
-    <dgm:sp3d/>
-    <dgm:txPr/>
-    <dgm:style>
-      <a:lnRef idx="2">
-        <a:scrgbClr r="0" g="0" b="0"/>
-      </a:lnRef>
-      <a:fillRef idx="1">
-        <a:scrgbClr r="0" g="0" b="0"/>
-      </a:fillRef>
-      <a:effectRef idx="0">
-        <a:scrgbClr r="0" g="0" b="0"/>
-      </a:effectRef>
-      <a:fontRef idx="minor"/>
-    </dgm:style>
-  </dgm:styleLbl>
-  <dgm:styleLbl name="trAlignAcc1">
-    <dgm:scene3d>
-      <a:camera prst="orthographicFront"/>
-      <a:lightRig rig="threePt" dir="t"/>
-    </dgm:scene3d>
-    <dgm:sp3d/>
-    <dgm:txPr/>
-    <dgm:style>
-      <a:lnRef idx="1">
-        <a:scrgbClr r="0" g="0" b="0"/>
-      </a:lnRef>
-      <a:fillRef idx="1">
-        <a:scrgbClr r="0" g="0" b="0"/>
-      </a:fillRef>
-      <a:effectRef idx="0">
-        <a:scrgbClr r="0" g="0" b="0"/>
-      </a:effectRef>
-      <a:fontRef idx="minor"/>
-    </dgm:style>
-  </dgm:styleLbl>
-  <dgm:styleLbl name="bgAcc1">
-    <dgm:scene3d>
-      <a:camera prst="orthographicFront"/>
-      <a:lightRig rig="threePt" dir="t"/>
-    </dgm:scene3d>
-    <dgm:sp3d/>
-    <dgm:txPr/>
-    <dgm:style>
-      <a:lnRef idx="2">
-        <a:scrgbClr r="0" g="0" b="0"/>
-      </a:lnRef>
-      <a:fillRef idx="1">
-        <a:scrgbClr r="0" g="0" b="0"/>
-      </a:fillRef>
-      <a:effectRef idx="0">
-        <a:scrgbClr r="0" g="0" b="0"/>
-      </a:effectRef>
-      <a:fontRef idx="minor"/>
-    </dgm:style>
-  </dgm:styleLbl>
-  <dgm:styleLbl name="solidFgAcc1">
-    <dgm:scene3d>
-      <a:camera prst="orthographicFront"/>
-      <a:lightRig rig="threePt" dir="t"/>
-    </dgm:scene3d>
-    <dgm:sp3d/>
-    <dgm:txPr/>
-    <dgm:style>
-      <a:lnRef idx="2">
-        <a:scrgbClr r="0" g="0" b="0"/>
-      </a:lnRef>
-      <a:fillRef idx="1">
-        <a:scrgbClr r="0" g="0" b="0"/>
-      </a:fillRef>
-      <a:effectRef idx="0">
-        <a:scrgbClr r="0" g="0" b="0"/>
-      </a:effectRef>
-      <a:fontRef idx="minor"/>
-    </dgm:style>
-  </dgm:styleLbl>
-  <dgm:styleLbl name="solidAlignAcc1">
-    <dgm:scene3d>
-      <a:camera prst="orthographicFront"/>
-      <a:lightRig rig="threePt" dir="t"/>
-    </dgm:scene3d>
-    <dgm:sp3d/>
-    <dgm:txPr/>
-    <dgm:style>
-      <a:lnRef idx="2">
-        <a:scrgbClr r="0" g="0" b="0"/>
-      </a:lnRef>
-      <a:fillRef idx="1">
-        <a:scrgbClr r="0" g="0" b="0"/>
-      </a:fillRef>
-      <a:effectRef idx="0">
-        <a:scrgbClr r="0" g="0" b="0"/>
-      </a:effectRef>
-      <a:fontRef idx="minor"/>
-    </dgm:style>
-  </dgm:styleLbl>
-  <dgm:styleLbl name="solidBgAcc1">
-    <dgm:scene3d>
-      <a:camera prst="orthographicFront"/>
-      <a:lightRig rig="threePt" dir="t"/>
-    </dgm:scene3d>
-    <dgm:sp3d/>
-    <dgm:txPr/>
-    <dgm:style>
-      <a:lnRef idx="2">
-        <a:scrgbClr r="0" g="0" b="0"/>
-      </a:lnRef>
-      <a:fillRef idx="1">
-        <a:scrgbClr r="0" g="0" b="0"/>
-      </a:fillRef>
-      <a:effectRef idx="0">
-        <a:scrgbClr r="0" g="0" b="0"/>
-      </a:effectRef>
-      <a:fontRef idx="minor"/>
-    </dgm:style>
-  </dgm:styleLbl>
-  <dgm:styleLbl name="fgAccFollowNode1">
-    <dgm:scene3d>
-      <a:camera prst="orthographicFront"/>
-      <a:lightRig rig="threePt" dir="t"/>
-    </dgm:scene3d>
-    <dgm:sp3d/>
-    <dgm:txPr/>
-    <dgm:style>
-      <a:lnRef idx="2">
-        <a:scrgbClr r="0" g="0" b="0"/>
-      </a:lnRef>
-      <a:fillRef idx="1">
-        <a:scrgbClr r="0" g="0" b="0"/>
-      </a:fillRef>
-      <a:effectRef idx="0">
-        <a:scrgbClr r="0" g="0" b="0"/>
-      </a:effectRef>
-      <a:fontRef idx="minor"/>
-    </dgm:style>
-  </dgm:styleLbl>
-  <dgm:styleLbl name="alignAccFollowNode1">
-    <dgm:scene3d>
-      <a:camera prst="orthographicFront"/>
-      <a:lightRig rig="threePt" dir="t"/>
-    </dgm:scene3d>
-    <dgm:sp3d/>
-    <dgm:txPr/>
-    <dgm:style>
-      <a:lnRef idx="2">
-        <a:scrgbClr r="0" g="0" b="0"/>
-      </a:lnRef>
-      <a:fillRef idx="1">
-        <a:scrgbClr r="0" g="0" b="0"/>
-      </a:fillRef>
-      <a:effectRef idx="0">
-        <a:scrgbClr r="0" g="0" b="0"/>
-      </a:effectRef>
-      <a:fontRef idx="minor"/>
-    </dgm:style>
-  </dgm:styleLbl>
-  <dgm:styleLbl name="bgAccFollowNode1">
-    <dgm:scene3d>
-      <a:camera prst="orthographicFront"/>
-      <a:lightRig rig="threePt" dir="t"/>
-    </dgm:scene3d>
-    <dgm:sp3d/>
-    <dgm:txPr/>
-    <dgm:style>
-      <a:lnRef idx="2">
-        <a:scrgbClr r="0" g="0" b="0"/>
-      </a:lnRef>
-      <a:fillRef idx="1">
-        <a:scrgbClr r="0" g="0" b="0"/>
-      </a:fillRef>
-      <a:effectRef idx="0">
-        <a:scrgbClr r="0" g="0" b="0"/>
-      </a:effectRef>
-      <a:fontRef idx="minor"/>
-    </dgm:style>
-  </dgm:styleLbl>
-  <dgm:styleLbl name="fgAcc0">
-    <dgm:scene3d>
-      <a:camera prst="orthographicFront"/>
-      <a:lightRig rig="threePt" dir="t"/>
-    </dgm:scene3d>
-    <dgm:sp3d/>
-    <dgm:txPr/>
-    <dgm:style>
-      <a:lnRef idx="2">
-        <a:scrgbClr r="0" g="0" b="0"/>
-      </a:lnRef>
-      <a:fillRef idx="1">
-        <a:scrgbClr r="0" g="0" b="0"/>
-      </a:fillRef>
-      <a:effectRef idx="0">
-        <a:scrgbClr r="0" g="0" b="0"/>
-      </a:effectRef>
-      <a:fontRef idx="minor"/>
-    </dgm:style>
-  </dgm:styleLbl>
-  <dgm:styleLbl name="fgAcc2">
-    <dgm:scene3d>
-      <a:camera prst="orthographicFront"/>
-      <a:lightRig rig="threePt" dir="t"/>
-    </dgm:scene3d>
-    <dgm:sp3d/>
-    <dgm:txPr/>
-    <dgm:style>
-      <a:lnRef idx="2">
-        <a:scrgbClr r="0" g="0" b="0"/>
-      </a:lnRef>
-      <a:fillRef idx="1">
-        <a:scrgbClr r="0" g="0" b="0"/>
-      </a:fillRef>
-      <a:effectRef idx="0">
-        <a:scrgbClr r="0" g="0" b="0"/>
-      </a:effectRef>
-      <a:fontRef idx="minor"/>
-    </dgm:style>
-  </dgm:styleLbl>
-  <dgm:styleLbl name="fgAcc3">
-    <dgm:scene3d>
-      <a:camera prst="orthographicFront"/>
-      <a:lightRig rig="threePt" dir="t"/>
-    </dgm:scene3d>
-    <dgm:sp3d/>
-    <dgm:txPr/>
-    <dgm:style>
-      <a:lnRef idx="2">
-        <a:scrgbClr r="0" g="0" b="0"/>
-      </a:lnRef>
-      <a:fillRef idx="1">
-        <a:scrgbClr r="0" g="0" b="0"/>
-      </a:fillRef>
-      <a:effectRef idx="0">
-        <a:scrgbClr r="0" g="0" b="0"/>
-      </a:effectRef>
-      <a:fontRef idx="minor"/>
-    </dgm:style>
-  </dgm:styleLbl>
-  <dgm:styleLbl name="fgAcc4">
-    <dgm:scene3d>
-      <a:camera prst="orthographicFront"/>
-      <a:lightRig rig="threePt" dir="t"/>
-    </dgm:scene3d>
-    <dgm:sp3d/>
-    <dgm:txPr/>
-    <dgm:style>
-      <a:lnRef idx="2">
-        <a:scrgbClr r="0" g="0" b="0"/>
-      </a:lnRef>
-      <a:fillRef idx="1">
-        <a:scrgbClr r="0" g="0" b="0"/>
-      </a:fillRef>
-      <a:effectRef idx="0">
-        <a:scrgbClr r="0" g="0" b="0"/>
-      </a:effectRef>
-      <a:fontRef idx="minor"/>
-    </dgm:style>
-  </dgm:styleLbl>
-  <dgm:styleLbl name="bgShp">
-    <dgm:scene3d>
-      <a:camera prst="orthographicFront"/>
-      <a:lightRig rig="threePt" dir="t"/>
-    </dgm:scene3d>
-    <dgm:sp3d/>
-    <dgm:txPr/>
-    <dgm:style>
-      <a:lnRef idx="0">
-        <a:scrgbClr r="0" g="0" b="0"/>
-      </a:lnRef>
-      <a:fillRef idx="1">
-        <a:scrgbClr r="0" g="0" b="0"/>
-      </a:fillRef>
-      <a:effectRef idx="0">
-        <a:scrgbClr r="0" g="0" b="0"/>
-      </a:effectRef>
-      <a:fontRef idx="minor"/>
-    </dgm:style>
-  </dgm:styleLbl>
-  <dgm:styleLbl name="dkBgShp">
-    <dgm:scene3d>
-      <a:camera prst="orthographicFront"/>
-      <a:lightRig rig="threePt" dir="t"/>
-    </dgm:scene3d>
-    <dgm:sp3d/>
-    <dgm:txPr/>
-    <dgm:style>
-      <a:lnRef idx="0">
-        <a:scrgbClr r="0" g="0" b="0"/>
-      </a:lnRef>
-      <a:fillRef idx="1">
-        <a:scrgbClr r="0" g="0" b="0"/>
-      </a:fillRef>
-      <a:effectRef idx="0">
-        <a:scrgbClr r="0" g="0" b="0"/>
-      </a:effectRef>
-      <a:fontRef idx="minor"/>
-    </dgm:style>
-  </dgm:styleLbl>
-  <dgm:styleLbl name="trBgShp">
-    <dgm:scene3d>
-      <a:camera prst="orthographicFront"/>
-      <a:lightRig rig="threePt" dir="t"/>
-    </dgm:scene3d>
-    <dgm:sp3d/>
-    <dgm:txPr/>
-    <dgm:style>
-      <a:lnRef idx="0">
-        <a:scrgbClr r="0" g="0" b="0"/>
-      </a:lnRef>
-      <a:fillRef idx="1">
-        <a:scrgbClr r="0" g="0" b="0"/>
-      </a:fillRef>
-      <a:effectRef idx="0">
-        <a:scrgbClr r="0" g="0" b="0"/>
-      </a:effectRef>
-      <a:fontRef idx="minor"/>
-    </dgm:style>
-  </dgm:styleLbl>
-  <dgm:styleLbl name="fgShp">
-    <dgm:scene3d>
-      <a:camera prst="orthographicFront"/>
-      <a:lightRig rig="threePt" dir="t"/>
-    </dgm:scene3d>
-    <dgm:sp3d/>
-    <dgm:txPr/>
-    <dgm:style>
-      <a:lnRef idx="2">
-        <a:scrgbClr r="0" g="0" b="0"/>
-      </a:lnRef>
-      <a:fillRef idx="1">
-        <a:scrgbClr r="0" g="0" b="0"/>
-      </a:fillRef>
-      <a:effectRef idx="0">
-        <a:scrgbClr r="0" g="0" b="0"/>
-      </a:effectRef>
-      <a:fontRef idx="minor"/>
-    </dgm:style>
-  </dgm:styleLbl>
-  <dgm:styleLbl name="revTx">
-    <dgm:scene3d>
-      <a:camera prst="orthographicFront"/>
-      <a:lightRig rig="threePt" dir="t"/>
-    </dgm:scene3d>
-    <dgm:sp3d/>
-    <dgm:txPr/>
-    <dgm:style>
-      <a:lnRef idx="0">
-        <a:scrgbClr r="0" g="0" b="0"/>
-      </a:lnRef>
-      <a:fillRef idx="0">
-        <a:scrgbClr r="0" g="0" b="0"/>
-      </a:fillRef>
-      <a:effectRef idx="0">
-        <a:scrgbClr r="0" g="0" b="0"/>
-      </a:effectRef>
-      <a:fontRef idx="minor"/>
-    </dgm:style>
-  </dgm:styleLbl>
-</dgm:styleDef>
-</file>
-
-<file path=ppt/diagrams/quickStyle3.xml><?xml version="1.0" encoding="utf-8"?>
 <dgm:styleDef xmlns:dgm="http://schemas.openxmlformats.org/drawingml/2006/diagram" xmlns:a="http://schemas.openxmlformats.org/drawingml/2006/main" uniqueId="urn:microsoft.com/office/officeart/2005/8/quickstyle/simple1">
   <dgm:title val=""/>
   <dgm:desc val=""/>
@@ -7958,7 +5257,7 @@
               <a:pPr>
                 <a:defRPr/>
               </a:pPr>
-              <a:t>11/5/2018</a:t>
+              <a:t>11/19/2018</a:t>
             </a:fld>
             <a:endParaRPr lang="en-US"/>
           </a:p>
@@ -8281,1046 +5580,6 @@
     </a:lvl9pPr>
   </p:notesStyle>
 </p:notesMaster>
-</file>
-
-<file path=ppt/notesSlides/notesSlide1.xml><?xml version="1.0" encoding="utf-8"?>
-<p:notes xmlns:a="http://schemas.openxmlformats.org/drawingml/2006/main" xmlns:r="http://schemas.openxmlformats.org/officeDocument/2006/relationships" xmlns:p="http://schemas.openxmlformats.org/presentationml/2006/main">
-  <p:cSld>
-    <p:spTree>
-      <p:nvGrpSpPr>
-        <p:cNvPr id="1" name=""/>
-        <p:cNvGrpSpPr/>
-        <p:nvPr/>
-      </p:nvGrpSpPr>
-      <p:grpSpPr>
-        <a:xfrm>
-          <a:off x="0" y="0"/>
-          <a:ext cx="0" cy="0"/>
-          <a:chOff x="0" y="0"/>
-          <a:chExt cx="0" cy="0"/>
-        </a:xfrm>
-      </p:grpSpPr>
-      <p:sp>
-        <p:nvSpPr>
-          <p:cNvPr id="52226" name="Slide Image Placeholder 1"/>
-          <p:cNvSpPr>
-            <a:spLocks noGrp="1" noRot="1" noChangeAspect="1" noTextEdit="1"/>
-          </p:cNvSpPr>
-          <p:nvPr>
-            <p:ph type="sldImg"/>
-          </p:nvPr>
-        </p:nvSpPr>
-        <p:spPr bwMode="auto">
-          <a:noFill/>
-          <a:ln>
-            <a:solidFill>
-              <a:srgbClr val="000000"/>
-            </a:solidFill>
-            <a:miter lim="800000"/>
-            <a:headEnd/>
-            <a:tailEnd/>
-          </a:ln>
-          <a:extLst>
-            <a:ext uri="{909E8E84-426E-40DD-AFC4-6F175D3DCCD1}">
-              <a14:hiddenFill xmlns:a14="http://schemas.microsoft.com/office/drawing/2010/main">
-                <a:solidFill>
-                  <a:srgbClr val="FFFFFF"/>
-                </a:solidFill>
-              </a14:hiddenFill>
-            </a:ext>
-          </a:extLst>
-        </p:spPr>
-      </p:sp>
-      <p:sp>
-        <p:nvSpPr>
-          <p:cNvPr id="52227" name="Notes Placeholder 2"/>
-          <p:cNvSpPr>
-            <a:spLocks noGrp="1"/>
-          </p:cNvSpPr>
-          <p:nvPr>
-            <p:ph type="body" idx="1"/>
-          </p:nvPr>
-        </p:nvSpPr>
-        <p:spPr bwMode="auto">
-          <a:noFill/>
-          <a:extLst>
-            <a:ext uri="{909E8E84-426E-40DD-AFC4-6F175D3DCCD1}">
-              <a14:hiddenFill xmlns:a14="http://schemas.microsoft.com/office/drawing/2010/main">
-                <a:solidFill>
-                  <a:srgbClr val="FFFFFF"/>
-                </a:solidFill>
-              </a14:hiddenFill>
-            </a:ext>
-            <a:ext uri="{91240B29-F687-4F45-9708-019B960494DF}">
-              <a14:hiddenLine xmlns:a14="http://schemas.microsoft.com/office/drawing/2010/main" w="9525">
-                <a:solidFill>
-                  <a:srgbClr val="000000"/>
-                </a:solidFill>
-                <a:miter lim="800000"/>
-                <a:headEnd/>
-                <a:tailEnd/>
-              </a14:hiddenLine>
-            </a:ext>
-          </a:extLst>
-        </p:spPr>
-        <p:txBody>
-          <a:bodyPr wrap="square" numCol="1" anchor="t" anchorCtr="0" compatLnSpc="1">
-            <a:prstTxWarp prst="textNoShape">
-              <a:avLst/>
-            </a:prstTxWarp>
-          </a:bodyPr>
-          <a:lstStyle/>
-          <a:p>
-            <a:pPr eaLnBrk="1" hangingPunct="1">
-              <a:spcBef>
-                <a:spcPct val="0"/>
-              </a:spcBef>
-            </a:pPr>
-            <a:endParaRPr lang="fr-FR" altLang="en-US" smtClean="0"/>
-          </a:p>
-        </p:txBody>
-      </p:sp>
-      <p:sp>
-        <p:nvSpPr>
-          <p:cNvPr id="52228" name="Slide Number Placeholder 3"/>
-          <p:cNvSpPr>
-            <a:spLocks noGrp="1"/>
-          </p:cNvSpPr>
-          <p:nvPr>
-            <p:ph type="sldNum" sz="quarter" idx="5"/>
-          </p:nvPr>
-        </p:nvSpPr>
-        <p:spPr bwMode="auto">
-          <a:noFill/>
-          <a:extLst>
-            <a:ext uri="{909E8E84-426E-40DD-AFC4-6F175D3DCCD1}">
-              <a14:hiddenFill xmlns:a14="http://schemas.microsoft.com/office/drawing/2010/main">
-                <a:solidFill>
-                  <a:srgbClr val="FFFFFF"/>
-                </a:solidFill>
-              </a14:hiddenFill>
-            </a:ext>
-            <a:ext uri="{91240B29-F687-4F45-9708-019B960494DF}">
-              <a14:hiddenLine xmlns:a14="http://schemas.microsoft.com/office/drawing/2010/main" w="9525">
-                <a:solidFill>
-                  <a:srgbClr val="000000"/>
-                </a:solidFill>
-                <a:miter lim="800000"/>
-                <a:headEnd/>
-                <a:tailEnd/>
-              </a14:hiddenLine>
-            </a:ext>
-          </a:extLst>
-        </p:spPr>
-        <p:txBody>
-          <a:bodyPr wrap="square" numCol="1" anchorCtr="0" compatLnSpc="1">
-            <a:prstTxWarp prst="textNoShape">
-              <a:avLst/>
-            </a:prstTxWarp>
-          </a:bodyPr>
-          <a:lstStyle>
-            <a:lvl1pPr eaLnBrk="0" hangingPunct="0">
-              <a:defRPr>
-                <a:solidFill>
-                  <a:schemeClr val="tx1"/>
-                </a:solidFill>
-                <a:latin typeface="Arial" charset="0"/>
-              </a:defRPr>
-            </a:lvl1pPr>
-            <a:lvl2pPr marL="742950" indent="-285750" eaLnBrk="0" hangingPunct="0">
-              <a:defRPr>
-                <a:solidFill>
-                  <a:schemeClr val="tx1"/>
-                </a:solidFill>
-                <a:latin typeface="Arial" charset="0"/>
-              </a:defRPr>
-            </a:lvl2pPr>
-            <a:lvl3pPr marL="1143000" indent="-228600" eaLnBrk="0" hangingPunct="0">
-              <a:defRPr>
-                <a:solidFill>
-                  <a:schemeClr val="tx1"/>
-                </a:solidFill>
-                <a:latin typeface="Arial" charset="0"/>
-              </a:defRPr>
-            </a:lvl3pPr>
-            <a:lvl4pPr marL="1600200" indent="-228600" eaLnBrk="0" hangingPunct="0">
-              <a:defRPr>
-                <a:solidFill>
-                  <a:schemeClr val="tx1"/>
-                </a:solidFill>
-                <a:latin typeface="Arial" charset="0"/>
-              </a:defRPr>
-            </a:lvl4pPr>
-            <a:lvl5pPr marL="2057400" indent="-228600" eaLnBrk="0" hangingPunct="0">
-              <a:defRPr>
-                <a:solidFill>
-                  <a:schemeClr val="tx1"/>
-                </a:solidFill>
-                <a:latin typeface="Arial" charset="0"/>
-              </a:defRPr>
-            </a:lvl5pPr>
-            <a:lvl6pPr marL="2514600" indent="-228600" eaLnBrk="0" fontAlgn="base" hangingPunct="0">
-              <a:spcBef>
-                <a:spcPct val="0"/>
-              </a:spcBef>
-              <a:spcAft>
-                <a:spcPct val="0"/>
-              </a:spcAft>
-              <a:defRPr>
-                <a:solidFill>
-                  <a:schemeClr val="tx1"/>
-                </a:solidFill>
-                <a:latin typeface="Arial" charset="0"/>
-              </a:defRPr>
-            </a:lvl6pPr>
-            <a:lvl7pPr marL="2971800" indent="-228600" eaLnBrk="0" fontAlgn="base" hangingPunct="0">
-              <a:spcBef>
-                <a:spcPct val="0"/>
-              </a:spcBef>
-              <a:spcAft>
-                <a:spcPct val="0"/>
-              </a:spcAft>
-              <a:defRPr>
-                <a:solidFill>
-                  <a:schemeClr val="tx1"/>
-                </a:solidFill>
-                <a:latin typeface="Arial" charset="0"/>
-              </a:defRPr>
-            </a:lvl7pPr>
-            <a:lvl8pPr marL="3429000" indent="-228600" eaLnBrk="0" fontAlgn="base" hangingPunct="0">
-              <a:spcBef>
-                <a:spcPct val="0"/>
-              </a:spcBef>
-              <a:spcAft>
-                <a:spcPct val="0"/>
-              </a:spcAft>
-              <a:defRPr>
-                <a:solidFill>
-                  <a:schemeClr val="tx1"/>
-                </a:solidFill>
-                <a:latin typeface="Arial" charset="0"/>
-              </a:defRPr>
-            </a:lvl8pPr>
-            <a:lvl9pPr marL="3886200" indent="-228600" eaLnBrk="0" fontAlgn="base" hangingPunct="0">
-              <a:spcBef>
-                <a:spcPct val="0"/>
-              </a:spcBef>
-              <a:spcAft>
-                <a:spcPct val="0"/>
-              </a:spcAft>
-              <a:defRPr>
-                <a:solidFill>
-                  <a:schemeClr val="tx1"/>
-                </a:solidFill>
-                <a:latin typeface="Arial" charset="0"/>
-              </a:defRPr>
-            </a:lvl9pPr>
-          </a:lstStyle>
-          <a:p>
-            <a:pPr eaLnBrk="1" fontAlgn="base" hangingPunct="1">
-              <a:spcBef>
-                <a:spcPct val="0"/>
-              </a:spcBef>
-              <a:spcAft>
-                <a:spcPct val="0"/>
-              </a:spcAft>
-            </a:pPr>
-            <a:fld id="{77166BE6-ABD4-4AFB-81B1-CA3BC8B14B27}" type="slidenum">
-              <a:rPr lang="en-US" altLang="en-US" smtClean="0">
-                <a:latin typeface="Calibri" pitchFamily="34" charset="0"/>
-              </a:rPr>
-              <a:pPr eaLnBrk="1" fontAlgn="base" hangingPunct="1">
-                <a:spcBef>
-                  <a:spcPct val="0"/>
-                </a:spcBef>
-                <a:spcAft>
-                  <a:spcPct val="0"/>
-                </a:spcAft>
-              </a:pPr>
-              <a:t>7</a:t>
-            </a:fld>
-            <a:endParaRPr lang="en-US" altLang="en-US" smtClean="0">
-              <a:latin typeface="Calibri" pitchFamily="34" charset="0"/>
-            </a:endParaRPr>
-          </a:p>
-        </p:txBody>
-      </p:sp>
-    </p:spTree>
-  </p:cSld>
-  <p:clrMapOvr>
-    <a:masterClrMapping/>
-  </p:clrMapOvr>
-</p:notes>
-</file>
-
-<file path=ppt/notesSlides/notesSlide2.xml><?xml version="1.0" encoding="utf-8"?>
-<p:notes xmlns:a="http://schemas.openxmlformats.org/drawingml/2006/main" xmlns:r="http://schemas.openxmlformats.org/officeDocument/2006/relationships" xmlns:p="http://schemas.openxmlformats.org/presentationml/2006/main">
-  <p:cSld>
-    <p:spTree>
-      <p:nvGrpSpPr>
-        <p:cNvPr id="1" name=""/>
-        <p:cNvGrpSpPr/>
-        <p:nvPr/>
-      </p:nvGrpSpPr>
-      <p:grpSpPr>
-        <a:xfrm>
-          <a:off x="0" y="0"/>
-          <a:ext cx="0" cy="0"/>
-          <a:chOff x="0" y="0"/>
-          <a:chExt cx="0" cy="0"/>
-        </a:xfrm>
-      </p:grpSpPr>
-      <p:sp>
-        <p:nvSpPr>
-          <p:cNvPr id="2" name="Slide Image Placeholder 1"/>
-          <p:cNvSpPr>
-            <a:spLocks noGrp="1" noRot="1" noChangeAspect="1"/>
-          </p:cNvSpPr>
-          <p:nvPr>
-            <p:ph type="sldImg"/>
-          </p:nvPr>
-        </p:nvSpPr>
-        <p:spPr/>
-      </p:sp>
-      <p:sp>
-        <p:nvSpPr>
-          <p:cNvPr id="3" name="Notes Placeholder 2"/>
-          <p:cNvSpPr>
-            <a:spLocks noGrp="1"/>
-          </p:cNvSpPr>
-          <p:nvPr>
-            <p:ph type="body" idx="1"/>
-          </p:nvPr>
-        </p:nvSpPr>
-        <p:spPr/>
-        <p:txBody>
-          <a:bodyPr/>
-          <a:lstStyle/>
-          <a:p>
-            <a:endParaRPr dirty="0"/>
-          </a:p>
-        </p:txBody>
-      </p:sp>
-      <p:sp>
-        <p:nvSpPr>
-          <p:cNvPr id="4" name="Slide Number Placeholder 3"/>
-          <p:cNvSpPr>
-            <a:spLocks noGrp="1"/>
-          </p:cNvSpPr>
-          <p:nvPr>
-            <p:ph type="sldNum" sz="quarter" idx="10"/>
-          </p:nvPr>
-        </p:nvSpPr>
-        <p:spPr/>
-        <p:txBody>
-          <a:bodyPr/>
-          <a:lstStyle/>
-          <a:p>
-            <a:fld id="{B88C1000-FA5C-FB49-B5AF-D87E87A7110F}" type="slidenum">
-              <a:rPr lang="en-US" smtClean="0"/>
-              <a:t>29</a:t>
-            </a:fld>
-            <a:endParaRPr lang="en-US"/>
-          </a:p>
-        </p:txBody>
-      </p:sp>
-    </p:spTree>
-    <p:extLst>
-      <p:ext uri="{BB962C8B-B14F-4D97-AF65-F5344CB8AC3E}">
-        <p14:creationId xmlns:p14="http://schemas.microsoft.com/office/powerpoint/2010/main" val="4067117197"/>
-      </p:ext>
-    </p:extLst>
-  </p:cSld>
-  <p:clrMapOvr>
-    <a:masterClrMapping/>
-  </p:clrMapOvr>
-</p:notes>
-</file>
-
-<file path=ppt/notesSlides/notesSlide3.xml><?xml version="1.0" encoding="utf-8"?>
-<p:notes xmlns:a="http://schemas.openxmlformats.org/drawingml/2006/main" xmlns:r="http://schemas.openxmlformats.org/officeDocument/2006/relationships" xmlns:p="http://schemas.openxmlformats.org/presentationml/2006/main">
-  <p:cSld>
-    <p:spTree>
-      <p:nvGrpSpPr>
-        <p:cNvPr id="1" name=""/>
-        <p:cNvGrpSpPr/>
-        <p:nvPr/>
-      </p:nvGrpSpPr>
-      <p:grpSpPr>
-        <a:xfrm>
-          <a:off x="0" y="0"/>
-          <a:ext cx="0" cy="0"/>
-          <a:chOff x="0" y="0"/>
-          <a:chExt cx="0" cy="0"/>
-        </a:xfrm>
-      </p:grpSpPr>
-      <p:sp>
-        <p:nvSpPr>
-          <p:cNvPr id="2" name="Slide Image Placeholder 1"/>
-          <p:cNvSpPr>
-            <a:spLocks noGrp="1" noRot="1" noChangeAspect="1"/>
-          </p:cNvSpPr>
-          <p:nvPr>
-            <p:ph type="sldImg"/>
-          </p:nvPr>
-        </p:nvSpPr>
-        <p:spPr/>
-      </p:sp>
-      <p:sp>
-        <p:nvSpPr>
-          <p:cNvPr id="3" name="Notes Placeholder 2"/>
-          <p:cNvSpPr>
-            <a:spLocks noGrp="1"/>
-          </p:cNvSpPr>
-          <p:nvPr>
-            <p:ph type="body" idx="1"/>
-          </p:nvPr>
-        </p:nvSpPr>
-        <p:spPr/>
-        <p:txBody>
-          <a:bodyPr/>
-          <a:lstStyle/>
-          <a:p>
-            <a:endParaRPr/>
-          </a:p>
-          <a:p>
-            <a:endParaRPr/>
-          </a:p>
-        </p:txBody>
-      </p:sp>
-      <p:sp>
-        <p:nvSpPr>
-          <p:cNvPr id="4" name="Slide Number Placeholder 3"/>
-          <p:cNvSpPr>
-            <a:spLocks noGrp="1"/>
-          </p:cNvSpPr>
-          <p:nvPr>
-            <p:ph type="sldNum" sz="quarter" idx="10"/>
-          </p:nvPr>
-        </p:nvSpPr>
-        <p:spPr/>
-        <p:txBody>
-          <a:bodyPr/>
-          <a:lstStyle/>
-          <a:p>
-            <a:fld id="{59BA57BB-E7C1-154D-8D84-83D105C5E444}" type="slidenum">
-              <a:rPr lang="en-US" smtClean="0"/>
-              <a:t>30</a:t>
-            </a:fld>
-            <a:endParaRPr lang="en-US"/>
-          </a:p>
-        </p:txBody>
-      </p:sp>
-    </p:spTree>
-    <p:extLst>
-      <p:ext uri="{BB962C8B-B14F-4D97-AF65-F5344CB8AC3E}">
-        <p14:creationId xmlns:p14="http://schemas.microsoft.com/office/powerpoint/2010/main" val="1343038584"/>
-      </p:ext>
-    </p:extLst>
-  </p:cSld>
-  <p:clrMapOvr>
-    <a:masterClrMapping/>
-  </p:clrMapOvr>
-</p:notes>
-</file>
-
-<file path=ppt/notesSlides/notesSlide4.xml><?xml version="1.0" encoding="utf-8"?>
-<p:notes xmlns:a="http://schemas.openxmlformats.org/drawingml/2006/main" xmlns:r="http://schemas.openxmlformats.org/officeDocument/2006/relationships" xmlns:p="http://schemas.openxmlformats.org/presentationml/2006/main">
-  <p:cSld>
-    <p:spTree>
-      <p:nvGrpSpPr>
-        <p:cNvPr id="1" name=""/>
-        <p:cNvGrpSpPr/>
-        <p:nvPr/>
-      </p:nvGrpSpPr>
-      <p:grpSpPr>
-        <a:xfrm>
-          <a:off x="0" y="0"/>
-          <a:ext cx="0" cy="0"/>
-          <a:chOff x="0" y="0"/>
-          <a:chExt cx="0" cy="0"/>
-        </a:xfrm>
-      </p:grpSpPr>
-      <p:sp>
-        <p:nvSpPr>
-          <p:cNvPr id="28674" name="Rectangle 7"/>
-          <p:cNvSpPr>
-            <a:spLocks noGrp="1" noChangeArrowheads="1"/>
-          </p:cNvSpPr>
-          <p:nvPr>
-            <p:ph type="sldNum" sz="quarter" idx="5"/>
-          </p:nvPr>
-        </p:nvSpPr>
-        <p:spPr>
-          <a:noFill/>
-          <a:ln/>
-          <a:extLst>
-            <a:ext uri="{909E8E84-426E-40DD-AFC4-6F175D3DCCD1}">
-              <a14:hiddenFill xmlns:a14="http://schemas.microsoft.com/office/drawing/2010/main">
-                <a:solidFill>
-                  <a:srgbClr val="FFFFFF"/>
-                </a:solidFill>
-              </a14:hiddenFill>
-            </a:ext>
-            <a:ext uri="{91240B29-F687-4F45-9708-019B960494DF}">
-              <a14:hiddenLine xmlns:a14="http://schemas.microsoft.com/office/drawing/2010/main" w="9525">
-                <a:solidFill>
-                  <a:srgbClr val="000000"/>
-                </a:solidFill>
-                <a:miter lim="800000"/>
-                <a:headEnd/>
-                <a:tailEnd/>
-              </a14:hiddenLine>
-            </a:ext>
-          </a:extLst>
-        </p:spPr>
-        <p:txBody>
-          <a:bodyPr/>
-          <a:lstStyle/>
-          <a:p>
-            <a:r>
-              <a:t>29</a:t>
-            </a:r>
-          </a:p>
-          <a:p>
-            <a:endParaRPr/>
-          </a:p>
-        </p:txBody>
-      </p:sp>
-      <p:sp>
-        <p:nvSpPr>
-          <p:cNvPr id="28675" name="Rectangle 2"/>
-          <p:cNvSpPr>
-            <a:spLocks noGrp="1" noRot="1" noChangeAspect="1" noChangeArrowheads="1" noTextEdit="1"/>
-          </p:cNvSpPr>
-          <p:nvPr>
-            <p:ph type="sldImg"/>
-          </p:nvPr>
-        </p:nvSpPr>
-        <p:spPr>
-          <a:ln/>
-        </p:spPr>
-      </p:sp>
-      <p:sp>
-        <p:nvSpPr>
-          <p:cNvPr id="28676" name="Rectangle 3"/>
-          <p:cNvSpPr>
-            <a:spLocks noGrp="1" noChangeArrowheads="1"/>
-          </p:cNvSpPr>
-          <p:nvPr>
-            <p:ph type="body" idx="1"/>
-          </p:nvPr>
-        </p:nvSpPr>
-        <p:spPr>
-          <a:noFill/>
-          <a:ln/>
-          <a:extLst>
-            <a:ext uri="{909E8E84-426E-40DD-AFC4-6F175D3DCCD1}">
-              <a14:hiddenFill xmlns:a14="http://schemas.microsoft.com/office/drawing/2010/main">
-                <a:solidFill>
-                  <a:srgbClr val="FFFFFF"/>
-                </a:solidFill>
-              </a14:hiddenFill>
-            </a:ext>
-            <a:ext uri="{91240B29-F687-4F45-9708-019B960494DF}">
-              <a14:hiddenLine xmlns:a14="http://schemas.microsoft.com/office/drawing/2010/main" w="9525">
-                <a:solidFill>
-                  <a:srgbClr val="000000"/>
-                </a:solidFill>
-                <a:miter lim="800000"/>
-                <a:headEnd/>
-                <a:tailEnd/>
-              </a14:hiddenLine>
-            </a:ext>
-          </a:extLst>
-        </p:spPr>
-        <p:txBody>
-          <a:bodyPr/>
-          <a:lstStyle/>
-          <a:p>
-            <a:r>
-              <a:rPr lang="nl-NL" dirty="0" err="1">
-                <a:latin typeface="Times New Roman" charset="0"/>
-              </a:rPr>
-              <a:t>This</a:t>
-            </a:r>
-            <a:r>
-              <a:rPr lang="nl-NL" dirty="0">
-                <a:latin typeface="Times New Roman" charset="0"/>
-              </a:rPr>
-              <a:t> slide </a:t>
-            </a:r>
-            <a:r>
-              <a:rPr lang="nl-NL" dirty="0" err="1">
-                <a:latin typeface="Times New Roman" charset="0"/>
-              </a:rPr>
-              <a:t>alreadyintroduces</a:t>
-            </a:r>
-            <a:r>
-              <a:rPr lang="nl-NL" dirty="0">
-                <a:latin typeface="Times New Roman" charset="0"/>
-              </a:rPr>
-              <a:t> the </a:t>
-            </a:r>
-            <a:r>
-              <a:rPr lang="nl-NL" dirty="0" err="1">
-                <a:latin typeface="Times New Roman" charset="0"/>
-              </a:rPr>
-              <a:t>essentialelements</a:t>
-            </a:r>
-            <a:r>
-              <a:rPr lang="nl-NL" dirty="0">
-                <a:latin typeface="Times New Roman" charset="0"/>
-              </a:rPr>
-              <a:t> of real-time systems;</a:t>
-            </a:r>
-          </a:p>
-          <a:p>
-            <a:r>
-              <a:rPr lang="nl-NL" dirty="0">
-                <a:latin typeface="Times New Roman" charset="0"/>
-              </a:rPr>
-              <a:t>event, response, </a:t>
-            </a:r>
-            <a:r>
-              <a:rPr lang="nl-NL" dirty="0" err="1">
-                <a:latin typeface="Times New Roman" charset="0"/>
-              </a:rPr>
-              <a:t>and</a:t>
-            </a:r>
-            <a:r>
-              <a:rPr lang="nl-NL" dirty="0">
-                <a:latin typeface="Times New Roman" charset="0"/>
-              </a:rPr>
-              <a:t> deadline(s).</a:t>
-            </a:r>
-          </a:p>
-          <a:p>
-            <a:endParaRPr lang="nl-NL" dirty="0">
-              <a:latin typeface="Times New Roman" charset="0"/>
-            </a:endParaRPr>
-          </a:p>
-          <a:p>
-            <a:r>
-              <a:rPr lang="nl-NL" dirty="0" err="1">
-                <a:latin typeface="Times New Roman" charset="0"/>
-              </a:rPr>
-              <a:t>Fromthisexample</a:t>
-            </a:r>
-            <a:r>
-              <a:rPr lang="nl-NL" dirty="0">
-                <a:latin typeface="Times New Roman" charset="0"/>
-              </a:rPr>
-              <a:t>, </a:t>
-            </a:r>
-            <a:r>
-              <a:rPr lang="nl-NL" dirty="0" err="1">
-                <a:latin typeface="Times New Roman" charset="0"/>
-              </a:rPr>
-              <a:t>itimmediatelyfollowsthat</a:t>
-            </a:r>
-            <a:r>
-              <a:rPr lang="nl-NL" dirty="0" smtClean="0">
-                <a:latin typeface="Times New Roman" charset="0"/>
-              </a:rPr>
-              <a:t>responses </a:t>
-            </a:r>
-            <a:r>
-              <a:rPr lang="nl-NL" dirty="0" err="1">
-                <a:latin typeface="Times New Roman" charset="0"/>
-              </a:rPr>
-              <a:t>shouldnotbe</a:t>
-            </a:r>
-            <a:r>
-              <a:rPr lang="nl-NL" dirty="0">
-                <a:latin typeface="Times New Roman" charset="0"/>
-              </a:rPr>
-              <a:t> “</a:t>
-            </a:r>
-            <a:r>
-              <a:rPr lang="nl-NL" dirty="0" err="1">
-                <a:latin typeface="Times New Roman" charset="0"/>
-              </a:rPr>
-              <a:t>toofast</a:t>
-            </a:r>
-            <a:r>
-              <a:rPr lang="nl-NL" dirty="0">
-                <a:latin typeface="Times New Roman" charset="0"/>
-              </a:rPr>
-              <a:t>”.</a:t>
-            </a:r>
-          </a:p>
-          <a:p>
-            <a:r>
-              <a:rPr lang="nl-NL" dirty="0" err="1">
-                <a:latin typeface="Times New Roman" charset="0"/>
-              </a:rPr>
-              <a:t>Stateddifferently</a:t>
-            </a:r>
-            <a:r>
-              <a:rPr lang="nl-NL" dirty="0">
-                <a:latin typeface="Times New Roman" charset="0"/>
-              </a:rPr>
-              <a:t>, </a:t>
-            </a:r>
-            <a:r>
-              <a:rPr lang="nl-NL" dirty="0" err="1">
-                <a:latin typeface="Times New Roman" charset="0"/>
-              </a:rPr>
-              <a:t>itprovides</a:t>
-            </a:r>
-            <a:r>
-              <a:rPr lang="nl-NL" dirty="0">
-                <a:latin typeface="Times New Roman" charset="0"/>
-              </a:rPr>
-              <a:t> a “</a:t>
-            </a:r>
-            <a:r>
-              <a:rPr lang="nl-NL" dirty="0" err="1">
-                <a:latin typeface="Times New Roman" charset="0"/>
-              </a:rPr>
-              <a:t>reasond’etre</a:t>
-            </a:r>
-            <a:r>
-              <a:rPr lang="nl-NL" dirty="0">
-                <a:latin typeface="Times New Roman" charset="0"/>
-              </a:rPr>
-              <a:t>” </a:t>
-            </a:r>
-            <a:r>
-              <a:rPr lang="nl-NL" dirty="0" err="1">
-                <a:latin typeface="Times New Roman" charset="0"/>
-              </a:rPr>
-              <a:t>for</a:t>
-            </a:r>
-            <a:r>
-              <a:rPr lang="nl-NL" dirty="0">
-                <a:latin typeface="Times New Roman" charset="0"/>
-              </a:rPr>
-              <a:t> “best-case deadlines”.</a:t>
-            </a:r>
-          </a:p>
-          <a:p>
-            <a:r>
-              <a:rPr lang="nl-NL" dirty="0">
-                <a:latin typeface="Times New Roman" charset="0"/>
-              </a:rPr>
-              <a:t>In </a:t>
-            </a:r>
-            <a:r>
-              <a:rPr lang="nl-NL" dirty="0" err="1">
-                <a:latin typeface="Times New Roman" charset="0"/>
-              </a:rPr>
-              <a:t>many</a:t>
-            </a:r>
-            <a:r>
-              <a:rPr lang="nl-NL" dirty="0">
-                <a:latin typeface="Times New Roman" charset="0"/>
-              </a:rPr>
-              <a:t> cases, we </a:t>
-            </a:r>
-            <a:r>
-              <a:rPr lang="nl-NL" dirty="0" err="1">
-                <a:latin typeface="Times New Roman" charset="0"/>
-              </a:rPr>
-              <a:t>willonlyencounter</a:t>
-            </a:r>
-            <a:r>
-              <a:rPr lang="nl-NL" dirty="0">
-                <a:latin typeface="Times New Roman" charset="0"/>
-              </a:rPr>
-              <a:t> “worst-case deadlines”.</a:t>
-            </a:r>
-            <a:endParaRPr lang="en-GB" dirty="0">
-              <a:latin typeface="Times New Roman" charset="0"/>
-            </a:endParaRPr>
-          </a:p>
-        </p:txBody>
-      </p:sp>
-    </p:spTree>
-  </p:cSld>
-  <p:clrMapOvr>
-    <a:masterClrMapping/>
-  </p:clrMapOvr>
-</p:notes>
-</file>
-
-<file path=ppt/notesSlides/notesSlide5.xml><?xml version="1.0" encoding="utf-8"?>
-<p:notes xmlns:a="http://schemas.openxmlformats.org/drawingml/2006/main" xmlns:r="http://schemas.openxmlformats.org/officeDocument/2006/relationships" xmlns:p="http://schemas.openxmlformats.org/presentationml/2006/main">
-  <p:cSld>
-    <p:spTree>
-      <p:nvGrpSpPr>
-        <p:cNvPr id="1" name=""/>
-        <p:cNvGrpSpPr/>
-        <p:nvPr/>
-      </p:nvGrpSpPr>
-      <p:grpSpPr>
-        <a:xfrm>
-          <a:off x="0" y="0"/>
-          <a:ext cx="0" cy="0"/>
-          <a:chOff x="0" y="0"/>
-          <a:chExt cx="0" cy="0"/>
-        </a:xfrm>
-      </p:grpSpPr>
-      <p:sp>
-        <p:nvSpPr>
-          <p:cNvPr id="2" name="Slide Image Placeholder 1"/>
-          <p:cNvSpPr>
-            <a:spLocks noGrp="1" noRot="1" noChangeAspect="1"/>
-          </p:cNvSpPr>
-          <p:nvPr>
-            <p:ph type="sldImg"/>
-          </p:nvPr>
-        </p:nvSpPr>
-        <p:spPr/>
-      </p:sp>
-      <p:sp>
-        <p:nvSpPr>
-          <p:cNvPr id="3" name="Notes Placeholder 2"/>
-          <p:cNvSpPr>
-            <a:spLocks noGrp="1"/>
-          </p:cNvSpPr>
-          <p:nvPr>
-            <p:ph type="body" idx="1"/>
-          </p:nvPr>
-        </p:nvSpPr>
-        <p:spPr/>
-        <p:txBody>
-          <a:bodyPr/>
-          <a:lstStyle/>
-          <a:p>
-            <a:endParaRPr/>
-          </a:p>
-          <a:p>
-            <a:endParaRPr/>
-          </a:p>
-          <a:p>
-            <a:r>
-              <a:t>Response time = latency</a:t>
-            </a:r>
-          </a:p>
-          <a:p>
-            <a:endParaRPr/>
-          </a:p>
-        </p:txBody>
-      </p:sp>
-      <p:sp>
-        <p:nvSpPr>
-          <p:cNvPr id="4" name="Slide Number Placeholder 3"/>
-          <p:cNvSpPr>
-            <a:spLocks noGrp="1"/>
-          </p:cNvSpPr>
-          <p:nvPr>
-            <p:ph type="sldNum" sz="quarter" idx="10"/>
-          </p:nvPr>
-        </p:nvSpPr>
-        <p:spPr/>
-        <p:txBody>
-          <a:bodyPr/>
-          <a:lstStyle/>
-          <a:p>
-            <a:fld id="{59BA57BB-E7C1-154D-8D84-83D105C5E444}" type="slidenum">
-              <a:rPr lang="en-US" smtClean="0"/>
-              <a:t>33</a:t>
-            </a:fld>
-            <a:endParaRPr lang="en-US"/>
-          </a:p>
-        </p:txBody>
-      </p:sp>
-    </p:spTree>
-    <p:extLst>
-      <p:ext uri="{BB962C8B-B14F-4D97-AF65-F5344CB8AC3E}">
-        <p14:creationId xmlns:p14="http://schemas.microsoft.com/office/powerpoint/2010/main" val="871213064"/>
-      </p:ext>
-    </p:extLst>
-  </p:cSld>
-  <p:clrMapOvr>
-    <a:masterClrMapping/>
-  </p:clrMapOvr>
-</p:notes>
-</file>
-
-<file path=ppt/notesSlides/notesSlide6.xml><?xml version="1.0" encoding="utf-8"?>
-<p:notes xmlns:a="http://schemas.openxmlformats.org/drawingml/2006/main" xmlns:r="http://schemas.openxmlformats.org/officeDocument/2006/relationships" xmlns:p="http://schemas.openxmlformats.org/presentationml/2006/main">
-  <p:cSld>
-    <p:spTree>
-      <p:nvGrpSpPr>
-        <p:cNvPr id="1" name=""/>
-        <p:cNvGrpSpPr/>
-        <p:nvPr/>
-      </p:nvGrpSpPr>
-      <p:grpSpPr>
-        <a:xfrm>
-          <a:off x="0" y="0"/>
-          <a:ext cx="0" cy="0"/>
-          <a:chOff x="0" y="0"/>
-          <a:chExt cx="0" cy="0"/>
-        </a:xfrm>
-      </p:grpSpPr>
-      <p:sp>
-        <p:nvSpPr>
-          <p:cNvPr id="2" name="Slide Image Placeholder 1"/>
-          <p:cNvSpPr>
-            <a:spLocks noGrp="1" noRot="1" noChangeAspect="1"/>
-          </p:cNvSpPr>
-          <p:nvPr>
-            <p:ph type="sldImg"/>
-          </p:nvPr>
-        </p:nvSpPr>
-        <p:spPr/>
-      </p:sp>
-      <p:sp>
-        <p:nvSpPr>
-          <p:cNvPr id="3" name="Notes Placeholder 2"/>
-          <p:cNvSpPr>
-            <a:spLocks noGrp="1"/>
-          </p:cNvSpPr>
-          <p:nvPr>
-            <p:ph type="body" idx="1"/>
-          </p:nvPr>
-        </p:nvSpPr>
-        <p:spPr/>
-        <p:txBody>
-          <a:bodyPr/>
-          <a:lstStyle/>
-          <a:p>
-            <a:endParaRPr/>
-          </a:p>
-          <a:p>
-            <a:endParaRPr/>
-          </a:p>
-          <a:p>
-            <a:endParaRPr/>
-          </a:p>
-          <a:p>
-            <a:endParaRPr/>
-          </a:p>
-        </p:txBody>
-      </p:sp>
-      <p:sp>
-        <p:nvSpPr>
-          <p:cNvPr id="4" name="Slide Number Placeholder 3"/>
-          <p:cNvSpPr>
-            <a:spLocks noGrp="1"/>
-          </p:cNvSpPr>
-          <p:nvPr>
-            <p:ph type="sldNum" sz="quarter" idx="10"/>
-          </p:nvPr>
-        </p:nvSpPr>
-        <p:spPr/>
-        <p:txBody>
-          <a:bodyPr/>
-          <a:lstStyle/>
-          <a:p>
-            <a:fld id="{59BA57BB-E7C1-154D-8D84-83D105C5E444}" type="slidenum">
-              <a:rPr lang="en-US" smtClean="0"/>
-              <a:t>34</a:t>
-            </a:fld>
-            <a:endParaRPr lang="en-US"/>
-          </a:p>
-        </p:txBody>
-      </p:sp>
-    </p:spTree>
-    <p:extLst>
-      <p:ext uri="{BB962C8B-B14F-4D97-AF65-F5344CB8AC3E}">
-        <p14:creationId xmlns:p14="http://schemas.microsoft.com/office/powerpoint/2010/main" val="4081147239"/>
-      </p:ext>
-    </p:extLst>
-  </p:cSld>
-  <p:clrMapOvr>
-    <a:masterClrMapping/>
-  </p:clrMapOvr>
-</p:notes>
-</file>
-
-<file path=ppt/notesSlides/notesSlide7.xml><?xml version="1.0" encoding="utf-8"?>
-<p:notes xmlns:a="http://schemas.openxmlformats.org/drawingml/2006/main" xmlns:r="http://schemas.openxmlformats.org/officeDocument/2006/relationships" xmlns:p="http://schemas.openxmlformats.org/presentationml/2006/main">
-  <p:cSld>
-    <p:spTree>
-      <p:nvGrpSpPr>
-        <p:cNvPr id="1" name=""/>
-        <p:cNvGrpSpPr/>
-        <p:nvPr/>
-      </p:nvGrpSpPr>
-      <p:grpSpPr>
-        <a:xfrm>
-          <a:off x="0" y="0"/>
-          <a:ext cx="0" cy="0"/>
-          <a:chOff x="0" y="0"/>
-          <a:chExt cx="0" cy="0"/>
-        </a:xfrm>
-      </p:grpSpPr>
-      <p:sp>
-        <p:nvSpPr>
-          <p:cNvPr id="2" name="Slide Image Placeholder 1"/>
-          <p:cNvSpPr>
-            <a:spLocks noGrp="1" noRot="1" noChangeAspect="1"/>
-          </p:cNvSpPr>
-          <p:nvPr>
-            <p:ph type="sldImg"/>
-          </p:nvPr>
-        </p:nvSpPr>
-        <p:spPr/>
-      </p:sp>
-      <p:sp>
-        <p:nvSpPr>
-          <p:cNvPr id="3" name="Notes Placeholder 2"/>
-          <p:cNvSpPr>
-            <a:spLocks noGrp="1"/>
-          </p:cNvSpPr>
-          <p:nvPr>
-            <p:ph type="body" idx="1"/>
-          </p:nvPr>
-        </p:nvSpPr>
-        <p:spPr/>
-        <p:txBody>
-          <a:bodyPr/>
-          <a:lstStyle/>
-          <a:p>
-            <a:endParaRPr/>
-          </a:p>
-          <a:p>
-            <a:endParaRPr/>
-          </a:p>
-          <a:p>
-            <a:endParaRPr/>
-          </a:p>
-        </p:txBody>
-      </p:sp>
-      <p:sp>
-        <p:nvSpPr>
-          <p:cNvPr id="4" name="Slide Number Placeholder 3"/>
-          <p:cNvSpPr>
-            <a:spLocks noGrp="1"/>
-          </p:cNvSpPr>
-          <p:nvPr>
-            <p:ph type="sldNum" sz="quarter" idx="10"/>
-          </p:nvPr>
-        </p:nvSpPr>
-        <p:spPr/>
-        <p:txBody>
-          <a:bodyPr/>
-          <a:lstStyle/>
-          <a:p>
-            <a:fld id="{59BA57BB-E7C1-154D-8D84-83D105C5E444}" type="slidenum">
-              <a:rPr lang="en-US" smtClean="0"/>
-              <a:t>35</a:t>
-            </a:fld>
-            <a:endParaRPr lang="en-US"/>
-          </a:p>
-        </p:txBody>
-      </p:sp>
-    </p:spTree>
-    <p:extLst>
-      <p:ext uri="{BB962C8B-B14F-4D97-AF65-F5344CB8AC3E}">
-        <p14:creationId xmlns:p14="http://schemas.microsoft.com/office/powerpoint/2010/main" val="1138388840"/>
-      </p:ext>
-    </p:extLst>
-  </p:cSld>
-  <p:clrMapOvr>
-    <a:masterClrMapping/>
-  </p:clrMapOvr>
-</p:notes>
 </file>
 
 <file path=ppt/slideLayouts/slideLayout1.xml><?xml version="1.0" encoding="utf-8"?>
@@ -9653,7 +5912,7 @@
               <a:pPr>
                 <a:defRPr/>
               </a:pPr>
-              <a:t>11/5/2018</a:t>
+              <a:t>11/19/2018</a:t>
             </a:fld>
             <a:endParaRPr lang="en-US"/>
           </a:p>
@@ -12071,7 +8330,7 @@
               <a:pPr>
                 <a:defRPr/>
               </a:pPr>
-              <a:t>11/5/2018</a:t>
+              <a:t>11/19/2018</a:t>
             </a:fld>
             <a:endParaRPr lang="en-US"/>
           </a:p>
@@ -14712,7 +10971,7 @@
               <a:pPr>
                 <a:defRPr/>
               </a:pPr>
-              <a:t>11/5/2018</a:t>
+              <a:t>11/19/2018</a:t>
             </a:fld>
             <a:endParaRPr lang="en-US"/>
           </a:p>
@@ -14995,7 +11254,7 @@
               <a:pPr>
                 <a:defRPr/>
               </a:pPr>
-              <a:t>11/5/2018</a:t>
+              <a:t>11/19/2018</a:t>
             </a:fld>
             <a:endParaRPr lang="en-US"/>
           </a:p>
@@ -15478,7 +11737,7 @@
               <a:pPr>
                 <a:defRPr/>
               </a:pPr>
-              <a:t>11/5/2018</a:t>
+              <a:t>11/19/2018</a:t>
             </a:fld>
             <a:endParaRPr lang="en-US"/>
           </a:p>
@@ -15647,7 +11906,7 @@
               <a:pPr>
                 <a:defRPr/>
               </a:pPr>
-              <a:t>11/5/2018</a:t>
+              <a:t>11/19/2018</a:t>
             </a:fld>
             <a:endParaRPr lang="en-US"/>
           </a:p>
@@ -17941,7 +14200,7 @@
               <a:pPr>
                 <a:defRPr/>
               </a:pPr>
-              <a:t>11/5/2018</a:t>
+              <a:t>11/19/2018</a:t>
             </a:fld>
             <a:endParaRPr lang="en-US"/>
           </a:p>
@@ -20470,7 +16729,7 @@
               <a:pPr>
                 <a:defRPr/>
               </a:pPr>
-              <a:t>11/5/2018</a:t>
+              <a:t>11/19/2018</a:t>
             </a:fld>
             <a:endParaRPr lang="en-US"/>
           </a:p>
@@ -22970,7 +19229,7 @@
               <a:pPr>
                 <a:defRPr/>
               </a:pPr>
-              <a:t>11/5/2018</a:t>
+              <a:t>11/19/2018</a:t>
             </a:fld>
             <a:endParaRPr lang="en-US"/>
           </a:p>
@@ -26068,1272 +22327,6 @@
       </p:grpSpPr>
       <p:sp>
         <p:nvSpPr>
-          <p:cNvPr id="36866" name="Content Placeholder 2"/>
-          <p:cNvSpPr>
-            <a:spLocks noGrp="1"/>
-          </p:cNvSpPr>
-          <p:nvPr>
-            <p:ph idx="1"/>
-          </p:nvPr>
-        </p:nvSpPr>
-        <p:spPr>
-          <a:xfrm>
-            <a:off x="871538" y="1828800"/>
-            <a:ext cx="7408862" cy="4724400"/>
-          </a:xfrm>
-        </p:spPr>
-        <p:txBody>
-          <a:bodyPr/>
-          <a:lstStyle/>
-          <a:p>
-            <a:pPr eaLnBrk="1" hangingPunct="1"/>
-            <a:r>
-              <a:rPr lang="fr-BE" altLang="en-US" dirty="0" smtClean="0">
-                <a:solidFill>
-                  <a:srgbClr val="0B5395"/>
-                </a:solidFill>
-              </a:rPr>
-              <a:t>Beta version </a:t>
-            </a:r>
-            <a:r>
-              <a:rPr lang="fr-BE" altLang="en-US" dirty="0" err="1" smtClean="0">
-                <a:solidFill>
-                  <a:srgbClr val="0B5395"/>
-                </a:solidFill>
-              </a:rPr>
-              <a:t>is</a:t>
-            </a:r>
-            <a:r>
-              <a:rPr lang="fr-BE" altLang="en-US" dirty="0" smtClean="0">
-                <a:solidFill>
-                  <a:srgbClr val="0B5395"/>
-                </a:solidFill>
-              </a:rPr>
-              <a:t> </a:t>
-            </a:r>
-            <a:r>
-              <a:rPr lang="fr-BE" altLang="en-US" dirty="0" err="1" smtClean="0">
-                <a:solidFill>
-                  <a:srgbClr val="0B5395"/>
-                </a:solidFill>
-              </a:rPr>
-              <a:t>expected</a:t>
-            </a:r>
-            <a:r>
-              <a:rPr lang="fr-BE" altLang="en-US" dirty="0" smtClean="0">
-                <a:solidFill>
-                  <a:srgbClr val="0B5395"/>
-                </a:solidFill>
-              </a:rPr>
-              <a:t> to </a:t>
-            </a:r>
-            <a:r>
-              <a:rPr lang="fr-BE" altLang="en-US" dirty="0" err="1" smtClean="0">
-                <a:solidFill>
-                  <a:srgbClr val="0B5395"/>
-                </a:solidFill>
-              </a:rPr>
-              <a:t>be</a:t>
-            </a:r>
-            <a:r>
-              <a:rPr lang="fr-BE" altLang="en-US" dirty="0" smtClean="0">
-                <a:solidFill>
-                  <a:srgbClr val="0B5395"/>
-                </a:solidFill>
-              </a:rPr>
-              <a:t> </a:t>
-            </a:r>
-            <a:r>
-              <a:rPr lang="fr-BE" altLang="en-US" dirty="0" err="1" smtClean="0">
-                <a:solidFill>
-                  <a:srgbClr val="0B5395"/>
-                </a:solidFill>
-              </a:rPr>
-              <a:t>available</a:t>
-            </a:r>
-            <a:r>
-              <a:rPr lang="fr-BE" altLang="en-US" dirty="0" smtClean="0">
-                <a:solidFill>
-                  <a:srgbClr val="0B5395"/>
-                </a:solidFill>
-              </a:rPr>
-              <a:t> for public use and </a:t>
-            </a:r>
-            <a:r>
-              <a:rPr lang="fr-BE" altLang="en-US" dirty="0" err="1" smtClean="0">
-                <a:solidFill>
-                  <a:srgbClr val="0B5395"/>
-                </a:solidFill>
-              </a:rPr>
-              <a:t>testing</a:t>
-            </a:r>
-            <a:r>
-              <a:rPr lang="fr-BE" altLang="en-US" dirty="0" smtClean="0">
-                <a:solidFill>
-                  <a:srgbClr val="0B5395"/>
-                </a:solidFill>
-              </a:rPr>
-              <a:t> in </a:t>
-            </a:r>
-            <a:r>
-              <a:rPr lang="fr-BE" altLang="en-US" dirty="0" smtClean="0">
-                <a:solidFill>
-                  <a:srgbClr val="0B5395"/>
-                </a:solidFill>
-              </a:rPr>
-              <a:t>2018 </a:t>
-            </a:r>
-            <a:endParaRPr lang="fr-BE" altLang="en-US" dirty="0" smtClean="0">
-              <a:solidFill>
-                <a:srgbClr val="0B5395"/>
-              </a:solidFill>
-            </a:endParaRPr>
-          </a:p>
-          <a:p>
-            <a:pPr eaLnBrk="1" hangingPunct="1"/>
-            <a:r>
-              <a:rPr lang="fr-BE" altLang="en-US" dirty="0" smtClean="0">
-                <a:solidFill>
-                  <a:srgbClr val="0B5395"/>
-                </a:solidFill>
-              </a:rPr>
-              <a:t>Final version </a:t>
-            </a:r>
-            <a:r>
-              <a:rPr lang="fr-BE" altLang="en-US" dirty="0" err="1" smtClean="0">
-                <a:solidFill>
-                  <a:srgbClr val="0B5395"/>
-                </a:solidFill>
-              </a:rPr>
-              <a:t>is</a:t>
-            </a:r>
-            <a:r>
-              <a:rPr lang="fr-BE" altLang="en-US" dirty="0" smtClean="0">
-                <a:solidFill>
-                  <a:srgbClr val="0B5395"/>
-                </a:solidFill>
-              </a:rPr>
-              <a:t> </a:t>
-            </a:r>
-            <a:r>
-              <a:rPr lang="fr-BE" altLang="en-US" dirty="0" err="1" smtClean="0">
-                <a:solidFill>
-                  <a:srgbClr val="0B5395"/>
-                </a:solidFill>
-              </a:rPr>
-              <a:t>scheduled</a:t>
-            </a:r>
-            <a:r>
-              <a:rPr lang="fr-BE" altLang="en-US" dirty="0" smtClean="0">
-                <a:solidFill>
-                  <a:srgbClr val="0B5395"/>
-                </a:solidFill>
-              </a:rPr>
-              <a:t> for release </a:t>
-            </a:r>
-            <a:r>
-              <a:rPr lang="fr-BE" altLang="en-US" dirty="0" err="1" smtClean="0">
-                <a:solidFill>
-                  <a:srgbClr val="0B5395"/>
-                </a:solidFill>
-              </a:rPr>
-              <a:t>late</a:t>
-            </a:r>
-            <a:r>
-              <a:rPr lang="fr-BE" altLang="en-US" dirty="0" smtClean="0">
-                <a:solidFill>
-                  <a:srgbClr val="0B5395"/>
-                </a:solidFill>
-              </a:rPr>
-              <a:t> </a:t>
-            </a:r>
-            <a:r>
-              <a:rPr lang="fr-BE" altLang="en-US" dirty="0" smtClean="0">
-                <a:solidFill>
-                  <a:srgbClr val="0B5395"/>
-                </a:solidFill>
-              </a:rPr>
-              <a:t>2018</a:t>
-            </a:r>
-            <a:endParaRPr lang="fr-BE" altLang="en-US" dirty="0" smtClean="0">
-              <a:solidFill>
-                <a:srgbClr val="0B5395"/>
-              </a:solidFill>
-            </a:endParaRPr>
-          </a:p>
-          <a:p>
-            <a:pPr eaLnBrk="1" hangingPunct="1"/>
-            <a:r>
-              <a:rPr lang="fr-BE" altLang="en-US" dirty="0" smtClean="0">
-                <a:solidFill>
-                  <a:srgbClr val="0B5395"/>
-                </a:solidFill>
-              </a:rPr>
-              <a:t>Product </a:t>
-            </a:r>
-            <a:r>
-              <a:rPr lang="fr-BE" altLang="en-US" dirty="0" err="1" smtClean="0">
-                <a:solidFill>
-                  <a:srgbClr val="0B5395"/>
-                </a:solidFill>
-              </a:rPr>
-              <a:t>launch</a:t>
-            </a:r>
-            <a:r>
-              <a:rPr lang="fr-BE" altLang="en-US" dirty="0" smtClean="0">
-                <a:solidFill>
-                  <a:srgbClr val="0B5395"/>
-                </a:solidFill>
-              </a:rPr>
-              <a:t> </a:t>
-            </a:r>
-            <a:r>
-              <a:rPr lang="fr-BE" altLang="en-US" dirty="0" err="1" smtClean="0">
-                <a:solidFill>
-                  <a:srgbClr val="0B5395"/>
-                </a:solidFill>
-              </a:rPr>
-              <a:t>will</a:t>
-            </a:r>
-            <a:r>
-              <a:rPr lang="fr-BE" altLang="en-US" dirty="0" smtClean="0">
-                <a:solidFill>
-                  <a:srgbClr val="0B5395"/>
-                </a:solidFill>
-              </a:rPr>
-              <a:t> </a:t>
-            </a:r>
-            <a:r>
-              <a:rPr lang="fr-BE" altLang="en-US" dirty="0" err="1" smtClean="0">
-                <a:solidFill>
-                  <a:srgbClr val="0B5395"/>
-                </a:solidFill>
-              </a:rPr>
-              <a:t>be</a:t>
-            </a:r>
-            <a:r>
-              <a:rPr lang="fr-BE" altLang="en-US" dirty="0" smtClean="0">
-                <a:solidFill>
-                  <a:srgbClr val="0B5395"/>
-                </a:solidFill>
-              </a:rPr>
-              <a:t> </a:t>
-            </a:r>
-            <a:r>
-              <a:rPr lang="fr-BE" altLang="en-US" dirty="0" err="1" smtClean="0">
-                <a:solidFill>
-                  <a:srgbClr val="0B5395"/>
-                </a:solidFill>
-              </a:rPr>
-              <a:t>held</a:t>
-            </a:r>
-            <a:r>
-              <a:rPr lang="fr-BE" altLang="en-US" dirty="0" smtClean="0">
-                <a:solidFill>
-                  <a:srgbClr val="0B5395"/>
-                </a:solidFill>
-              </a:rPr>
-              <a:t> in </a:t>
-            </a:r>
-            <a:r>
-              <a:rPr lang="fr-BE" altLang="en-US" dirty="0" smtClean="0">
-                <a:solidFill>
-                  <a:srgbClr val="0B5395"/>
-                </a:solidFill>
-              </a:rPr>
-              <a:t>2018</a:t>
-            </a:r>
-            <a:endParaRPr lang="fr-BE" altLang="en-US" dirty="0" smtClean="0">
-              <a:solidFill>
-                <a:srgbClr val="FF0000"/>
-              </a:solidFill>
-            </a:endParaRPr>
-          </a:p>
-        </p:txBody>
-      </p:sp>
-      <p:sp>
-        <p:nvSpPr>
-          <p:cNvPr id="36867" name="Title 1"/>
-          <p:cNvSpPr>
-            <a:spLocks noGrp="1"/>
-          </p:cNvSpPr>
-          <p:nvPr>
-            <p:ph type="title"/>
-          </p:nvPr>
-        </p:nvSpPr>
-        <p:spPr/>
-        <p:txBody>
-          <a:bodyPr/>
-          <a:lstStyle/>
-          <a:p>
-            <a:pPr eaLnBrk="1" hangingPunct="1"/>
-            <a:r>
-              <a:rPr lang="fr-BE" altLang="en-US" b="1" smtClean="0"/>
-              <a:t>Availability</a:t>
-            </a:r>
-          </a:p>
-        </p:txBody>
-      </p:sp>
-    </p:spTree>
-  </p:cSld>
-  <p:clrMapOvr>
-    <a:masterClrMapping/>
-  </p:clrMapOvr>
-  <p:timing>
-    <p:tnLst>
-      <p:par>
-        <p:cTn id="1" dur="indefinite" restart="never" nodeType="tmRoot"/>
-      </p:par>
-    </p:tnLst>
-  </p:timing>
-</p:sld>
-</file>
-
-<file path=ppt/slides/slide11.xml><?xml version="1.0" encoding="utf-8"?>
-<p:sld xmlns:a="http://schemas.openxmlformats.org/drawingml/2006/main" xmlns:r="http://schemas.openxmlformats.org/officeDocument/2006/relationships" xmlns:p="http://schemas.openxmlformats.org/presentationml/2006/main">
-  <p:cSld>
-    <p:spTree>
-      <p:nvGrpSpPr>
-        <p:cNvPr id="1" name=""/>
-        <p:cNvGrpSpPr/>
-        <p:nvPr/>
-      </p:nvGrpSpPr>
-      <p:grpSpPr>
-        <a:xfrm>
-          <a:off x="0" y="0"/>
-          <a:ext cx="0" cy="0"/>
-          <a:chOff x="0" y="0"/>
-          <a:chExt cx="0" cy="0"/>
-        </a:xfrm>
-      </p:grpSpPr>
-      <p:sp>
-        <p:nvSpPr>
-          <p:cNvPr id="37890" name="Content Placeholder 2"/>
-          <p:cNvSpPr>
-            <a:spLocks noGrp="1"/>
-          </p:cNvSpPr>
-          <p:nvPr>
-            <p:ph idx="1"/>
-          </p:nvPr>
-        </p:nvSpPr>
-        <p:spPr>
-          <a:xfrm>
-            <a:off x="871538" y="1828800"/>
-            <a:ext cx="7408862" cy="4724400"/>
-          </a:xfrm>
-        </p:spPr>
-        <p:txBody>
-          <a:bodyPr/>
-          <a:lstStyle/>
-          <a:p>
-            <a:pPr eaLnBrk="1" hangingPunct="1"/>
-            <a:r>
-              <a:rPr lang="fr-BE" altLang="en-US" dirty="0" smtClean="0">
-                <a:solidFill>
-                  <a:srgbClr val="0B5395"/>
-                </a:solidFill>
-              </a:rPr>
-              <a:t>Training </a:t>
-            </a:r>
-            <a:r>
-              <a:rPr lang="fr-BE" altLang="en-US" dirty="0" err="1" smtClean="0">
-                <a:solidFill>
-                  <a:srgbClr val="0B5395"/>
-                </a:solidFill>
-              </a:rPr>
-              <a:t>will</a:t>
-            </a:r>
-            <a:r>
-              <a:rPr lang="fr-BE" altLang="en-US" dirty="0" smtClean="0">
-                <a:solidFill>
-                  <a:srgbClr val="0B5395"/>
-                </a:solidFill>
-              </a:rPr>
-              <a:t> </a:t>
-            </a:r>
-            <a:r>
-              <a:rPr lang="fr-BE" altLang="en-US" dirty="0" err="1" smtClean="0">
-                <a:solidFill>
-                  <a:srgbClr val="0B5395"/>
-                </a:solidFill>
-              </a:rPr>
-              <a:t>be</a:t>
-            </a:r>
-            <a:r>
-              <a:rPr lang="fr-BE" altLang="en-US" dirty="0" smtClean="0">
-                <a:solidFill>
-                  <a:srgbClr val="0B5395"/>
-                </a:solidFill>
-              </a:rPr>
-              <a:t> </a:t>
-            </a:r>
-            <a:r>
-              <a:rPr lang="fr-BE" altLang="en-US" dirty="0" err="1" smtClean="0">
-                <a:solidFill>
-                  <a:srgbClr val="0B5395"/>
-                </a:solidFill>
-              </a:rPr>
-              <a:t>available</a:t>
-            </a:r>
-            <a:r>
-              <a:rPr lang="fr-BE" altLang="en-US" dirty="0" smtClean="0">
-                <a:solidFill>
-                  <a:srgbClr val="0B5395"/>
-                </a:solidFill>
-              </a:rPr>
-              <a:t> for </a:t>
-            </a:r>
-            <a:r>
-              <a:rPr lang="fr-BE" altLang="en-US" dirty="0" err="1" smtClean="0">
-                <a:solidFill>
-                  <a:srgbClr val="0B5395"/>
-                </a:solidFill>
-              </a:rPr>
-              <a:t>professionals</a:t>
-            </a:r>
-            <a:r>
-              <a:rPr lang="fr-BE" altLang="en-US" dirty="0" smtClean="0">
-                <a:solidFill>
-                  <a:srgbClr val="0B5395"/>
-                </a:solidFill>
-              </a:rPr>
-              <a:t> in </a:t>
-            </a:r>
-            <a:r>
-              <a:rPr lang="fr-BE" altLang="en-US" dirty="0" smtClean="0">
-                <a:solidFill>
-                  <a:srgbClr val="0B5395"/>
-                </a:solidFill>
-              </a:rPr>
-              <a:t>2018</a:t>
-            </a:r>
-            <a:endParaRPr lang="fr-BE" altLang="en-US" dirty="0" smtClean="0">
-              <a:solidFill>
-                <a:srgbClr val="0B5395"/>
-              </a:solidFill>
-            </a:endParaRPr>
-          </a:p>
-        </p:txBody>
-      </p:sp>
-      <p:sp>
-        <p:nvSpPr>
-          <p:cNvPr id="37891" name="Title 1"/>
-          <p:cNvSpPr>
-            <a:spLocks noGrp="1"/>
-          </p:cNvSpPr>
-          <p:nvPr>
-            <p:ph type="title"/>
-          </p:nvPr>
-        </p:nvSpPr>
-        <p:spPr/>
-        <p:txBody>
-          <a:bodyPr/>
-          <a:lstStyle/>
-          <a:p>
-            <a:pPr eaLnBrk="1" hangingPunct="1"/>
-            <a:r>
-              <a:rPr lang="fr-BE" altLang="en-US" b="1" smtClean="0"/>
-              <a:t>Training</a:t>
-            </a:r>
-          </a:p>
-        </p:txBody>
-      </p:sp>
-    </p:spTree>
-  </p:cSld>
-  <p:clrMapOvr>
-    <a:masterClrMapping/>
-  </p:clrMapOvr>
-  <p:timing>
-    <p:tnLst>
-      <p:par>
-        <p:cTn id="1" dur="indefinite" restart="never" nodeType="tmRoot"/>
-      </p:par>
-    </p:tnLst>
-  </p:timing>
-</p:sld>
-</file>
-
-<file path=ppt/slides/slide12.xml><?xml version="1.0" encoding="utf-8"?>
-<p:sld xmlns:a="http://schemas.openxmlformats.org/drawingml/2006/main" xmlns:r="http://schemas.openxmlformats.org/officeDocument/2006/relationships" xmlns:p="http://schemas.openxmlformats.org/presentationml/2006/main">
-  <p:cSld>
-    <p:spTree>
-      <p:nvGrpSpPr>
-        <p:cNvPr id="1" name=""/>
-        <p:cNvGrpSpPr/>
-        <p:nvPr/>
-      </p:nvGrpSpPr>
-      <p:grpSpPr>
-        <a:xfrm>
-          <a:off x="0" y="0"/>
-          <a:ext cx="0" cy="0"/>
-          <a:chOff x="0" y="0"/>
-          <a:chExt cx="0" cy="0"/>
-        </a:xfrm>
-      </p:grpSpPr>
-      <p:sp>
-        <p:nvSpPr>
-          <p:cNvPr id="28675" name="Content Placeholder 2"/>
-          <p:cNvSpPr>
-            <a:spLocks noGrp="1"/>
-          </p:cNvSpPr>
-          <p:nvPr>
-            <p:ph idx="1"/>
-          </p:nvPr>
-        </p:nvSpPr>
-        <p:spPr>
-          <a:xfrm>
-            <a:off x="871538" y="1828800"/>
-            <a:ext cx="7408862" cy="4724400"/>
-          </a:xfrm>
-        </p:spPr>
-        <p:txBody>
-          <a:bodyPr rtlCol="0">
-            <a:normAutofit/>
-          </a:bodyPr>
-          <a:lstStyle/>
-          <a:p>
-            <a:pPr marL="274320" indent="-274320" eaLnBrk="1" fontAlgn="auto" hangingPunct="1">
-              <a:spcAft>
-                <a:spcPts val="0"/>
-              </a:spcAft>
-              <a:defRPr/>
-            </a:pPr>
-            <a:r>
-              <a:rPr lang="fr-BE" dirty="0" smtClean="0"/>
-              <a:t>Check </a:t>
-            </a:r>
-            <a:r>
-              <a:rPr lang="fr-BE" dirty="0" err="1" smtClean="0"/>
-              <a:t>website</a:t>
-            </a:r>
-            <a:r>
-              <a:rPr lang="fr-BE" dirty="0" smtClean="0"/>
-              <a:t> for updates: </a:t>
-            </a:r>
-            <a:r>
-              <a:rPr lang="fr-BE" dirty="0" smtClean="0">
-                <a:solidFill>
-                  <a:schemeClr val="tx1">
-                    <a:lumMod val="50000"/>
-                    <a:lumOff val="50000"/>
-                  </a:schemeClr>
-                </a:solidFill>
-                <a:hlinkClick r:id="rId2"/>
-              </a:rPr>
-              <a:t>http://www.first-asd.eu</a:t>
-            </a:r>
-            <a:endParaRPr lang="fr-BE" dirty="0" smtClean="0">
-              <a:solidFill>
-                <a:schemeClr val="tx1">
-                  <a:lumMod val="50000"/>
-                  <a:lumOff val="50000"/>
-                </a:schemeClr>
-              </a:solidFill>
-            </a:endParaRPr>
-          </a:p>
-          <a:p>
-            <a:pPr marL="274320" indent="-274320" eaLnBrk="1" fontAlgn="auto" hangingPunct="1">
-              <a:spcAft>
-                <a:spcPts val="0"/>
-              </a:spcAft>
-              <a:defRPr/>
-            </a:pPr>
-            <a:r>
-              <a:rPr lang="fr-BE" dirty="0" err="1" smtClean="0"/>
-              <a:t>Join</a:t>
-            </a:r>
-            <a:r>
-              <a:rPr lang="fr-BE" dirty="0" smtClean="0"/>
-              <a:t> </a:t>
-            </a:r>
-            <a:r>
-              <a:rPr lang="fr-BE" dirty="0" err="1" smtClean="0"/>
-              <a:t>our</a:t>
-            </a:r>
-            <a:r>
-              <a:rPr lang="fr-BE" dirty="0" smtClean="0"/>
-              <a:t> mailing </a:t>
-            </a:r>
-            <a:r>
-              <a:rPr lang="fr-BE" dirty="0" err="1" smtClean="0"/>
-              <a:t>list</a:t>
-            </a:r>
-            <a:r>
-              <a:rPr lang="fr-BE" dirty="0" smtClean="0"/>
-              <a:t>: </a:t>
-            </a:r>
-            <a:r>
-              <a:rPr lang="fr-BE" u="sng" dirty="0" smtClean="0">
-                <a:hlinkClick r:id="rId3"/>
-              </a:rPr>
-              <a:t>news@first-asd.eu</a:t>
-            </a:r>
-            <a:endParaRPr lang="fr-BE" u="sng" dirty="0" smtClean="0"/>
-          </a:p>
-          <a:p>
-            <a:pPr marL="274320" indent="-274320" eaLnBrk="1" fontAlgn="auto" hangingPunct="1">
-              <a:spcAft>
-                <a:spcPts val="0"/>
-              </a:spcAft>
-              <a:defRPr/>
-            </a:pPr>
-            <a:r>
-              <a:rPr lang="fr-BE" dirty="0"/>
-              <a:t>Contact us: </a:t>
-            </a:r>
-            <a:r>
-              <a:rPr lang="fr-BE" u="sng" dirty="0" smtClean="0">
-                <a:hlinkClick r:id="rId4"/>
-              </a:rPr>
-              <a:t>contact@first-asd.eu</a:t>
-            </a:r>
-            <a:endParaRPr lang="fr-BE" dirty="0"/>
-          </a:p>
-        </p:txBody>
-      </p:sp>
-      <p:sp>
-        <p:nvSpPr>
-          <p:cNvPr id="38915" name="Title 1"/>
-          <p:cNvSpPr>
-            <a:spLocks noGrp="1"/>
-          </p:cNvSpPr>
-          <p:nvPr>
-            <p:ph type="title"/>
-          </p:nvPr>
-        </p:nvSpPr>
-        <p:spPr/>
-        <p:txBody>
-          <a:bodyPr/>
-          <a:lstStyle/>
-          <a:p>
-            <a:pPr eaLnBrk="1" hangingPunct="1"/>
-            <a:r>
-              <a:rPr lang="fr-BE" altLang="en-US" b="1" smtClean="0"/>
-              <a:t>More information &amp; updates</a:t>
-            </a:r>
-          </a:p>
-        </p:txBody>
-      </p:sp>
-    </p:spTree>
-  </p:cSld>
-  <p:clrMapOvr>
-    <a:masterClrMapping/>
-  </p:clrMapOvr>
-  <p:timing>
-    <p:tnLst>
-      <p:par>
-        <p:cTn id="1" dur="indefinite" restart="never" nodeType="tmRoot"/>
-      </p:par>
-    </p:tnLst>
-  </p:timing>
-</p:sld>
-</file>
-
-<file path=ppt/slides/slide13.xml><?xml version="1.0" encoding="utf-8"?>
-<p:sld xmlns:a="http://schemas.openxmlformats.org/drawingml/2006/main" xmlns:r="http://schemas.openxmlformats.org/officeDocument/2006/relationships" xmlns:p="http://schemas.openxmlformats.org/presentationml/2006/main">
-  <p:cSld>
-    <p:spTree>
-      <p:nvGrpSpPr>
-        <p:cNvPr id="1" name=""/>
-        <p:cNvGrpSpPr/>
-        <p:nvPr/>
-      </p:nvGrpSpPr>
-      <p:grpSpPr>
-        <a:xfrm>
-          <a:off x="0" y="0"/>
-          <a:ext cx="0" cy="0"/>
-          <a:chOff x="0" y="0"/>
-          <a:chExt cx="0" cy="0"/>
-        </a:xfrm>
-      </p:grpSpPr>
-      <p:sp>
-        <p:nvSpPr>
-          <p:cNvPr id="39938" name="Content Placeholder 2"/>
-          <p:cNvSpPr>
-            <a:spLocks noGrp="1"/>
-          </p:cNvSpPr>
-          <p:nvPr>
-            <p:ph idx="1"/>
-          </p:nvPr>
-        </p:nvSpPr>
-        <p:spPr>
-          <a:xfrm>
-            <a:off x="871538" y="1828800"/>
-            <a:ext cx="7408862" cy="4724400"/>
-          </a:xfrm>
-        </p:spPr>
-        <p:txBody>
-          <a:bodyPr/>
-          <a:lstStyle/>
-          <a:p>
-            <a:pPr eaLnBrk="1" hangingPunct="1">
-              <a:buFont typeface="Arial" charset="0"/>
-              <a:buChar char="•"/>
-            </a:pPr>
-            <a:r>
-              <a:rPr lang="fr-BE" altLang="en-US" b="1" dirty="0" smtClean="0">
-                <a:solidFill>
-                  <a:srgbClr val="0B5395"/>
-                </a:solidFill>
-              </a:rPr>
-              <a:t>BKIICT</a:t>
-            </a:r>
-          </a:p>
-          <a:p>
-            <a:pPr eaLnBrk="1" hangingPunct="1">
-              <a:buFont typeface="Arial" charset="0"/>
-              <a:buChar char="•"/>
-            </a:pPr>
-            <a:r>
-              <a:rPr lang="fr-BE" altLang="en-US" b="1" dirty="0" smtClean="0">
-                <a:solidFill>
-                  <a:srgbClr val="0B5395"/>
-                </a:solidFill>
-              </a:rPr>
-              <a:t>BCC</a:t>
-            </a:r>
-            <a:endParaRPr lang="fr-BE" altLang="en-US" dirty="0" smtClean="0">
-              <a:solidFill>
-                <a:srgbClr val="0B5395"/>
-              </a:solidFill>
-            </a:endParaRPr>
-          </a:p>
-        </p:txBody>
-      </p:sp>
-      <p:sp>
-        <p:nvSpPr>
-          <p:cNvPr id="39939" name="Title 1"/>
-          <p:cNvSpPr>
-            <a:spLocks noGrp="1"/>
-          </p:cNvSpPr>
-          <p:nvPr>
-            <p:ph type="title"/>
-          </p:nvPr>
-        </p:nvSpPr>
-        <p:spPr/>
-        <p:txBody>
-          <a:bodyPr/>
-          <a:lstStyle/>
-          <a:p>
-            <a:pPr eaLnBrk="1" hangingPunct="1"/>
-            <a:r>
-              <a:rPr lang="fr-BE" altLang="en-US" b="1" smtClean="0"/>
-              <a:t>Project partners</a:t>
-            </a:r>
-          </a:p>
-        </p:txBody>
-      </p:sp>
-    </p:spTree>
-  </p:cSld>
-  <p:clrMapOvr>
-    <a:masterClrMapping/>
-  </p:clrMapOvr>
-  <p:timing>
-    <p:tnLst>
-      <p:par>
-        <p:cTn id="1" dur="indefinite" restart="never" nodeType="tmRoot"/>
-      </p:par>
-    </p:tnLst>
-  </p:timing>
-</p:sld>
-</file>
-
-<file path=ppt/slides/slide14.xml><?xml version="1.0" encoding="utf-8"?>
-<p:sld xmlns:a="http://schemas.openxmlformats.org/drawingml/2006/main" xmlns:r="http://schemas.openxmlformats.org/officeDocument/2006/relationships" xmlns:p="http://schemas.openxmlformats.org/presentationml/2006/main">
-  <p:cSld>
-    <p:spTree>
-      <p:nvGrpSpPr>
-        <p:cNvPr id="1" name=""/>
-        <p:cNvGrpSpPr/>
-        <p:nvPr/>
-      </p:nvGrpSpPr>
-      <p:grpSpPr>
-        <a:xfrm>
-          <a:off x="0" y="0"/>
-          <a:ext cx="0" cy="0"/>
-          <a:chOff x="0" y="0"/>
-          <a:chExt cx="0" cy="0"/>
-        </a:xfrm>
-      </p:grpSpPr>
-      <p:sp>
-        <p:nvSpPr>
-          <p:cNvPr id="2" name="Title 1"/>
-          <p:cNvSpPr>
-            <a:spLocks noGrp="1"/>
-          </p:cNvSpPr>
-          <p:nvPr>
-            <p:ph type="title"/>
-          </p:nvPr>
-        </p:nvSpPr>
-        <p:spPr/>
-        <p:txBody>
-          <a:bodyPr>
-            <a:normAutofit/>
-          </a:bodyPr>
-          <a:lstStyle/>
-          <a:p>
-            <a:r>
-              <a:rPr lang="en-US" b="1" dirty="0"/>
-              <a:t>Objectives</a:t>
-            </a:r>
-            <a:r>
-              <a:rPr lang="en-US" b="1" dirty="0" smtClean="0"/>
-              <a:t>:</a:t>
-            </a:r>
-            <a:endParaRPr lang="en-US" dirty="0"/>
-          </a:p>
-        </p:txBody>
-      </p:sp>
-      <p:sp>
-        <p:nvSpPr>
-          <p:cNvPr id="3" name="Content Placeholder 2"/>
-          <p:cNvSpPr>
-            <a:spLocks noGrp="1"/>
-          </p:cNvSpPr>
-          <p:nvPr>
-            <p:ph idx="1"/>
-          </p:nvPr>
-        </p:nvSpPr>
-        <p:spPr/>
-        <p:txBody>
-          <a:bodyPr>
-            <a:normAutofit/>
-          </a:bodyPr>
-          <a:lstStyle/>
-          <a:p>
-            <a:pPr lvl="0"/>
-            <a:r>
-              <a:rPr lang="en-US" dirty="0"/>
-              <a:t>Issuance of requisition letters for vehicles.</a:t>
-            </a:r>
-          </a:p>
-          <a:p>
-            <a:pPr lvl="0"/>
-            <a:r>
-              <a:rPr lang="en-US" dirty="0"/>
-              <a:t>Generation of log book.</a:t>
-            </a:r>
-          </a:p>
-          <a:p>
-            <a:pPr lvl="0"/>
-            <a:r>
-              <a:rPr lang="en-US" dirty="0" smtClean="0"/>
-              <a:t>Generation </a:t>
-            </a:r>
-            <a:r>
-              <a:rPr lang="en-US" dirty="0"/>
-              <a:t>of payment calculation chart and release order.</a:t>
-            </a:r>
-          </a:p>
-          <a:p>
-            <a:pPr lvl="0"/>
-            <a:r>
-              <a:rPr lang="en-US" dirty="0"/>
-              <a:t>Information about payment / POL to vehicle </a:t>
-            </a:r>
-            <a:r>
-              <a:rPr lang="en-US" dirty="0" smtClean="0"/>
-              <a:t>owners.</a:t>
-            </a:r>
-            <a:endParaRPr lang="en-US" dirty="0"/>
-          </a:p>
-          <a:p>
-            <a:pPr lvl="0"/>
-            <a:r>
-              <a:rPr lang="en-US" dirty="0" smtClean="0"/>
-              <a:t>Capturing </a:t>
-            </a:r>
-            <a:r>
-              <a:rPr lang="en-US" dirty="0"/>
-              <a:t>of vehicle details with address, Mobile number and bank details of Owner &amp; Driver.</a:t>
-            </a:r>
-          </a:p>
-          <a:p>
-            <a:endParaRPr lang="en-US" dirty="0"/>
-          </a:p>
-        </p:txBody>
-      </p:sp>
-    </p:spTree>
-    <p:extLst>
-      <p:ext uri="{BB962C8B-B14F-4D97-AF65-F5344CB8AC3E}">
-        <p14:creationId xmlns:p14="http://schemas.microsoft.com/office/powerpoint/2010/main" val="766944856"/>
-      </p:ext>
-    </p:extLst>
-  </p:cSld>
-  <p:clrMapOvr>
-    <a:masterClrMapping/>
-  </p:clrMapOvr>
-</p:sld>
-</file>
-
-<file path=ppt/slides/slide15.xml><?xml version="1.0" encoding="utf-8"?>
-<p:sld xmlns:a="http://schemas.openxmlformats.org/drawingml/2006/main" xmlns:r="http://schemas.openxmlformats.org/officeDocument/2006/relationships" xmlns:p="http://schemas.openxmlformats.org/presentationml/2006/main">
-  <p:cSld>
-    <p:spTree>
-      <p:nvGrpSpPr>
-        <p:cNvPr id="1" name=""/>
-        <p:cNvGrpSpPr/>
-        <p:nvPr/>
-      </p:nvGrpSpPr>
-      <p:grpSpPr>
-        <a:xfrm>
-          <a:off x="0" y="0"/>
-          <a:ext cx="0" cy="0"/>
-          <a:chOff x="0" y="0"/>
-          <a:chExt cx="0" cy="0"/>
-        </a:xfrm>
-      </p:grpSpPr>
-      <p:sp>
-        <p:nvSpPr>
-          <p:cNvPr id="2" name="Title 1"/>
-          <p:cNvSpPr>
-            <a:spLocks noGrp="1"/>
-          </p:cNvSpPr>
-          <p:nvPr>
-            <p:ph type="title"/>
-          </p:nvPr>
-        </p:nvSpPr>
-        <p:spPr/>
-        <p:txBody>
-          <a:bodyPr/>
-          <a:lstStyle/>
-          <a:p>
-            <a:r>
-              <a:rPr lang="en-US" dirty="0" smtClean="0"/>
-              <a:t>Process flow</a:t>
-            </a:r>
-            <a:endParaRPr lang="en-US" dirty="0"/>
-          </a:p>
-        </p:txBody>
-      </p:sp>
-      <p:graphicFrame>
-        <p:nvGraphicFramePr>
-          <p:cNvPr id="3" name="Diagram 2"/>
-          <p:cNvGraphicFramePr/>
-          <p:nvPr>
-            <p:extLst>
-              <p:ext uri="{D42A27DB-BD31-4B8C-83A1-F6EECF244321}">
-                <p14:modId xmlns:p14="http://schemas.microsoft.com/office/powerpoint/2010/main" val="396752579"/>
-              </p:ext>
-            </p:extLst>
-          </p:nvPr>
-        </p:nvGraphicFramePr>
-        <p:xfrm>
-          <a:off x="228600" y="1778000"/>
-          <a:ext cx="8763000" cy="1346200"/>
-        </p:xfrm>
-        <a:graphic>
-          <a:graphicData uri="http://schemas.openxmlformats.org/drawingml/2006/diagram">
-            <dgm:relIds xmlns:dgm="http://schemas.openxmlformats.org/drawingml/2006/diagram" xmlns:r="http://schemas.openxmlformats.org/officeDocument/2006/relationships" r:dm="rId2" r:lo="rId3" r:qs="rId4" r:cs="rId5"/>
-          </a:graphicData>
-        </a:graphic>
-      </p:graphicFrame>
-      <p:graphicFrame>
-        <p:nvGraphicFramePr>
-          <p:cNvPr id="9" name="Diagram 8"/>
-          <p:cNvGraphicFramePr/>
-          <p:nvPr>
-            <p:extLst>
-              <p:ext uri="{D42A27DB-BD31-4B8C-83A1-F6EECF244321}">
-                <p14:modId xmlns:p14="http://schemas.microsoft.com/office/powerpoint/2010/main" val="2894683654"/>
-              </p:ext>
-            </p:extLst>
-          </p:nvPr>
-        </p:nvGraphicFramePr>
-        <p:xfrm>
-          <a:off x="228600" y="3886200"/>
-          <a:ext cx="8763000" cy="914400"/>
-        </p:xfrm>
-        <a:graphic>
-          <a:graphicData uri="http://schemas.openxmlformats.org/drawingml/2006/diagram">
-            <dgm:relIds xmlns:dgm="http://schemas.openxmlformats.org/drawingml/2006/diagram" xmlns:r="http://schemas.openxmlformats.org/officeDocument/2006/relationships" r:dm="rId7" r:lo="rId8" r:qs="rId9" r:cs="rId10"/>
-          </a:graphicData>
-        </a:graphic>
-      </p:graphicFrame>
-      <p:graphicFrame>
-        <p:nvGraphicFramePr>
-          <p:cNvPr id="10" name="Diagram 9"/>
-          <p:cNvGraphicFramePr/>
-          <p:nvPr>
-            <p:extLst>
-              <p:ext uri="{D42A27DB-BD31-4B8C-83A1-F6EECF244321}">
-                <p14:modId xmlns:p14="http://schemas.microsoft.com/office/powerpoint/2010/main" val="2023371655"/>
-              </p:ext>
-            </p:extLst>
-          </p:nvPr>
-        </p:nvGraphicFramePr>
-        <p:xfrm>
-          <a:off x="304800" y="4953000"/>
-          <a:ext cx="8763000" cy="914400"/>
-        </p:xfrm>
-        <a:graphic>
-          <a:graphicData uri="http://schemas.openxmlformats.org/drawingml/2006/diagram">
-            <dgm:relIds xmlns:dgm="http://schemas.openxmlformats.org/drawingml/2006/diagram" xmlns:r="http://schemas.openxmlformats.org/officeDocument/2006/relationships" r:dm="rId12" r:lo="rId13" r:qs="rId14" r:cs="rId15"/>
-          </a:graphicData>
-        </a:graphic>
-      </p:graphicFrame>
-      <p:grpSp>
-        <p:nvGrpSpPr>
-          <p:cNvPr id="11" name="Group 10"/>
-          <p:cNvGrpSpPr/>
-          <p:nvPr/>
-        </p:nvGrpSpPr>
-        <p:grpSpPr>
-          <a:xfrm rot="5400000">
-            <a:off x="4375506" y="3278946"/>
-            <a:ext cx="392989" cy="300108"/>
-            <a:chOff x="5922924" y="467306"/>
-            <a:chExt cx="392989" cy="300108"/>
-          </a:xfrm>
-        </p:grpSpPr>
-        <p:sp>
-          <p:nvSpPr>
-            <p:cNvPr id="12" name="Right Arrow 11"/>
-            <p:cNvSpPr/>
-            <p:nvPr/>
-          </p:nvSpPr>
-          <p:spPr>
-            <a:xfrm>
-              <a:off x="5922924" y="467306"/>
-              <a:ext cx="392989" cy="300108"/>
-            </a:xfrm>
-            <a:prstGeom prst="rightArrow">
-              <a:avLst>
-                <a:gd name="adj1" fmla="val 60000"/>
-                <a:gd name="adj2" fmla="val 50000"/>
-              </a:avLst>
-            </a:prstGeom>
-          </p:spPr>
-          <p:style>
-            <a:lnRef idx="0">
-              <a:schemeClr val="accent1">
-                <a:tint val="60000"/>
-                <a:hueOff val="0"/>
-                <a:satOff val="0"/>
-                <a:lumOff val="0"/>
-                <a:alphaOff val="0"/>
-              </a:schemeClr>
-            </a:lnRef>
-            <a:fillRef idx="1">
-              <a:schemeClr val="accent1">
-                <a:tint val="60000"/>
-                <a:hueOff val="0"/>
-                <a:satOff val="0"/>
-                <a:lumOff val="0"/>
-                <a:alphaOff val="0"/>
-              </a:schemeClr>
-            </a:fillRef>
-            <a:effectRef idx="0">
-              <a:schemeClr val="accent1">
-                <a:tint val="60000"/>
-                <a:hueOff val="0"/>
-                <a:satOff val="0"/>
-                <a:lumOff val="0"/>
-                <a:alphaOff val="0"/>
-              </a:schemeClr>
-            </a:effectRef>
-            <a:fontRef idx="minor">
-              <a:schemeClr val="lt1"/>
-            </a:fontRef>
-          </p:style>
-        </p:sp>
-        <p:sp>
-          <p:nvSpPr>
-            <p:cNvPr id="13" name="Right Arrow 4"/>
-            <p:cNvSpPr/>
-            <p:nvPr/>
-          </p:nvSpPr>
-          <p:spPr>
-            <a:xfrm>
-              <a:off x="5922924" y="527328"/>
-              <a:ext cx="302957" cy="180064"/>
-            </a:xfrm>
-            <a:prstGeom prst="rect">
-              <a:avLst/>
-            </a:prstGeom>
-          </p:spPr>
-          <p:style>
-            <a:lnRef idx="0">
-              <a:scrgbClr r="0" g="0" b="0"/>
-            </a:lnRef>
-            <a:fillRef idx="0">
-              <a:scrgbClr r="0" g="0" b="0"/>
-            </a:fillRef>
-            <a:effectRef idx="0">
-              <a:scrgbClr r="0" g="0" b="0"/>
-            </a:effectRef>
-            <a:fontRef idx="minor">
-              <a:schemeClr val="lt1"/>
-            </a:fontRef>
-          </p:style>
-          <p:txBody>
-            <a:bodyPr spcFirstLastPara="0" vert="horz" wrap="square" lIns="0" tIns="0" rIns="0" bIns="0" numCol="1" spcCol="1270" anchor="ctr" anchorCtr="0">
-              <a:noAutofit/>
-            </a:bodyPr>
-            <a:lstStyle/>
-            <a:p>
-              <a:pPr lvl="0" algn="ctr" defTabSz="533400">
-                <a:lnSpc>
-                  <a:spcPct val="90000"/>
-                </a:lnSpc>
-                <a:spcBef>
-                  <a:spcPct val="0"/>
-                </a:spcBef>
-                <a:spcAft>
-                  <a:spcPct val="35000"/>
-                </a:spcAft>
-              </a:pPr>
-              <a:endParaRPr lang="en-US" sz="1200" kern="1200"/>
-            </a:p>
-          </p:txBody>
-        </p:sp>
-      </p:grpSp>
-    </p:spTree>
-    <p:extLst>
-      <p:ext uri="{BB962C8B-B14F-4D97-AF65-F5344CB8AC3E}">
-        <p14:creationId xmlns:p14="http://schemas.microsoft.com/office/powerpoint/2010/main" val="692049674"/>
-      </p:ext>
-    </p:extLst>
-  </p:cSld>
-  <p:clrMapOvr>
-    <a:masterClrMapping/>
-  </p:clrMapOvr>
-  <p:timing>
-    <p:tnLst>
-      <p:par>
-        <p:cTn id="1" dur="indefinite" restart="never" nodeType="tmRoot"/>
-      </p:par>
-    </p:tnLst>
-  </p:timing>
-</p:sld>
-</file>
-
-<file path=ppt/slides/slide16.xml><?xml version="1.0" encoding="utf-8"?>
-<p:sld xmlns:a="http://schemas.openxmlformats.org/drawingml/2006/main" xmlns:r="http://schemas.openxmlformats.org/officeDocument/2006/relationships" xmlns:p="http://schemas.openxmlformats.org/presentationml/2006/main">
-  <p:cSld>
-    <p:spTree>
-      <p:nvGrpSpPr>
-        <p:cNvPr id="1" name=""/>
-        <p:cNvGrpSpPr/>
-        <p:nvPr/>
-      </p:nvGrpSpPr>
-      <p:grpSpPr>
-        <a:xfrm>
-          <a:off x="0" y="0"/>
-          <a:ext cx="0" cy="0"/>
-          <a:chOff x="0" y="0"/>
-          <a:chExt cx="0" cy="0"/>
-        </a:xfrm>
-      </p:grpSpPr>
-      <p:sp>
-        <p:nvSpPr>
-          <p:cNvPr id="2" name="Title 1"/>
-          <p:cNvSpPr>
-            <a:spLocks noGrp="1"/>
-          </p:cNvSpPr>
-          <p:nvPr>
-            <p:ph type="title"/>
-          </p:nvPr>
-        </p:nvSpPr>
-        <p:spPr/>
-        <p:txBody>
-          <a:bodyPr/>
-          <a:lstStyle/>
-          <a:p>
-            <a:r>
-              <a:rPr lang="en-US" dirty="0" smtClean="0"/>
-              <a:t>Login-page</a:t>
-            </a:r>
-            <a:endParaRPr lang="en-US" dirty="0"/>
-          </a:p>
-        </p:txBody>
-      </p:sp>
-      <p:pic>
-        <p:nvPicPr>
-          <p:cNvPr id="64514" name="Picture 2"/>
-          <p:cNvPicPr>
-            <a:picLocks noChangeAspect="1" noChangeArrowheads="1"/>
-          </p:cNvPicPr>
-          <p:nvPr/>
-        </p:nvPicPr>
-        <p:blipFill>
-          <a:blip r:embed="rId2">
-            <a:extLst>
-              <a:ext uri="{28A0092B-C50C-407E-A947-70E740481C1C}">
-                <a14:useLocalDpi xmlns:a14="http://schemas.microsoft.com/office/drawing/2010/main" val="0"/>
-              </a:ext>
-            </a:extLst>
-          </a:blip>
-          <a:srcRect/>
-          <a:stretch>
-            <a:fillRect/>
-          </a:stretch>
-        </p:blipFill>
-        <p:spPr bwMode="auto">
-          <a:xfrm>
-            <a:off x="228600" y="1905000"/>
-            <a:ext cx="8686800" cy="4068526"/>
-          </a:xfrm>
-          <a:prstGeom prst="rect">
-            <a:avLst/>
-          </a:prstGeom>
-          <a:noFill/>
-          <a:ln>
-            <a:noFill/>
-          </a:ln>
-          <a:extLst>
-            <a:ext uri="{909E8E84-426E-40DD-AFC4-6F175D3DCCD1}">
-              <a14:hiddenFill xmlns:a14="http://schemas.microsoft.com/office/drawing/2010/main">
-                <a:solidFill>
-                  <a:schemeClr val="accent1"/>
-                </a:solidFill>
-              </a14:hiddenFill>
-            </a:ext>
-            <a:ext uri="{91240B29-F687-4F45-9708-019B960494DF}">
-              <a14:hiddenLine xmlns:a14="http://schemas.microsoft.com/office/drawing/2010/main" w="9525">
-                <a:solidFill>
-                  <a:schemeClr val="tx1"/>
-                </a:solidFill>
-                <a:miter lim="800000"/>
-                <a:headEnd/>
-                <a:tailEnd/>
-              </a14:hiddenLine>
-            </a:ext>
-          </a:extLst>
-        </p:spPr>
-      </p:pic>
-    </p:spTree>
-    <p:extLst>
-      <p:ext uri="{BB962C8B-B14F-4D97-AF65-F5344CB8AC3E}">
-        <p14:creationId xmlns:p14="http://schemas.microsoft.com/office/powerpoint/2010/main" val="1326550911"/>
-      </p:ext>
-    </p:extLst>
-  </p:cSld>
-  <p:clrMapOvr>
-    <a:masterClrMapping/>
-  </p:clrMapOvr>
-</p:sld>
-</file>
-
-<file path=ppt/slides/slide17.xml><?xml version="1.0" encoding="utf-8"?>
-<p:sld xmlns:a="http://schemas.openxmlformats.org/drawingml/2006/main" xmlns:r="http://schemas.openxmlformats.org/officeDocument/2006/relationships" xmlns:p="http://schemas.openxmlformats.org/presentationml/2006/main">
-  <p:cSld>
-    <p:spTree>
-      <p:nvGrpSpPr>
-        <p:cNvPr id="1" name=""/>
-        <p:cNvGrpSpPr/>
-        <p:nvPr/>
-      </p:nvGrpSpPr>
-      <p:grpSpPr>
-        <a:xfrm>
-          <a:off x="0" y="0"/>
-          <a:ext cx="0" cy="0"/>
-          <a:chOff x="0" y="0"/>
-          <a:chExt cx="0" cy="0"/>
-        </a:xfrm>
-      </p:grpSpPr>
-      <p:sp>
-        <p:nvSpPr>
           <p:cNvPr id="2" name="Title 1"/>
           <p:cNvSpPr>
             <a:spLocks noGrp="1"/>
@@ -27434,7 +22427,7 @@
 </p:sld>
 </file>
 
-<file path=ppt/slides/slide18.xml><?xml version="1.0" encoding="utf-8"?>
+<file path=ppt/slides/slide11.xml><?xml version="1.0" encoding="utf-8"?>
 <p:sld xmlns:a="http://schemas.openxmlformats.org/drawingml/2006/main" xmlns:r="http://schemas.openxmlformats.org/officeDocument/2006/relationships" xmlns:p="http://schemas.openxmlformats.org/presentationml/2006/main">
   <p:cSld>
     <p:spTree>
@@ -27548,7 +22541,103 @@
 </p:sld>
 </file>
 
-<file path=ppt/slides/slide19.xml><?xml version="1.0" encoding="utf-8"?>
+<file path=ppt/slides/slide12.xml><?xml version="1.0" encoding="utf-8"?>
+<p:sld xmlns:a="http://schemas.openxmlformats.org/drawingml/2006/main" xmlns:r="http://schemas.openxmlformats.org/officeDocument/2006/relationships" xmlns:p="http://schemas.openxmlformats.org/presentationml/2006/main">
+  <p:cSld>
+    <p:spTree>
+      <p:nvGrpSpPr>
+        <p:cNvPr id="1" name=""/>
+        <p:cNvGrpSpPr/>
+        <p:nvPr/>
+      </p:nvGrpSpPr>
+      <p:grpSpPr>
+        <a:xfrm>
+          <a:off x="0" y="0"/>
+          <a:ext cx="0" cy="0"/>
+          <a:chOff x="0" y="0"/>
+          <a:chExt cx="0" cy="0"/>
+        </a:xfrm>
+      </p:grpSpPr>
+      <p:pic>
+        <p:nvPicPr>
+          <p:cNvPr id="4" name="Content Placeholder 3"/>
+          <p:cNvPicPr>
+            <a:picLocks noGrp="1" noChangeAspect="1"/>
+          </p:cNvPicPr>
+          <p:nvPr>
+            <p:ph idx="1"/>
+          </p:nvPr>
+        </p:nvPicPr>
+        <p:blipFill>
+          <a:blip r:embed="rId2">
+            <a:extLst>
+              <a:ext uri="{28A0092B-C50C-407E-A947-70E740481C1C}">
+                <a14:useLocalDpi xmlns:a14="http://schemas.microsoft.com/office/drawing/2010/main" val="0"/>
+              </a:ext>
+            </a:extLst>
+          </a:blip>
+          <a:stretch>
+            <a:fillRect/>
+          </a:stretch>
+        </p:blipFill>
+        <p:spPr>
+          <a:xfrm>
+            <a:off x="871538" y="1905000"/>
+            <a:ext cx="7815262" cy="4191000"/>
+          </a:xfrm>
+        </p:spPr>
+      </p:pic>
+      <p:sp>
+        <p:nvSpPr>
+          <p:cNvPr id="3" name="Title 2"/>
+          <p:cNvSpPr>
+            <a:spLocks noGrp="1"/>
+          </p:cNvSpPr>
+          <p:nvPr>
+            <p:ph type="title"/>
+          </p:nvPr>
+        </p:nvSpPr>
+        <p:spPr/>
+        <p:txBody>
+          <a:bodyPr/>
+          <a:lstStyle/>
+          <a:p>
+            <a:r>
+              <a:rPr lang="en-US" dirty="0"/>
+              <a:t>Employee’s </a:t>
+            </a:r>
+            <a:r>
+              <a:rPr lang="en-US" dirty="0" smtClean="0"/>
+              <a:t>New </a:t>
+            </a:r>
+            <a:r>
+              <a:rPr lang="en-US" dirty="0"/>
+              <a:t>Requisitions List</a:t>
+            </a:r>
+          </a:p>
+        </p:txBody>
+      </p:sp>
+    </p:spTree>
+    <p:extLst>
+      <p:ext uri="{BB962C8B-B14F-4D97-AF65-F5344CB8AC3E}">
+        <p14:creationId xmlns:p14="http://schemas.microsoft.com/office/powerpoint/2010/main" val="4247951147"/>
+      </p:ext>
+    </p:extLst>
+  </p:cSld>
+  <p:clrMapOvr>
+    <a:masterClrMapping/>
+  </p:clrMapOvr>
+  <p:timing>
+    <p:tnLst>
+      <p:par>
+        <p:cTn id="1" dur="indefinite" restart="never" nodeType="tmRoot"/>
+      </p:par>
+    </p:tnLst>
+  </p:timing>
+</p:sld>
+</file>
+
+<file path=ppt/slides/slide13.xml><?xml version="1.0" encoding="utf-8"?>
 <p:sld xmlns:a="http://schemas.openxmlformats.org/drawingml/2006/main" xmlns:r="http://schemas.openxmlformats.org/officeDocument/2006/relationships" xmlns:p="http://schemas.openxmlformats.org/presentationml/2006/main">
   <p:cSld>
     <p:spTree>
@@ -27575,22 +22664,130 @@
             <p:ph type="title"/>
           </p:nvPr>
         </p:nvSpPr>
-        <p:spPr/>
+        <p:spPr>
+          <a:xfrm>
+            <a:off x="457200" y="228601"/>
+            <a:ext cx="8229600" cy="990600"/>
+          </a:xfrm>
+        </p:spPr>
         <p:txBody>
           <a:bodyPr/>
           <a:lstStyle/>
           <a:p>
             <a:r>
-              <a:rPr lang="en-US" dirty="0" smtClean="0"/>
-              <a:t>Requisition entry</a:t>
+              <a:rPr lang="en-US" sz="3600" dirty="0" smtClean="0"/>
+              <a:t>Employee’s </a:t>
             </a:r>
-            <a:endParaRPr lang="en-US" dirty="0"/>
+            <a:r>
+              <a:rPr lang="en-US" sz="3600" dirty="0"/>
+              <a:t>Assigned Requisitions </a:t>
+            </a:r>
+            <a:r>
+              <a:rPr lang="en-US" sz="3600" dirty="0" smtClean="0"/>
+              <a:t>List</a:t>
+            </a:r>
+            <a:endParaRPr lang="en-US" sz="3600" dirty="0"/>
           </a:p>
         </p:txBody>
       </p:sp>
       <p:pic>
         <p:nvPicPr>
-          <p:cNvPr id="67587" name="Picture 3"/>
+          <p:cNvPr id="3" name="Picture 2"/>
+          <p:cNvPicPr>
+            <a:picLocks noChangeAspect="1"/>
+          </p:cNvPicPr>
+          <p:nvPr/>
+        </p:nvPicPr>
+        <p:blipFill>
+          <a:blip r:embed="rId2">
+            <a:extLst>
+              <a:ext uri="{28A0092B-C50C-407E-A947-70E740481C1C}">
+                <a14:useLocalDpi xmlns:a14="http://schemas.microsoft.com/office/drawing/2010/main" val="0"/>
+              </a:ext>
+            </a:extLst>
+          </a:blip>
+          <a:stretch>
+            <a:fillRect/>
+          </a:stretch>
+        </p:blipFill>
+        <p:spPr>
+          <a:xfrm>
+            <a:off x="609600" y="1752600"/>
+            <a:ext cx="8229600" cy="4183748"/>
+          </a:xfrm>
+          <a:prstGeom prst="rect">
+            <a:avLst/>
+          </a:prstGeom>
+        </p:spPr>
+      </p:pic>
+    </p:spTree>
+    <p:extLst>
+      <p:ext uri="{BB962C8B-B14F-4D97-AF65-F5344CB8AC3E}">
+        <p14:creationId xmlns:p14="http://schemas.microsoft.com/office/powerpoint/2010/main" val="677864436"/>
+      </p:ext>
+    </p:extLst>
+  </p:cSld>
+  <p:clrMapOvr>
+    <a:masterClrMapping/>
+  </p:clrMapOvr>
+  <p:timing>
+    <p:tnLst>
+      <p:par>
+        <p:cTn id="1" dur="indefinite" restart="never" nodeType="tmRoot"/>
+      </p:par>
+    </p:tnLst>
+  </p:timing>
+</p:sld>
+</file>
+
+<file path=ppt/slides/slide14.xml><?xml version="1.0" encoding="utf-8"?>
+<p:sld xmlns:a="http://schemas.openxmlformats.org/drawingml/2006/main" xmlns:r="http://schemas.openxmlformats.org/officeDocument/2006/relationships" xmlns:p="http://schemas.openxmlformats.org/presentationml/2006/main">
+  <p:cSld>
+    <p:spTree>
+      <p:nvGrpSpPr>
+        <p:cNvPr id="1" name=""/>
+        <p:cNvGrpSpPr/>
+        <p:nvPr/>
+      </p:nvGrpSpPr>
+      <p:grpSpPr>
+        <a:xfrm>
+          <a:off x="0" y="0"/>
+          <a:ext cx="0" cy="0"/>
+          <a:chOff x="0" y="0"/>
+          <a:chExt cx="0" cy="0"/>
+        </a:xfrm>
+      </p:grpSpPr>
+      <p:sp>
+        <p:nvSpPr>
+          <p:cNvPr id="2" name="Title 1"/>
+          <p:cNvSpPr>
+            <a:spLocks noGrp="1"/>
+          </p:cNvSpPr>
+          <p:nvPr>
+            <p:ph type="title"/>
+          </p:nvPr>
+        </p:nvSpPr>
+        <p:spPr>
+          <a:xfrm>
+            <a:off x="457200" y="228601"/>
+            <a:ext cx="8229600" cy="990600"/>
+          </a:xfrm>
+        </p:spPr>
+        <p:txBody>
+          <a:bodyPr/>
+          <a:lstStyle/>
+          <a:p>
+            <a:r>
+              <a:rPr lang="en-US" sz="3600" dirty="0" smtClean="0"/>
+              <a:t>Feedback against requisition</a:t>
+            </a:r>
+            <a:endParaRPr lang="en-US" sz="3600" dirty="0"/>
+          </a:p>
+        </p:txBody>
+      </p:sp>
+      <p:pic>
+        <p:nvPicPr>
+          <p:cNvPr id="74754" name="Picture 2"/>
           <p:cNvPicPr>
             <a:picLocks noChangeAspect="1" noChangeArrowheads="1"/>
           </p:cNvPicPr>
@@ -27611,8 +22808,8 @@
         </p:blipFill>
         <p:spPr bwMode="auto">
           <a:xfrm>
-            <a:off x="1066800" y="1676400"/>
-            <a:ext cx="7313203" cy="4877711"/>
+            <a:off x="609600" y="1684014"/>
+            <a:ext cx="8229600" cy="4488186"/>
           </a:xfrm>
           <a:prstGeom prst="rect">
             <a:avLst/>
@@ -27645,7 +22842,7 @@
     </p:spTree>
     <p:extLst>
       <p:ext uri="{BB962C8B-B14F-4D97-AF65-F5344CB8AC3E}">
-        <p14:creationId xmlns:p14="http://schemas.microsoft.com/office/powerpoint/2010/main" val="3396873317"/>
+        <p14:creationId xmlns:p14="http://schemas.microsoft.com/office/powerpoint/2010/main" val="447561070"/>
       </p:ext>
     </p:extLst>
   </p:cSld>
@@ -27662,255 +22859,7 @@
 </p:sld>
 </file>
 
-<file path=ppt/slides/slide2.xml><?xml version="1.0" encoding="utf-8"?>
-<p:sld xmlns:a="http://schemas.openxmlformats.org/drawingml/2006/main" xmlns:r="http://schemas.openxmlformats.org/officeDocument/2006/relationships" xmlns:p="http://schemas.openxmlformats.org/presentationml/2006/main">
-  <p:cSld>
-    <p:spTree>
-      <p:nvGrpSpPr>
-        <p:cNvPr id="1" name=""/>
-        <p:cNvGrpSpPr/>
-        <p:nvPr/>
-      </p:nvGrpSpPr>
-      <p:grpSpPr>
-        <a:xfrm>
-          <a:off x="0" y="0"/>
-          <a:ext cx="0" cy="0"/>
-          <a:chOff x="0" y="0"/>
-          <a:chExt cx="0" cy="0"/>
-        </a:xfrm>
-      </p:grpSpPr>
-      <p:sp>
-        <p:nvSpPr>
-          <p:cNvPr id="3" name="Content Placeholder 2"/>
-          <p:cNvSpPr>
-            <a:spLocks noGrp="1"/>
-          </p:cNvSpPr>
-          <p:nvPr>
-            <p:ph idx="1"/>
-          </p:nvPr>
-        </p:nvSpPr>
-        <p:spPr>
-          <a:xfrm>
-            <a:off x="871538" y="1752600"/>
-            <a:ext cx="7408862" cy="4876800"/>
-          </a:xfrm>
-          <a:extLst/>
-        </p:spPr>
-        <p:txBody>
-          <a:bodyPr rtlCol="0">
-            <a:normAutofit/>
-          </a:bodyPr>
-          <a:lstStyle/>
-          <a:p>
-            <a:pPr marL="274320" indent="-274320" eaLnBrk="1" fontAlgn="auto" hangingPunct="1">
-              <a:spcAft>
-                <a:spcPts val="0"/>
-              </a:spcAft>
-              <a:buFont typeface="Arial" pitchFamily="34" charset="0"/>
-              <a:buChar char="•"/>
-              <a:defRPr/>
-            </a:pPr>
-            <a:r>
-              <a:rPr lang="en-US" dirty="0"/>
-              <a:t>Introduction</a:t>
-            </a:r>
-          </a:p>
-          <a:p>
-            <a:pPr marL="274320" indent="-274320" eaLnBrk="1" fontAlgn="auto" hangingPunct="1">
-              <a:spcAft>
-                <a:spcPts val="0"/>
-              </a:spcAft>
-              <a:buFont typeface="Arial" pitchFamily="34" charset="0"/>
-              <a:buChar char="•"/>
-              <a:defRPr/>
-            </a:pPr>
-            <a:r>
-              <a:rPr lang="en-US" dirty="0"/>
-              <a:t>Audience / market</a:t>
-            </a:r>
-          </a:p>
-          <a:p>
-            <a:pPr marL="274320" indent="-274320" eaLnBrk="1" fontAlgn="auto" hangingPunct="1">
-              <a:spcAft>
-                <a:spcPts val="0"/>
-              </a:spcAft>
-              <a:buFont typeface="Arial" pitchFamily="34" charset="0"/>
-              <a:buChar char="•"/>
-              <a:defRPr/>
-            </a:pPr>
-            <a:r>
-              <a:rPr lang="en-US" dirty="0"/>
-              <a:t>How the program will work</a:t>
-            </a:r>
-          </a:p>
-          <a:p>
-            <a:pPr marL="274320" indent="-274320" eaLnBrk="1" fontAlgn="auto" hangingPunct="1">
-              <a:spcAft>
-                <a:spcPts val="0"/>
-              </a:spcAft>
-              <a:buFont typeface="Arial" pitchFamily="34" charset="0"/>
-              <a:buChar char="•"/>
-              <a:defRPr/>
-            </a:pPr>
-            <a:r>
-              <a:rPr lang="en-US" dirty="0"/>
-              <a:t>Software development process</a:t>
-            </a:r>
-          </a:p>
-          <a:p>
-            <a:pPr marL="274320" indent="-274320" eaLnBrk="1" fontAlgn="auto" hangingPunct="1">
-              <a:spcAft>
-                <a:spcPts val="0"/>
-              </a:spcAft>
-              <a:buFont typeface="Arial" pitchFamily="34" charset="0"/>
-              <a:buChar char="•"/>
-              <a:defRPr/>
-            </a:pPr>
-            <a:r>
-              <a:rPr lang="en-US" dirty="0" smtClean="0"/>
-              <a:t>The </a:t>
-            </a:r>
-            <a:r>
-              <a:rPr lang="en-US" dirty="0"/>
-              <a:t>final product</a:t>
-            </a:r>
-          </a:p>
-          <a:p>
-            <a:pPr marL="274320" indent="-274320" eaLnBrk="1" fontAlgn="auto" hangingPunct="1">
-              <a:spcAft>
-                <a:spcPts val="0"/>
-              </a:spcAft>
-              <a:buFont typeface="Arial" pitchFamily="34" charset="0"/>
-              <a:buChar char="•"/>
-              <a:defRPr/>
-            </a:pPr>
-            <a:r>
-              <a:rPr lang="en-US" dirty="0"/>
-              <a:t>Technical specifications</a:t>
-            </a:r>
-          </a:p>
-          <a:p>
-            <a:pPr marL="274320" indent="-274320" eaLnBrk="1" fontAlgn="auto" hangingPunct="1">
-              <a:spcAft>
-                <a:spcPts val="0"/>
-              </a:spcAft>
-              <a:buFont typeface="Arial" pitchFamily="34" charset="0"/>
-              <a:buChar char="•"/>
-              <a:defRPr/>
-            </a:pPr>
-            <a:r>
-              <a:rPr lang="en-US" dirty="0"/>
-              <a:t>Availability</a:t>
-            </a:r>
-          </a:p>
-          <a:p>
-            <a:pPr marL="274320" indent="-274320" eaLnBrk="1" fontAlgn="auto" hangingPunct="1">
-              <a:spcAft>
-                <a:spcPts val="0"/>
-              </a:spcAft>
-              <a:buFont typeface="Arial" pitchFamily="34" charset="0"/>
-              <a:buChar char="•"/>
-              <a:defRPr/>
-            </a:pPr>
-            <a:r>
-              <a:rPr lang="en-US" dirty="0"/>
-              <a:t>Training</a:t>
-            </a:r>
-          </a:p>
-          <a:p>
-            <a:pPr marL="274320" indent="-274320" eaLnBrk="1" fontAlgn="auto" hangingPunct="1">
-              <a:spcAft>
-                <a:spcPts val="0"/>
-              </a:spcAft>
-              <a:buFont typeface="Arial" pitchFamily="34" charset="0"/>
-              <a:buChar char="•"/>
-              <a:defRPr/>
-            </a:pPr>
-            <a:r>
-              <a:rPr lang="en-US" dirty="0"/>
-              <a:t>More information &amp; updates</a:t>
-            </a:r>
-          </a:p>
-          <a:p>
-            <a:pPr marL="274320" indent="-274320" eaLnBrk="1" fontAlgn="auto" hangingPunct="1">
-              <a:spcAft>
-                <a:spcPts val="0"/>
-              </a:spcAft>
-              <a:buFont typeface="Arial" pitchFamily="34" charset="0"/>
-              <a:buChar char="•"/>
-              <a:defRPr/>
-            </a:pPr>
-            <a:r>
-              <a:rPr lang="en-US" dirty="0"/>
-              <a:t>Project partners</a:t>
-            </a:r>
-          </a:p>
-          <a:p>
-            <a:pPr marL="274320" indent="-274320" eaLnBrk="1" fontAlgn="auto" hangingPunct="1">
-              <a:spcAft>
-                <a:spcPts val="0"/>
-              </a:spcAft>
-              <a:buFont typeface="Arial" pitchFamily="34" charset="0"/>
-              <a:buChar char="•"/>
-              <a:defRPr/>
-            </a:pPr>
-            <a:r>
-              <a:rPr lang="en-US" dirty="0"/>
-              <a:t>Acknowledgements</a:t>
-            </a:r>
-          </a:p>
-          <a:p>
-            <a:pPr marL="274320" indent="-274320" eaLnBrk="1" fontAlgn="auto" hangingPunct="1">
-              <a:spcAft>
-                <a:spcPts val="0"/>
-              </a:spcAft>
-              <a:buFont typeface="Arial" pitchFamily="34" charset="0"/>
-              <a:buChar char="•"/>
-              <a:defRPr/>
-            </a:pPr>
-            <a:endParaRPr lang="fr-BE" dirty="0"/>
-          </a:p>
-        </p:txBody>
-      </p:sp>
-      <p:sp>
-        <p:nvSpPr>
-          <p:cNvPr id="14339" name="Title 1"/>
-          <p:cNvSpPr>
-            <a:spLocks noGrp="1"/>
-          </p:cNvSpPr>
-          <p:nvPr>
-            <p:ph type="title"/>
-          </p:nvPr>
-        </p:nvSpPr>
-        <p:spPr/>
-        <p:txBody>
-          <a:bodyPr/>
-          <a:lstStyle/>
-          <a:p>
-            <a:pPr eaLnBrk="1" hangingPunct="1"/>
-            <a:r>
-              <a:rPr lang="fr-BE" altLang="en-US" b="1" smtClean="0"/>
-              <a:t>Contents</a:t>
-            </a:r>
-          </a:p>
-        </p:txBody>
-      </p:sp>
-    </p:spTree>
-  </p:cSld>
-  <p:clrMapOvr>
-    <a:masterClrMapping/>
-  </p:clrMapOvr>
-  <p:timing>
-    <p:tnLst>
-      <p:par>
-        <p:cTn id="1" dur="indefinite" restart="never" nodeType="tmRoot"/>
-      </p:par>
-    </p:tnLst>
-  </p:timing>
-</p:sld>
-</file>
-
-<file path=ppt/slides/slide20.xml><?xml version="1.0" encoding="utf-8"?>
+<file path=ppt/slides/slide15.xml><?xml version="1.0" encoding="utf-8"?>
 <p:sld xmlns:a="http://schemas.openxmlformats.org/drawingml/2006/main" xmlns:r="http://schemas.openxmlformats.org/officeDocument/2006/relationships" xmlns:p="http://schemas.openxmlformats.org/presentationml/2006/main">
   <p:cSld>
     <p:spTree>
@@ -28029,7 +22978,7 @@
 </p:sld>
 </file>
 
-<file path=ppt/slides/slide21.xml><?xml version="1.0" encoding="utf-8"?>
+<file path=ppt/slides/slide16.xml><?xml version="1.0" encoding="utf-8"?>
 <p:sld xmlns:a="http://schemas.openxmlformats.org/drawingml/2006/main" xmlns:r="http://schemas.openxmlformats.org/officeDocument/2006/relationships" xmlns:p="http://schemas.openxmlformats.org/presentationml/2006/main">
   <p:cSld>
     <p:spTree>
@@ -28076,9 +23025,9 @@
       </p:sp>
       <p:pic>
         <p:nvPicPr>
-          <p:cNvPr id="69634" name="Picture 2"/>
+          <p:cNvPr id="5" name="Picture 4"/>
           <p:cNvPicPr>
-            <a:picLocks noChangeAspect="1" noChangeArrowheads="1"/>
+            <a:picLocks noChangeAspect="1"/>
           </p:cNvPicPr>
           <p:nvPr/>
         </p:nvPicPr>
@@ -28090,42 +23039,18 @@
               </a:ext>
             </a:extLst>
           </a:blip>
-          <a:srcRect/>
           <a:stretch>
             <a:fillRect/>
           </a:stretch>
         </p:blipFill>
-        <p:spPr bwMode="auto">
+        <p:spPr>
           <a:xfrm>
-            <a:off x="13648" y="1738313"/>
-            <a:ext cx="9109256" cy="4281487"/>
+            <a:off x="330625" y="1828800"/>
+            <a:ext cx="8482750" cy="4191000"/>
           </a:xfrm>
           <a:prstGeom prst="rect">
             <a:avLst/>
           </a:prstGeom>
-          <a:noFill/>
-          <a:ln>
-            <a:noFill/>
-          </a:ln>
-          <a:extLst>
-            <a:ext uri="{909E8E84-426E-40DD-AFC4-6F175D3DCCD1}">
-              <a14:hiddenFill xmlns:a14="http://schemas.microsoft.com/office/drawing/2010/main">
-                <a:solidFill>
-                  <a:schemeClr val="accent1"/>
-                </a:solidFill>
-              </a14:hiddenFill>
-            </a:ext>
-            <a:ext uri="{91240B29-F687-4F45-9708-019B960494DF}">
-              <a14:hiddenLine xmlns:a14="http://schemas.microsoft.com/office/drawing/2010/main" w="9525">
-                <a:solidFill>
-                  <a:schemeClr val="tx1"/>
-                </a:solidFill>
-                <a:miter lim="800000"/>
-                <a:headEnd/>
-                <a:tailEnd/>
-              </a14:hiddenLine>
-            </a:ext>
-          </a:extLst>
         </p:spPr>
       </p:pic>
     </p:spTree>
@@ -28148,7 +23073,7 @@
 </p:sld>
 </file>
 
-<file path=ppt/slides/slide22.xml><?xml version="1.0" encoding="utf-8"?>
+<file path=ppt/slides/slide17.xml><?xml version="1.0" encoding="utf-8"?>
 <p:sld xmlns:a="http://schemas.openxmlformats.org/drawingml/2006/main" xmlns:r="http://schemas.openxmlformats.org/officeDocument/2006/relationships" xmlns:p="http://schemas.openxmlformats.org/presentationml/2006/main">
   <p:cSld>
     <p:spTree>
@@ -28267,7 +23192,103 @@
 </p:sld>
 </file>
 
-<file path=ppt/slides/slide23.xml><?xml version="1.0" encoding="utf-8"?>
+<file path=ppt/slides/slide18.xml><?xml version="1.0" encoding="utf-8"?>
+<p:sld xmlns:a="http://schemas.openxmlformats.org/drawingml/2006/main" xmlns:r="http://schemas.openxmlformats.org/officeDocument/2006/relationships" xmlns:p="http://schemas.openxmlformats.org/presentationml/2006/main">
+  <p:cSld>
+    <p:spTree>
+      <p:nvGrpSpPr>
+        <p:cNvPr id="1" name=""/>
+        <p:cNvGrpSpPr/>
+        <p:nvPr/>
+      </p:nvGrpSpPr>
+      <p:grpSpPr>
+        <a:xfrm>
+          <a:off x="0" y="0"/>
+          <a:ext cx="0" cy="0"/>
+          <a:chOff x="0" y="0"/>
+          <a:chExt cx="0" cy="0"/>
+        </a:xfrm>
+      </p:grpSpPr>
+      <p:pic>
+        <p:nvPicPr>
+          <p:cNvPr id="4" name="Content Placeholder 3"/>
+          <p:cNvPicPr>
+            <a:picLocks noGrp="1" noChangeAspect="1"/>
+          </p:cNvPicPr>
+          <p:nvPr>
+            <p:ph idx="1"/>
+          </p:nvPr>
+        </p:nvPicPr>
+        <p:blipFill>
+          <a:blip r:embed="rId2">
+            <a:extLst>
+              <a:ext uri="{28A0092B-C50C-407E-A947-70E740481C1C}">
+                <a14:useLocalDpi xmlns:a14="http://schemas.microsoft.com/office/drawing/2010/main" val="0"/>
+              </a:ext>
+            </a:extLst>
+          </a:blip>
+          <a:stretch>
+            <a:fillRect/>
+          </a:stretch>
+        </p:blipFill>
+        <p:spPr>
+          <a:xfrm>
+            <a:off x="917252" y="1828800"/>
+            <a:ext cx="7317433" cy="4495800"/>
+          </a:xfrm>
+        </p:spPr>
+      </p:pic>
+      <p:sp>
+        <p:nvSpPr>
+          <p:cNvPr id="3" name="Title 2"/>
+          <p:cNvSpPr>
+            <a:spLocks noGrp="1"/>
+          </p:cNvSpPr>
+          <p:nvPr>
+            <p:ph type="title"/>
+          </p:nvPr>
+        </p:nvSpPr>
+        <p:spPr/>
+        <p:txBody>
+          <a:bodyPr/>
+          <a:lstStyle/>
+          <a:p>
+            <a:r>
+              <a:rPr lang="en-US" dirty="0"/>
+              <a:t>Admin </a:t>
+            </a:r>
+            <a:r>
+              <a:rPr lang="en-US" dirty="0" smtClean="0"/>
+              <a:t>request Reassigning </a:t>
+            </a:r>
+            <a:r>
+              <a:rPr lang="en-US" dirty="0"/>
+              <a:t>panel</a:t>
+            </a:r>
+          </a:p>
+        </p:txBody>
+      </p:sp>
+    </p:spTree>
+    <p:extLst>
+      <p:ext uri="{BB962C8B-B14F-4D97-AF65-F5344CB8AC3E}">
+        <p14:creationId xmlns:p14="http://schemas.microsoft.com/office/powerpoint/2010/main" val="3581902938"/>
+      </p:ext>
+    </p:extLst>
+  </p:cSld>
+  <p:clrMapOvr>
+    <a:masterClrMapping/>
+  </p:clrMapOvr>
+  <p:timing>
+    <p:tnLst>
+      <p:par>
+        <p:cTn id="1" dur="indefinite" restart="never" nodeType="tmRoot"/>
+      </p:par>
+    </p:tnLst>
+  </p:timing>
+</p:sld>
+</file>
+
+<file path=ppt/slides/slide19.xml><?xml version="1.0" encoding="utf-8"?>
 <p:sld xmlns:a="http://schemas.openxmlformats.org/drawingml/2006/main" xmlns:r="http://schemas.openxmlformats.org/officeDocument/2006/relationships" xmlns:p="http://schemas.openxmlformats.org/presentationml/2006/main">
   <p:cSld>
     <p:spTree>
@@ -28314,9 +23335,9 @@
       </p:sp>
       <p:pic>
         <p:nvPicPr>
-          <p:cNvPr id="71682" name="Picture 2"/>
+          <p:cNvPr id="3" name="Picture 2"/>
           <p:cNvPicPr>
-            <a:picLocks noChangeAspect="1" noChangeArrowheads="1"/>
+            <a:picLocks noChangeAspect="1"/>
           </p:cNvPicPr>
           <p:nvPr/>
         </p:nvPicPr>
@@ -28328,42 +23349,18 @@
               </a:ext>
             </a:extLst>
           </a:blip>
-          <a:srcRect/>
           <a:stretch>
             <a:fillRect/>
           </a:stretch>
         </p:blipFill>
-        <p:spPr bwMode="auto">
+        <p:spPr>
           <a:xfrm>
-            <a:off x="152400" y="1752600"/>
-            <a:ext cx="8839200" cy="4179369"/>
+            <a:off x="457200" y="1828800"/>
+            <a:ext cx="8229600" cy="3962400"/>
           </a:xfrm>
           <a:prstGeom prst="rect">
             <a:avLst/>
           </a:prstGeom>
-          <a:noFill/>
-          <a:ln>
-            <a:noFill/>
-          </a:ln>
-          <a:extLst>
-            <a:ext uri="{909E8E84-426E-40DD-AFC4-6F175D3DCCD1}">
-              <a14:hiddenFill xmlns:a14="http://schemas.microsoft.com/office/drawing/2010/main">
-                <a:solidFill>
-                  <a:schemeClr val="accent1"/>
-                </a:solidFill>
-              </a14:hiddenFill>
-            </a:ext>
-            <a:ext uri="{91240B29-F687-4F45-9708-019B960494DF}">
-              <a14:hiddenLine xmlns:a14="http://schemas.microsoft.com/office/drawing/2010/main" w="9525">
-                <a:solidFill>
-                  <a:schemeClr val="tx1"/>
-                </a:solidFill>
-                <a:miter lim="800000"/>
-                <a:headEnd/>
-                <a:tailEnd/>
-              </a14:hiddenLine>
-            </a:ext>
-          </a:extLst>
         </p:spPr>
       </p:pic>
     </p:spTree>
@@ -28386,7 +23383,172 @@
 </p:sld>
 </file>
 
-<file path=ppt/slides/slide24.xml><?xml version="1.0" encoding="utf-8"?>
+<file path=ppt/slides/slide2.xml><?xml version="1.0" encoding="utf-8"?>
+<p:sld xmlns:a="http://schemas.openxmlformats.org/drawingml/2006/main" xmlns:r="http://schemas.openxmlformats.org/officeDocument/2006/relationships" xmlns:p="http://schemas.openxmlformats.org/presentationml/2006/main">
+  <p:cSld>
+    <p:spTree>
+      <p:nvGrpSpPr>
+        <p:cNvPr id="1" name=""/>
+        <p:cNvGrpSpPr/>
+        <p:nvPr/>
+      </p:nvGrpSpPr>
+      <p:grpSpPr>
+        <a:xfrm>
+          <a:off x="0" y="0"/>
+          <a:ext cx="0" cy="0"/>
+          <a:chOff x="0" y="0"/>
+          <a:chExt cx="0" cy="0"/>
+        </a:xfrm>
+      </p:grpSpPr>
+      <p:sp>
+        <p:nvSpPr>
+          <p:cNvPr id="3" name="Content Placeholder 2"/>
+          <p:cNvSpPr>
+            <a:spLocks noGrp="1"/>
+          </p:cNvSpPr>
+          <p:nvPr>
+            <p:ph idx="1"/>
+          </p:nvPr>
+        </p:nvSpPr>
+        <p:spPr>
+          <a:xfrm>
+            <a:off x="871538" y="1752600"/>
+            <a:ext cx="7408862" cy="4876800"/>
+          </a:xfrm>
+          <a:extLst/>
+        </p:spPr>
+        <p:txBody>
+          <a:bodyPr rtlCol="0">
+            <a:normAutofit/>
+          </a:bodyPr>
+          <a:lstStyle/>
+          <a:p>
+            <a:pPr marL="274320" indent="-274320" eaLnBrk="1" fontAlgn="auto" hangingPunct="1">
+              <a:spcAft>
+                <a:spcPts val="0"/>
+              </a:spcAft>
+              <a:buFont typeface="Arial" pitchFamily="34" charset="0"/>
+              <a:buChar char="•"/>
+              <a:defRPr/>
+            </a:pPr>
+            <a:r>
+              <a:rPr lang="en-US" dirty="0"/>
+              <a:t>Introduction</a:t>
+            </a:r>
+          </a:p>
+          <a:p>
+            <a:pPr marL="274320" indent="-274320" eaLnBrk="1" fontAlgn="auto" hangingPunct="1">
+              <a:spcAft>
+                <a:spcPts val="0"/>
+              </a:spcAft>
+              <a:buFont typeface="Arial" pitchFamily="34" charset="0"/>
+              <a:buChar char="•"/>
+              <a:defRPr/>
+            </a:pPr>
+            <a:r>
+              <a:rPr lang="en-US" dirty="0"/>
+              <a:t>Audience / market</a:t>
+            </a:r>
+          </a:p>
+          <a:p>
+            <a:pPr marL="274320" indent="-274320" eaLnBrk="1" fontAlgn="auto" hangingPunct="1">
+              <a:spcAft>
+                <a:spcPts val="0"/>
+              </a:spcAft>
+              <a:buFont typeface="Arial" pitchFamily="34" charset="0"/>
+              <a:buChar char="•"/>
+              <a:defRPr/>
+            </a:pPr>
+            <a:r>
+              <a:rPr lang="en-US" dirty="0"/>
+              <a:t>How the program will </a:t>
+            </a:r>
+            <a:r>
+              <a:rPr lang="en-US" dirty="0" smtClean="0"/>
+              <a:t>work</a:t>
+            </a:r>
+            <a:endParaRPr lang="en-US" dirty="0"/>
+          </a:p>
+          <a:p>
+            <a:pPr marL="274320" indent="-274320" eaLnBrk="1" fontAlgn="auto" hangingPunct="1">
+              <a:spcAft>
+                <a:spcPts val="0"/>
+              </a:spcAft>
+              <a:buFont typeface="Arial" pitchFamily="34" charset="0"/>
+              <a:buChar char="•"/>
+              <a:defRPr/>
+            </a:pPr>
+            <a:r>
+              <a:rPr lang="en-US" dirty="0"/>
+              <a:t>Project partners</a:t>
+            </a:r>
+          </a:p>
+          <a:p>
+            <a:pPr marL="274320" indent="-274320" eaLnBrk="1" fontAlgn="auto" hangingPunct="1">
+              <a:spcAft>
+                <a:spcPts val="0"/>
+              </a:spcAft>
+              <a:buFont typeface="Arial" pitchFamily="34" charset="0"/>
+              <a:buChar char="•"/>
+              <a:defRPr/>
+            </a:pPr>
+            <a:r>
+              <a:rPr lang="en-US" dirty="0" smtClean="0"/>
+              <a:t>Website Overview</a:t>
+            </a:r>
+          </a:p>
+          <a:p>
+            <a:pPr marL="274320" indent="-274320" eaLnBrk="1" fontAlgn="auto" hangingPunct="1">
+              <a:spcAft>
+                <a:spcPts val="0"/>
+              </a:spcAft>
+              <a:buFont typeface="Arial" pitchFamily="34" charset="0"/>
+              <a:buChar char="•"/>
+              <a:defRPr/>
+            </a:pPr>
+            <a:endParaRPr lang="fr-BE" dirty="0"/>
+          </a:p>
+        </p:txBody>
+      </p:sp>
+      <p:sp>
+        <p:nvSpPr>
+          <p:cNvPr id="14339" name="Title 1"/>
+          <p:cNvSpPr>
+            <a:spLocks noGrp="1"/>
+          </p:cNvSpPr>
+          <p:nvPr>
+            <p:ph type="title"/>
+          </p:nvPr>
+        </p:nvSpPr>
+        <p:spPr/>
+        <p:txBody>
+          <a:bodyPr/>
+          <a:lstStyle/>
+          <a:p>
+            <a:pPr eaLnBrk="1" hangingPunct="1"/>
+            <a:r>
+              <a:rPr lang="fr-BE" altLang="en-US" b="1" smtClean="0"/>
+              <a:t>Contents</a:t>
+            </a:r>
+          </a:p>
+        </p:txBody>
+      </p:sp>
+    </p:spTree>
+  </p:cSld>
+  <p:clrMapOvr>
+    <a:masterClrMapping/>
+  </p:clrMapOvr>
+  <p:timing>
+    <p:tnLst>
+      <p:par>
+        <p:cTn id="1" dur="indefinite" restart="never" nodeType="tmRoot"/>
+      </p:par>
+    </p:tnLst>
+  </p:timing>
+</p:sld>
+</file>
+
+<file path=ppt/slides/slide20.xml><?xml version="1.0" encoding="utf-8"?>
 <p:sld xmlns:a="http://schemas.openxmlformats.org/drawingml/2006/main" xmlns:r="http://schemas.openxmlformats.org/officeDocument/2006/relationships" xmlns:p="http://schemas.openxmlformats.org/presentationml/2006/main">
   <p:cSld>
     <p:spTree>
@@ -28425,142 +23587,7 @@
           <a:p>
             <a:r>
               <a:rPr lang="en-US" sz="3600" dirty="0" smtClean="0"/>
-              <a:t>Employee’s </a:t>
-            </a:r>
-            <a:r>
-              <a:rPr lang="en-US" sz="3600" dirty="0"/>
-              <a:t>Assigned Requisitions </a:t>
-            </a:r>
-            <a:r>
-              <a:rPr lang="en-US" sz="3600" dirty="0" smtClean="0"/>
-              <a:t>List</a:t>
-            </a:r>
-            <a:endParaRPr lang="en-US" sz="3600" dirty="0"/>
-          </a:p>
-        </p:txBody>
-      </p:sp>
-      <p:pic>
-        <p:nvPicPr>
-          <p:cNvPr id="72706" name="Picture 2"/>
-          <p:cNvPicPr>
-            <a:picLocks noChangeAspect="1" noChangeArrowheads="1"/>
-          </p:cNvPicPr>
-          <p:nvPr/>
-        </p:nvPicPr>
-        <p:blipFill>
-          <a:blip r:embed="rId2">
-            <a:extLst>
-              <a:ext uri="{28A0092B-C50C-407E-A947-70E740481C1C}">
-                <a14:useLocalDpi xmlns:a14="http://schemas.microsoft.com/office/drawing/2010/main" val="0"/>
-              </a:ext>
-            </a:extLst>
-          </a:blip>
-          <a:srcRect/>
-          <a:stretch>
-            <a:fillRect/>
-          </a:stretch>
-        </p:blipFill>
-        <p:spPr bwMode="auto">
-          <a:xfrm>
-            <a:off x="103496" y="1828800"/>
-            <a:ext cx="8915400" cy="3979378"/>
-          </a:xfrm>
-          <a:prstGeom prst="rect">
-            <a:avLst/>
-          </a:prstGeom>
-          <a:noFill/>
-          <a:ln>
-            <a:noFill/>
-          </a:ln>
-          <a:extLst>
-            <a:ext uri="{909E8E84-426E-40DD-AFC4-6F175D3DCCD1}">
-              <a14:hiddenFill xmlns:a14="http://schemas.microsoft.com/office/drawing/2010/main">
-                <a:solidFill>
-                  <a:schemeClr val="accent1"/>
-                </a:solidFill>
-              </a14:hiddenFill>
-            </a:ext>
-            <a:ext uri="{91240B29-F687-4F45-9708-019B960494DF}">
-              <a14:hiddenLine xmlns:a14="http://schemas.microsoft.com/office/drawing/2010/main" w="9525">
-                <a:solidFill>
-                  <a:schemeClr val="tx1"/>
-                </a:solidFill>
-                <a:miter lim="800000"/>
-                <a:headEnd/>
-                <a:tailEnd/>
-              </a14:hiddenLine>
-            </a:ext>
-          </a:extLst>
-        </p:spPr>
-      </p:pic>
-    </p:spTree>
-    <p:extLst>
-      <p:ext uri="{BB962C8B-B14F-4D97-AF65-F5344CB8AC3E}">
-        <p14:creationId xmlns:p14="http://schemas.microsoft.com/office/powerpoint/2010/main" val="1016461718"/>
-      </p:ext>
-    </p:extLst>
-  </p:cSld>
-  <p:clrMapOvr>
-    <a:masterClrMapping/>
-  </p:clrMapOvr>
-  <p:timing>
-    <p:tnLst>
-      <p:par>
-        <p:cTn id="1" dur="indefinite" restart="never" nodeType="tmRoot"/>
-      </p:par>
-    </p:tnLst>
-  </p:timing>
-</p:sld>
-</file>
-
-<file path=ppt/slides/slide25.xml><?xml version="1.0" encoding="utf-8"?>
-<p:sld xmlns:a="http://schemas.openxmlformats.org/drawingml/2006/main" xmlns:r="http://schemas.openxmlformats.org/officeDocument/2006/relationships" xmlns:p="http://schemas.openxmlformats.org/presentationml/2006/main">
-  <p:cSld>
-    <p:spTree>
-      <p:nvGrpSpPr>
-        <p:cNvPr id="1" name=""/>
-        <p:cNvGrpSpPr/>
-        <p:nvPr/>
-      </p:nvGrpSpPr>
-      <p:grpSpPr>
-        <a:xfrm>
-          <a:off x="0" y="0"/>
-          <a:ext cx="0" cy="0"/>
-          <a:chOff x="0" y="0"/>
-          <a:chExt cx="0" cy="0"/>
-        </a:xfrm>
-      </p:grpSpPr>
-      <p:sp>
-        <p:nvSpPr>
-          <p:cNvPr id="2" name="Title 1"/>
-          <p:cNvSpPr>
-            <a:spLocks noGrp="1"/>
-          </p:cNvSpPr>
-          <p:nvPr>
-            <p:ph type="title"/>
-          </p:nvPr>
-        </p:nvSpPr>
-        <p:spPr>
-          <a:xfrm>
-            <a:off x="457200" y="228601"/>
-            <a:ext cx="8229600" cy="990600"/>
-          </a:xfrm>
-        </p:spPr>
-        <p:txBody>
-          <a:bodyPr/>
-          <a:lstStyle/>
-          <a:p>
-            <a:r>
-              <a:rPr lang="en-US" sz="3600" dirty="0" smtClean="0"/>
-              <a:t>Employee’s </a:t>
-            </a:r>
-            <a:r>
-              <a:rPr lang="en-US" sz="3600" dirty="0"/>
-              <a:t>Assigned Requisitions </a:t>
-            </a:r>
-            <a:r>
-              <a:rPr lang="en-US" sz="3600" dirty="0" smtClean="0"/>
-              <a:t>List</a:t>
+              <a:t>Assigned Requisition Details</a:t>
             </a:r>
             <a:endParaRPr lang="en-US" sz="3600" dirty="0"/>
           </a:p>
@@ -28640,130 +23667,7 @@
 </p:sld>
 </file>
 
-<file path=ppt/slides/slide26.xml><?xml version="1.0" encoding="utf-8"?>
-<p:sld xmlns:a="http://schemas.openxmlformats.org/drawingml/2006/main" xmlns:r="http://schemas.openxmlformats.org/officeDocument/2006/relationships" xmlns:p="http://schemas.openxmlformats.org/presentationml/2006/main">
-  <p:cSld>
-    <p:spTree>
-      <p:nvGrpSpPr>
-        <p:cNvPr id="1" name=""/>
-        <p:cNvGrpSpPr/>
-        <p:nvPr/>
-      </p:nvGrpSpPr>
-      <p:grpSpPr>
-        <a:xfrm>
-          <a:off x="0" y="0"/>
-          <a:ext cx="0" cy="0"/>
-          <a:chOff x="0" y="0"/>
-          <a:chExt cx="0" cy="0"/>
-        </a:xfrm>
-      </p:grpSpPr>
-      <p:sp>
-        <p:nvSpPr>
-          <p:cNvPr id="2" name="Title 1"/>
-          <p:cNvSpPr>
-            <a:spLocks noGrp="1"/>
-          </p:cNvSpPr>
-          <p:nvPr>
-            <p:ph type="title"/>
-          </p:nvPr>
-        </p:nvSpPr>
-        <p:spPr>
-          <a:xfrm>
-            <a:off x="457200" y="228601"/>
-            <a:ext cx="8229600" cy="990600"/>
-          </a:xfrm>
-        </p:spPr>
-        <p:txBody>
-          <a:bodyPr/>
-          <a:lstStyle/>
-          <a:p>
-            <a:r>
-              <a:rPr lang="en-US" sz="3600" dirty="0" smtClean="0"/>
-              <a:t>Employee’s </a:t>
-            </a:r>
-            <a:r>
-              <a:rPr lang="en-US" sz="3600" dirty="0" smtClean="0"/>
-              <a:t>feedback</a:t>
-            </a:r>
-            <a:endParaRPr lang="en-US" sz="3600" dirty="0"/>
-          </a:p>
-        </p:txBody>
-      </p:sp>
-      <p:pic>
-        <p:nvPicPr>
-          <p:cNvPr id="74754" name="Picture 2"/>
-          <p:cNvPicPr>
-            <a:picLocks noChangeAspect="1" noChangeArrowheads="1"/>
-          </p:cNvPicPr>
-          <p:nvPr/>
-        </p:nvPicPr>
-        <p:blipFill>
-          <a:blip r:embed="rId2">
-            <a:extLst>
-              <a:ext uri="{28A0092B-C50C-407E-A947-70E740481C1C}">
-                <a14:useLocalDpi xmlns:a14="http://schemas.microsoft.com/office/drawing/2010/main" val="0"/>
-              </a:ext>
-            </a:extLst>
-          </a:blip>
-          <a:srcRect/>
-          <a:stretch>
-            <a:fillRect/>
-          </a:stretch>
-        </p:blipFill>
-        <p:spPr bwMode="auto">
-          <a:xfrm>
-            <a:off x="609600" y="1684014"/>
-            <a:ext cx="8229600" cy="4488186"/>
-          </a:xfrm>
-          <a:prstGeom prst="rect">
-            <a:avLst/>
-          </a:prstGeom>
-          <a:noFill/>
-          <a:ln>
-            <a:noFill/>
-          </a:ln>
-          <a:extLst>
-            <a:ext uri="{909E8E84-426E-40DD-AFC4-6F175D3DCCD1}">
-              <a14:hiddenFill xmlns:a14="http://schemas.microsoft.com/office/drawing/2010/main">
-                <a:solidFill>
-                  <a:schemeClr val="accent1"/>
-                </a:solidFill>
-              </a14:hiddenFill>
-            </a:ext>
-            <a:ext uri="{91240B29-F687-4F45-9708-019B960494DF}">
-              <a14:hiddenLine xmlns:a14="http://schemas.microsoft.com/office/drawing/2010/main" w="9525">
-                <a:solidFill>
-                  <a:schemeClr val="tx1"/>
-                </a:solidFill>
-                <a:miter lim="800000"/>
-                <a:headEnd/>
-                <a:tailEnd/>
-              </a14:hiddenLine>
-            </a:ext>
-          </a:extLst>
-        </p:spPr>
-      </p:pic>
-    </p:spTree>
-    <p:extLst>
-      <p:ext uri="{BB962C8B-B14F-4D97-AF65-F5344CB8AC3E}">
-        <p14:creationId xmlns:p14="http://schemas.microsoft.com/office/powerpoint/2010/main" val="447561070"/>
-      </p:ext>
-    </p:extLst>
-  </p:cSld>
-  <p:clrMapOvr>
-    <a:masterClrMapping/>
-  </p:clrMapOvr>
-  <p:timing>
-    <p:tnLst>
-      <p:par>
-        <p:cTn id="1" dur="indefinite" restart="never" nodeType="tmRoot"/>
-      </p:par>
-    </p:tnLst>
-  </p:timing>
-</p:sld>
-</file>
-
-<file path=ppt/slides/slide27.xml><?xml version="1.0" encoding="utf-8"?>
+<file path=ppt/slides/slide21.xml><?xml version="1.0" encoding="utf-8"?>
 <p:sld xmlns:a="http://schemas.openxmlformats.org/drawingml/2006/main" xmlns:r="http://schemas.openxmlformats.org/officeDocument/2006/relationships" xmlns:p="http://schemas.openxmlformats.org/presentationml/2006/main">
   <p:cSld>
     <p:spTree>
@@ -28882,260 +23786,6 @@
 </p:sld>
 </file>
 
-<file path=ppt/slides/slide28.xml><?xml version="1.0" encoding="utf-8"?>
-<p:sld xmlns:a="http://schemas.openxmlformats.org/drawingml/2006/main" xmlns:r="http://schemas.openxmlformats.org/officeDocument/2006/relationships" xmlns:p="http://schemas.openxmlformats.org/presentationml/2006/main">
-  <p:cSld>
-    <p:spTree>
-      <p:nvGrpSpPr>
-        <p:cNvPr id="1" name=""/>
-        <p:cNvGrpSpPr/>
-        <p:nvPr/>
-      </p:nvGrpSpPr>
-      <p:grpSpPr>
-        <a:xfrm>
-          <a:off x="0" y="0"/>
-          <a:ext cx="0" cy="0"/>
-          <a:chOff x="0" y="0"/>
-          <a:chExt cx="0" cy="0"/>
-        </a:xfrm>
-      </p:grpSpPr>
-      <p:sp>
-        <p:nvSpPr>
-          <p:cNvPr id="2" name="Title 1"/>
-          <p:cNvSpPr>
-            <a:spLocks noGrp="1"/>
-          </p:cNvSpPr>
-          <p:nvPr>
-            <p:ph type="title"/>
-          </p:nvPr>
-        </p:nvSpPr>
-        <p:spPr/>
-        <p:txBody>
-          <a:bodyPr/>
-          <a:lstStyle/>
-          <a:p>
-            <a:r>
-              <a:rPr lang="en-US" dirty="0" smtClean="0"/>
-              <a:t>Vehicle reporting</a:t>
-            </a:r>
-            <a:endParaRPr lang="en-US" dirty="0"/>
-          </a:p>
-        </p:txBody>
-      </p:sp>
-      <p:pic>
-        <p:nvPicPr>
-          <p:cNvPr id="12291" name="Picture 3"/>
-          <p:cNvPicPr>
-            <a:picLocks noGrp="1" noChangeAspect="1" noChangeArrowheads="1"/>
-          </p:cNvPicPr>
-          <p:nvPr>
-            <p:ph idx="1"/>
-          </p:nvPr>
-        </p:nvPicPr>
-        <p:blipFill>
-          <a:blip r:embed="rId2"/>
-          <a:srcRect/>
-          <a:stretch>
-            <a:fillRect/>
-          </a:stretch>
-        </p:blipFill>
-        <p:spPr bwMode="auto">
-          <a:xfrm>
-            <a:off x="548922" y="1600200"/>
-            <a:ext cx="8046156" cy="4525963"/>
-          </a:xfrm>
-          <a:prstGeom prst="rect">
-            <a:avLst/>
-          </a:prstGeom>
-          <a:noFill/>
-          <a:ln w="9525">
-            <a:noFill/>
-            <a:miter lim="800000"/>
-            <a:headEnd/>
-            <a:tailEnd/>
-          </a:ln>
-          <a:effectLst/>
-        </p:spPr>
-      </p:pic>
-    </p:spTree>
-    <p:extLst>
-      <p:ext uri="{BB962C8B-B14F-4D97-AF65-F5344CB8AC3E}">
-        <p14:creationId xmlns:p14="http://schemas.microsoft.com/office/powerpoint/2010/main" val="1749971892"/>
-      </p:ext>
-    </p:extLst>
-  </p:cSld>
-  <p:clrMapOvr>
-    <a:masterClrMapping/>
-  </p:clrMapOvr>
-  <p:timing>
-    <p:tnLst>
-      <p:par>
-        <p:cTn id="1" dur="indefinite" restart="never" nodeType="tmRoot"/>
-      </p:par>
-    </p:tnLst>
-  </p:timing>
-</p:sld>
-</file>
-
-<file path=ppt/slides/slide29.xml><?xml version="1.0" encoding="utf-8"?>
-<p:sld xmlns:a="http://schemas.openxmlformats.org/drawingml/2006/main" xmlns:r="http://schemas.openxmlformats.org/officeDocument/2006/relationships" xmlns:p="http://schemas.openxmlformats.org/presentationml/2006/main">
-  <p:cSld>
-    <p:spTree>
-      <p:nvGrpSpPr>
-        <p:cNvPr id="1" name=""/>
-        <p:cNvGrpSpPr/>
-        <p:nvPr/>
-      </p:nvGrpSpPr>
-      <p:grpSpPr>
-        <a:xfrm>
-          <a:off x="0" y="0"/>
-          <a:ext cx="0" cy="0"/>
-          <a:chOff x="0" y="0"/>
-          <a:chExt cx="0" cy="0"/>
-        </a:xfrm>
-      </p:grpSpPr>
-      <p:sp>
-        <p:nvSpPr>
-          <p:cNvPr id="2" name="Title 1"/>
-          <p:cNvSpPr>
-            <a:spLocks noGrp="1"/>
-          </p:cNvSpPr>
-          <p:nvPr>
-            <p:ph type="title"/>
-          </p:nvPr>
-        </p:nvSpPr>
-        <p:spPr/>
-        <p:txBody>
-          <a:bodyPr/>
-          <a:lstStyle/>
-          <a:p>
-            <a:r>
-              <a:rPr lang="en-US" dirty="0" smtClean="0"/>
-              <a:t>System architecture</a:t>
-            </a:r>
-            <a:endParaRPr lang="en-US" dirty="0"/>
-          </a:p>
-        </p:txBody>
-      </p:sp>
-      <p:sp>
-        <p:nvSpPr>
-          <p:cNvPr id="3" name="Content Placeholder 2"/>
-          <p:cNvSpPr>
-            <a:spLocks noGrp="1"/>
-          </p:cNvSpPr>
-          <p:nvPr>
-            <p:ph idx="1"/>
-          </p:nvPr>
-        </p:nvSpPr>
-        <p:spPr/>
-        <p:txBody>
-          <a:bodyPr/>
-          <a:lstStyle/>
-          <a:p>
-            <a:r>
-              <a:rPr lang="en-US" dirty="0"/>
-              <a:t>A </a:t>
-            </a:r>
-            <a:r>
-              <a:rPr lang="en-US" b="1" dirty="0"/>
-              <a:t>system</a:t>
-            </a:r>
-            <a:r>
-              <a:rPr lang="en-US" dirty="0"/>
-              <a:t> is a set of </a:t>
-            </a:r>
-            <a:r>
-              <a:rPr lang="en-US" dirty="0" smtClean="0"/>
-              <a:t>interacting components </a:t>
-            </a:r>
-            <a:r>
-              <a:rPr lang="en-US" dirty="0"/>
-              <a:t>forming an integrated </a:t>
-            </a:r>
-            <a:r>
-              <a:rPr lang="en-US" dirty="0" smtClean="0"/>
-              <a:t>whole</a:t>
-            </a:r>
-            <a:endParaRPr lang="en-US" b="1" dirty="0" smtClean="0"/>
-          </a:p>
-          <a:p>
-            <a:r>
-              <a:rPr lang="en-US" b="1" dirty="0" smtClean="0"/>
-              <a:t>Architecture</a:t>
-            </a:r>
-            <a:r>
-              <a:rPr lang="en-US" dirty="0" smtClean="0"/>
-              <a:t> is a </a:t>
-            </a:r>
-            <a:r>
-              <a:rPr lang="en-US" b="1" dirty="0" smtClean="0"/>
-              <a:t>description</a:t>
-            </a:r>
-            <a:r>
-              <a:rPr lang="en-US" dirty="0" smtClean="0"/>
-              <a:t> of the individual components and their interactions</a:t>
-            </a:r>
-          </a:p>
-          <a:p>
-            <a:pPr lvl="1"/>
-            <a:r>
-              <a:rPr lang="en-US" dirty="0" smtClean="0"/>
-              <a:t>Collection of models describing the system from different views</a:t>
-            </a:r>
-          </a:p>
-        </p:txBody>
-      </p:sp>
-      <p:sp>
-        <p:nvSpPr>
-          <p:cNvPr id="4" name="Slide Number Placeholder 3"/>
-          <p:cNvSpPr>
-            <a:spLocks noGrp="1"/>
-          </p:cNvSpPr>
-          <p:nvPr>
-            <p:ph type="sldNum" sz="quarter" idx="4294967295"/>
-          </p:nvPr>
-        </p:nvSpPr>
-        <p:spPr>
-          <a:xfrm>
-            <a:off x="4037946" y="6426739"/>
-            <a:ext cx="992565" cy="276999"/>
-          </a:xfrm>
-          <a:prstGeom prst="rect">
-            <a:avLst/>
-          </a:prstGeom>
-        </p:spPr>
-        <p:txBody>
-          <a:bodyPr/>
-          <a:lstStyle/>
-          <a:p>
-            <a:fld id="{025A855F-C6D8-5944-9B1B-50E202AEB8AD}" type="slidenum">
-              <a:rPr lang="en-US" smtClean="0"/>
-              <a:t>29</a:t>
-            </a:fld>
-            <a:endParaRPr lang="en-US"/>
-          </a:p>
-        </p:txBody>
-      </p:sp>
-    </p:spTree>
-    <p:extLst>
-      <p:ext uri="{BB962C8B-B14F-4D97-AF65-F5344CB8AC3E}">
-        <p14:creationId xmlns:p14="http://schemas.microsoft.com/office/powerpoint/2010/main" val="951706885"/>
-      </p:ext>
-    </p:extLst>
-  </p:cSld>
-  <p:clrMapOvr>
-    <a:masterClrMapping/>
-  </p:clrMapOvr>
-  <p:timing>
-    <p:tnLst>
-      <p:par>
-        <p:cTn id="1" dur="indefinite" restart="never" nodeType="tmRoot"/>
-      </p:par>
-    </p:tnLst>
-  </p:timing>
-</p:sld>
-</file>
-
 <file path=ppt/slides/slide3.xml><?xml version="1.0" encoding="utf-8"?>
 <p:sld xmlns:a="http://schemas.openxmlformats.org/drawingml/2006/main" xmlns:r="http://schemas.openxmlformats.org/officeDocument/2006/relationships" xmlns:p="http://schemas.openxmlformats.org/presentationml/2006/main">
   <p:cSld>
@@ -29172,7 +23822,7 @@
         </p:spPr>
         <p:txBody>
           <a:bodyPr rtlCol="0">
-            <a:normAutofit lnSpcReduction="10000"/>
+            <a:normAutofit fontScale="92500" lnSpcReduction="20000"/>
           </a:bodyPr>
           <a:lstStyle/>
           <a:p>
@@ -29183,8 +23833,13 @@
             </a:pPr>
             <a:r>
               <a:rPr lang="en-US" dirty="0"/>
-              <a:t>A tool for simplifying documents and text</a:t>
+              <a:t>A tool for simplifying </a:t>
             </a:r>
+            <a:r>
+              <a:rPr lang="en-US" dirty="0" smtClean="0"/>
+              <a:t>Vehicle Requisition Process and to reduce time consumption . </a:t>
+            </a:r>
+            <a:endParaRPr lang="en-US" dirty="0"/>
           </a:p>
           <a:p>
             <a:pPr>
@@ -29194,11 +23849,23 @@
             </a:pPr>
             <a:r>
               <a:rPr lang="en-US" dirty="0"/>
-              <a:t>Primarily for people </a:t>
+              <a:t>Primarily for </a:t>
             </a:r>
             <a:r>
               <a:rPr lang="en-US" dirty="0" smtClean="0"/>
-              <a:t>who wants to request for a vehicle requisition</a:t>
+              <a:t>employees</a:t>
+            </a:r>
+            <a:r>
+              <a:rPr lang="en-US" dirty="0" smtClean="0"/>
+              <a:t> </a:t>
+            </a:r>
+            <a:r>
+              <a:rPr lang="en-US" dirty="0" smtClean="0"/>
+              <a:t>who wants to request for a vehicle </a:t>
+            </a:r>
+            <a:r>
+              <a:rPr lang="en-US" dirty="0" smtClean="0"/>
+              <a:t>for requisition .</a:t>
             </a:r>
             <a:endParaRPr lang="en-US" dirty="0"/>
           </a:p>
@@ -29210,8 +23877,13 @@
             </a:pPr>
             <a:r>
               <a:rPr lang="en-US" dirty="0" smtClean="0"/>
-              <a:t>Using MVC platform and computerized automated technologies</a:t>
+              <a:t>Using MVC platform and computerized automated </a:t>
             </a:r>
+            <a:r>
+              <a:rPr lang="en-US" dirty="0" smtClean="0"/>
+              <a:t>technologies .</a:t>
+            </a:r>
+            <a:endParaRPr lang="en-US" dirty="0" smtClean="0"/>
           </a:p>
           <a:p>
             <a:pPr>
@@ -29228,12 +23900,20 @@
               <a:t>t </a:t>
             </a:r>
             <a:r>
+              <a:rPr lang="en-US" dirty="0" smtClean="0"/>
+              <a:t>reduces </a:t>
+            </a:r>
+            <a:r>
               <a:rPr lang="en-US" dirty="0"/>
-              <a:t>removes the need for </a:t>
+              <a:t>the need for </a:t>
             </a:r>
             <a:r>
               <a:rPr lang="en-US" dirty="0" smtClean="0"/>
-              <a:t>paper works</a:t>
+              <a:t>paper </a:t>
+            </a:r>
+            <a:r>
+              <a:rPr lang="en-US" dirty="0" smtClean="0"/>
+              <a:t>works .</a:t>
             </a:r>
             <a:endParaRPr lang="en-US" dirty="0"/>
           </a:p>
@@ -29249,7 +23929,11 @@
             </a:r>
             <a:r>
               <a:rPr lang="en-US" dirty="0" smtClean="0"/>
-              <a:t>a team of BKIICT students</a:t>
+              <a:t>a team of BKIICT </a:t>
+            </a:r>
+            <a:r>
+              <a:rPr lang="en-US" dirty="0" smtClean="0"/>
+              <a:t>students .</a:t>
             </a:r>
             <a:endParaRPr lang="en-US" dirty="0"/>
           </a:p>
@@ -29302,1219 +23986,6 @@
 </p:sld>
 </file>
 
-<file path=ppt/slides/slide30.xml><?xml version="1.0" encoding="utf-8"?>
-<p:sld xmlns:a="http://schemas.openxmlformats.org/drawingml/2006/main" xmlns:r="http://schemas.openxmlformats.org/officeDocument/2006/relationships" xmlns:p="http://schemas.openxmlformats.org/presentationml/2006/main">
-  <p:cSld>
-    <p:spTree>
-      <p:nvGrpSpPr>
-        <p:cNvPr id="1" name=""/>
-        <p:cNvGrpSpPr/>
-        <p:nvPr/>
-      </p:nvGrpSpPr>
-      <p:grpSpPr>
-        <a:xfrm>
-          <a:off x="0" y="0"/>
-          <a:ext cx="0" cy="0"/>
-          <a:chOff x="0" y="0"/>
-          <a:chExt cx="0" cy="0"/>
-        </a:xfrm>
-      </p:grpSpPr>
-      <p:sp>
-        <p:nvSpPr>
-          <p:cNvPr id="2" name="Title 1"/>
-          <p:cNvSpPr>
-            <a:spLocks noGrp="1"/>
-          </p:cNvSpPr>
-          <p:nvPr>
-            <p:ph type="title"/>
-          </p:nvPr>
-        </p:nvSpPr>
-        <p:spPr/>
-        <p:txBody>
-          <a:bodyPr>
-            <a:normAutofit/>
-          </a:bodyPr>
-          <a:lstStyle/>
-          <a:p>
-            <a:r>
-              <a:rPr lang="en-US" dirty="0" smtClean="0"/>
-              <a:t>Network architecture of a car</a:t>
-            </a:r>
-            <a:endParaRPr lang="en-US" dirty="0"/>
-          </a:p>
-        </p:txBody>
-      </p:sp>
-      <p:sp>
-        <p:nvSpPr>
-          <p:cNvPr id="5" name="Content Placeholder 4"/>
-          <p:cNvSpPr>
-            <a:spLocks noGrp="1"/>
-          </p:cNvSpPr>
-          <p:nvPr>
-            <p:ph idx="1"/>
-          </p:nvPr>
-        </p:nvSpPr>
-        <p:spPr>
-          <a:xfrm>
-            <a:off x="457197" y="1600200"/>
-            <a:ext cx="5186763" cy="4264085"/>
-          </a:xfrm>
-        </p:spPr>
-        <p:txBody>
-          <a:bodyPr>
-            <a:normAutofit/>
-          </a:bodyPr>
-          <a:lstStyle/>
-          <a:p>
-            <a:r>
-              <a:rPr lang="en-US" dirty="0" smtClean="0"/>
-              <a:t>Electronic Control Unit (ECU)</a:t>
-            </a:r>
-          </a:p>
-          <a:p>
-            <a:pPr lvl="1"/>
-            <a:r>
-              <a:rPr lang="en-US" dirty="0"/>
-              <a:t>S</a:t>
-            </a:r>
-            <a:r>
-              <a:rPr lang="en-US" dirty="0" smtClean="0"/>
-              <a:t>ensors and actuators</a:t>
-            </a:r>
-          </a:p>
-          <a:p>
-            <a:pPr lvl="1"/>
-            <a:r>
-              <a:rPr lang="en-US" dirty="0"/>
-              <a:t>Microcontroller </a:t>
-            </a:r>
-            <a:endParaRPr lang="en-US" dirty="0" smtClean="0"/>
-          </a:p>
-          <a:p>
-            <a:pPr lvl="1"/>
-            <a:r>
-              <a:rPr lang="en-US" dirty="0" smtClean="0"/>
-              <a:t>Software</a:t>
-            </a:r>
-          </a:p>
-          <a:p>
-            <a:pPr lvl="1"/>
-            <a:endParaRPr lang="en-US" dirty="0" smtClean="0"/>
-          </a:p>
-          <a:p>
-            <a:r>
-              <a:rPr lang="en-US" dirty="0" smtClean="0"/>
-              <a:t>Bus</a:t>
-            </a:r>
-          </a:p>
-          <a:p>
-            <a:pPr lvl="1"/>
-            <a:r>
-              <a:rPr lang="en-US" dirty="0" smtClean="0"/>
-              <a:t>Connects individual ECUs</a:t>
-            </a:r>
-          </a:p>
-          <a:p>
-            <a:pPr lvl="1"/>
-            <a:endParaRPr lang="en-US" dirty="0" smtClean="0"/>
-          </a:p>
-          <a:p>
-            <a:r>
-              <a:rPr lang="en-US" dirty="0" smtClean="0"/>
-              <a:t>Interconnect between buses</a:t>
-            </a:r>
-          </a:p>
-        </p:txBody>
-      </p:sp>
-      <p:sp>
-        <p:nvSpPr>
-          <p:cNvPr id="3" name="Slide Number Placeholder 2"/>
-          <p:cNvSpPr>
-            <a:spLocks noGrp="1"/>
-          </p:cNvSpPr>
-          <p:nvPr>
-            <p:ph type="sldNum" sz="quarter" idx="4294967295"/>
-          </p:nvPr>
-        </p:nvSpPr>
-        <p:spPr>
-          <a:xfrm>
-            <a:off x="4037946" y="6426739"/>
-            <a:ext cx="992565" cy="276999"/>
-          </a:xfrm>
-          <a:prstGeom prst="rect">
-            <a:avLst/>
-          </a:prstGeom>
-        </p:spPr>
-        <p:txBody>
-          <a:bodyPr/>
-          <a:lstStyle/>
-          <a:p>
-            <a:fld id="{385D65D4-6F63-2147-A957-5093430513A9}" type="slidenum">
-              <a:rPr lang="en-US" smtClean="0"/>
-              <a:t>30</a:t>
-            </a:fld>
-            <a:endParaRPr lang="en-US"/>
-          </a:p>
-        </p:txBody>
-      </p:sp>
-      <p:grpSp>
-        <p:nvGrpSpPr>
-          <p:cNvPr id="6" name="Group 7"/>
-          <p:cNvGrpSpPr>
-            <a:grpSpLocks/>
-          </p:cNvGrpSpPr>
-          <p:nvPr/>
-        </p:nvGrpSpPr>
-        <p:grpSpPr bwMode="auto">
-          <a:xfrm>
-            <a:off x="4882297" y="2353426"/>
-            <a:ext cx="4105275" cy="2767013"/>
-            <a:chOff x="113" y="1071"/>
-            <a:chExt cx="2586" cy="1743"/>
-          </a:xfrm>
-        </p:grpSpPr>
-        <p:pic>
-          <p:nvPicPr>
-            <p:cNvPr id="7" name="Picture 8" descr="vw2006passat1767404m"/>
-            <p:cNvPicPr>
-              <a:picLocks noChangeAspect="1" noChangeArrowheads="1"/>
-            </p:cNvPicPr>
-            <p:nvPr/>
-          </p:nvPicPr>
-          <p:blipFill>
-            <a:blip r:embed="rId3">
-              <a:lum bright="44000" contrast="-60000"/>
-              <a:extLst>
-                <a:ext uri="{28A0092B-C50C-407E-A947-70E740481C1C}">
-                  <a14:useLocalDpi xmlns:a14="http://schemas.microsoft.com/office/drawing/2010/main" val="0"/>
-                </a:ext>
-              </a:extLst>
-            </a:blip>
-            <a:srcRect/>
-            <a:stretch>
-              <a:fillRect/>
-            </a:stretch>
-          </p:blipFill>
-          <p:spPr bwMode="auto">
-            <a:xfrm>
-              <a:off x="113" y="1071"/>
-              <a:ext cx="2586" cy="1720"/>
-            </a:xfrm>
-            <a:prstGeom prst="rect">
-              <a:avLst/>
-            </a:prstGeom>
-            <a:noFill/>
-            <a:ln>
-              <a:noFill/>
-            </a:ln>
-            <a:extLst>
-              <a:ext uri="{909E8E84-426E-40DD-AFC4-6F175D3DCCD1}">
-                <a14:hiddenFill xmlns:a14="http://schemas.microsoft.com/office/drawing/2010/main">
-                  <a:solidFill>
-                    <a:srgbClr val="FFFFFF"/>
-                  </a:solidFill>
-                </a14:hiddenFill>
-              </a:ext>
-              <a:ext uri="{91240B29-F687-4F45-9708-019B960494DF}">
-                <a14:hiddenLine xmlns:a14="http://schemas.microsoft.com/office/drawing/2010/main" w="9525">
-                  <a:solidFill>
-                    <a:srgbClr val="000000"/>
-                  </a:solidFill>
-                  <a:miter lim="800000"/>
-                  <a:headEnd/>
-                  <a:tailEnd/>
-                </a14:hiddenLine>
-              </a:ext>
-            </a:extLst>
-          </p:spPr>
-        </p:pic>
-        <p:pic>
-          <p:nvPicPr>
-            <p:cNvPr id="8" name="Picture 9" descr="vw"/>
-            <p:cNvPicPr>
-              <a:picLocks noChangeAspect="1" noChangeArrowheads="1"/>
-            </p:cNvPicPr>
-            <p:nvPr/>
-          </p:nvPicPr>
-          <p:blipFill>
-            <a:blip r:embed="rId4" cstate="print">
-              <a:extLst>
-                <a:ext uri="{28A0092B-C50C-407E-A947-70E740481C1C}">
-                  <a14:useLocalDpi xmlns:a14="http://schemas.microsoft.com/office/drawing/2010/main" val="0"/>
-                </a:ext>
-              </a:extLst>
-            </a:blip>
-            <a:srcRect/>
-            <a:stretch>
-              <a:fillRect/>
-            </a:stretch>
-          </p:blipFill>
-          <p:spPr bwMode="auto">
-            <a:xfrm>
-              <a:off x="204" y="1072"/>
-              <a:ext cx="2267" cy="1742"/>
-            </a:xfrm>
-            <a:prstGeom prst="rect">
-              <a:avLst/>
-            </a:prstGeom>
-            <a:noFill/>
-            <a:ln>
-              <a:noFill/>
-            </a:ln>
-            <a:extLst>
-              <a:ext uri="{909E8E84-426E-40DD-AFC4-6F175D3DCCD1}">
-                <a14:hiddenFill xmlns:a14="http://schemas.microsoft.com/office/drawing/2010/main">
-                  <a:solidFill>
-                    <a:srgbClr val="FFFFFF"/>
-                  </a:solidFill>
-                </a14:hiddenFill>
-              </a:ext>
-              <a:ext uri="{91240B29-F687-4F45-9708-019B960494DF}">
-                <a14:hiddenLine xmlns:a14="http://schemas.microsoft.com/office/drawing/2010/main" w="9525">
-                  <a:solidFill>
-                    <a:srgbClr val="000000"/>
-                  </a:solidFill>
-                  <a:miter lim="800000"/>
-                  <a:headEnd/>
-                  <a:tailEnd/>
-                </a14:hiddenLine>
-              </a:ext>
-            </a:extLst>
-          </p:spPr>
-        </p:pic>
-      </p:grpSp>
-    </p:spTree>
-    <p:extLst>
-      <p:ext uri="{BB962C8B-B14F-4D97-AF65-F5344CB8AC3E}">
-        <p14:creationId xmlns:p14="http://schemas.microsoft.com/office/powerpoint/2010/main" val="295525147"/>
-      </p:ext>
-    </p:extLst>
-  </p:cSld>
-  <p:clrMapOvr>
-    <a:masterClrMapping/>
-  </p:clrMapOvr>
-  <p:timing>
-    <p:tnLst>
-      <p:par>
-        <p:cTn id="1" dur="indefinite" restart="never" nodeType="tmRoot"/>
-      </p:par>
-    </p:tnLst>
-  </p:timing>
-</p:sld>
-</file>
-
-<file path=ppt/slides/slide31.xml><?xml version="1.0" encoding="utf-8"?>
-<p:sld xmlns:a="http://schemas.openxmlformats.org/drawingml/2006/main" xmlns:r="http://schemas.openxmlformats.org/officeDocument/2006/relationships" xmlns:p="http://schemas.openxmlformats.org/presentationml/2006/main">
-  <p:cSld>
-    <p:spTree>
-      <p:nvGrpSpPr>
-        <p:cNvPr id="1" name=""/>
-        <p:cNvGrpSpPr/>
-        <p:nvPr/>
-      </p:nvGrpSpPr>
-      <p:grpSpPr>
-        <a:xfrm>
-          <a:off x="0" y="0"/>
-          <a:ext cx="0" cy="0"/>
-          <a:chOff x="0" y="0"/>
-          <a:chExt cx="0" cy="0"/>
-        </a:xfrm>
-      </p:grpSpPr>
-      <p:sp>
-        <p:nvSpPr>
-          <p:cNvPr id="2" name="Title 1"/>
-          <p:cNvSpPr>
-            <a:spLocks noGrp="1"/>
-          </p:cNvSpPr>
-          <p:nvPr>
-            <p:ph type="title"/>
-          </p:nvPr>
-        </p:nvSpPr>
-        <p:spPr/>
-        <p:txBody>
-          <a:bodyPr/>
-          <a:lstStyle/>
-          <a:p>
-            <a:r>
-              <a:rPr lang="en-US" smtClean="0"/>
-              <a:t>Outline</a:t>
-            </a:r>
-            <a:endParaRPr lang="en-US" dirty="0"/>
-          </a:p>
-        </p:txBody>
-      </p:sp>
-      <p:sp>
-        <p:nvSpPr>
-          <p:cNvPr id="3" name="Content Placeholder 2"/>
-          <p:cNvSpPr>
-            <a:spLocks noGrp="1"/>
-          </p:cNvSpPr>
-          <p:nvPr>
-            <p:ph idx="1"/>
-          </p:nvPr>
-        </p:nvSpPr>
-        <p:spPr/>
-        <p:txBody>
-          <a:bodyPr/>
-          <a:lstStyle/>
-          <a:p>
-            <a:r>
-              <a:rPr lang="en-US" dirty="0" smtClean="0"/>
-              <a:t>Functional domains</a:t>
-            </a:r>
-          </a:p>
-          <a:p>
-            <a:r>
-              <a:rPr lang="en-US" dirty="0" smtClean="0"/>
-              <a:t>Network architecture of a car</a:t>
-            </a:r>
-          </a:p>
-          <a:p>
-            <a:r>
-              <a:rPr lang="en-US" b="1" dirty="0" smtClean="0"/>
-              <a:t>Requirements for function realizations</a:t>
-            </a:r>
-          </a:p>
-        </p:txBody>
-      </p:sp>
-      <p:sp>
-        <p:nvSpPr>
-          <p:cNvPr id="4" name="Slide Number Placeholder 3"/>
-          <p:cNvSpPr>
-            <a:spLocks noGrp="1"/>
-          </p:cNvSpPr>
-          <p:nvPr>
-            <p:ph type="sldNum" sz="quarter" idx="4294967295"/>
-          </p:nvPr>
-        </p:nvSpPr>
-        <p:spPr>
-          <a:xfrm>
-            <a:off x="4037946" y="6426739"/>
-            <a:ext cx="992565" cy="276999"/>
-          </a:xfrm>
-          <a:prstGeom prst="rect">
-            <a:avLst/>
-          </a:prstGeom>
-        </p:spPr>
-        <p:txBody>
-          <a:bodyPr/>
-          <a:lstStyle/>
-          <a:p>
-            <a:fld id="{385D65D4-6F63-2147-A957-5093430513A9}" type="slidenum">
-              <a:rPr lang="en-US" smtClean="0"/>
-              <a:t>31</a:t>
-            </a:fld>
-            <a:endParaRPr lang="en-US"/>
-          </a:p>
-        </p:txBody>
-      </p:sp>
-    </p:spTree>
-    <p:extLst>
-      <p:ext uri="{BB962C8B-B14F-4D97-AF65-F5344CB8AC3E}">
-        <p14:creationId xmlns:p14="http://schemas.microsoft.com/office/powerpoint/2010/main" val="2624485368"/>
-      </p:ext>
-    </p:extLst>
-  </p:cSld>
-  <p:clrMapOvr>
-    <a:masterClrMapping/>
-  </p:clrMapOvr>
-  <p:timing>
-    <p:tnLst>
-      <p:par>
-        <p:cTn id="1" dur="indefinite" restart="never" nodeType="tmRoot"/>
-      </p:par>
-    </p:tnLst>
-  </p:timing>
-</p:sld>
-</file>
-
-<file path=ppt/slides/slide32.xml><?xml version="1.0" encoding="utf-8"?>
-<p:sld xmlns:a="http://schemas.openxmlformats.org/drawingml/2006/main" xmlns:r="http://schemas.openxmlformats.org/officeDocument/2006/relationships" xmlns:p="http://schemas.openxmlformats.org/presentationml/2006/main">
-  <p:cSld>
-    <p:spTree>
-      <p:nvGrpSpPr>
-        <p:cNvPr id="1" name=""/>
-        <p:cNvGrpSpPr/>
-        <p:nvPr/>
-      </p:nvGrpSpPr>
-      <p:grpSpPr>
-        <a:xfrm>
-          <a:off x="0" y="0"/>
-          <a:ext cx="0" cy="0"/>
-          <a:chOff x="0" y="0"/>
-          <a:chExt cx="0" cy="0"/>
-        </a:xfrm>
-      </p:grpSpPr>
-      <p:sp>
-        <p:nvSpPr>
-          <p:cNvPr id="6148" name="Rectangle 2"/>
-          <p:cNvSpPr>
-            <a:spLocks noGrp="1" noChangeArrowheads="1"/>
-          </p:cNvSpPr>
-          <p:nvPr>
-            <p:ph type="title"/>
-          </p:nvPr>
-        </p:nvSpPr>
-        <p:spPr/>
-        <p:txBody>
-          <a:bodyPr/>
-          <a:lstStyle/>
-          <a:p>
-            <a:r>
-              <a:rPr lang="en-GB" dirty="0" smtClean="0"/>
-              <a:t>Timeliness </a:t>
-            </a:r>
-            <a:r>
-              <a:rPr lang="en-US" dirty="0"/>
-              <a:t>requirements</a:t>
-            </a:r>
-          </a:p>
-        </p:txBody>
-      </p:sp>
-      <p:sp>
-        <p:nvSpPr>
-          <p:cNvPr id="6150" name="Rectangle 7"/>
-          <p:cNvSpPr>
-            <a:spLocks noGrp="1" noChangeArrowheads="1"/>
-          </p:cNvSpPr>
-          <p:nvPr>
-            <p:ph type="body" idx="1"/>
-          </p:nvPr>
-        </p:nvSpPr>
-        <p:spPr/>
-        <p:txBody>
-          <a:bodyPr/>
-          <a:lstStyle/>
-          <a:p>
-            <a:r>
-              <a:rPr lang="en-GB" dirty="0" smtClean="0"/>
-              <a:t>Example: inflation of an air bag</a:t>
-            </a:r>
-          </a:p>
-          <a:p>
-            <a:pPr lvl="1"/>
-            <a:r>
-              <a:rPr lang="en-GB" dirty="0" smtClean="0"/>
-              <a:t>real-time </a:t>
-            </a:r>
-            <a:r>
-              <a:rPr lang="en-GB" dirty="0" smtClean="0">
-                <a:sym typeface="Symbol" charset="0"/>
-              </a:rPr>
-              <a:t> fast</a:t>
-            </a:r>
-          </a:p>
-          <a:p>
-            <a:pPr lvl="1"/>
-            <a:r>
-              <a:rPr lang="en-US" dirty="0" smtClean="0">
-                <a:sym typeface="Symbol" charset="0"/>
-              </a:rPr>
-              <a:t>real time: fulfill specific timing requirements</a:t>
-            </a:r>
-            <a:endParaRPr lang="en-GB" dirty="0" smtClean="0">
-              <a:sym typeface="Symbol" charset="0"/>
-            </a:endParaRPr>
-          </a:p>
-          <a:p>
-            <a:pPr lvl="2"/>
-            <a:endParaRPr lang="en-GB" dirty="0">
-              <a:sym typeface="Symbol" charset="0"/>
-            </a:endParaRPr>
-          </a:p>
-        </p:txBody>
-      </p:sp>
-      <p:sp>
-        <p:nvSpPr>
-          <p:cNvPr id="2" name="Slide Number Placeholder 1"/>
-          <p:cNvSpPr>
-            <a:spLocks noGrp="1"/>
-          </p:cNvSpPr>
-          <p:nvPr>
-            <p:ph type="sldNum" sz="quarter" idx="4294967295"/>
-          </p:nvPr>
-        </p:nvSpPr>
-        <p:spPr>
-          <a:xfrm>
-            <a:off x="4037946" y="6426739"/>
-            <a:ext cx="992565" cy="276999"/>
-          </a:xfrm>
-          <a:prstGeom prst="rect">
-            <a:avLst/>
-          </a:prstGeom>
-        </p:spPr>
-        <p:txBody>
-          <a:bodyPr/>
-          <a:lstStyle/>
-          <a:p>
-            <a:fld id="{025A855F-C6D8-5944-9B1B-50E202AEB8AD}" type="slidenum">
-              <a:rPr lang="en-US" smtClean="0"/>
-              <a:pPr/>
-              <a:t>32</a:t>
-            </a:fld>
-            <a:endParaRPr lang="en-US"/>
-          </a:p>
-        </p:txBody>
-      </p:sp>
-      <p:pic>
-        <p:nvPicPr>
-          <p:cNvPr id="10" name="Picture 9"/>
-          <p:cNvPicPr>
-            <a:picLocks noChangeAspect="1"/>
-          </p:cNvPicPr>
-          <p:nvPr/>
-        </p:nvPicPr>
-        <p:blipFill>
-          <a:blip r:embed="rId3"/>
-          <a:stretch>
-            <a:fillRect/>
-          </a:stretch>
-        </p:blipFill>
-        <p:spPr>
-          <a:xfrm>
-            <a:off x="947763" y="3105509"/>
-            <a:ext cx="7570961" cy="2876613"/>
-          </a:xfrm>
-          <a:prstGeom prst="rect">
-            <a:avLst/>
-          </a:prstGeom>
-        </p:spPr>
-      </p:pic>
-      <p:cxnSp>
-        <p:nvCxnSpPr>
-          <p:cNvPr id="4" name="Straight Arrow Connector 3"/>
-          <p:cNvCxnSpPr/>
-          <p:nvPr/>
-        </p:nvCxnSpPr>
-        <p:spPr>
-          <a:xfrm>
-            <a:off x="3922889" y="4473223"/>
-            <a:ext cx="2243666" cy="0"/>
-          </a:xfrm>
-          <a:prstGeom prst="straightConnector1">
-            <a:avLst/>
-          </a:prstGeom>
-          <a:ln w="38100" cmpd="sng">
-            <a:solidFill>
-              <a:schemeClr val="tx1"/>
-            </a:solidFill>
-            <a:headEnd type="arrow"/>
-            <a:tailEnd type="arrow"/>
-          </a:ln>
-        </p:spPr>
-        <p:style>
-          <a:lnRef idx="2">
-            <a:schemeClr val="accent1"/>
-          </a:lnRef>
-          <a:fillRef idx="0">
-            <a:schemeClr val="accent1"/>
-          </a:fillRef>
-          <a:effectRef idx="1">
-            <a:schemeClr val="accent1"/>
-          </a:effectRef>
-          <a:fontRef idx="minor">
-            <a:schemeClr val="tx1"/>
-          </a:fontRef>
-        </p:style>
-      </p:cxnSp>
-    </p:spTree>
-    <p:extLst>
-      <p:ext uri="{BB962C8B-B14F-4D97-AF65-F5344CB8AC3E}">
-        <p14:creationId xmlns:p14="http://schemas.microsoft.com/office/powerpoint/2010/main" val="2777818871"/>
-      </p:ext>
-    </p:extLst>
-  </p:cSld>
-  <p:clrMapOvr>
-    <a:masterClrMapping/>
-  </p:clrMapOvr>
-  <p:timing>
-    <p:tnLst>
-      <p:par>
-        <p:cTn id="1" dur="indefinite" restart="never" nodeType="tmRoot"/>
-      </p:par>
-    </p:tnLst>
-  </p:timing>
-</p:sld>
-</file>
-
-<file path=ppt/slides/slide33.xml><?xml version="1.0" encoding="utf-8"?>
-<p:sld xmlns:a="http://schemas.openxmlformats.org/drawingml/2006/main" xmlns:r="http://schemas.openxmlformats.org/officeDocument/2006/relationships" xmlns:p="http://schemas.openxmlformats.org/presentationml/2006/main">
-  <p:cSld>
-    <p:spTree>
-      <p:nvGrpSpPr>
-        <p:cNvPr id="1" name=""/>
-        <p:cNvGrpSpPr/>
-        <p:nvPr/>
-      </p:nvGrpSpPr>
-      <p:grpSpPr>
-        <a:xfrm>
-          <a:off x="0" y="0"/>
-          <a:ext cx="0" cy="0"/>
-          <a:chOff x="0" y="0"/>
-          <a:chExt cx="0" cy="0"/>
-        </a:xfrm>
-      </p:grpSpPr>
-      <p:sp>
-        <p:nvSpPr>
-          <p:cNvPr id="2" name="Title 1"/>
-          <p:cNvSpPr>
-            <a:spLocks noGrp="1"/>
-          </p:cNvSpPr>
-          <p:nvPr>
-            <p:ph type="title"/>
-          </p:nvPr>
-        </p:nvSpPr>
-        <p:spPr/>
-        <p:txBody>
-          <a:bodyPr/>
-          <a:lstStyle/>
-          <a:p>
-            <a:r>
-              <a:rPr lang="en-US" dirty="0" smtClean="0"/>
-              <a:t>Timeliness requirements</a:t>
-            </a:r>
-            <a:endParaRPr lang="en-US" dirty="0"/>
-          </a:p>
-        </p:txBody>
-      </p:sp>
-      <p:sp>
-        <p:nvSpPr>
-          <p:cNvPr id="3" name="Content Placeholder 2"/>
-          <p:cNvSpPr>
-            <a:spLocks noGrp="1"/>
-          </p:cNvSpPr>
-          <p:nvPr>
-            <p:ph idx="1"/>
-          </p:nvPr>
-        </p:nvSpPr>
-        <p:spPr/>
-        <p:txBody>
-          <a:bodyPr>
-            <a:normAutofit/>
-          </a:bodyPr>
-          <a:lstStyle/>
-          <a:p>
-            <a:r>
-              <a:rPr lang="en-US" dirty="0" smtClean="0"/>
-              <a:t>Example: Software </a:t>
-            </a:r>
-            <a:r>
-              <a:rPr lang="en-US" dirty="0"/>
-              <a:t>controlling </a:t>
-            </a:r>
-            <a:r>
-              <a:rPr lang="en-US" dirty="0" smtClean="0"/>
-              <a:t>the deployment of airbags </a:t>
-            </a:r>
-            <a:r>
-              <a:rPr lang="en-US" dirty="0"/>
-              <a:t>has 15 to 40 milliseconds to </a:t>
-            </a:r>
-            <a:r>
-              <a:rPr lang="en-US" dirty="0" smtClean="0"/>
-              <a:t>determine which and in what order to activate</a:t>
-            </a:r>
-            <a:endParaRPr lang="en-US" dirty="0"/>
-          </a:p>
-          <a:p>
-            <a:r>
-              <a:rPr lang="en-US" dirty="0" smtClean="0"/>
-              <a:t>Specification:</a:t>
-            </a:r>
-          </a:p>
-          <a:p>
-            <a:pPr lvl="1"/>
-            <a:r>
-              <a:rPr lang="en-US" dirty="0" smtClean="0"/>
-              <a:t>Lower and upper bounds on the response time</a:t>
-            </a:r>
-          </a:p>
-          <a:p>
-            <a:r>
-              <a:rPr lang="en-US" dirty="0" smtClean="0"/>
-              <a:t>Metrics:</a:t>
-            </a:r>
-          </a:p>
-          <a:p>
-            <a:pPr lvl="1"/>
-            <a:r>
-              <a:rPr lang="en-US" dirty="0" smtClean="0"/>
-              <a:t>Worst-case response time</a:t>
-            </a:r>
-          </a:p>
-          <a:p>
-            <a:pPr lvl="1"/>
-            <a:r>
-              <a:rPr lang="en-US" dirty="0"/>
-              <a:t>Tardiness</a:t>
-            </a:r>
-            <a:endParaRPr lang="en-US" dirty="0" smtClean="0"/>
-          </a:p>
-        </p:txBody>
-      </p:sp>
-      <p:sp>
-        <p:nvSpPr>
-          <p:cNvPr id="4" name="Slide Number Placeholder 3"/>
-          <p:cNvSpPr>
-            <a:spLocks noGrp="1"/>
-          </p:cNvSpPr>
-          <p:nvPr>
-            <p:ph type="sldNum" sz="quarter" idx="4294967295"/>
-          </p:nvPr>
-        </p:nvSpPr>
-        <p:spPr>
-          <a:xfrm>
-            <a:off x="4037946" y="6426739"/>
-            <a:ext cx="992565" cy="276999"/>
-          </a:xfrm>
-          <a:prstGeom prst="rect">
-            <a:avLst/>
-          </a:prstGeom>
-        </p:spPr>
-        <p:txBody>
-          <a:bodyPr/>
-          <a:lstStyle/>
-          <a:p>
-            <a:fld id="{385D65D4-6F63-2147-A957-5093430513A9}" type="slidenum">
-              <a:rPr lang="en-US" smtClean="0"/>
-              <a:t>33</a:t>
-            </a:fld>
-            <a:endParaRPr lang="en-US"/>
-          </a:p>
-        </p:txBody>
-      </p:sp>
-    </p:spTree>
-    <p:extLst>
-      <p:ext uri="{BB962C8B-B14F-4D97-AF65-F5344CB8AC3E}">
-        <p14:creationId xmlns:p14="http://schemas.microsoft.com/office/powerpoint/2010/main" val="2134450788"/>
-      </p:ext>
-    </p:extLst>
-  </p:cSld>
-  <p:clrMapOvr>
-    <a:masterClrMapping/>
-  </p:clrMapOvr>
-  <p:timing>
-    <p:tnLst>
-      <p:par>
-        <p:cTn id="1" dur="indefinite" restart="never" nodeType="tmRoot"/>
-      </p:par>
-    </p:tnLst>
-  </p:timing>
-</p:sld>
-</file>
-
-<file path=ppt/slides/slide34.xml><?xml version="1.0" encoding="utf-8"?>
-<p:sld xmlns:a="http://schemas.openxmlformats.org/drawingml/2006/main" xmlns:r="http://schemas.openxmlformats.org/officeDocument/2006/relationships" xmlns:p="http://schemas.openxmlformats.org/presentationml/2006/main">
-  <p:cSld>
-    <p:spTree>
-      <p:nvGrpSpPr>
-        <p:cNvPr id="1" name=""/>
-        <p:cNvGrpSpPr/>
-        <p:nvPr/>
-      </p:nvGrpSpPr>
-      <p:grpSpPr>
-        <a:xfrm>
-          <a:off x="0" y="0"/>
-          <a:ext cx="0" cy="0"/>
-          <a:chOff x="0" y="0"/>
-          <a:chExt cx="0" cy="0"/>
-        </a:xfrm>
-      </p:grpSpPr>
-      <p:sp>
-        <p:nvSpPr>
-          <p:cNvPr id="2" name="Title 1"/>
-          <p:cNvSpPr>
-            <a:spLocks noGrp="1"/>
-          </p:cNvSpPr>
-          <p:nvPr>
-            <p:ph type="title"/>
-          </p:nvPr>
-        </p:nvSpPr>
-        <p:spPr/>
-        <p:txBody>
-          <a:bodyPr/>
-          <a:lstStyle/>
-          <a:p>
-            <a:r>
-              <a:rPr lang="en-US" dirty="0" smtClean="0"/>
-              <a:t>Dependability requirements</a:t>
-            </a:r>
-            <a:endParaRPr lang="en-US" dirty="0"/>
-          </a:p>
-        </p:txBody>
-      </p:sp>
-      <p:sp>
-        <p:nvSpPr>
-          <p:cNvPr id="3" name="Content Placeholder 2"/>
-          <p:cNvSpPr>
-            <a:spLocks noGrp="1"/>
-          </p:cNvSpPr>
-          <p:nvPr>
-            <p:ph idx="1"/>
-          </p:nvPr>
-        </p:nvSpPr>
-        <p:spPr/>
-        <p:txBody>
-          <a:bodyPr>
-            <a:normAutofit/>
-          </a:bodyPr>
-          <a:lstStyle/>
-          <a:p>
-            <a:r>
-              <a:rPr lang="en-US" dirty="0" smtClean="0"/>
-              <a:t>Specification in 3 dimensions:</a:t>
-            </a:r>
-          </a:p>
-          <a:p>
-            <a:pPr lvl="1"/>
-            <a:r>
-              <a:rPr lang="en-US" dirty="0"/>
-              <a:t>Availability: readiness for correct </a:t>
-            </a:r>
-            <a:r>
-              <a:rPr lang="en-US" dirty="0" smtClean="0"/>
-              <a:t>service</a:t>
-            </a:r>
-          </a:p>
-          <a:p>
-            <a:pPr lvl="2"/>
-            <a:r>
-              <a:rPr lang="en-US" dirty="0" smtClean="0"/>
-              <a:t>Metric: probability </a:t>
-            </a:r>
-            <a:r>
-              <a:rPr lang="en-US" dirty="0"/>
-              <a:t>of the system being ready to </a:t>
-            </a:r>
-            <a:r>
-              <a:rPr lang="en-US" dirty="0" smtClean="0"/>
-              <a:t>use</a:t>
-            </a:r>
-          </a:p>
-          <a:p>
-            <a:pPr lvl="3"/>
-            <a:r>
-              <a:rPr lang="en-US" dirty="0" smtClean="0"/>
-              <a:t>Mean </a:t>
-            </a:r>
-            <a:r>
-              <a:rPr lang="en-US" dirty="0"/>
-              <a:t>Time To </a:t>
-            </a:r>
-            <a:r>
-              <a:rPr lang="en-US" dirty="0" smtClean="0"/>
-              <a:t>Failure (MTTF), Mean </a:t>
-            </a:r>
-            <a:r>
-              <a:rPr lang="en-US" dirty="0"/>
-              <a:t>Time To </a:t>
-            </a:r>
-            <a:r>
-              <a:rPr lang="en-US" dirty="0" smtClean="0"/>
-              <a:t>Repair (MTTR)</a:t>
-            </a:r>
-          </a:p>
-          <a:p>
-            <a:pPr lvl="3"/>
-            <a:r>
-              <a:rPr lang="en-US" dirty="0" smtClean="0"/>
-              <a:t>Availability</a:t>
-            </a:r>
-            <a:r>
-              <a:rPr lang="en-US" dirty="0"/>
-              <a:t>: MTTF/(MTTF+MTTR)</a:t>
-            </a:r>
-            <a:endParaRPr lang="en-US" dirty="0" smtClean="0"/>
-          </a:p>
-          <a:p>
-            <a:pPr lvl="1"/>
-            <a:r>
-              <a:rPr lang="en-US" dirty="0"/>
-              <a:t>Reliability: continuity of correct </a:t>
-            </a:r>
-            <a:r>
-              <a:rPr lang="en-US" dirty="0" smtClean="0"/>
-              <a:t>service</a:t>
-            </a:r>
-          </a:p>
-          <a:p>
-            <a:pPr lvl="2"/>
-            <a:r>
-              <a:rPr lang="en-US" dirty="0" smtClean="0"/>
-              <a:t>Metric: </a:t>
-            </a:r>
-            <a:r>
-              <a:rPr lang="en-US" dirty="0"/>
-              <a:t>expected time until not being available</a:t>
-            </a:r>
-            <a:endParaRPr lang="en-US" dirty="0" smtClean="0"/>
-          </a:p>
-          <a:p>
-            <a:pPr lvl="1"/>
-            <a:r>
-              <a:rPr lang="en-US" dirty="0"/>
-              <a:t>Safety: absence of catastrophic consequences on the </a:t>
-            </a:r>
-            <a:r>
-              <a:rPr lang="en-US" dirty="0" smtClean="0"/>
-              <a:t>user </a:t>
-            </a:r>
-            <a:r>
-              <a:rPr lang="en-US" dirty="0"/>
-              <a:t>and the </a:t>
-            </a:r>
-            <a:r>
-              <a:rPr lang="en-US" dirty="0" smtClean="0"/>
-              <a:t>environment</a:t>
-            </a:r>
-          </a:p>
-          <a:p>
-            <a:pPr lvl="2"/>
-            <a:r>
-              <a:rPr lang="en-US" dirty="0" smtClean="0"/>
-              <a:t>Metric: </a:t>
-            </a:r>
-            <a:r>
-              <a:rPr lang="en-US" dirty="0"/>
-              <a:t>catastrophic </a:t>
-            </a:r>
-            <a:r>
-              <a:rPr lang="en-US" dirty="0" smtClean="0"/>
-              <a:t>states are </a:t>
-            </a:r>
-            <a:r>
-              <a:rPr lang="en-US" dirty="0"/>
-              <a:t>not </a:t>
-            </a:r>
-            <a:r>
-              <a:rPr lang="en-US" dirty="0" smtClean="0"/>
-              <a:t>reachable</a:t>
-            </a:r>
-          </a:p>
-        </p:txBody>
-      </p:sp>
-      <p:sp>
-        <p:nvSpPr>
-          <p:cNvPr id="4" name="Slide Number Placeholder 3"/>
-          <p:cNvSpPr>
-            <a:spLocks noGrp="1"/>
-          </p:cNvSpPr>
-          <p:nvPr>
-            <p:ph type="sldNum" sz="quarter" idx="4294967295"/>
-          </p:nvPr>
-        </p:nvSpPr>
-        <p:spPr>
-          <a:xfrm>
-            <a:off x="4037946" y="6426739"/>
-            <a:ext cx="992565" cy="276999"/>
-          </a:xfrm>
-          <a:prstGeom prst="rect">
-            <a:avLst/>
-          </a:prstGeom>
-        </p:spPr>
-        <p:txBody>
-          <a:bodyPr/>
-          <a:lstStyle/>
-          <a:p>
-            <a:fld id="{385D65D4-6F63-2147-A957-5093430513A9}" type="slidenum">
-              <a:rPr lang="en-US" smtClean="0"/>
-              <a:t>34</a:t>
-            </a:fld>
-            <a:endParaRPr lang="en-US"/>
-          </a:p>
-        </p:txBody>
-      </p:sp>
-    </p:spTree>
-    <p:extLst>
-      <p:ext uri="{BB962C8B-B14F-4D97-AF65-F5344CB8AC3E}">
-        <p14:creationId xmlns:p14="http://schemas.microsoft.com/office/powerpoint/2010/main" val="2197021271"/>
-      </p:ext>
-    </p:extLst>
-  </p:cSld>
-  <p:clrMapOvr>
-    <a:masterClrMapping/>
-  </p:clrMapOvr>
-  <p:timing>
-    <p:tnLst>
-      <p:par>
-        <p:cTn id="1" dur="indefinite" restart="never" nodeType="tmRoot"/>
-      </p:par>
-    </p:tnLst>
-  </p:timing>
-</p:sld>
-</file>
-
-<file path=ppt/slides/slide35.xml><?xml version="1.0" encoding="utf-8"?>
-<p:sld xmlns:a="http://schemas.openxmlformats.org/drawingml/2006/main" xmlns:r="http://schemas.openxmlformats.org/officeDocument/2006/relationships" xmlns:p="http://schemas.openxmlformats.org/presentationml/2006/main">
-  <p:cSld>
-    <p:spTree>
-      <p:nvGrpSpPr>
-        <p:cNvPr id="1" name=""/>
-        <p:cNvGrpSpPr/>
-        <p:nvPr/>
-      </p:nvGrpSpPr>
-      <p:grpSpPr>
-        <a:xfrm>
-          <a:off x="0" y="0"/>
-          <a:ext cx="0" cy="0"/>
-          <a:chOff x="0" y="0"/>
-          <a:chExt cx="0" cy="0"/>
-        </a:xfrm>
-      </p:grpSpPr>
-      <p:sp>
-        <p:nvSpPr>
-          <p:cNvPr id="2" name="Title 1"/>
-          <p:cNvSpPr>
-            <a:spLocks noGrp="1"/>
-          </p:cNvSpPr>
-          <p:nvPr>
-            <p:ph type="title"/>
-          </p:nvPr>
-        </p:nvSpPr>
-        <p:spPr/>
-        <p:txBody>
-          <a:bodyPr/>
-          <a:lstStyle/>
-          <a:p>
-            <a:r>
-              <a:rPr lang="en-US" dirty="0" smtClean="0"/>
-              <a:t>Safety requirements</a:t>
-            </a:r>
-            <a:endParaRPr lang="en-US" dirty="0"/>
-          </a:p>
-        </p:txBody>
-      </p:sp>
-      <p:sp>
-        <p:nvSpPr>
-          <p:cNvPr id="3" name="Content Placeholder 2"/>
-          <p:cNvSpPr>
-            <a:spLocks noGrp="1"/>
-          </p:cNvSpPr>
-          <p:nvPr>
-            <p:ph idx="1"/>
-          </p:nvPr>
-        </p:nvSpPr>
-        <p:spPr/>
-        <p:txBody>
-          <a:bodyPr>
-            <a:normAutofit/>
-          </a:bodyPr>
-          <a:lstStyle/>
-          <a:p>
-            <a:r>
-              <a:rPr lang="en-US" dirty="0"/>
-              <a:t>The controlled system </a:t>
-            </a:r>
-            <a:r>
-              <a:rPr lang="en-US" i="1" dirty="0"/>
-              <a:t>must </a:t>
-            </a:r>
-            <a:r>
-              <a:rPr lang="en-US" dirty="0"/>
-              <a:t>remain </a:t>
-            </a:r>
-            <a:r>
-              <a:rPr lang="en-US" dirty="0" smtClean="0"/>
-              <a:t>safe</a:t>
-            </a:r>
-          </a:p>
-          <a:p>
-            <a:pPr lvl="1"/>
-            <a:r>
-              <a:rPr lang="en-US" dirty="0" smtClean="0"/>
-              <a:t>hazardous </a:t>
-            </a:r>
-            <a:r>
-              <a:rPr lang="en-US" dirty="0"/>
-              <a:t>states unreachable (e.g., extremely </a:t>
-            </a:r>
-            <a:r>
-              <a:rPr lang="en-US" dirty="0" smtClean="0"/>
-              <a:t>high temperatures)</a:t>
-            </a:r>
-          </a:p>
-          <a:p>
-            <a:pPr lvl="1"/>
-            <a:r>
-              <a:rPr lang="en-US" dirty="0" smtClean="0"/>
-              <a:t>even </a:t>
-            </a:r>
-            <a:r>
-              <a:rPr lang="en-US" dirty="0"/>
-              <a:t>in erroneous conditions, safety must be maintained (no “error exit”</a:t>
-            </a:r>
-            <a:r>
-              <a:rPr lang="en-US" dirty="0" smtClean="0"/>
-              <a:t>)</a:t>
-            </a:r>
-          </a:p>
-          <a:p>
-            <a:r>
-              <a:rPr lang="en-US" dirty="0" smtClean="0"/>
-              <a:t>Certification</a:t>
-            </a:r>
-            <a:r>
-              <a:rPr lang="en-US" dirty="0"/>
-              <a:t>: approval by independent </a:t>
-            </a:r>
-            <a:r>
-              <a:rPr lang="en-US" dirty="0" smtClean="0"/>
-              <a:t>agency</a:t>
-            </a:r>
-          </a:p>
-        </p:txBody>
-      </p:sp>
-      <p:sp>
-        <p:nvSpPr>
-          <p:cNvPr id="4" name="Slide Number Placeholder 3"/>
-          <p:cNvSpPr>
-            <a:spLocks noGrp="1"/>
-          </p:cNvSpPr>
-          <p:nvPr>
-            <p:ph type="sldNum" sz="quarter" idx="4294967295"/>
-          </p:nvPr>
-        </p:nvSpPr>
-        <p:spPr>
-          <a:xfrm>
-            <a:off x="4037946" y="6426739"/>
-            <a:ext cx="992565" cy="276999"/>
-          </a:xfrm>
-          <a:prstGeom prst="rect">
-            <a:avLst/>
-          </a:prstGeom>
-        </p:spPr>
-        <p:txBody>
-          <a:bodyPr/>
-          <a:lstStyle/>
-          <a:p>
-            <a:fld id="{385D65D4-6F63-2147-A957-5093430513A9}" type="slidenum">
-              <a:rPr lang="en-US" smtClean="0"/>
-              <a:t>35</a:t>
-            </a:fld>
-            <a:endParaRPr lang="en-US"/>
-          </a:p>
-        </p:txBody>
-      </p:sp>
-    </p:spTree>
-    <p:extLst>
-      <p:ext uri="{BB962C8B-B14F-4D97-AF65-F5344CB8AC3E}">
-        <p14:creationId xmlns:p14="http://schemas.microsoft.com/office/powerpoint/2010/main" val="2160919018"/>
-      </p:ext>
-    </p:extLst>
-  </p:cSld>
-  <p:clrMapOvr>
-    <a:masterClrMapping/>
-  </p:clrMapOvr>
-  <p:timing>
-    <p:tnLst>
-      <p:par>
-        <p:cTn id="1" dur="indefinite" restart="never" nodeType="tmRoot"/>
-      </p:par>
-    </p:tnLst>
-  </p:timing>
-</p:sld>
-</file>
-
 <file path=ppt/slides/slide4.xml><?xml version="1.0" encoding="utf-8"?>
 <p:sld xmlns:a="http://schemas.openxmlformats.org/drawingml/2006/main" xmlns:r="http://schemas.openxmlformats.org/officeDocument/2006/relationships" xmlns:p="http://schemas.openxmlformats.org/presentationml/2006/main">
   <p:cSld>
@@ -30547,7 +24018,7 @@
         </p:spPr>
         <p:txBody>
           <a:bodyPr rtlCol="0">
-            <a:normAutofit/>
+            <a:normAutofit fontScale="92500" lnSpcReduction="20000"/>
           </a:bodyPr>
           <a:lstStyle/>
           <a:p>
@@ -30576,7 +24047,19 @@
             </a:r>
             <a:r>
               <a:rPr lang="en-US" dirty="0" smtClean="0"/>
-              <a:t>the organizations needed to manage a large number of vehicles rent process</a:t>
+              <a:t>the </a:t>
+            </a:r>
+            <a:r>
+              <a:rPr lang="en-US" dirty="0" smtClean="0"/>
+              <a:t>Bangladesh Computer Council (BCC) to </a:t>
+            </a:r>
+            <a:r>
+              <a:rPr lang="en-US" dirty="0" smtClean="0"/>
+              <a:t>manage a large number of vehicles </a:t>
+            </a:r>
+            <a:r>
+              <a:rPr lang="en-US" dirty="0" smtClean="0"/>
+              <a:t>requisition process.</a:t>
             </a:r>
             <a:endParaRPr lang="en-US" dirty="0"/>
           </a:p>
@@ -30621,16 +24104,24 @@
               <a:defRPr/>
             </a:pPr>
             <a:r>
-              <a:rPr lang="en-US" dirty="0" smtClean="0"/>
-              <a:t>Organizations who </a:t>
-            </a:r>
-            <a:r>
               <a:rPr lang="en-US" dirty="0"/>
-              <a:t>have </a:t>
+              <a:t>Another Organizations </a:t>
             </a:r>
             <a:r>
               <a:rPr lang="en-US" dirty="0" smtClean="0"/>
-              <a:t>vehicle requisition facilities</a:t>
+              <a:t>to </a:t>
+            </a:r>
+            <a:r>
+              <a:rPr lang="en-US" dirty="0" smtClean="0"/>
+              <a:t>provide same </a:t>
+            </a:r>
+            <a:r>
+              <a:rPr lang="en-US" dirty="0" smtClean="0"/>
+              <a:t>vehicle requisition </a:t>
+            </a:r>
+            <a:r>
+              <a:rPr lang="en-US" dirty="0" smtClean="0"/>
+              <a:t>facilities .</a:t>
             </a:r>
             <a:endParaRPr lang="en-US" dirty="0"/>
           </a:p>
@@ -30648,8 +24139,9 @@
             </a:pPr>
             <a:r>
               <a:rPr lang="en-US" dirty="0" smtClean="0"/>
-              <a:t>Organizations want to reduce paper work </a:t>
+              <a:t>Organizations with a huge number of Vehicle in their Vehicle pool can also maintain their regular vehicle and driver related works with so much simplicity . </a:t>
             </a:r>
+            <a:endParaRPr lang="en-US" dirty="0" smtClean="0"/>
           </a:p>
           <a:p>
             <a:pPr marL="274320" indent="-274320" eaLnBrk="1" fontAlgn="auto" hangingPunct="1">
@@ -30665,7 +24157,11 @@
             </a:pPr>
             <a:r>
               <a:rPr lang="en-US" dirty="0" smtClean="0"/>
-              <a:t>Organizations want to make the rent/requisition process smarter.</a:t>
+              <a:t>Organizations who </a:t>
+            </a:r>
+            <a:r>
+              <a:rPr lang="en-US" dirty="0" smtClean="0"/>
+              <a:t>want to make the rent/requisition process smarter.</a:t>
             </a:r>
             <a:endParaRPr lang="fr-BE" dirty="0"/>
           </a:p>
@@ -30759,7 +24255,12 @@
             <p:ph idx="1"/>
           </p:nvPr>
         </p:nvSpPr>
-        <p:spPr/>
+        <p:spPr>
+          <a:xfrm>
+            <a:off x="872067" y="1828800"/>
+            <a:ext cx="7408333" cy="4800600"/>
+          </a:xfrm>
+        </p:spPr>
         <p:txBody>
           <a:bodyPr/>
           <a:lstStyle/>
@@ -30770,8 +24271,92 @@
               </a:lnSpc>
             </a:pPr>
             <a:r>
-              <a:rPr lang="en-US" dirty="0" smtClean="0"/>
-              <a:t>It is a web based application</a:t>
+              <a:rPr lang="en-US" sz="1800" dirty="0" smtClean="0"/>
+              <a:t>It is a web based </a:t>
+            </a:r>
+            <a:r>
+              <a:rPr lang="en-US" sz="1800" dirty="0" smtClean="0"/>
+              <a:t>application .</a:t>
+            </a:r>
+            <a:endParaRPr lang="en-US" sz="1800" dirty="0" smtClean="0"/>
+          </a:p>
+          <a:p>
+            <a:pPr>
+              <a:lnSpc>
+                <a:spcPct val="150000"/>
+              </a:lnSpc>
+            </a:pPr>
+            <a:r>
+              <a:rPr lang="en-US" sz="1800" dirty="0" smtClean="0"/>
+              <a:t>Employee </a:t>
+            </a:r>
+            <a:r>
+              <a:rPr lang="en-US" sz="1800" dirty="0" smtClean="0"/>
+              <a:t>request for </a:t>
+            </a:r>
+            <a:r>
+              <a:rPr lang="en-US" sz="1800" dirty="0" smtClean="0"/>
+              <a:t>requisition </a:t>
+            </a:r>
+            <a:r>
+              <a:rPr lang="en-US" sz="1800" dirty="0" smtClean="0"/>
+              <a:t>using their web browser through </a:t>
+            </a:r>
+            <a:r>
+              <a:rPr lang="en-US" sz="1800" dirty="0" smtClean="0"/>
+              <a:t>internet .</a:t>
+            </a:r>
+            <a:endParaRPr lang="en-US" sz="1800" dirty="0" smtClean="0"/>
+          </a:p>
+          <a:p>
+            <a:pPr>
+              <a:lnSpc>
+                <a:spcPct val="150000"/>
+              </a:lnSpc>
+            </a:pPr>
+            <a:r>
+              <a:rPr lang="en-US" sz="1800" dirty="0" smtClean="0"/>
+              <a:t>A controller will get the request through internet and will assign a vehicle against the </a:t>
+            </a:r>
+            <a:r>
+              <a:rPr lang="en-US" sz="1800" dirty="0" smtClean="0"/>
+              <a:t>request .</a:t>
+            </a:r>
+            <a:endParaRPr lang="en-US" sz="1800" dirty="0" smtClean="0"/>
+          </a:p>
+          <a:p>
+            <a:pPr>
+              <a:lnSpc>
+                <a:spcPct val="150000"/>
+              </a:lnSpc>
+            </a:pPr>
+            <a:r>
+              <a:rPr lang="en-US" sz="1800" dirty="0" smtClean="0"/>
+              <a:t>After successful vehicle assigning process system </a:t>
+            </a:r>
+            <a:r>
+              <a:rPr lang="en-US" sz="1800" dirty="0" smtClean="0"/>
+              <a:t>will send </a:t>
+            </a:r>
+            <a:r>
+              <a:rPr lang="en-US" sz="1800" dirty="0" smtClean="0"/>
+              <a:t>notification </a:t>
+            </a:r>
+            <a:r>
+              <a:rPr lang="en-US" sz="1800" dirty="0" smtClean="0"/>
+              <a:t>to the requester and </a:t>
+            </a:r>
+            <a:r>
+              <a:rPr lang="en-US" sz="1800" dirty="0" smtClean="0"/>
+              <a:t>the </a:t>
+            </a:r>
+            <a:r>
+              <a:rPr lang="en-US" sz="1800" dirty="0" smtClean="0"/>
+              <a:t>driver </a:t>
+            </a:r>
+            <a:r>
+              <a:rPr lang="en-US" sz="1800" dirty="0" smtClean="0"/>
+              <a:t>through Email and also in our website .</a:t>
             </a:r>
           </a:p>
           <a:p>
@@ -30781,8 +24366,12 @@
               </a:lnSpc>
             </a:pPr>
             <a:r>
+              <a:rPr lang="en-US" sz="1800" dirty="0" smtClean="0"/>
+              <a:t>Controller, employee and driver can also communicate with each other against any requisition during different state of requisition . It will eliminate communication gap between each other.</a:t>
+            </a:r>
+            <a:r>
               <a:rPr lang="en-US" dirty="0" smtClean="0"/>
-              <a:t>People request for rent/requisition using their web browser through internet</a:t>
+              <a:t> </a:t>
             </a:r>
           </a:p>
           <a:p>
@@ -30791,21 +24380,6 @@
                 <a:spcPct val="150000"/>
               </a:lnSpc>
             </a:pPr>
-            <a:r>
-              <a:rPr lang="en-US" dirty="0" smtClean="0"/>
-              <a:t>A controller will get the request through internet and will assign a vehicle against the request</a:t>
-            </a:r>
-          </a:p>
-          <a:p>
-            <a:pPr>
-              <a:lnSpc>
-                <a:spcPct val="150000"/>
-              </a:lnSpc>
-            </a:pPr>
-            <a:r>
-              <a:rPr lang="en-US" dirty="0" smtClean="0"/>
-              <a:t>Controllers action will send as a notification to the requester and then driver of assigned vehicle</a:t>
-            </a:r>
             <a:endParaRPr lang="en-US" dirty="0"/>
           </a:p>
         </p:txBody>
@@ -30844,7 +24418,61 @@
       </p:grpSpPr>
       <p:sp>
         <p:nvSpPr>
-          <p:cNvPr id="22531" name="Title 1"/>
+          <p:cNvPr id="39938" name="Content Placeholder 2"/>
+          <p:cNvSpPr>
+            <a:spLocks noGrp="1"/>
+          </p:cNvSpPr>
+          <p:nvPr>
+            <p:ph idx="1"/>
+          </p:nvPr>
+        </p:nvSpPr>
+        <p:spPr>
+          <a:xfrm>
+            <a:off x="871538" y="1828800"/>
+            <a:ext cx="7408862" cy="4724400"/>
+          </a:xfrm>
+        </p:spPr>
+        <p:txBody>
+          <a:bodyPr/>
+          <a:lstStyle/>
+          <a:p>
+            <a:pPr eaLnBrk="1" hangingPunct="1">
+              <a:buFont typeface="Arial" charset="0"/>
+              <a:buChar char="•"/>
+            </a:pPr>
+            <a:r>
+              <a:rPr lang="fr-BE" altLang="en-US" b="1" dirty="0" smtClean="0">
+                <a:solidFill>
+                  <a:srgbClr val="0B5395"/>
+                </a:solidFill>
+              </a:rPr>
+              <a:t>BKIICT</a:t>
+            </a:r>
+          </a:p>
+          <a:p>
+            <a:pPr eaLnBrk="1" hangingPunct="1">
+              <a:buFont typeface="Arial" charset="0"/>
+              <a:buChar char="•"/>
+            </a:pPr>
+            <a:r>
+              <a:rPr lang="fr-BE" altLang="en-US" b="1" dirty="0" smtClean="0">
+                <a:solidFill>
+                  <a:srgbClr val="0B5395"/>
+                </a:solidFill>
+              </a:rPr>
+              <a:t>BCC</a:t>
+            </a:r>
+            <a:endParaRPr lang="fr-BE" altLang="en-US" dirty="0" smtClean="0">
+              <a:solidFill>
+                <a:srgbClr val="0B5395"/>
+              </a:solidFill>
+            </a:endParaRPr>
+          </a:p>
+        </p:txBody>
+      </p:sp>
+      <p:sp>
+        <p:nvSpPr>
+          <p:cNvPr id="39939" name="Title 1"/>
           <p:cNvSpPr>
             <a:spLocks noGrp="1"/>
           </p:cNvSpPr>
@@ -30860,112 +24488,8 @@
             <a:pPr eaLnBrk="1" hangingPunct="1"/>
             <a:r>
               <a:rPr lang="fr-BE" altLang="en-US" b="1" smtClean="0"/>
-              <a:t>Software development process</a:t>
+              <a:t>Project partners</a:t>
             </a:r>
-          </a:p>
-        </p:txBody>
-      </p:sp>
-      <p:sp>
-        <p:nvSpPr>
-          <p:cNvPr id="2" name="Content Placeholder 1"/>
-          <p:cNvSpPr>
-            <a:spLocks noGrp="1"/>
-          </p:cNvSpPr>
-          <p:nvPr>
-            <p:ph idx="1"/>
-          </p:nvPr>
-        </p:nvSpPr>
-        <p:spPr>
-          <a:xfrm>
-            <a:off x="914400" y="2057400"/>
-            <a:ext cx="7408333" cy="4038600"/>
-          </a:xfrm>
-        </p:spPr>
-        <p:txBody>
-          <a:bodyPr/>
-          <a:lstStyle/>
-          <a:p>
-            <a:pPr>
-              <a:lnSpc>
-                <a:spcPct val="150000"/>
-              </a:lnSpc>
-            </a:pPr>
-            <a:r>
-              <a:rPr lang="en-US" dirty="0"/>
-              <a:t>Identifying user requirements</a:t>
-            </a:r>
-          </a:p>
-          <a:p>
-            <a:pPr>
-              <a:lnSpc>
-                <a:spcPct val="150000"/>
-              </a:lnSpc>
-            </a:pPr>
-            <a:r>
-              <a:rPr lang="en-US" dirty="0"/>
-              <a:t>Processing structural complexity of languages</a:t>
-            </a:r>
-          </a:p>
-          <a:p>
-            <a:pPr>
-              <a:lnSpc>
-                <a:spcPct val="150000"/>
-              </a:lnSpc>
-            </a:pPr>
-            <a:r>
-              <a:rPr lang="en-US" dirty="0"/>
-              <a:t>Processing ambiguity in meaning of words</a:t>
-            </a:r>
-          </a:p>
-          <a:p>
-            <a:pPr>
-              <a:lnSpc>
-                <a:spcPct val="150000"/>
-              </a:lnSpc>
-            </a:pPr>
-            <a:r>
-              <a:rPr lang="en-US" dirty="0" smtClean="0"/>
-              <a:t>Designing </a:t>
-            </a:r>
-            <a:r>
-              <a:rPr lang="en-US" dirty="0"/>
-              <a:t>system architecture &amp; user </a:t>
-            </a:r>
-            <a:r>
-              <a:rPr lang="en-US" dirty="0" smtClean="0"/>
-              <a:t>interface</a:t>
-            </a:r>
-          </a:p>
-          <a:p>
-            <a:pPr>
-              <a:lnSpc>
-                <a:spcPct val="150000"/>
-              </a:lnSpc>
-            </a:pPr>
-            <a:r>
-              <a:rPr lang="en-US" dirty="0"/>
-              <a:t>Generating personalized </a:t>
-            </a:r>
-            <a:r>
-              <a:rPr lang="en-US" dirty="0" smtClean="0"/>
-              <a:t>documents</a:t>
-            </a:r>
-          </a:p>
-          <a:p>
-            <a:pPr>
-              <a:lnSpc>
-                <a:spcPct val="150000"/>
-              </a:lnSpc>
-            </a:pPr>
-            <a:r>
-              <a:rPr lang="en-US" dirty="0"/>
-              <a:t>Testing &amp; </a:t>
-            </a:r>
-            <a:r>
-              <a:rPr lang="en-US" dirty="0" smtClean="0"/>
-              <a:t>evaluation</a:t>
-            </a:r>
-            <a:endParaRPr lang="en-US" dirty="0"/>
           </a:p>
         </p:txBody>
       </p:sp>
@@ -31003,338 +24527,7 @@
       </p:grpSpPr>
       <p:sp>
         <p:nvSpPr>
-          <p:cNvPr id="3" name="Content Placeholder 2"/>
-          <p:cNvSpPr>
-            <a:spLocks noGrp="1"/>
-          </p:cNvSpPr>
-          <p:nvPr>
-            <p:ph idx="1"/>
-          </p:nvPr>
-        </p:nvSpPr>
-        <p:spPr>
-          <a:xfrm>
-            <a:off x="871538" y="1828800"/>
-            <a:ext cx="7408862" cy="4724400"/>
-          </a:xfrm>
-        </p:spPr>
-        <p:txBody>
-          <a:bodyPr rtlCol="0">
-            <a:normAutofit/>
-          </a:bodyPr>
-          <a:lstStyle/>
-          <a:p>
-            <a:pPr marL="0" indent="0" eaLnBrk="1" fontAlgn="auto" hangingPunct="1">
-              <a:spcAft>
-                <a:spcPts val="0"/>
-              </a:spcAft>
-              <a:buFont typeface="Arial" pitchFamily="34" charset="0"/>
-              <a:buNone/>
-              <a:defRPr/>
-            </a:pPr>
-            <a:r>
-              <a:rPr lang="fr-BE" sz="2800" b="1" dirty="0" err="1" smtClean="0"/>
-              <a:t>Designing</a:t>
-            </a:r>
-            <a:r>
-              <a:rPr lang="fr-BE" sz="2800" b="1" dirty="0" smtClean="0"/>
-              <a:t> system </a:t>
-            </a:r>
-            <a:r>
-              <a:rPr lang="fr-BE" sz="2800" b="1" dirty="0"/>
-              <a:t>architecture &amp;</a:t>
-            </a:r>
-            <a:r>
-              <a:rPr lang="fr-BE" sz="2800" b="1" dirty="0" smtClean="0"/>
-              <a:t> user interface</a:t>
-            </a:r>
-          </a:p>
-          <a:p>
-            <a:pPr marL="274320" indent="-274320" eaLnBrk="1" fontAlgn="auto" hangingPunct="1">
-              <a:spcAft>
-                <a:spcPts val="0"/>
-              </a:spcAft>
-              <a:buFont typeface="Arial" pitchFamily="34" charset="0"/>
-              <a:buChar char="•"/>
-              <a:defRPr/>
-            </a:pPr>
-            <a:r>
-              <a:rPr lang="fr-BE" dirty="0" err="1"/>
-              <a:t>Combining</a:t>
-            </a:r>
-            <a:r>
-              <a:rPr lang="fr-BE" dirty="0"/>
-              <a:t> the parts </a:t>
-            </a:r>
-            <a:r>
-              <a:rPr lang="fr-BE" dirty="0" smtClean="0"/>
-              <a:t>to </a:t>
-            </a:r>
-            <a:r>
-              <a:rPr lang="fr-BE" dirty="0" err="1" smtClean="0"/>
-              <a:t>create</a:t>
-            </a:r>
-            <a:r>
-              <a:rPr lang="fr-BE" dirty="0" smtClean="0"/>
-              <a:t> a </a:t>
-            </a:r>
-            <a:r>
-              <a:rPr lang="fr-BE" dirty="0" err="1" smtClean="0"/>
-              <a:t>functioning</a:t>
-            </a:r>
-            <a:r>
-              <a:rPr lang="fr-BE" dirty="0" smtClean="0"/>
-              <a:t> software system </a:t>
-            </a:r>
-          </a:p>
-          <a:p>
-            <a:pPr marL="274320" indent="-274320" eaLnBrk="1" fontAlgn="auto" hangingPunct="1">
-              <a:spcAft>
-                <a:spcPts val="0"/>
-              </a:spcAft>
-              <a:buFont typeface="Arial" pitchFamily="34" charset="0"/>
-              <a:buChar char="•"/>
-              <a:defRPr/>
-            </a:pPr>
-            <a:r>
-              <a:rPr lang="fr-BE" dirty="0" err="1" smtClean="0"/>
-              <a:t>Designing</a:t>
-            </a:r>
-            <a:r>
-              <a:rPr lang="fr-BE" dirty="0" smtClean="0"/>
-              <a:t> a user interface </a:t>
-            </a:r>
-            <a:r>
-              <a:rPr lang="fr-BE" dirty="0"/>
-              <a:t>for people </a:t>
-            </a:r>
-            <a:r>
-              <a:rPr lang="fr-BE" dirty="0" err="1"/>
-              <a:t>with</a:t>
-            </a:r>
-            <a:r>
-              <a:rPr lang="fr-BE" dirty="0"/>
-              <a:t> </a:t>
-            </a:r>
-            <a:r>
-              <a:rPr lang="fr-BE" dirty="0" err="1" smtClean="0"/>
-              <a:t>Autism</a:t>
-            </a:r>
-            <a:r>
-              <a:rPr lang="fr-BE" dirty="0" smtClean="0"/>
-              <a:t> </a:t>
-            </a:r>
-            <a:r>
-              <a:rPr lang="fr-BE" dirty="0" err="1" smtClean="0"/>
-              <a:t>that</a:t>
-            </a:r>
-            <a:r>
-              <a:rPr lang="fr-BE" dirty="0" smtClean="0"/>
-              <a:t> </a:t>
-            </a:r>
-            <a:r>
-              <a:rPr lang="fr-BE" dirty="0" err="1" smtClean="0"/>
-              <a:t>contains</a:t>
-            </a:r>
-            <a:r>
-              <a:rPr lang="fr-BE" dirty="0" smtClean="0"/>
-              <a:t> minimal </a:t>
-            </a:r>
-            <a:r>
-              <a:rPr lang="fr-BE" dirty="0" err="1" smtClean="0"/>
-              <a:t>visual</a:t>
-            </a:r>
-            <a:r>
-              <a:rPr lang="fr-BE" dirty="0" smtClean="0"/>
-              <a:t> distractions</a:t>
-            </a:r>
-          </a:p>
-          <a:p>
-            <a:pPr marL="274320" indent="-274320" eaLnBrk="1" fontAlgn="auto" hangingPunct="1">
-              <a:spcAft>
-                <a:spcPts val="0"/>
-              </a:spcAft>
-              <a:buFont typeface="Arial" pitchFamily="34" charset="0"/>
-              <a:buChar char="•"/>
-              <a:defRPr/>
-            </a:pPr>
-            <a:r>
-              <a:rPr lang="fr-BE" dirty="0" err="1" smtClean="0"/>
-              <a:t>Designing</a:t>
-            </a:r>
-            <a:r>
-              <a:rPr lang="fr-BE" dirty="0" smtClean="0"/>
-              <a:t> a user interface for </a:t>
-            </a:r>
-            <a:r>
-              <a:rPr lang="fr-BE" dirty="0" err="1" smtClean="0"/>
-              <a:t>intermediaries</a:t>
-            </a:r>
-            <a:r>
-              <a:rPr lang="fr-BE" dirty="0" smtClean="0"/>
-              <a:t> </a:t>
-            </a:r>
-            <a:r>
-              <a:rPr lang="fr-BE" dirty="0" err="1" smtClean="0"/>
-              <a:t>who</a:t>
-            </a:r>
-            <a:r>
-              <a:rPr lang="fr-BE" dirty="0" smtClean="0"/>
-              <a:t> </a:t>
-            </a:r>
-            <a:r>
-              <a:rPr lang="fr-BE" dirty="0" err="1" smtClean="0"/>
-              <a:t>will</a:t>
-            </a:r>
-            <a:r>
-              <a:rPr lang="fr-BE" dirty="0" smtClean="0"/>
-              <a:t> help people </a:t>
-            </a:r>
-            <a:r>
-              <a:rPr lang="fr-BE" dirty="0" err="1" smtClean="0"/>
-              <a:t>with</a:t>
-            </a:r>
-            <a:r>
-              <a:rPr lang="fr-BE" dirty="0" smtClean="0"/>
-              <a:t> </a:t>
-            </a:r>
-            <a:r>
-              <a:rPr lang="fr-BE" dirty="0" err="1" smtClean="0"/>
-              <a:t>Autism</a:t>
-            </a:r>
-            <a:r>
-              <a:rPr lang="fr-BE" dirty="0" smtClean="0"/>
-              <a:t> to use the software</a:t>
-            </a:r>
-          </a:p>
-          <a:p>
-            <a:pPr marL="274320" indent="-274320" eaLnBrk="1" fontAlgn="auto" hangingPunct="1">
-              <a:spcAft>
-                <a:spcPts val="0"/>
-              </a:spcAft>
-              <a:buFont typeface="Arial" pitchFamily="34" charset="0"/>
-              <a:buChar char="•"/>
-              <a:defRPr/>
-            </a:pPr>
-            <a:r>
-              <a:rPr lang="fr-BE" dirty="0" smtClean="0"/>
-              <a:t>User interface </a:t>
-            </a:r>
-            <a:r>
-              <a:rPr lang="fr-BE" dirty="0" err="1" smtClean="0"/>
-              <a:t>will</a:t>
-            </a:r>
-            <a:r>
-              <a:rPr lang="fr-BE" dirty="0" smtClean="0"/>
-              <a:t> </a:t>
-            </a:r>
-            <a:r>
-              <a:rPr lang="fr-BE" dirty="0" err="1" smtClean="0"/>
-              <a:t>be</a:t>
-            </a:r>
-            <a:r>
-              <a:rPr lang="fr-BE" dirty="0" smtClean="0"/>
-              <a:t> accessible on desktop, </a:t>
-            </a:r>
-            <a:r>
-              <a:rPr lang="fr-BE" dirty="0" err="1" smtClean="0"/>
-              <a:t>laptop</a:t>
-            </a:r>
-            <a:r>
-              <a:rPr lang="fr-BE" dirty="0" smtClean="0"/>
-              <a:t> &amp; </a:t>
-            </a:r>
-            <a:r>
-              <a:rPr lang="fr-BE" dirty="0" err="1" smtClean="0"/>
-              <a:t>tablet</a:t>
-            </a:r>
-            <a:r>
-              <a:rPr lang="fr-BE" dirty="0" smtClean="0"/>
-              <a:t> computers (if </a:t>
-            </a:r>
-            <a:r>
-              <a:rPr lang="fr-BE" dirty="0" err="1" smtClean="0"/>
-              <a:t>there</a:t>
-            </a:r>
-            <a:r>
-              <a:rPr lang="fr-BE" dirty="0" smtClean="0"/>
-              <a:t> </a:t>
-            </a:r>
-            <a:r>
-              <a:rPr lang="fr-BE" dirty="0" err="1" smtClean="0"/>
-              <a:t>is</a:t>
-            </a:r>
-            <a:r>
-              <a:rPr lang="fr-BE" dirty="0" smtClean="0"/>
-              <a:t> </a:t>
-            </a:r>
-            <a:r>
-              <a:rPr lang="fr-BE" dirty="0" err="1" smtClean="0"/>
-              <a:t>enough</a:t>
-            </a:r>
-            <a:r>
-              <a:rPr lang="fr-BE" dirty="0" smtClean="0"/>
-              <a:t> </a:t>
-            </a:r>
-            <a:r>
-              <a:rPr lang="fr-BE" dirty="0" err="1" smtClean="0"/>
-              <a:t>demand</a:t>
-            </a:r>
-            <a:r>
-              <a:rPr lang="fr-BE" dirty="0" smtClean="0"/>
-              <a:t>, </a:t>
-            </a:r>
-            <a:r>
-              <a:rPr lang="fr-BE" dirty="0" err="1" smtClean="0"/>
-              <a:t>also</a:t>
-            </a:r>
-            <a:r>
-              <a:rPr lang="fr-BE" dirty="0" smtClean="0"/>
-              <a:t> on for hand-</a:t>
-            </a:r>
-            <a:r>
-              <a:rPr lang="fr-BE" dirty="0" err="1" smtClean="0"/>
-              <a:t>held</a:t>
-            </a:r>
-            <a:r>
-              <a:rPr lang="fr-BE" dirty="0" smtClean="0"/>
-              <a:t> </a:t>
-            </a:r>
-            <a:r>
-              <a:rPr lang="fr-BE" dirty="0" err="1" smtClean="0"/>
-              <a:t>devices</a:t>
-            </a:r>
-            <a:r>
-              <a:rPr lang="fr-BE" dirty="0" smtClean="0"/>
-              <a:t>)</a:t>
-            </a:r>
-          </a:p>
-          <a:p>
-            <a:pPr marL="274320" indent="-274320" eaLnBrk="1" fontAlgn="auto" hangingPunct="1">
-              <a:spcAft>
-                <a:spcPts val="0"/>
-              </a:spcAft>
-              <a:buFont typeface="Arial" pitchFamily="34" charset="0"/>
-              <a:buChar char="•"/>
-              <a:defRPr/>
-            </a:pPr>
-            <a:endParaRPr lang="fr-BE" dirty="0" smtClean="0"/>
-          </a:p>
-          <a:p>
-            <a:pPr marL="274320" indent="-274320" eaLnBrk="1" fontAlgn="auto" hangingPunct="1">
-              <a:spcAft>
-                <a:spcPts val="0"/>
-              </a:spcAft>
-              <a:buFont typeface="Arial" pitchFamily="34" charset="0"/>
-              <a:buChar char="•"/>
-              <a:defRPr/>
-            </a:pPr>
-            <a:endParaRPr lang="fr-BE" dirty="0"/>
-          </a:p>
-        </p:txBody>
-      </p:sp>
-      <p:sp>
-        <p:nvSpPr>
-          <p:cNvPr id="29699" name="Title 1"/>
+          <p:cNvPr id="2" name="Title 1"/>
           <p:cNvSpPr>
             <a:spLocks noGrp="1"/>
           </p:cNvSpPr>
@@ -31347,16 +24540,180 @@
           <a:bodyPr/>
           <a:lstStyle/>
           <a:p>
-            <a:pPr eaLnBrk="1" hangingPunct="1"/>
             <a:r>
-              <a:rPr lang="fr-BE" altLang="en-US" b="1" smtClean="0"/>
-              <a:t>Software development process</a:t>
+              <a:rPr lang="en-US" dirty="0" smtClean="0"/>
+              <a:t>Process flow</a:t>
             </a:r>
-            <a:endParaRPr lang="fr-BE" altLang="en-US" sz="2700" b="1" smtClean="0"/>
+            <a:endParaRPr lang="en-US" dirty="0"/>
           </a:p>
         </p:txBody>
       </p:sp>
+      <p:graphicFrame>
+        <p:nvGraphicFramePr>
+          <p:cNvPr id="3" name="Diagram 2"/>
+          <p:cNvGraphicFramePr/>
+          <p:nvPr>
+            <p:extLst>
+              <p:ext uri="{D42A27DB-BD31-4B8C-83A1-F6EECF244321}">
+                <p14:modId xmlns:p14="http://schemas.microsoft.com/office/powerpoint/2010/main" val="3574260112"/>
+              </p:ext>
+            </p:extLst>
+          </p:nvPr>
+        </p:nvGraphicFramePr>
+        <p:xfrm>
+          <a:off x="228600" y="1778000"/>
+          <a:ext cx="8763000" cy="1346200"/>
+        </p:xfrm>
+        <a:graphic>
+          <a:graphicData uri="http://schemas.openxmlformats.org/drawingml/2006/diagram">
+            <dgm:relIds xmlns:dgm="http://schemas.openxmlformats.org/drawingml/2006/diagram" xmlns:r="http://schemas.openxmlformats.org/officeDocument/2006/relationships" r:dm="rId2" r:lo="rId3" r:qs="rId4" r:cs="rId5"/>
+          </a:graphicData>
+        </a:graphic>
+      </p:graphicFrame>
+      <p:graphicFrame>
+        <p:nvGraphicFramePr>
+          <p:cNvPr id="9" name="Diagram 8"/>
+          <p:cNvGraphicFramePr/>
+          <p:nvPr>
+            <p:extLst>
+              <p:ext uri="{D42A27DB-BD31-4B8C-83A1-F6EECF244321}">
+                <p14:modId xmlns:p14="http://schemas.microsoft.com/office/powerpoint/2010/main" val="769660343"/>
+              </p:ext>
+            </p:extLst>
+          </p:nvPr>
+        </p:nvGraphicFramePr>
+        <p:xfrm>
+          <a:off x="228600" y="3886200"/>
+          <a:ext cx="8839200" cy="914400"/>
+        </p:xfrm>
+        <a:graphic>
+          <a:graphicData uri="http://schemas.openxmlformats.org/drawingml/2006/diagram">
+            <dgm:relIds xmlns:dgm="http://schemas.openxmlformats.org/drawingml/2006/diagram" xmlns:r="http://schemas.openxmlformats.org/officeDocument/2006/relationships" r:dm="rId7" r:lo="rId8" r:qs="rId9" r:cs="rId10"/>
+          </a:graphicData>
+        </a:graphic>
+      </p:graphicFrame>
+      <p:grpSp>
+        <p:nvGrpSpPr>
+          <p:cNvPr id="25" name="Group 24"/>
+          <p:cNvGrpSpPr/>
+          <p:nvPr/>
+        </p:nvGrpSpPr>
+        <p:grpSpPr>
+          <a:xfrm rot="16200000">
+            <a:off x="7242490" y="3356289"/>
+            <a:ext cx="755024" cy="304797"/>
+            <a:chOff x="4276871" y="295226"/>
+            <a:chExt cx="1038320" cy="323760"/>
+          </a:xfrm>
+        </p:grpSpPr>
+        <p:sp>
+          <p:nvSpPr>
+            <p:cNvPr id="26" name="Right Arrow 25"/>
+            <p:cNvSpPr/>
+            <p:nvPr/>
+          </p:nvSpPr>
+          <p:spPr>
+            <a:xfrm flipH="1" flipV="1">
+              <a:off x="4276871" y="295226"/>
+              <a:ext cx="1038320" cy="323760"/>
+            </a:xfrm>
+            <a:prstGeom prst="rightArrow">
+              <a:avLst>
+                <a:gd name="adj1" fmla="val 60000"/>
+                <a:gd name="adj2" fmla="val 50000"/>
+              </a:avLst>
+            </a:prstGeom>
+          </p:spPr>
+          <p:style>
+            <a:lnRef idx="0">
+              <a:schemeClr val="accent1">
+                <a:tint val="60000"/>
+                <a:hueOff val="0"/>
+                <a:satOff val="0"/>
+                <a:lumOff val="0"/>
+                <a:alphaOff val="0"/>
+              </a:schemeClr>
+            </a:lnRef>
+            <a:fillRef idx="1">
+              <a:schemeClr val="accent1">
+                <a:tint val="60000"/>
+                <a:hueOff val="0"/>
+                <a:satOff val="0"/>
+                <a:lumOff val="0"/>
+                <a:alphaOff val="0"/>
+              </a:schemeClr>
+            </a:fillRef>
+            <a:effectRef idx="0">
+              <a:schemeClr val="accent1">
+                <a:tint val="60000"/>
+                <a:hueOff val="0"/>
+                <a:satOff val="0"/>
+                <a:lumOff val="0"/>
+                <a:alphaOff val="0"/>
+              </a:schemeClr>
+            </a:effectRef>
+            <a:fontRef idx="minor">
+              <a:schemeClr val="lt1"/>
+            </a:fontRef>
+          </p:style>
+        </p:sp>
+        <p:sp>
+          <p:nvSpPr>
+            <p:cNvPr id="27" name="Right Arrow 4"/>
+            <p:cNvSpPr txBox="1"/>
+            <p:nvPr/>
+          </p:nvSpPr>
+          <p:spPr>
+            <a:xfrm rot="10800000">
+              <a:off x="4373999" y="359978"/>
+              <a:ext cx="941192" cy="194256"/>
+            </a:xfrm>
+            <a:prstGeom prst="rect">
+              <a:avLst/>
+            </a:prstGeom>
+          </p:spPr>
+          <p:style>
+            <a:lnRef idx="0">
+              <a:scrgbClr r="0" g="0" b="0"/>
+            </a:lnRef>
+            <a:fillRef idx="0">
+              <a:scrgbClr r="0" g="0" b="0"/>
+            </a:fillRef>
+            <a:effectRef idx="0">
+              <a:scrgbClr r="0" g="0" b="0"/>
+            </a:effectRef>
+            <a:fontRef idx="minor">
+              <a:schemeClr val="lt1"/>
+            </a:fontRef>
+          </p:style>
+          <p:txBody>
+            <a:bodyPr spcFirstLastPara="0" vert="horz" wrap="square" lIns="0" tIns="0" rIns="0" bIns="0" numCol="1" spcCol="1270" anchor="ctr" anchorCtr="0">
+              <a:noAutofit/>
+            </a:bodyPr>
+            <a:lstStyle/>
+            <a:p>
+              <a:pPr lvl="0" algn="ctr" defTabSz="577850">
+                <a:lnSpc>
+                  <a:spcPct val="90000"/>
+                </a:lnSpc>
+                <a:spcBef>
+                  <a:spcPct val="0"/>
+                </a:spcBef>
+                <a:spcAft>
+                  <a:spcPct val="35000"/>
+                </a:spcAft>
+              </a:pPr>
+              <a:endParaRPr lang="en-US" sz="1300" kern="1200"/>
+            </a:p>
+          </p:txBody>
+        </p:sp>
+      </p:grpSp>
     </p:spTree>
+    <p:extLst>
+      <p:ext uri="{BB962C8B-B14F-4D97-AF65-F5344CB8AC3E}">
+        <p14:creationId xmlns:p14="http://schemas.microsoft.com/office/powerpoint/2010/main" val="692049674"/>
+      </p:ext>
+    </p:extLst>
   </p:cSld>
   <p:clrMapOvr>
     <a:masterClrMapping/>
@@ -31390,36 +24747,7 @@
       </p:grpSpPr>
       <p:sp>
         <p:nvSpPr>
-          <p:cNvPr id="34818" name="Content Placeholder 2"/>
-          <p:cNvSpPr>
-            <a:spLocks noGrp="1"/>
-          </p:cNvSpPr>
-          <p:nvPr>
-            <p:ph idx="1"/>
-          </p:nvPr>
-        </p:nvSpPr>
-        <p:spPr>
-          <a:xfrm>
-            <a:off x="871538" y="1828800"/>
-            <a:ext cx="7408862" cy="4724400"/>
-          </a:xfrm>
-        </p:spPr>
-        <p:txBody>
-          <a:bodyPr/>
-          <a:lstStyle/>
-          <a:p>
-            <a:pPr eaLnBrk="1" hangingPunct="1"/>
-            <a:endParaRPr lang="fr-BE" altLang="en-US" dirty="0" smtClean="0">
-              <a:solidFill>
-                <a:srgbClr val="0B5395"/>
-              </a:solidFill>
-            </a:endParaRPr>
-          </a:p>
-        </p:txBody>
-      </p:sp>
-      <p:sp>
-        <p:nvSpPr>
-          <p:cNvPr id="34819" name="Title 1"/>
+          <p:cNvPr id="3" name="Title 2"/>
           <p:cNvSpPr>
             <a:spLocks noGrp="1"/>
           </p:cNvSpPr>
@@ -31427,20 +24755,35 @@
             <p:ph type="title"/>
           </p:nvPr>
         </p:nvSpPr>
-        <p:spPr/>
+        <p:spPr>
+          <a:xfrm>
+            <a:off x="457200" y="685800"/>
+            <a:ext cx="8229600" cy="5105400"/>
+          </a:xfrm>
+        </p:spPr>
         <p:txBody>
           <a:bodyPr/>
           <a:lstStyle/>
           <a:p>
-            <a:pPr eaLnBrk="1" hangingPunct="1"/>
             <a:r>
-              <a:rPr lang="fr-BE" altLang="en-US" b="1" smtClean="0"/>
-              <a:t>The final product</a:t>
+              <a:rPr lang="en-US" dirty="0">
+                <a:solidFill>
+                  <a:schemeClr val="bg2">
+                    <a:lumMod val="50000"/>
+                  </a:schemeClr>
+                </a:solidFill>
+              </a:rPr>
+              <a:t>Website Overview</a:t>
             </a:r>
           </a:p>
         </p:txBody>
       </p:sp>
     </p:spTree>
+    <p:extLst>
+      <p:ext uri="{BB962C8B-B14F-4D97-AF65-F5344CB8AC3E}">
+        <p14:creationId xmlns:p14="http://schemas.microsoft.com/office/powerpoint/2010/main" val="2277825426"/>
+      </p:ext>
+    </p:extLst>
   </p:cSld>
   <p:clrMapOvr>
     <a:masterClrMapping/>
@@ -31474,36 +24817,7 @@
       </p:grpSpPr>
       <p:sp>
         <p:nvSpPr>
-          <p:cNvPr id="35842" name="Content Placeholder 2"/>
-          <p:cNvSpPr>
-            <a:spLocks noGrp="1"/>
-          </p:cNvSpPr>
-          <p:nvPr>
-            <p:ph idx="1"/>
-          </p:nvPr>
-        </p:nvSpPr>
-        <p:spPr>
-          <a:xfrm>
-            <a:off x="871538" y="1828800"/>
-            <a:ext cx="7408862" cy="4724400"/>
-          </a:xfrm>
-        </p:spPr>
-        <p:txBody>
-          <a:bodyPr/>
-          <a:lstStyle/>
-          <a:p>
-            <a:pPr eaLnBrk="1" hangingPunct="1"/>
-            <a:endParaRPr lang="fr-BE" altLang="en-US" dirty="0" smtClean="0">
-              <a:solidFill>
-                <a:srgbClr val="0B5395"/>
-              </a:solidFill>
-            </a:endParaRPr>
-          </a:p>
-        </p:txBody>
-      </p:sp>
-      <p:sp>
-        <p:nvSpPr>
-          <p:cNvPr id="35843" name="Title 1"/>
+          <p:cNvPr id="2" name="Title 1"/>
           <p:cNvSpPr>
             <a:spLocks noGrp="1"/>
           </p:cNvSpPr>
@@ -31516,15 +24830,74 @@
           <a:bodyPr/>
           <a:lstStyle/>
           <a:p>
-            <a:pPr eaLnBrk="1" hangingPunct="1"/>
             <a:r>
-              <a:rPr lang="fr-BE" altLang="en-US" b="1" smtClean="0"/>
-              <a:t>Technical specifications</a:t>
+              <a:rPr lang="en-US" dirty="0" smtClean="0"/>
+              <a:t>Login-page</a:t>
             </a:r>
+            <a:endParaRPr lang="en-US" dirty="0"/>
           </a:p>
         </p:txBody>
       </p:sp>
+      <p:pic>
+        <p:nvPicPr>
+          <p:cNvPr id="64514" name="Picture 2"/>
+          <p:cNvPicPr>
+            <a:picLocks noChangeAspect="1" noChangeArrowheads="1"/>
+          </p:cNvPicPr>
+          <p:nvPr/>
+        </p:nvPicPr>
+        <p:blipFill>
+          <a:blip r:embed="rId2">
+            <a:extLst>
+              <a:ext uri="{28A0092B-C50C-407E-A947-70E740481C1C}">
+                <a14:useLocalDpi xmlns:a14="http://schemas.microsoft.com/office/drawing/2010/main" val="0"/>
+              </a:ext>
+            </a:extLst>
+          </a:blip>
+          <a:srcRect/>
+          <a:stretch>
+            <a:fillRect/>
+          </a:stretch>
+        </p:blipFill>
+        <p:spPr bwMode="auto">
+          <a:xfrm>
+            <a:off x="228600" y="1905000"/>
+            <a:ext cx="8686800" cy="4068526"/>
+          </a:xfrm>
+          <a:prstGeom prst="rect">
+            <a:avLst/>
+          </a:prstGeom>
+          <a:noFill/>
+          <a:ln>
+            <a:noFill/>
+          </a:ln>
+          <a:extLst>
+            <a:ext uri="{909E8E84-426E-40DD-AFC4-6F175D3DCCD1}">
+              <a14:hiddenFill xmlns:a14="http://schemas.microsoft.com/office/drawing/2010/main">
+                <a:solidFill>
+                  <a:schemeClr val="accent1"/>
+                </a:solidFill>
+              </a14:hiddenFill>
+            </a:ext>
+            <a:ext uri="{91240B29-F687-4F45-9708-019B960494DF}">
+              <a14:hiddenLine xmlns:a14="http://schemas.microsoft.com/office/drawing/2010/main" w="9525">
+                <a:solidFill>
+                  <a:schemeClr val="tx1"/>
+                </a:solidFill>
+                <a:miter lim="800000"/>
+                <a:headEnd/>
+                <a:tailEnd/>
+              </a14:hiddenLine>
+            </a:ext>
+          </a:extLst>
+        </p:spPr>
+      </p:pic>
     </p:spTree>
+    <p:extLst>
+      <p:ext uri="{BB962C8B-B14F-4D97-AF65-F5344CB8AC3E}">
+        <p14:creationId xmlns:p14="http://schemas.microsoft.com/office/powerpoint/2010/main" val="1326550911"/>
+      </p:ext>
+    </p:extLst>
   </p:cSld>
   <p:clrMapOvr>
     <a:masterClrMapping/>
